--- a/zz_document/project_Parfait/1_1_ユーザ分析_ver.0.1.pptx
+++ b/zz_document/project_Parfait/1_1_ユーザ分析_ver.0.1.pptx
@@ -5,30 +5,31 @@
     <p:sldMasterId id="2147483672" r:id="rId1"/>
   </p:sldMasterIdLst>
   <p:notesMasterIdLst>
-    <p:notesMasterId r:id="rId23"/>
+    <p:notesMasterId r:id="rId24"/>
   </p:notesMasterIdLst>
   <p:sldIdLst>
     <p:sldId id="269" r:id="rId2"/>
     <p:sldId id="271" r:id="rId3"/>
-    <p:sldId id="270" r:id="rId4"/>
-    <p:sldId id="272" r:id="rId5"/>
-    <p:sldId id="273" r:id="rId6"/>
-    <p:sldId id="274" r:id="rId7"/>
-    <p:sldId id="275" r:id="rId8"/>
-    <p:sldId id="276" r:id="rId9"/>
-    <p:sldId id="277" r:id="rId10"/>
-    <p:sldId id="278" r:id="rId11"/>
-    <p:sldId id="279" r:id="rId12"/>
-    <p:sldId id="280" r:id="rId13"/>
-    <p:sldId id="281" r:id="rId14"/>
-    <p:sldId id="282" r:id="rId15"/>
-    <p:sldId id="283" r:id="rId16"/>
-    <p:sldId id="284" r:id="rId17"/>
-    <p:sldId id="285" r:id="rId18"/>
-    <p:sldId id="286" r:id="rId19"/>
-    <p:sldId id="287" r:id="rId20"/>
-    <p:sldId id="288" r:id="rId21"/>
-    <p:sldId id="289" r:id="rId22"/>
+    <p:sldId id="290" r:id="rId4"/>
+    <p:sldId id="270" r:id="rId5"/>
+    <p:sldId id="272" r:id="rId6"/>
+    <p:sldId id="273" r:id="rId7"/>
+    <p:sldId id="274" r:id="rId8"/>
+    <p:sldId id="275" r:id="rId9"/>
+    <p:sldId id="276" r:id="rId10"/>
+    <p:sldId id="277" r:id="rId11"/>
+    <p:sldId id="278" r:id="rId12"/>
+    <p:sldId id="279" r:id="rId13"/>
+    <p:sldId id="280" r:id="rId14"/>
+    <p:sldId id="281" r:id="rId15"/>
+    <p:sldId id="282" r:id="rId16"/>
+    <p:sldId id="283" r:id="rId17"/>
+    <p:sldId id="284" r:id="rId18"/>
+    <p:sldId id="285" r:id="rId19"/>
+    <p:sldId id="286" r:id="rId20"/>
+    <p:sldId id="287" r:id="rId21"/>
+    <p:sldId id="288" r:id="rId22"/>
+    <p:sldId id="289" r:id="rId23"/>
   </p:sldIdLst>
   <p:sldSz cx="9906000" cy="6858000" type="A4"/>
   <p:notesSz cx="6858000" cy="9144000"/>
@@ -134,6 +135,7 @@
           <p14:sldIdLst>
             <p14:sldId id="269"/>
             <p14:sldId id="271"/>
+            <p14:sldId id="290"/>
             <p14:sldId id="270"/>
             <p14:sldId id="272"/>
             <p14:sldId id="273"/>
@@ -273,7 +275,7 @@
           <a:p>
             <a:fld id="{74CD797E-91A6-476A-B9B4-2CC9BB98892C}" type="datetimeFigureOut">
               <a:rPr kumimoji="1" lang="ja-JP" altLang="en-US" smtClean="0"/>
-              <a:t>2022/3/2</a:t>
+              <a:t>2022/3/26</a:t>
             </a:fld>
             <a:endParaRPr kumimoji="1" lang="ja-JP" altLang="en-US"/>
           </a:p>
@@ -572,6 +574,90 @@
 </p:notesMaster>
 </file>
 
+<file path=ppt/notesSlides/notesSlide1.xml><?xml version="1.0" encoding="utf-8"?>
+<p:notes xmlns:a="http://schemas.openxmlformats.org/drawingml/2006/main" xmlns:r="http://schemas.openxmlformats.org/officeDocument/2006/relationships" xmlns:p="http://schemas.openxmlformats.org/presentationml/2006/main">
+  <p:cSld>
+    <p:spTree>
+      <p:nvGrpSpPr>
+        <p:cNvPr id="1" name=""/>
+        <p:cNvGrpSpPr/>
+        <p:nvPr/>
+      </p:nvGrpSpPr>
+      <p:grpSpPr>
+        <a:xfrm>
+          <a:off x="0" y="0"/>
+          <a:ext cx="0" cy="0"/>
+          <a:chOff x="0" y="0"/>
+          <a:chExt cx="0" cy="0"/>
+        </a:xfrm>
+      </p:grpSpPr>
+      <p:sp>
+        <p:nvSpPr>
+          <p:cNvPr id="2" name="Slide Image Placeholder 1"/>
+          <p:cNvSpPr>
+            <a:spLocks noGrp="1" noRot="1" noChangeAspect="1"/>
+          </p:cNvSpPr>
+          <p:nvPr>
+            <p:ph type="sldImg"/>
+          </p:nvPr>
+        </p:nvSpPr>
+        <p:spPr/>
+      </p:sp>
+      <p:sp>
+        <p:nvSpPr>
+          <p:cNvPr id="3" name="Notes Placeholder 2"/>
+          <p:cNvSpPr>
+            <a:spLocks noGrp="1"/>
+          </p:cNvSpPr>
+          <p:nvPr>
+            <p:ph type="body" idx="1"/>
+          </p:nvPr>
+        </p:nvSpPr>
+        <p:spPr/>
+        <p:txBody>
+          <a:bodyPr/>
+          <a:lstStyle/>
+          <a:p>
+            <a:endParaRPr kumimoji="1" lang="ja-JP" altLang="en-US" dirty="0"/>
+          </a:p>
+        </p:txBody>
+      </p:sp>
+      <p:sp>
+        <p:nvSpPr>
+          <p:cNvPr id="4" name="Slide Number Placeholder 3"/>
+          <p:cNvSpPr>
+            <a:spLocks noGrp="1"/>
+          </p:cNvSpPr>
+          <p:nvPr>
+            <p:ph type="sldNum" sz="quarter" idx="5"/>
+          </p:nvPr>
+        </p:nvSpPr>
+        <p:spPr/>
+        <p:txBody>
+          <a:bodyPr/>
+          <a:lstStyle/>
+          <a:p>
+            <a:fld id="{887F2072-A40B-4EFF-9C20-81BE26844D72}" type="slidenum">
+              <a:rPr kumimoji="1" lang="ja-JP" altLang="en-US" smtClean="0"/>
+              <a:t>2</a:t>
+            </a:fld>
+            <a:endParaRPr kumimoji="1" lang="ja-JP" altLang="en-US"/>
+          </a:p>
+        </p:txBody>
+      </p:sp>
+    </p:spTree>
+    <p:extLst>
+      <p:ext uri="{BB962C8B-B14F-4D97-AF65-F5344CB8AC3E}">
+        <p14:creationId xmlns:p14="http://schemas.microsoft.com/office/powerpoint/2010/main" val="788652411"/>
+      </p:ext>
+    </p:extLst>
+  </p:cSld>
+  <p:clrMapOvr>
+    <a:masterClrMapping/>
+  </p:clrMapOvr>
+</p:notes>
+</file>
+
 <file path=ppt/slideLayouts/slideLayout1.xml><?xml version="1.0" encoding="utf-8"?>
 <p:sldLayout xmlns:a="http://schemas.openxmlformats.org/drawingml/2006/main" xmlns:r="http://schemas.openxmlformats.org/officeDocument/2006/relationships" xmlns:p="http://schemas.openxmlformats.org/presentationml/2006/main" type="title" preserve="1">
   <p:cSld name="タイトル スライド">
@@ -703,7 +789,7 @@
           <a:p>
             <a:fld id="{D3FD91DA-464E-41AC-AA10-A6CC6DFC0679}" type="datetime1">
               <a:rPr kumimoji="1" lang="ja-JP" altLang="en-US" smtClean="0"/>
-              <a:t>2022/3/2</a:t>
+              <a:t>2022/3/26</a:t>
             </a:fld>
             <a:endParaRPr kumimoji="1" lang="ja-JP" altLang="en-US"/>
           </a:p>
@@ -905,7 +991,7 @@
           <a:p>
             <a:fld id="{571FA43C-A9B9-4DB5-9712-ECC118B6A9E8}" type="datetime1">
               <a:rPr kumimoji="1" lang="ja-JP" altLang="en-US" smtClean="0"/>
-              <a:t>2022/3/2</a:t>
+              <a:t>2022/3/26</a:t>
             </a:fld>
             <a:endParaRPr kumimoji="1" lang="ja-JP" altLang="en-US"/>
           </a:p>
@@ -1117,7 +1203,7 @@
           <a:p>
             <a:fld id="{77C66867-ACD1-4342-AAB6-F21FE0FDA808}" type="datetime1">
               <a:rPr kumimoji="1" lang="ja-JP" altLang="en-US" smtClean="0"/>
-              <a:t>2022/3/2</a:t>
+              <a:t>2022/3/26</a:t>
             </a:fld>
             <a:endParaRPr kumimoji="1" lang="ja-JP" altLang="en-US"/>
           </a:p>
@@ -1319,7 +1405,7 @@
           <a:p>
             <a:fld id="{1062A8DA-0C19-4835-974C-9E03294E09F5}" type="datetime1">
               <a:rPr kumimoji="1" lang="ja-JP" altLang="en-US" smtClean="0"/>
-              <a:t>2022/3/2</a:t>
+              <a:t>2022/3/26</a:t>
             </a:fld>
             <a:endParaRPr kumimoji="1" lang="ja-JP" altLang="en-US"/>
           </a:p>
@@ -1563,7 +1649,7 @@
           <a:p>
             <a:fld id="{36738114-5D0B-4690-928B-E6FB871EB909}" type="datetime1">
               <a:rPr kumimoji="1" lang="ja-JP" altLang="en-US" smtClean="0"/>
-              <a:t>2022/3/2</a:t>
+              <a:t>2022/3/26</a:t>
             </a:fld>
             <a:endParaRPr kumimoji="1" lang="ja-JP" altLang="en-US"/>
           </a:p>
@@ -1859,7 +1945,7 @@
           <a:p>
             <a:fld id="{37032C66-1797-43D7-A77F-B745A1458647}" type="datetime1">
               <a:rPr kumimoji="1" lang="ja-JP" altLang="en-US" smtClean="0"/>
-              <a:t>2022/3/2</a:t>
+              <a:t>2022/3/26</a:t>
             </a:fld>
             <a:endParaRPr kumimoji="1" lang="ja-JP" altLang="en-US"/>
           </a:p>
@@ -2290,7 +2376,7 @@
           <a:p>
             <a:fld id="{3AD76951-0195-4BF2-A848-40F260AABB89}" type="datetime1">
               <a:rPr kumimoji="1" lang="ja-JP" altLang="en-US" smtClean="0"/>
-              <a:t>2022/3/2</a:t>
+              <a:t>2022/3/26</a:t>
             </a:fld>
             <a:endParaRPr kumimoji="1" lang="ja-JP" altLang="en-US"/>
           </a:p>
@@ -2408,7 +2494,7 @@
           <a:p>
             <a:fld id="{83D0591A-F963-4DE3-AF72-4968A1F7D17B}" type="datetime1">
               <a:rPr kumimoji="1" lang="ja-JP" altLang="en-US" smtClean="0"/>
-              <a:t>2022/3/2</a:t>
+              <a:t>2022/3/26</a:t>
             </a:fld>
             <a:endParaRPr kumimoji="1" lang="ja-JP" altLang="en-US"/>
           </a:p>
@@ -2503,7 +2589,7 @@
           <a:p>
             <a:fld id="{11BA0D88-378D-4ECD-BC66-AFAD17A1DBB7}" type="datetime1">
               <a:rPr kumimoji="1" lang="ja-JP" altLang="en-US" smtClean="0"/>
-              <a:t>2022/3/2</a:t>
+              <a:t>2022/3/26</a:t>
             </a:fld>
             <a:endParaRPr kumimoji="1" lang="ja-JP" altLang="en-US"/>
           </a:p>
@@ -2812,7 +2898,7 @@
           <a:p>
             <a:fld id="{09B6A893-2031-4A21-AB22-D251BFEEFADB}" type="datetime1">
               <a:rPr kumimoji="1" lang="ja-JP" altLang="en-US" smtClean="0"/>
-              <a:t>2022/3/2</a:t>
+              <a:t>2022/3/26</a:t>
             </a:fld>
             <a:endParaRPr kumimoji="1" lang="ja-JP" altLang="en-US"/>
           </a:p>
@@ -3069,7 +3155,7 @@
           <a:p>
             <a:fld id="{AF479822-7151-4C93-A7B0-E31BFECD4B49}" type="datetime1">
               <a:rPr kumimoji="1" lang="ja-JP" altLang="en-US" smtClean="0"/>
-              <a:t>2022/3/2</a:t>
+              <a:t>2022/3/26</a:t>
             </a:fld>
             <a:endParaRPr kumimoji="1" lang="ja-JP" altLang="en-US"/>
           </a:p>
@@ -3314,7 +3400,7 @@
           <a:p>
             <a:fld id="{3753EB1F-E888-44F6-9A81-862A0B16A4F7}" type="datetime1">
               <a:rPr kumimoji="1" lang="ja-JP" altLang="en-US" smtClean="0"/>
-              <a:t>2022/3/2</a:t>
+              <a:t>2022/3/26</a:t>
             </a:fld>
             <a:endParaRPr kumimoji="1" lang="ja-JP" altLang="en-US"/>
           </a:p>
@@ -6684,7 +6770,7 @@
         </p:nvSpPr>
         <p:spPr>
           <a:xfrm>
-            <a:off x="3283193" y="1164404"/>
+            <a:off x="935005" y="3551439"/>
             <a:ext cx="4432840" cy="1369331"/>
           </a:xfrm>
           <a:prstGeom prst="rect">
@@ -6740,6 +6826,84 @@
               <a:rPr kumimoji="1" lang="ja-JP" altLang="en-US" dirty="0"/>
               <a:t>→ある程度想像でも細分化してみる</a:t>
             </a:r>
+          </a:p>
+        </p:txBody>
+      </p:sp>
+      <p:sp>
+        <p:nvSpPr>
+          <p:cNvPr id="18" name="正方形/長方形 5">
+            <a:extLst>
+              <a:ext uri="{FF2B5EF4-FFF2-40B4-BE49-F238E27FC236}">
+                <a16:creationId xmlns:a16="http://schemas.microsoft.com/office/drawing/2014/main" id="{CB55862D-30EC-4A5C-AC85-50D61008AC0D}"/>
+              </a:ext>
+            </a:extLst>
+          </p:cNvPr>
+          <p:cNvSpPr/>
+          <p:nvPr/>
+        </p:nvSpPr>
+        <p:spPr>
+          <a:xfrm>
+            <a:off x="6631709" y="1945291"/>
+            <a:ext cx="4432840" cy="1369331"/>
+          </a:xfrm>
+          <a:prstGeom prst="rect">
+            <a:avLst/>
+          </a:prstGeom>
+        </p:spPr>
+        <p:style>
+          <a:lnRef idx="2">
+            <a:schemeClr val="accent1">
+              <a:shade val="50000"/>
+            </a:schemeClr>
+          </a:lnRef>
+          <a:fillRef idx="1">
+            <a:schemeClr val="accent1"/>
+          </a:fillRef>
+          <a:effectRef idx="0">
+            <a:schemeClr val="accent1"/>
+          </a:effectRef>
+          <a:fontRef idx="minor">
+            <a:schemeClr val="lt1"/>
+          </a:fontRef>
+        </p:style>
+        <p:txBody>
+          <a:bodyPr rtlCol="0" anchor="ctr"/>
+          <a:lstStyle/>
+          <a:p>
+            <a:pPr algn="ctr"/>
+            <a:r>
+              <a:rPr kumimoji="1" lang="en-US" altLang="ja-JP" dirty="0"/>
+              <a:t>1,3</a:t>
+            </a:r>
+            <a:r>
+              <a:rPr kumimoji="1" lang="ja-JP" altLang="en-US" dirty="0"/>
+              <a:t>の層のボリューム人口は、</a:t>
+            </a:r>
+            <a:endParaRPr kumimoji="1" lang="en-US" altLang="ja-JP" dirty="0"/>
+          </a:p>
+          <a:p>
+            <a:pPr algn="ctr"/>
+            <a:r>
+              <a:rPr kumimoji="1" lang="ja-JP" altLang="en-US" dirty="0"/>
+              <a:t>年①</a:t>
+            </a:r>
+            <a:r>
+              <a:rPr kumimoji="1" lang="en-US" altLang="ja-JP" dirty="0"/>
+              <a:t>1,2</a:t>
+            </a:r>
+            <a:r>
+              <a:rPr kumimoji="1" lang="ja-JP" altLang="en-US" dirty="0"/>
+              <a:t>回する海外旅行で外国人とお話</a:t>
+            </a:r>
+            <a:endParaRPr kumimoji="1" lang="en-US" altLang="ja-JP" dirty="0"/>
+          </a:p>
+          <a:p>
+            <a:pPr algn="ctr"/>
+            <a:r>
+              <a:rPr kumimoji="1" lang="ja-JP" altLang="en-US" dirty="0"/>
+              <a:t>できるといいよなあくらいな動機</a:t>
+            </a:r>
+            <a:endParaRPr kumimoji="1" lang="en-US" altLang="ja-JP" dirty="0"/>
           </a:p>
         </p:txBody>
       </p:sp>
@@ -6778,6 +6942,120 @@
           <p:cNvPr id="2" name="タイトル 1">
             <a:extLst>
               <a:ext uri="{FF2B5EF4-FFF2-40B4-BE49-F238E27FC236}">
+                <a16:creationId xmlns:a16="http://schemas.microsoft.com/office/drawing/2014/main" id="{9B3EEB55-E4A8-4C4C-91B6-893F58FFF7B9}"/>
+              </a:ext>
+            </a:extLst>
+          </p:cNvPr>
+          <p:cNvSpPr>
+            <a:spLocks noGrp="1"/>
+          </p:cNvSpPr>
+          <p:nvPr>
+            <p:ph type="title"/>
+          </p:nvPr>
+        </p:nvSpPr>
+        <p:spPr/>
+        <p:txBody>
+          <a:bodyPr/>
+          <a:lstStyle/>
+          <a:p>
+            <a:endParaRPr kumimoji="1" lang="ja-JP" altLang="en-US"/>
+          </a:p>
+        </p:txBody>
+      </p:sp>
+      <p:sp>
+        <p:nvSpPr>
+          <p:cNvPr id="3" name="スライド番号プレースホルダー 2">
+            <a:extLst>
+              <a:ext uri="{FF2B5EF4-FFF2-40B4-BE49-F238E27FC236}">
+                <a16:creationId xmlns:a16="http://schemas.microsoft.com/office/drawing/2014/main" id="{9F9572F5-5499-47A4-B891-6504E6D2BA1E}"/>
+              </a:ext>
+            </a:extLst>
+          </p:cNvPr>
+          <p:cNvSpPr>
+            <a:spLocks noGrp="1"/>
+          </p:cNvSpPr>
+          <p:nvPr>
+            <p:ph type="sldNum" sz="quarter" idx="12"/>
+          </p:nvPr>
+        </p:nvSpPr>
+        <p:spPr/>
+        <p:txBody>
+          <a:bodyPr/>
+          <a:lstStyle/>
+          <a:p>
+            <a:fld id="{3AFE6E60-CD60-443C-BB33-38BE591B4EDC}" type="slidenum">
+              <a:rPr kumimoji="1" lang="ja-JP" altLang="en-US" smtClean="0"/>
+              <a:t>10</a:t>
+            </a:fld>
+            <a:endParaRPr kumimoji="1" lang="ja-JP" altLang="en-US"/>
+          </a:p>
+        </p:txBody>
+      </p:sp>
+      <p:pic>
+        <p:nvPicPr>
+          <p:cNvPr id="5" name="図 4">
+            <a:extLst>
+              <a:ext uri="{FF2B5EF4-FFF2-40B4-BE49-F238E27FC236}">
+                <a16:creationId xmlns:a16="http://schemas.microsoft.com/office/drawing/2014/main" id="{E1461E74-DBDB-4C86-A595-8F8C07B1E687}"/>
+              </a:ext>
+            </a:extLst>
+          </p:cNvPr>
+          <p:cNvPicPr>
+            <a:picLocks noChangeAspect="1"/>
+          </p:cNvPicPr>
+          <p:nvPr/>
+        </p:nvPicPr>
+        <p:blipFill>
+          <a:blip r:embed="rId2"/>
+          <a:stretch>
+            <a:fillRect/>
+          </a:stretch>
+        </p:blipFill>
+        <p:spPr>
+          <a:xfrm>
+            <a:off x="1342521" y="332943"/>
+            <a:ext cx="7220958" cy="6192114"/>
+          </a:xfrm>
+          <a:prstGeom prst="rect">
+            <a:avLst/>
+          </a:prstGeom>
+        </p:spPr>
+      </p:pic>
+    </p:spTree>
+    <p:extLst>
+      <p:ext uri="{BB962C8B-B14F-4D97-AF65-F5344CB8AC3E}">
+        <p14:creationId xmlns:p14="http://schemas.microsoft.com/office/powerpoint/2010/main" val="475124416"/>
+      </p:ext>
+    </p:extLst>
+  </p:cSld>
+  <p:clrMapOvr>
+    <a:masterClrMapping/>
+  </p:clrMapOvr>
+</p:sld>
+</file>
+
+<file path=ppt/slides/slide11.xml><?xml version="1.0" encoding="utf-8"?>
+<p:sld xmlns:a="http://schemas.openxmlformats.org/drawingml/2006/main" xmlns:r="http://schemas.openxmlformats.org/officeDocument/2006/relationships" xmlns:p="http://schemas.openxmlformats.org/presentationml/2006/main">
+  <p:cSld>
+    <p:spTree>
+      <p:nvGrpSpPr>
+        <p:cNvPr id="1" name=""/>
+        <p:cNvGrpSpPr/>
+        <p:nvPr/>
+      </p:nvGrpSpPr>
+      <p:grpSpPr>
+        <a:xfrm>
+          <a:off x="0" y="0"/>
+          <a:ext cx="0" cy="0"/>
+          <a:chOff x="0" y="0"/>
+          <a:chExt cx="0" cy="0"/>
+        </a:xfrm>
+      </p:grpSpPr>
+      <p:sp>
+        <p:nvSpPr>
+          <p:cNvPr id="2" name="タイトル 1">
+            <a:extLst>
+              <a:ext uri="{FF2B5EF4-FFF2-40B4-BE49-F238E27FC236}">
                 <a16:creationId xmlns:a16="http://schemas.microsoft.com/office/drawing/2014/main" id="{1907FBCD-2136-47CD-9B61-E4D18C36C1E2}"/>
               </a:ext>
             </a:extLst>
@@ -6821,7 +7099,7 @@
           <a:p>
             <a:fld id="{3AFE6E60-CD60-443C-BB33-38BE591B4EDC}" type="slidenum">
               <a:rPr kumimoji="1" lang="ja-JP" altLang="en-US" smtClean="0"/>
-              <a:t>10</a:t>
+              <a:t>11</a:t>
             </a:fld>
             <a:endParaRPr kumimoji="1" lang="ja-JP" altLang="en-US"/>
           </a:p>
@@ -6870,7 +7148,7 @@
 </p:sld>
 </file>
 
-<file path=ppt/slides/slide11.xml><?xml version="1.0" encoding="utf-8"?>
+<file path=ppt/slides/slide12.xml><?xml version="1.0" encoding="utf-8"?>
 <p:sld xmlns:a="http://schemas.openxmlformats.org/drawingml/2006/main" xmlns:r="http://schemas.openxmlformats.org/officeDocument/2006/relationships" xmlns:p="http://schemas.openxmlformats.org/presentationml/2006/main">
   <p:cSld>
     <p:spTree>
@@ -6935,7 +7213,7 @@
           <a:p>
             <a:fld id="{3AFE6E60-CD60-443C-BB33-38BE591B4EDC}" type="slidenum">
               <a:rPr kumimoji="1" lang="ja-JP" altLang="en-US" smtClean="0"/>
-              <a:t>11</a:t>
+              <a:t>12</a:t>
             </a:fld>
             <a:endParaRPr kumimoji="1" lang="ja-JP" altLang="en-US"/>
           </a:p>
@@ -6984,7 +7262,7 @@
 </p:sld>
 </file>
 
-<file path=ppt/slides/slide12.xml><?xml version="1.0" encoding="utf-8"?>
+<file path=ppt/slides/slide13.xml><?xml version="1.0" encoding="utf-8"?>
 <p:sld xmlns:a="http://schemas.openxmlformats.org/drawingml/2006/main" xmlns:r="http://schemas.openxmlformats.org/officeDocument/2006/relationships" xmlns:p="http://schemas.openxmlformats.org/presentationml/2006/main">
   <p:cSld>
     <p:spTree>
@@ -7049,7 +7327,7 @@
           <a:p>
             <a:fld id="{3AFE6E60-CD60-443C-BB33-38BE591B4EDC}" type="slidenum">
               <a:rPr kumimoji="1" lang="ja-JP" altLang="en-US" smtClean="0"/>
-              <a:t>12</a:t>
+              <a:t>13</a:t>
             </a:fld>
             <a:endParaRPr kumimoji="1" lang="ja-JP" altLang="en-US"/>
           </a:p>
@@ -7098,7 +7376,7 @@
 </p:sld>
 </file>
 
-<file path=ppt/slides/slide13.xml><?xml version="1.0" encoding="utf-8"?>
+<file path=ppt/slides/slide14.xml><?xml version="1.0" encoding="utf-8"?>
 <p:sld xmlns:a="http://schemas.openxmlformats.org/drawingml/2006/main" xmlns:r="http://schemas.openxmlformats.org/officeDocument/2006/relationships" xmlns:p="http://schemas.openxmlformats.org/presentationml/2006/main">
   <p:cSld>
     <p:spTree>
@@ -7163,7 +7441,7 @@
           <a:p>
             <a:fld id="{3AFE6E60-CD60-443C-BB33-38BE591B4EDC}" type="slidenum">
               <a:rPr kumimoji="1" lang="ja-JP" altLang="en-US" smtClean="0"/>
-              <a:t>13</a:t>
+              <a:t>14</a:t>
             </a:fld>
             <a:endParaRPr kumimoji="1" lang="ja-JP" altLang="en-US"/>
           </a:p>
@@ -7212,7 +7490,7 @@
 </p:sld>
 </file>
 
-<file path=ppt/slides/slide14.xml><?xml version="1.0" encoding="utf-8"?>
+<file path=ppt/slides/slide15.xml><?xml version="1.0" encoding="utf-8"?>
 <p:sld xmlns:a="http://schemas.openxmlformats.org/drawingml/2006/main" xmlns:r="http://schemas.openxmlformats.org/officeDocument/2006/relationships" xmlns:p="http://schemas.openxmlformats.org/presentationml/2006/main">
   <p:cSld>
     <p:spTree>
@@ -7277,7 +7555,7 @@
           <a:p>
             <a:fld id="{3AFE6E60-CD60-443C-BB33-38BE591B4EDC}" type="slidenum">
               <a:rPr kumimoji="1" lang="ja-JP" altLang="en-US" smtClean="0"/>
-              <a:t>14</a:t>
+              <a:t>15</a:t>
             </a:fld>
             <a:endParaRPr kumimoji="1" lang="ja-JP" altLang="en-US"/>
           </a:p>
@@ -7326,7 +7604,7 @@
 </p:sld>
 </file>
 
-<file path=ppt/slides/slide15.xml><?xml version="1.0" encoding="utf-8"?>
+<file path=ppt/slides/slide16.xml><?xml version="1.0" encoding="utf-8"?>
 <p:sld xmlns:a="http://schemas.openxmlformats.org/drawingml/2006/main" xmlns:r="http://schemas.openxmlformats.org/officeDocument/2006/relationships" xmlns:p="http://schemas.openxmlformats.org/presentationml/2006/main">
   <p:cSld>
     <p:spTree>
@@ -7391,7 +7669,7 @@
           <a:p>
             <a:fld id="{3AFE6E60-CD60-443C-BB33-38BE591B4EDC}" type="slidenum">
               <a:rPr kumimoji="1" lang="ja-JP" altLang="en-US" smtClean="0"/>
-              <a:t>15</a:t>
+              <a:t>16</a:t>
             </a:fld>
             <a:endParaRPr kumimoji="1" lang="ja-JP" altLang="en-US"/>
           </a:p>
@@ -7586,7 +7864,7 @@
 </p:sld>
 </file>
 
-<file path=ppt/slides/slide16.xml><?xml version="1.0" encoding="utf-8"?>
+<file path=ppt/slides/slide17.xml><?xml version="1.0" encoding="utf-8"?>
 <p:sld xmlns:a="http://schemas.openxmlformats.org/drawingml/2006/main" xmlns:r="http://schemas.openxmlformats.org/officeDocument/2006/relationships" xmlns:p="http://schemas.openxmlformats.org/presentationml/2006/main">
   <p:cSld>
     <p:spTree>
@@ -7651,7 +7929,7 @@
           <a:p>
             <a:fld id="{3AFE6E60-CD60-443C-BB33-38BE591B4EDC}" type="slidenum">
               <a:rPr kumimoji="1" lang="ja-JP" altLang="en-US" smtClean="0"/>
-              <a:t>16</a:t>
+              <a:t>17</a:t>
             </a:fld>
             <a:endParaRPr kumimoji="1" lang="ja-JP" altLang="en-US"/>
           </a:p>
@@ -7821,7 +8099,7 @@
 </p:sld>
 </file>
 
-<file path=ppt/slides/slide17.xml><?xml version="1.0" encoding="utf-8"?>
+<file path=ppt/slides/slide18.xml><?xml version="1.0" encoding="utf-8"?>
 <p:sld xmlns:a="http://schemas.openxmlformats.org/drawingml/2006/main" xmlns:r="http://schemas.openxmlformats.org/officeDocument/2006/relationships" xmlns:p="http://schemas.openxmlformats.org/presentationml/2006/main">
   <p:cSld>
     <p:spTree>
@@ -7886,7 +8164,7 @@
           <a:p>
             <a:fld id="{3AFE6E60-CD60-443C-BB33-38BE591B4EDC}" type="slidenum">
               <a:rPr kumimoji="1" lang="ja-JP" altLang="en-US" smtClean="0"/>
-              <a:t>17</a:t>
+              <a:t>18</a:t>
             </a:fld>
             <a:endParaRPr kumimoji="1" lang="ja-JP" altLang="en-US"/>
           </a:p>
@@ -7935,7 +8213,7 @@
 </p:sld>
 </file>
 
-<file path=ppt/slides/slide18.xml><?xml version="1.0" encoding="utf-8"?>
+<file path=ppt/slides/slide19.xml><?xml version="1.0" encoding="utf-8"?>
 <p:sld xmlns:a="http://schemas.openxmlformats.org/drawingml/2006/main" xmlns:r="http://schemas.openxmlformats.org/officeDocument/2006/relationships" xmlns:p="http://schemas.openxmlformats.org/presentationml/2006/main">
   <p:cSld>
     <p:spTree>
@@ -8000,7 +8278,7 @@
           <a:p>
             <a:fld id="{3AFE6E60-CD60-443C-BB33-38BE591B4EDC}" type="slidenum">
               <a:rPr kumimoji="1" lang="ja-JP" altLang="en-US" smtClean="0"/>
-              <a:t>18</a:t>
+              <a:t>19</a:t>
             </a:fld>
             <a:endParaRPr kumimoji="1" lang="ja-JP" altLang="en-US"/>
           </a:p>
@@ -8079,7 +8357,7 @@
 </p:sld>
 </file>
 
-<file path=ppt/slides/slide19.xml><?xml version="1.0" encoding="utf-8"?>
+<file path=ppt/slides/slide2.xml><?xml version="1.0" encoding="utf-8"?>
 <p:sld xmlns:a="http://schemas.openxmlformats.org/drawingml/2006/main" xmlns:r="http://schemas.openxmlformats.org/officeDocument/2006/relationships" xmlns:p="http://schemas.openxmlformats.org/presentationml/2006/main">
   <p:cSld>
     <p:spTree>
@@ -8101,6 +8379,712 @@
           <p:cNvPr id="2" name="タイトル 1">
             <a:extLst>
               <a:ext uri="{FF2B5EF4-FFF2-40B4-BE49-F238E27FC236}">
+                <a16:creationId xmlns:a16="http://schemas.microsoft.com/office/drawing/2014/main" id="{C11D935B-1BCE-4F05-BD7B-727BCFAD598A}"/>
+              </a:ext>
+            </a:extLst>
+          </p:cNvPr>
+          <p:cNvSpPr>
+            <a:spLocks noGrp="1"/>
+          </p:cNvSpPr>
+          <p:nvPr>
+            <p:ph type="title"/>
+          </p:nvPr>
+        </p:nvSpPr>
+        <p:spPr>
+          <a:xfrm>
+            <a:off x="681037" y="36307"/>
+            <a:ext cx="8543925" cy="599377"/>
+          </a:xfrm>
+        </p:spPr>
+        <p:txBody>
+          <a:bodyPr>
+            <a:normAutofit/>
+          </a:bodyPr>
+          <a:lstStyle/>
+          <a:p>
+            <a:r>
+              <a:rPr kumimoji="1" lang="ja-JP" altLang="en-US" sz="1500" dirty="0"/>
+              <a:t>目的と切り口</a:t>
+            </a:r>
+            <a:r>
+              <a:rPr kumimoji="1" lang="en-US" altLang="ja-JP" sz="1500" dirty="0"/>
+              <a:t>(</a:t>
+            </a:r>
+            <a:r>
+              <a:rPr kumimoji="1" lang="ja-JP" altLang="en-US" sz="1500" dirty="0"/>
+              <a:t>？丁寧に</a:t>
+            </a:r>
+            <a:r>
+              <a:rPr kumimoji="1" lang="en-US" altLang="ja-JP" sz="1500" dirty="0"/>
+              <a:t>P</a:t>
+            </a:r>
+            <a:r>
+              <a:rPr kumimoji="1" lang="ja-JP" altLang="en-US" sz="1500" dirty="0"/>
+              <a:t>分けて掘り下げる？</a:t>
+            </a:r>
+            <a:r>
+              <a:rPr kumimoji="1" lang="en-US" altLang="ja-JP" sz="1500" dirty="0"/>
+              <a:t>)</a:t>
+            </a:r>
+            <a:endParaRPr kumimoji="1" lang="ja-JP" altLang="en-US" sz="1500" dirty="0"/>
+          </a:p>
+        </p:txBody>
+      </p:sp>
+      <p:sp>
+        <p:nvSpPr>
+          <p:cNvPr id="7" name="正方形/長方形 6">
+            <a:extLst>
+              <a:ext uri="{FF2B5EF4-FFF2-40B4-BE49-F238E27FC236}">
+                <a16:creationId xmlns:a16="http://schemas.microsoft.com/office/drawing/2014/main" id="{1C09920F-08F4-4EE4-B7B7-0DDCE1D992D7}"/>
+              </a:ext>
+            </a:extLst>
+          </p:cNvPr>
+          <p:cNvSpPr/>
+          <p:nvPr/>
+        </p:nvSpPr>
+        <p:spPr>
+          <a:xfrm>
+            <a:off x="2628913" y="2054826"/>
+            <a:ext cx="6024624" cy="1145447"/>
+          </a:xfrm>
+          <a:prstGeom prst="rect">
+            <a:avLst/>
+          </a:prstGeom>
+          <a:noFill/>
+          <a:ln w="19050">
+            <a:solidFill>
+              <a:schemeClr val="tx1"/>
+            </a:solidFill>
+          </a:ln>
+        </p:spPr>
+        <p:style>
+          <a:lnRef idx="2">
+            <a:schemeClr val="accent1">
+              <a:shade val="50000"/>
+            </a:schemeClr>
+          </a:lnRef>
+          <a:fillRef idx="1">
+            <a:schemeClr val="accent1"/>
+          </a:fillRef>
+          <a:effectRef idx="0">
+            <a:schemeClr val="accent1"/>
+          </a:effectRef>
+          <a:fontRef idx="minor">
+            <a:schemeClr val="lt1"/>
+          </a:fontRef>
+        </p:style>
+        <p:txBody>
+          <a:bodyPr rtlCol="0" anchor="ctr"/>
+          <a:lstStyle/>
+          <a:p>
+            <a:pPr marL="171450" indent="-171450">
+              <a:buFont typeface="Arial" panose="020B0604020202020204" pitchFamily="34" charset="0"/>
+              <a:buChar char="•"/>
+            </a:pPr>
+            <a:r>
+              <a:rPr kumimoji="1" lang="ja-JP" altLang="en-US" sz="1000" dirty="0">
+                <a:solidFill>
+                  <a:schemeClr val="tx1"/>
+                </a:solidFill>
+              </a:rPr>
+              <a:t>意外と若い</a:t>
+            </a:r>
+            <a:endParaRPr kumimoji="1" lang="en-US" altLang="ja-JP" sz="1000" dirty="0">
+              <a:solidFill>
+                <a:schemeClr val="tx1"/>
+              </a:solidFill>
+            </a:endParaRPr>
+          </a:p>
+          <a:p>
+            <a:pPr marL="171450" indent="-171450">
+              <a:buFont typeface="Arial" panose="020B0604020202020204" pitchFamily="34" charset="0"/>
+              <a:buChar char="•"/>
+            </a:pPr>
+            <a:r>
+              <a:rPr kumimoji="1" lang="ja-JP" altLang="en-US" sz="1000" dirty="0">
+                <a:solidFill>
+                  <a:schemeClr val="tx1"/>
+                </a:solidFill>
+              </a:rPr>
+              <a:t>独身女性</a:t>
+            </a:r>
+            <a:r>
+              <a:rPr kumimoji="1" lang="en-US" altLang="ja-JP" sz="1000" dirty="0">
+                <a:solidFill>
+                  <a:schemeClr val="tx1"/>
+                </a:solidFill>
+              </a:rPr>
+              <a:t>(</a:t>
+            </a:r>
+            <a:r>
+              <a:rPr kumimoji="1" lang="ja-JP" altLang="en-US" sz="1000" dirty="0">
+                <a:solidFill>
+                  <a:schemeClr val="tx1"/>
+                </a:solidFill>
+              </a:rPr>
+              <a:t>男性もいるが</a:t>
+            </a:r>
+            <a:r>
+              <a:rPr kumimoji="1" lang="en-US" altLang="ja-JP" sz="1000" dirty="0">
+                <a:solidFill>
+                  <a:schemeClr val="tx1"/>
+                </a:solidFill>
+              </a:rPr>
+              <a:t>)</a:t>
+            </a:r>
+          </a:p>
+          <a:p>
+            <a:pPr marL="171450" indent="-171450">
+              <a:buFont typeface="Arial" panose="020B0604020202020204" pitchFamily="34" charset="0"/>
+              <a:buChar char="•"/>
+            </a:pPr>
+            <a:r>
+              <a:rPr kumimoji="1" lang="ja-JP" altLang="en-US" sz="1000" dirty="0">
+                <a:solidFill>
+                  <a:schemeClr val="tx1"/>
+                </a:solidFill>
+              </a:rPr>
+              <a:t>海外旅行好き</a:t>
+            </a:r>
+            <a:r>
+              <a:rPr kumimoji="1" lang="en-US" altLang="ja-JP" sz="1000" dirty="0">
+                <a:solidFill>
+                  <a:schemeClr val="tx1"/>
+                </a:solidFill>
+              </a:rPr>
+              <a:t>(</a:t>
+            </a:r>
+            <a:r>
+              <a:rPr kumimoji="1" lang="ja-JP" altLang="en-US" sz="1000" dirty="0">
+                <a:solidFill>
+                  <a:schemeClr val="tx1"/>
+                </a:solidFill>
+              </a:rPr>
+              <a:t>ヨーロッパとか</a:t>
+            </a:r>
+            <a:r>
+              <a:rPr kumimoji="1" lang="en-US" altLang="ja-JP" sz="1000" dirty="0">
+                <a:solidFill>
+                  <a:schemeClr val="tx1"/>
+                </a:solidFill>
+              </a:rPr>
+              <a:t>)</a:t>
+            </a:r>
+            <a:r>
+              <a:rPr kumimoji="1" lang="ja-JP" altLang="en-US" sz="1000" dirty="0">
+                <a:solidFill>
+                  <a:schemeClr val="tx1"/>
+                </a:solidFill>
+              </a:rPr>
+              <a:t>、メジャーな場所しか行ってないので英語＝オールマイティの認識</a:t>
+            </a:r>
+            <a:endParaRPr kumimoji="1" lang="en-US" altLang="ja-JP" sz="1000" dirty="0">
+              <a:solidFill>
+                <a:schemeClr val="tx1"/>
+              </a:solidFill>
+            </a:endParaRPr>
+          </a:p>
+          <a:p>
+            <a:pPr marL="171450" indent="-171450">
+              <a:buFont typeface="Arial" panose="020B0604020202020204" pitchFamily="34" charset="0"/>
+              <a:buChar char="•"/>
+            </a:pPr>
+            <a:r>
+              <a:rPr kumimoji="1" lang="ja-JP" altLang="en-US" sz="1000" dirty="0">
+                <a:solidFill>
+                  <a:schemeClr val="tx1"/>
+                </a:solidFill>
+              </a:rPr>
+              <a:t>そもそもあんまり話せていないので、目的の場所で英語が通じるかどうかも知らない</a:t>
+            </a:r>
+            <a:endParaRPr kumimoji="1" lang="en-US" altLang="ja-JP" sz="1000" dirty="0">
+              <a:solidFill>
+                <a:schemeClr val="tx1"/>
+              </a:solidFill>
+            </a:endParaRPr>
+          </a:p>
+          <a:p>
+            <a:pPr marL="171450" indent="-171450">
+              <a:buFont typeface="Arial" panose="020B0604020202020204" pitchFamily="34" charset="0"/>
+              <a:buChar char="•"/>
+            </a:pPr>
+            <a:r>
+              <a:rPr kumimoji="1" lang="ja-JP" altLang="en-US" sz="1000" dirty="0">
+                <a:solidFill>
+                  <a:schemeClr val="tx1"/>
+                </a:solidFill>
+              </a:rPr>
+              <a:t>モチベーションが低いので、オンライン英会話を始めても</a:t>
+            </a:r>
+            <a:r>
+              <a:rPr kumimoji="1" lang="en-US" altLang="ja-JP" sz="1000" dirty="0">
+                <a:solidFill>
+                  <a:schemeClr val="tx1"/>
+                </a:solidFill>
+              </a:rPr>
+              <a:t>5</a:t>
+            </a:r>
+            <a:r>
+              <a:rPr kumimoji="1" lang="ja-JP" altLang="en-US" sz="1000" dirty="0">
+                <a:solidFill>
+                  <a:schemeClr val="tx1"/>
+                </a:solidFill>
+              </a:rPr>
+              <a:t>回に満たずやめる</a:t>
+            </a:r>
+            <a:endParaRPr kumimoji="1" lang="en-US" altLang="ja-JP" sz="1000" dirty="0">
+              <a:solidFill>
+                <a:schemeClr val="tx1"/>
+              </a:solidFill>
+            </a:endParaRPr>
+          </a:p>
+          <a:p>
+            <a:pPr marL="171450" indent="-171450">
+              <a:buFont typeface="Arial" panose="020B0604020202020204" pitchFamily="34" charset="0"/>
+              <a:buChar char="•"/>
+            </a:pPr>
+            <a:endParaRPr kumimoji="1" lang="en-US" altLang="ja-JP" sz="1000" dirty="0">
+              <a:solidFill>
+                <a:schemeClr val="tx1"/>
+              </a:solidFill>
+            </a:endParaRPr>
+          </a:p>
+        </p:txBody>
+      </p:sp>
+      <p:sp>
+        <p:nvSpPr>
+          <p:cNvPr id="10" name="正方形/長方形 9">
+            <a:extLst>
+              <a:ext uri="{FF2B5EF4-FFF2-40B4-BE49-F238E27FC236}">
+                <a16:creationId xmlns:a16="http://schemas.microsoft.com/office/drawing/2014/main" id="{761A3533-0CDB-44EE-9AA7-78EA260F5B80}"/>
+              </a:ext>
+            </a:extLst>
+          </p:cNvPr>
+          <p:cNvSpPr/>
+          <p:nvPr/>
+        </p:nvSpPr>
+        <p:spPr>
+          <a:xfrm>
+            <a:off x="614919" y="2054826"/>
+            <a:ext cx="1840375" cy="1145447"/>
+          </a:xfrm>
+          <a:prstGeom prst="rect">
+            <a:avLst/>
+          </a:prstGeom>
+          <a:solidFill>
+            <a:schemeClr val="bg1">
+              <a:lumMod val="50000"/>
+            </a:schemeClr>
+          </a:solidFill>
+          <a:ln w="19050">
+            <a:solidFill>
+              <a:schemeClr val="tx1"/>
+            </a:solidFill>
+          </a:ln>
+        </p:spPr>
+        <p:style>
+          <a:lnRef idx="2">
+            <a:schemeClr val="accent1">
+              <a:shade val="50000"/>
+            </a:schemeClr>
+          </a:lnRef>
+          <a:fillRef idx="1">
+            <a:schemeClr val="accent1"/>
+          </a:fillRef>
+          <a:effectRef idx="0">
+            <a:schemeClr val="accent1"/>
+          </a:effectRef>
+          <a:fontRef idx="minor">
+            <a:schemeClr val="lt1"/>
+          </a:fontRef>
+        </p:style>
+        <p:txBody>
+          <a:bodyPr rtlCol="0" anchor="ctr"/>
+          <a:lstStyle/>
+          <a:p>
+            <a:r>
+              <a:rPr kumimoji="1" lang="ja-JP" altLang="en-US" sz="1300" dirty="0">
+                <a:solidFill>
+                  <a:srgbClr val="FFFFFF"/>
+                </a:solidFill>
+              </a:rPr>
+              <a:t>海外旅行好き女子</a:t>
+            </a:r>
+          </a:p>
+        </p:txBody>
+      </p:sp>
+      <p:sp>
+        <p:nvSpPr>
+          <p:cNvPr id="12" name="正方形/長方形 6">
+            <a:extLst>
+              <a:ext uri="{FF2B5EF4-FFF2-40B4-BE49-F238E27FC236}">
+                <a16:creationId xmlns:a16="http://schemas.microsoft.com/office/drawing/2014/main" id="{84D925AC-4A80-4CDB-9D69-7935CE64B019}"/>
+              </a:ext>
+            </a:extLst>
+          </p:cNvPr>
+          <p:cNvSpPr/>
+          <p:nvPr/>
+        </p:nvSpPr>
+        <p:spPr>
+          <a:xfrm>
+            <a:off x="2628913" y="3926690"/>
+            <a:ext cx="6024624" cy="1578183"/>
+          </a:xfrm>
+          <a:prstGeom prst="rect">
+            <a:avLst/>
+          </a:prstGeom>
+          <a:noFill/>
+          <a:ln w="19050">
+            <a:solidFill>
+              <a:schemeClr val="tx1"/>
+            </a:solidFill>
+          </a:ln>
+        </p:spPr>
+        <p:style>
+          <a:lnRef idx="2">
+            <a:schemeClr val="accent1">
+              <a:shade val="50000"/>
+            </a:schemeClr>
+          </a:lnRef>
+          <a:fillRef idx="1">
+            <a:schemeClr val="accent1"/>
+          </a:fillRef>
+          <a:effectRef idx="0">
+            <a:schemeClr val="accent1"/>
+          </a:effectRef>
+          <a:fontRef idx="minor">
+            <a:schemeClr val="lt1"/>
+          </a:fontRef>
+        </p:style>
+        <p:txBody>
+          <a:bodyPr rtlCol="0" anchor="ctr"/>
+          <a:lstStyle/>
+          <a:p>
+            <a:pPr marL="171450" indent="-171450">
+              <a:buFont typeface="Arial" panose="020B0604020202020204" pitchFamily="34" charset="0"/>
+              <a:buChar char="•"/>
+            </a:pPr>
+            <a:r>
+              <a:rPr kumimoji="1" lang="ja-JP" altLang="en-US" sz="1000" dirty="0">
+                <a:solidFill>
+                  <a:schemeClr val="tx1"/>
+                </a:solidFill>
+              </a:rPr>
+              <a:t>基本割と時間ある</a:t>
+            </a:r>
+            <a:endParaRPr kumimoji="1" lang="en-US" altLang="ja-JP" sz="1000" dirty="0">
+              <a:solidFill>
+                <a:schemeClr val="tx1"/>
+              </a:solidFill>
+            </a:endParaRPr>
+          </a:p>
+          <a:p>
+            <a:pPr marL="171450" indent="-171450">
+              <a:buFont typeface="Arial" panose="020B0604020202020204" pitchFamily="34" charset="0"/>
+              <a:buChar char="•"/>
+            </a:pPr>
+            <a:r>
+              <a:rPr kumimoji="1" lang="ja-JP" altLang="en-US" sz="1000" dirty="0">
+                <a:solidFill>
+                  <a:schemeClr val="tx1"/>
+                </a:solidFill>
+              </a:rPr>
+              <a:t>趣味を探している</a:t>
+            </a:r>
+            <a:endParaRPr kumimoji="1" lang="en-US" altLang="ja-JP" sz="1000" dirty="0">
+              <a:solidFill>
+                <a:schemeClr val="tx1"/>
+              </a:solidFill>
+            </a:endParaRPr>
+          </a:p>
+          <a:p>
+            <a:pPr marL="171450" indent="-171450">
+              <a:buFont typeface="Arial" panose="020B0604020202020204" pitchFamily="34" charset="0"/>
+              <a:buChar char="•"/>
+            </a:pPr>
+            <a:r>
+              <a:rPr kumimoji="1" lang="ja-JP" altLang="en-US" sz="1000" dirty="0">
+                <a:solidFill>
+                  <a:schemeClr val="tx1"/>
+                </a:solidFill>
+              </a:rPr>
+              <a:t>話したい</a:t>
+            </a:r>
+            <a:r>
+              <a:rPr kumimoji="1" lang="en-US" altLang="ja-JP" sz="1000" dirty="0">
+                <a:solidFill>
+                  <a:schemeClr val="tx1"/>
+                </a:solidFill>
+              </a:rPr>
+              <a:t>(</a:t>
+            </a:r>
+            <a:r>
+              <a:rPr kumimoji="1" lang="ja-JP" altLang="en-US" sz="1000" dirty="0">
+                <a:solidFill>
+                  <a:schemeClr val="tx1"/>
+                </a:solidFill>
+              </a:rPr>
+              <a:t>言語問わず</a:t>
+            </a:r>
+            <a:r>
+              <a:rPr kumimoji="1" lang="en-US" altLang="ja-JP" sz="1000" dirty="0">
+                <a:solidFill>
+                  <a:schemeClr val="tx1"/>
+                </a:solidFill>
+              </a:rPr>
+              <a:t>)</a:t>
+            </a:r>
+          </a:p>
+          <a:p>
+            <a:pPr marL="171450" indent="-171450">
+              <a:buFont typeface="Arial" panose="020B0604020202020204" pitchFamily="34" charset="0"/>
+              <a:buChar char="•"/>
+            </a:pPr>
+            <a:endParaRPr kumimoji="1" lang="en-US" altLang="ja-JP" sz="1000" dirty="0">
+              <a:solidFill>
+                <a:schemeClr val="tx1"/>
+              </a:solidFill>
+            </a:endParaRPr>
+          </a:p>
+        </p:txBody>
+      </p:sp>
+      <p:sp>
+        <p:nvSpPr>
+          <p:cNvPr id="13" name="正方形/長方形 9">
+            <a:extLst>
+              <a:ext uri="{FF2B5EF4-FFF2-40B4-BE49-F238E27FC236}">
+                <a16:creationId xmlns:a16="http://schemas.microsoft.com/office/drawing/2014/main" id="{DA2E60F1-2D54-42AC-9DE2-9D2354F7179E}"/>
+              </a:ext>
+            </a:extLst>
+          </p:cNvPr>
+          <p:cNvSpPr/>
+          <p:nvPr/>
+        </p:nvSpPr>
+        <p:spPr>
+          <a:xfrm>
+            <a:off x="614919" y="3926690"/>
+            <a:ext cx="1840375" cy="1578183"/>
+          </a:xfrm>
+          <a:prstGeom prst="rect">
+            <a:avLst/>
+          </a:prstGeom>
+          <a:solidFill>
+            <a:schemeClr val="bg1">
+              <a:lumMod val="50000"/>
+            </a:schemeClr>
+          </a:solidFill>
+          <a:ln w="19050">
+            <a:solidFill>
+              <a:schemeClr val="tx1"/>
+            </a:solidFill>
+          </a:ln>
+        </p:spPr>
+        <p:style>
+          <a:lnRef idx="2">
+            <a:schemeClr val="accent1">
+              <a:shade val="50000"/>
+            </a:schemeClr>
+          </a:lnRef>
+          <a:fillRef idx="1">
+            <a:schemeClr val="accent1"/>
+          </a:fillRef>
+          <a:effectRef idx="0">
+            <a:schemeClr val="accent1"/>
+          </a:effectRef>
+          <a:fontRef idx="minor">
+            <a:schemeClr val="lt1"/>
+          </a:fontRef>
+        </p:style>
+        <p:txBody>
+          <a:bodyPr rtlCol="0" anchor="ctr"/>
+          <a:lstStyle/>
+          <a:p>
+            <a:r>
+              <a:rPr kumimoji="1" lang="ja-JP" altLang="en-US" sz="1300" dirty="0">
+                <a:solidFill>
+                  <a:srgbClr val="FFFFFF"/>
+                </a:solidFill>
+              </a:rPr>
+              <a:t>暇なおばさん</a:t>
+            </a:r>
+          </a:p>
+        </p:txBody>
+      </p:sp>
+      <p:sp>
+        <p:nvSpPr>
+          <p:cNvPr id="14" name="タイトル 1">
+            <a:extLst>
+              <a:ext uri="{FF2B5EF4-FFF2-40B4-BE49-F238E27FC236}">
+                <a16:creationId xmlns:a16="http://schemas.microsoft.com/office/drawing/2014/main" id="{54308E7F-7380-486F-96A8-50EDE328823D}"/>
+              </a:ext>
+            </a:extLst>
+          </p:cNvPr>
+          <p:cNvSpPr txBox="1">
+            <a:spLocks/>
+          </p:cNvSpPr>
+          <p:nvPr/>
+        </p:nvSpPr>
+        <p:spPr>
+          <a:xfrm>
+            <a:off x="681037" y="1231017"/>
+            <a:ext cx="8543925" cy="599377"/>
+          </a:xfrm>
+          <a:prstGeom prst="rect">
+            <a:avLst/>
+          </a:prstGeom>
+        </p:spPr>
+        <p:txBody>
+          <a:bodyPr vert="horz" lIns="91440" tIns="45720" rIns="91440" bIns="45720" rtlCol="0" anchor="ctr">
+            <a:normAutofit/>
+          </a:bodyPr>
+          <a:lstStyle>
+            <a:lvl1pPr algn="l" defTabSz="914400" rtl="0" eaLnBrk="1" latinLnBrk="0" hangingPunct="1">
+              <a:lnSpc>
+                <a:spcPct val="90000"/>
+              </a:lnSpc>
+              <a:spcBef>
+                <a:spcPct val="0"/>
+              </a:spcBef>
+              <a:buNone/>
+              <a:defRPr kumimoji="1" sz="4400" kern="1200">
+                <a:solidFill>
+                  <a:schemeClr val="tx1"/>
+                </a:solidFill>
+                <a:latin typeface="+mj-lt"/>
+                <a:ea typeface="+mj-ea"/>
+                <a:cs typeface="+mj-cs"/>
+              </a:defRPr>
+            </a:lvl1pPr>
+          </a:lstStyle>
+          <a:p>
+            <a:r>
+              <a:rPr lang="ja-JP" altLang="en-US" sz="1500" dirty="0"/>
+              <a:t>なんとなく見えているあんまり話せない層の</a:t>
+            </a:r>
+            <a:r>
+              <a:rPr lang="en-US" altLang="ja-JP" sz="1500" dirty="0"/>
+              <a:t>2</a:t>
+            </a:r>
+            <a:r>
+              <a:rPr lang="ja-JP" altLang="en-US" sz="1500" dirty="0"/>
+              <a:t>種類のペルソナ</a:t>
+            </a:r>
+          </a:p>
+        </p:txBody>
+      </p:sp>
+      <p:sp>
+        <p:nvSpPr>
+          <p:cNvPr id="6" name="Callout: Bent Line 5">
+            <a:extLst>
+              <a:ext uri="{FF2B5EF4-FFF2-40B4-BE49-F238E27FC236}">
+                <a16:creationId xmlns:a16="http://schemas.microsoft.com/office/drawing/2014/main" id="{DDC3E519-E71D-453F-B6BE-0147216726C5}"/>
+              </a:ext>
+            </a:extLst>
+          </p:cNvPr>
+          <p:cNvSpPr/>
+          <p:nvPr/>
+        </p:nvSpPr>
+        <p:spPr>
+          <a:xfrm>
+            <a:off x="6243781" y="335995"/>
+            <a:ext cx="2706255" cy="1145447"/>
+          </a:xfrm>
+          <a:prstGeom prst="borderCallout2">
+            <a:avLst>
+              <a:gd name="adj1" fmla="val 18750"/>
+              <a:gd name="adj2" fmla="val -8333"/>
+              <a:gd name="adj3" fmla="val 18750"/>
+              <a:gd name="adj4" fmla="val -16667"/>
+              <a:gd name="adj5" fmla="val 177815"/>
+              <a:gd name="adj6" fmla="val -46326"/>
+            </a:avLst>
+          </a:prstGeom>
+        </p:spPr>
+        <p:style>
+          <a:lnRef idx="1">
+            <a:schemeClr val="accent2"/>
+          </a:lnRef>
+          <a:fillRef idx="2">
+            <a:schemeClr val="accent2"/>
+          </a:fillRef>
+          <a:effectRef idx="1">
+            <a:schemeClr val="accent2"/>
+          </a:effectRef>
+          <a:fontRef idx="minor">
+            <a:schemeClr val="dk1"/>
+          </a:fontRef>
+        </p:style>
+        <p:txBody>
+          <a:bodyPr rtlCol="0" anchor="ctr"/>
+          <a:lstStyle/>
+          <a:p>
+            <a:pPr algn="ctr"/>
+            <a:r>
+              <a:rPr kumimoji="1" lang="ja-JP" altLang="en-US" sz="1200" dirty="0"/>
+              <a:t>基本モチベ低い</a:t>
+            </a:r>
+            <a:endParaRPr kumimoji="1" lang="en-US" altLang="ja-JP" sz="1200" dirty="0"/>
+          </a:p>
+          <a:p>
+            <a:pPr algn="ctr"/>
+            <a:r>
+              <a:rPr kumimoji="1" lang="ja-JP" altLang="en-US" sz="1200" dirty="0"/>
+              <a:t>あちらからガンガンプロモーションかける方針なら続くか？</a:t>
+            </a:r>
+            <a:endParaRPr kumimoji="1" lang="en-US" altLang="ja-JP" sz="1200" dirty="0"/>
+          </a:p>
+          <a:p>
+            <a:pPr algn="ctr"/>
+            <a:r>
+              <a:rPr kumimoji="1" lang="ja-JP" altLang="en-US" sz="1200" dirty="0"/>
+              <a:t>楽しめる仕組みが必要？</a:t>
+            </a:r>
+            <a:endParaRPr kumimoji="1" lang="en-US" altLang="ja-JP" sz="1200" dirty="0"/>
+          </a:p>
+          <a:p>
+            <a:pPr algn="ctr"/>
+            <a:r>
+              <a:rPr kumimoji="1" lang="ja-JP" altLang="en-US" sz="1200" dirty="0"/>
+              <a:t>旅行に絡める？</a:t>
+            </a:r>
+          </a:p>
+        </p:txBody>
+      </p:sp>
+    </p:spTree>
+    <p:extLst>
+      <p:ext uri="{BB962C8B-B14F-4D97-AF65-F5344CB8AC3E}">
+        <p14:creationId xmlns:p14="http://schemas.microsoft.com/office/powerpoint/2010/main" val="1438993370"/>
+      </p:ext>
+    </p:extLst>
+  </p:cSld>
+  <p:clrMapOvr>
+    <a:masterClrMapping/>
+  </p:clrMapOvr>
+</p:sld>
+</file>
+
+<file path=ppt/slides/slide20.xml><?xml version="1.0" encoding="utf-8"?>
+<p:sld xmlns:a="http://schemas.openxmlformats.org/drawingml/2006/main" xmlns:r="http://schemas.openxmlformats.org/officeDocument/2006/relationships" xmlns:p="http://schemas.openxmlformats.org/presentationml/2006/main">
+  <p:cSld>
+    <p:spTree>
+      <p:nvGrpSpPr>
+        <p:cNvPr id="1" name=""/>
+        <p:cNvGrpSpPr/>
+        <p:nvPr/>
+      </p:nvGrpSpPr>
+      <p:grpSpPr>
+        <a:xfrm>
+          <a:off x="0" y="0"/>
+          <a:ext cx="0" cy="0"/>
+          <a:chOff x="0" y="0"/>
+          <a:chExt cx="0" cy="0"/>
+        </a:xfrm>
+      </p:grpSpPr>
+      <p:sp>
+        <p:nvSpPr>
+          <p:cNvPr id="2" name="タイトル 1">
+            <a:extLst>
+              <a:ext uri="{FF2B5EF4-FFF2-40B4-BE49-F238E27FC236}">
                 <a16:creationId xmlns:a16="http://schemas.microsoft.com/office/drawing/2014/main" id="{EDC33AFE-27AB-47EB-A4B1-D5EF931884E7}"/>
               </a:ext>
             </a:extLst>
@@ -8144,7 +9128,7 @@
           <a:p>
             <a:fld id="{3AFE6E60-CD60-443C-BB33-38BE591B4EDC}" type="slidenum">
               <a:rPr kumimoji="1" lang="ja-JP" altLang="en-US" smtClean="0"/>
-              <a:t>19</a:t>
+              <a:t>20</a:t>
             </a:fld>
             <a:endParaRPr kumimoji="1" lang="ja-JP" altLang="en-US"/>
           </a:p>
@@ -8193,7 +9177,7 @@
 </p:sld>
 </file>
 
-<file path=ppt/slides/slide2.xml><?xml version="1.0" encoding="utf-8"?>
+<file path=ppt/slides/slide21.xml><?xml version="1.0" encoding="utf-8"?>
 <p:sld xmlns:a="http://schemas.openxmlformats.org/drawingml/2006/main" xmlns:r="http://schemas.openxmlformats.org/officeDocument/2006/relationships" xmlns:p="http://schemas.openxmlformats.org/presentationml/2006/main">
   <p:cSld>
     <p:spTree>
@@ -8215,965 +9199,6 @@
           <p:cNvPr id="2" name="タイトル 1">
             <a:extLst>
               <a:ext uri="{FF2B5EF4-FFF2-40B4-BE49-F238E27FC236}">
-                <a16:creationId xmlns:a16="http://schemas.microsoft.com/office/drawing/2014/main" id="{C11D935B-1BCE-4F05-BD7B-727BCFAD598A}"/>
-              </a:ext>
-            </a:extLst>
-          </p:cNvPr>
-          <p:cNvSpPr>
-            <a:spLocks noGrp="1"/>
-          </p:cNvSpPr>
-          <p:nvPr>
-            <p:ph type="title"/>
-          </p:nvPr>
-        </p:nvSpPr>
-        <p:spPr>
-          <a:xfrm>
-            <a:off x="681037" y="36307"/>
-            <a:ext cx="8543925" cy="599377"/>
-          </a:xfrm>
-        </p:spPr>
-        <p:txBody>
-          <a:bodyPr>
-            <a:normAutofit/>
-          </a:bodyPr>
-          <a:lstStyle/>
-          <a:p>
-            <a:r>
-              <a:rPr kumimoji="1" lang="ja-JP" altLang="en-US" sz="1500" dirty="0"/>
-              <a:t>目的と切り口</a:t>
-            </a:r>
-            <a:r>
-              <a:rPr kumimoji="1" lang="en-US" altLang="ja-JP" sz="1500" dirty="0"/>
-              <a:t>(</a:t>
-            </a:r>
-            <a:r>
-              <a:rPr kumimoji="1" lang="ja-JP" altLang="en-US" sz="1500" dirty="0"/>
-              <a:t>？丁寧に</a:t>
-            </a:r>
-            <a:r>
-              <a:rPr kumimoji="1" lang="en-US" altLang="ja-JP" sz="1500" dirty="0"/>
-              <a:t>P</a:t>
-            </a:r>
-            <a:r>
-              <a:rPr kumimoji="1" lang="ja-JP" altLang="en-US" sz="1500" dirty="0"/>
-              <a:t>分けて掘り下げる？</a:t>
-            </a:r>
-            <a:r>
-              <a:rPr kumimoji="1" lang="en-US" altLang="ja-JP" sz="1500" dirty="0"/>
-              <a:t>)</a:t>
-            </a:r>
-            <a:endParaRPr kumimoji="1" lang="ja-JP" altLang="en-US" sz="1500" dirty="0"/>
-          </a:p>
-        </p:txBody>
-      </p:sp>
-      <p:sp>
-        <p:nvSpPr>
-          <p:cNvPr id="4" name="正方形/長方形 3">
-            <a:extLst>
-              <a:ext uri="{FF2B5EF4-FFF2-40B4-BE49-F238E27FC236}">
-                <a16:creationId xmlns:a16="http://schemas.microsoft.com/office/drawing/2014/main" id="{F632E14C-A5D9-4980-A88F-C2265382E602}"/>
-              </a:ext>
-            </a:extLst>
-          </p:cNvPr>
-          <p:cNvSpPr/>
-          <p:nvPr/>
-        </p:nvSpPr>
-        <p:spPr>
-          <a:xfrm>
-            <a:off x="2748986" y="4708785"/>
-            <a:ext cx="6024624" cy="1796969"/>
-          </a:xfrm>
-          <a:prstGeom prst="rect">
-            <a:avLst/>
-          </a:prstGeom>
-          <a:noFill/>
-          <a:ln w="19050">
-            <a:solidFill>
-              <a:schemeClr val="tx1"/>
-            </a:solidFill>
-          </a:ln>
-        </p:spPr>
-        <p:style>
-          <a:lnRef idx="2">
-            <a:schemeClr val="accent1">
-              <a:shade val="50000"/>
-            </a:schemeClr>
-          </a:lnRef>
-          <a:fillRef idx="1">
-            <a:schemeClr val="accent1"/>
-          </a:fillRef>
-          <a:effectRef idx="0">
-            <a:schemeClr val="accent1"/>
-          </a:effectRef>
-          <a:fontRef idx="minor">
-            <a:schemeClr val="lt1"/>
-          </a:fontRef>
-        </p:style>
-        <p:txBody>
-          <a:bodyPr rtlCol="0" anchor="ctr"/>
-          <a:lstStyle/>
-          <a:p>
-            <a:pPr marL="285750" indent="-285750">
-              <a:buFont typeface="Wingdings" panose="05000000000000000000" pitchFamily="2" charset="2"/>
-              <a:buChar char="ü"/>
-            </a:pPr>
-            <a:r>
-              <a:rPr kumimoji="1" lang="ja-JP" altLang="en-US" sz="1000" dirty="0">
-                <a:solidFill>
-                  <a:schemeClr val="tx1"/>
-                </a:solidFill>
-              </a:rPr>
-              <a:t>現レベル</a:t>
-            </a:r>
-            <a:endParaRPr kumimoji="1" lang="en-US" altLang="ja-JP" sz="1000" dirty="0">
-              <a:solidFill>
-                <a:schemeClr val="tx1"/>
-              </a:solidFill>
-            </a:endParaRPr>
-          </a:p>
-          <a:p>
-            <a:pPr marL="285750" indent="-285750">
-              <a:buFont typeface="Wingdings" panose="05000000000000000000" pitchFamily="2" charset="2"/>
-              <a:buChar char="ü"/>
-            </a:pPr>
-            <a:r>
-              <a:rPr kumimoji="1" lang="ja-JP" altLang="en-US" sz="1000" dirty="0">
-                <a:solidFill>
-                  <a:schemeClr val="tx1"/>
-                </a:solidFill>
-              </a:rPr>
-              <a:t>目標レベル</a:t>
-            </a:r>
-            <a:endParaRPr kumimoji="1" lang="en-US" altLang="ja-JP" sz="1000" dirty="0">
-              <a:solidFill>
-                <a:schemeClr val="tx1"/>
-              </a:solidFill>
-            </a:endParaRPr>
-          </a:p>
-          <a:p>
-            <a:pPr marL="285750" indent="-285750">
-              <a:buFont typeface="Wingdings" panose="05000000000000000000" pitchFamily="2" charset="2"/>
-              <a:buChar char="ü"/>
-            </a:pPr>
-            <a:r>
-              <a:rPr kumimoji="1" lang="ja-JP" altLang="en-US" sz="1000" dirty="0">
-                <a:solidFill>
-                  <a:schemeClr val="tx1"/>
-                </a:solidFill>
-              </a:rPr>
-              <a:t>業務で使うか（使っている／予定のみあり／ その他）</a:t>
-            </a:r>
-            <a:endParaRPr kumimoji="1" lang="en-US" altLang="ja-JP" sz="1000" dirty="0">
-              <a:solidFill>
-                <a:schemeClr val="tx1"/>
-              </a:solidFill>
-            </a:endParaRPr>
-          </a:p>
-          <a:p>
-            <a:pPr marL="285750" indent="-285750">
-              <a:buFont typeface="Wingdings" panose="05000000000000000000" pitchFamily="2" charset="2"/>
-              <a:buChar char="ü"/>
-            </a:pPr>
-            <a:r>
-              <a:rPr kumimoji="1" lang="ja-JP" altLang="en-US" sz="1000" dirty="0">
-                <a:solidFill>
-                  <a:srgbClr val="FF0000"/>
-                </a:solidFill>
-              </a:rPr>
-              <a:t>学習歴</a:t>
-            </a:r>
-            <a:r>
-              <a:rPr kumimoji="1" lang="en-US" altLang="ja-JP" sz="1000" dirty="0">
-                <a:solidFill>
-                  <a:srgbClr val="FF0000"/>
-                </a:solidFill>
-              </a:rPr>
-              <a:t>(</a:t>
-            </a:r>
-            <a:r>
-              <a:rPr kumimoji="1" lang="ja-JP" altLang="en-US" sz="1000" dirty="0">
-                <a:solidFill>
-                  <a:srgbClr val="FF0000"/>
-                </a:solidFill>
-              </a:rPr>
-              <a:t>期間、在留歴あるか</a:t>
-            </a:r>
-            <a:r>
-              <a:rPr kumimoji="1" lang="en-US" altLang="ja-JP" sz="1000" dirty="0">
-                <a:solidFill>
-                  <a:srgbClr val="FF0000"/>
-                </a:solidFill>
-              </a:rPr>
-              <a:t>)</a:t>
-            </a:r>
-            <a:r>
-              <a:rPr kumimoji="1" lang="ja-JP" altLang="en-US" sz="1000" dirty="0">
-                <a:solidFill>
-                  <a:srgbClr val="FF0000"/>
-                </a:solidFill>
-              </a:rPr>
-              <a:t>⇚学習方法の遷移</a:t>
-            </a:r>
-            <a:endParaRPr kumimoji="1" lang="en-US" altLang="ja-JP" sz="1000" dirty="0">
-              <a:solidFill>
-                <a:srgbClr val="FF0000"/>
-              </a:solidFill>
-            </a:endParaRPr>
-          </a:p>
-          <a:p>
-            <a:pPr marL="285750" indent="-285750">
-              <a:buFont typeface="Wingdings" panose="05000000000000000000" pitchFamily="2" charset="2"/>
-              <a:buChar char="ü"/>
-            </a:pPr>
-            <a:r>
-              <a:rPr kumimoji="1" lang="ja-JP" altLang="en-US" sz="1000" dirty="0">
-                <a:solidFill>
-                  <a:schemeClr val="tx1"/>
-                </a:solidFill>
-              </a:rPr>
-              <a:t>学習時間</a:t>
-            </a:r>
-            <a:r>
-              <a:rPr kumimoji="1" lang="en-US" altLang="ja-JP" sz="1000" dirty="0">
-                <a:solidFill>
-                  <a:schemeClr val="tx1"/>
-                </a:solidFill>
-              </a:rPr>
-              <a:t>(</a:t>
-            </a:r>
-            <a:r>
-              <a:rPr kumimoji="1" lang="ja-JP" altLang="en-US" sz="1000" dirty="0">
-                <a:solidFill>
-                  <a:schemeClr val="tx1"/>
-                </a:solidFill>
-              </a:rPr>
-              <a:t>週単位など</a:t>
-            </a:r>
-            <a:r>
-              <a:rPr kumimoji="1" lang="en-US" altLang="ja-JP" sz="1000" dirty="0">
-                <a:solidFill>
-                  <a:schemeClr val="tx1"/>
-                </a:solidFill>
-              </a:rPr>
-              <a:t>)</a:t>
-            </a:r>
-          </a:p>
-          <a:p>
-            <a:pPr marL="285750" indent="-285750">
-              <a:buFont typeface="Wingdings" panose="05000000000000000000" pitchFamily="2" charset="2"/>
-              <a:buChar char="ü"/>
-            </a:pPr>
-            <a:r>
-              <a:rPr kumimoji="1" lang="ja-JP" altLang="en-US" sz="1000" dirty="0">
-                <a:solidFill>
-                  <a:schemeClr val="tx1"/>
-                </a:solidFill>
-              </a:rPr>
-              <a:t>年代</a:t>
-            </a:r>
-            <a:endParaRPr kumimoji="1" lang="en-US" altLang="ja-JP" sz="1000" dirty="0">
-              <a:solidFill>
-                <a:schemeClr val="tx1"/>
-              </a:solidFill>
-            </a:endParaRPr>
-          </a:p>
-          <a:p>
-            <a:pPr marL="285750" indent="-285750">
-              <a:buFont typeface="Wingdings" panose="05000000000000000000" pitchFamily="2" charset="2"/>
-              <a:buChar char="ü"/>
-            </a:pPr>
-            <a:r>
-              <a:rPr kumimoji="1" lang="ja-JP" altLang="en-US" sz="1000" dirty="0">
-                <a:solidFill>
-                  <a:schemeClr val="tx1"/>
-                </a:solidFill>
-              </a:rPr>
-              <a:t>予算</a:t>
-            </a:r>
-            <a:r>
-              <a:rPr kumimoji="1" lang="en-US" altLang="ja-JP" sz="1000" dirty="0">
-                <a:solidFill>
-                  <a:schemeClr val="tx1"/>
-                </a:solidFill>
-              </a:rPr>
-              <a:t>(</a:t>
-            </a:r>
-            <a:r>
-              <a:rPr kumimoji="1" lang="ja-JP" altLang="en-US" sz="1000" dirty="0">
-                <a:solidFill>
-                  <a:schemeClr val="tx1"/>
-                </a:solidFill>
-              </a:rPr>
-              <a:t>年収によらないのでは</a:t>
-            </a:r>
-            <a:r>
-              <a:rPr kumimoji="1" lang="en-US" altLang="ja-JP" sz="1000" dirty="0">
-                <a:solidFill>
-                  <a:schemeClr val="tx1"/>
-                </a:solidFill>
-              </a:rPr>
-              <a:t>)</a:t>
-            </a:r>
-          </a:p>
-          <a:p>
-            <a:pPr marL="285750" indent="-285750">
-              <a:buFont typeface="Wingdings" panose="05000000000000000000" pitchFamily="2" charset="2"/>
-              <a:buChar char="ü"/>
-            </a:pPr>
-            <a:r>
-              <a:rPr kumimoji="1" lang="ja-JP" altLang="en-US" sz="1000" dirty="0">
-                <a:solidFill>
-                  <a:schemeClr val="tx1"/>
-                </a:solidFill>
-              </a:rPr>
-              <a:t>学習手法</a:t>
-            </a:r>
-          </a:p>
-        </p:txBody>
-      </p:sp>
-      <p:sp>
-        <p:nvSpPr>
-          <p:cNvPr id="5" name="正方形/長方形 4">
-            <a:extLst>
-              <a:ext uri="{FF2B5EF4-FFF2-40B4-BE49-F238E27FC236}">
-                <a16:creationId xmlns:a16="http://schemas.microsoft.com/office/drawing/2014/main" id="{96A81C1E-43C4-4C8C-A1F3-B0D1ED884915}"/>
-              </a:ext>
-            </a:extLst>
-          </p:cNvPr>
-          <p:cNvSpPr/>
-          <p:nvPr/>
-        </p:nvSpPr>
-        <p:spPr>
-          <a:xfrm>
-            <a:off x="734992" y="4708785"/>
-            <a:ext cx="1840375" cy="1796969"/>
-          </a:xfrm>
-          <a:prstGeom prst="rect">
-            <a:avLst/>
-          </a:prstGeom>
-          <a:solidFill>
-            <a:schemeClr val="bg1">
-              <a:lumMod val="50000"/>
-            </a:schemeClr>
-          </a:solidFill>
-          <a:ln w="19050">
-            <a:solidFill>
-              <a:schemeClr val="tx1"/>
-            </a:solidFill>
-          </a:ln>
-        </p:spPr>
-        <p:style>
-          <a:lnRef idx="2">
-            <a:schemeClr val="accent1">
-              <a:shade val="50000"/>
-            </a:schemeClr>
-          </a:lnRef>
-          <a:fillRef idx="1">
-            <a:schemeClr val="accent1"/>
-          </a:fillRef>
-          <a:effectRef idx="0">
-            <a:schemeClr val="accent1"/>
-          </a:effectRef>
-          <a:fontRef idx="minor">
-            <a:schemeClr val="lt1"/>
-          </a:fontRef>
-        </p:style>
-        <p:txBody>
-          <a:bodyPr rtlCol="0" anchor="ctr"/>
-          <a:lstStyle/>
-          <a:p>
-            <a:r>
-              <a:rPr kumimoji="1" lang="ja-JP" altLang="en-US" sz="1300" dirty="0">
-                <a:solidFill>
-                  <a:srgbClr val="FFFFFF"/>
-                </a:solidFill>
-              </a:rPr>
-              <a:t>切り口</a:t>
-            </a:r>
-            <a:endParaRPr kumimoji="1" lang="en-US" altLang="ja-JP" sz="1300" dirty="0">
-              <a:solidFill>
-                <a:srgbClr val="FFFFFF"/>
-              </a:solidFill>
-            </a:endParaRPr>
-          </a:p>
-          <a:p>
-            <a:r>
-              <a:rPr kumimoji="1" lang="en-US" altLang="ja-JP" sz="1300" dirty="0">
-                <a:solidFill>
-                  <a:srgbClr val="FFFFFF"/>
-                </a:solidFill>
-              </a:rPr>
-              <a:t>(</a:t>
-            </a:r>
-            <a:r>
-              <a:rPr kumimoji="1" lang="ja-JP" altLang="en-US" sz="1300" dirty="0">
-                <a:solidFill>
-                  <a:srgbClr val="FFFFFF"/>
-                </a:solidFill>
-              </a:rPr>
-              <a:t>気になるパラメータ</a:t>
-            </a:r>
-            <a:r>
-              <a:rPr kumimoji="1" lang="en-US" altLang="ja-JP" sz="1300" dirty="0">
-                <a:solidFill>
-                  <a:srgbClr val="FFFFFF"/>
-                </a:solidFill>
-              </a:rPr>
-              <a:t>)</a:t>
-            </a:r>
-            <a:endParaRPr kumimoji="1" lang="ja-JP" altLang="en-US" sz="1300" dirty="0">
-              <a:solidFill>
-                <a:srgbClr val="FFFFFF"/>
-              </a:solidFill>
-            </a:endParaRPr>
-          </a:p>
-        </p:txBody>
-      </p:sp>
-      <p:sp>
-        <p:nvSpPr>
-          <p:cNvPr id="8" name="正方形/長方形 7">
-            <a:extLst>
-              <a:ext uri="{FF2B5EF4-FFF2-40B4-BE49-F238E27FC236}">
-                <a16:creationId xmlns:a16="http://schemas.microsoft.com/office/drawing/2014/main" id="{420DC2CE-83E5-4C41-A56F-C09347448DEE}"/>
-              </a:ext>
-            </a:extLst>
-          </p:cNvPr>
-          <p:cNvSpPr/>
-          <p:nvPr/>
-        </p:nvSpPr>
-        <p:spPr>
-          <a:xfrm>
-            <a:off x="2748986" y="2822134"/>
-            <a:ext cx="6024624" cy="1345389"/>
-          </a:xfrm>
-          <a:prstGeom prst="rect">
-            <a:avLst/>
-          </a:prstGeom>
-          <a:noFill/>
-          <a:ln w="19050">
-            <a:solidFill>
-              <a:schemeClr val="tx1"/>
-            </a:solidFill>
-          </a:ln>
-        </p:spPr>
-        <p:style>
-          <a:lnRef idx="2">
-            <a:schemeClr val="accent1">
-              <a:shade val="50000"/>
-            </a:schemeClr>
-          </a:lnRef>
-          <a:fillRef idx="1">
-            <a:schemeClr val="accent1"/>
-          </a:fillRef>
-          <a:effectRef idx="0">
-            <a:schemeClr val="accent1"/>
-          </a:effectRef>
-          <a:fontRef idx="minor">
-            <a:schemeClr val="lt1"/>
-          </a:fontRef>
-        </p:style>
-        <p:txBody>
-          <a:bodyPr rtlCol="0" anchor="ctr"/>
-          <a:lstStyle/>
-          <a:p>
-            <a:pPr marL="285750" indent="-285750">
-              <a:buFont typeface="Wingdings" panose="05000000000000000000" pitchFamily="2" charset="2"/>
-              <a:buChar char="ü"/>
-            </a:pPr>
-            <a:endParaRPr kumimoji="1" lang="ja-JP" altLang="en-US" sz="1000" dirty="0">
-              <a:solidFill>
-                <a:schemeClr val="tx1"/>
-              </a:solidFill>
-            </a:endParaRPr>
-          </a:p>
-        </p:txBody>
-      </p:sp>
-      <p:sp>
-        <p:nvSpPr>
-          <p:cNvPr id="9" name="正方形/長方形 8">
-            <a:extLst>
-              <a:ext uri="{FF2B5EF4-FFF2-40B4-BE49-F238E27FC236}">
-                <a16:creationId xmlns:a16="http://schemas.microsoft.com/office/drawing/2014/main" id="{E99D0E8F-3F4C-41FB-9BD7-6AF8A2543728}"/>
-              </a:ext>
-            </a:extLst>
-          </p:cNvPr>
-          <p:cNvSpPr/>
-          <p:nvPr/>
-        </p:nvSpPr>
-        <p:spPr>
-          <a:xfrm>
-            <a:off x="734992" y="2822134"/>
-            <a:ext cx="1840375" cy="1345389"/>
-          </a:xfrm>
-          <a:prstGeom prst="rect">
-            <a:avLst/>
-          </a:prstGeom>
-          <a:solidFill>
-            <a:schemeClr val="bg1">
-              <a:lumMod val="50000"/>
-            </a:schemeClr>
-          </a:solidFill>
-          <a:ln w="19050">
-            <a:solidFill>
-              <a:schemeClr val="tx1"/>
-            </a:solidFill>
-          </a:ln>
-        </p:spPr>
-        <p:style>
-          <a:lnRef idx="2">
-            <a:schemeClr val="accent1">
-              <a:shade val="50000"/>
-            </a:schemeClr>
-          </a:lnRef>
-          <a:fillRef idx="1">
-            <a:schemeClr val="accent1"/>
-          </a:fillRef>
-          <a:effectRef idx="0">
-            <a:schemeClr val="accent1"/>
-          </a:effectRef>
-          <a:fontRef idx="minor">
-            <a:schemeClr val="lt1"/>
-          </a:fontRef>
-        </p:style>
-        <p:txBody>
-          <a:bodyPr rtlCol="0" anchor="ctr"/>
-          <a:lstStyle/>
-          <a:p>
-            <a:r>
-              <a:rPr kumimoji="1" lang="ja-JP" altLang="en-US" sz="1300" dirty="0">
-                <a:solidFill>
-                  <a:srgbClr val="FFFFFF"/>
-                </a:solidFill>
-              </a:rPr>
-              <a:t>知りたいこと</a:t>
-            </a:r>
-          </a:p>
-        </p:txBody>
-      </p:sp>
-      <p:sp>
-        <p:nvSpPr>
-          <p:cNvPr id="7" name="正方形/長方形 6">
-            <a:extLst>
-              <a:ext uri="{FF2B5EF4-FFF2-40B4-BE49-F238E27FC236}">
-                <a16:creationId xmlns:a16="http://schemas.microsoft.com/office/drawing/2014/main" id="{1C09920F-08F4-4EE4-B7B7-0DDCE1D992D7}"/>
-              </a:ext>
-            </a:extLst>
-          </p:cNvPr>
-          <p:cNvSpPr/>
-          <p:nvPr/>
-        </p:nvSpPr>
-        <p:spPr>
-          <a:xfrm>
-            <a:off x="2748986" y="798682"/>
-            <a:ext cx="6024624" cy="1145447"/>
-          </a:xfrm>
-          <a:prstGeom prst="rect">
-            <a:avLst/>
-          </a:prstGeom>
-          <a:noFill/>
-          <a:ln w="19050">
-            <a:solidFill>
-              <a:schemeClr val="tx1"/>
-            </a:solidFill>
-          </a:ln>
-        </p:spPr>
-        <p:style>
-          <a:lnRef idx="2">
-            <a:schemeClr val="accent1">
-              <a:shade val="50000"/>
-            </a:schemeClr>
-          </a:lnRef>
-          <a:fillRef idx="1">
-            <a:schemeClr val="accent1"/>
-          </a:fillRef>
-          <a:effectRef idx="0">
-            <a:schemeClr val="accent1"/>
-          </a:effectRef>
-          <a:fontRef idx="minor">
-            <a:schemeClr val="lt1"/>
-          </a:fontRef>
-        </p:style>
-        <p:txBody>
-          <a:bodyPr rtlCol="0" anchor="ctr"/>
-          <a:lstStyle/>
-          <a:p>
-            <a:r>
-              <a:rPr kumimoji="1" lang="ja-JP" altLang="en-US" sz="1000" dirty="0">
-                <a:solidFill>
-                  <a:schemeClr val="tx1"/>
-                </a:solidFill>
-              </a:rPr>
-              <a:t>下記につなげる</a:t>
-            </a:r>
-            <a:r>
-              <a:rPr kumimoji="1" lang="en-US" altLang="ja-JP" sz="1000" dirty="0">
-                <a:solidFill>
-                  <a:schemeClr val="tx1"/>
-                </a:solidFill>
-              </a:rPr>
-              <a:t>(</a:t>
-            </a:r>
-            <a:r>
-              <a:rPr kumimoji="1" lang="ja-JP" altLang="en-US" sz="1000" dirty="0">
-                <a:solidFill>
-                  <a:schemeClr val="tx1"/>
-                </a:solidFill>
-              </a:rPr>
-              <a:t>？⇚対応方法を確認する</a:t>
-            </a:r>
-            <a:r>
-              <a:rPr kumimoji="1" lang="en-US" altLang="ja-JP" sz="1000" dirty="0">
-                <a:solidFill>
-                  <a:schemeClr val="tx1"/>
-                </a:solidFill>
-              </a:rPr>
-              <a:t>)</a:t>
-            </a:r>
-          </a:p>
-          <a:p>
-            <a:pPr marL="285750" indent="-285750">
-              <a:buFont typeface="Arial" panose="020B0604020202020204" pitchFamily="34" charset="0"/>
-              <a:buChar char="•"/>
-            </a:pPr>
-            <a:r>
-              <a:rPr kumimoji="1" lang="ja-JP" altLang="en-US" sz="1000" dirty="0">
-                <a:solidFill>
-                  <a:schemeClr val="tx1"/>
-                </a:solidFill>
-              </a:rPr>
-              <a:t>ターゲット層を明確化</a:t>
-            </a:r>
-            <a:endParaRPr kumimoji="1" lang="en-US" altLang="ja-JP" sz="1000" dirty="0">
-              <a:solidFill>
-                <a:schemeClr val="tx1"/>
-              </a:solidFill>
-            </a:endParaRPr>
-          </a:p>
-          <a:p>
-            <a:pPr marL="285750" indent="-285750">
-              <a:buFont typeface="Arial" panose="020B0604020202020204" pitchFamily="34" charset="0"/>
-              <a:buChar char="•"/>
-            </a:pPr>
-            <a:r>
-              <a:rPr kumimoji="1" lang="ja-JP" altLang="en-US" sz="1000" dirty="0">
-                <a:solidFill>
-                  <a:schemeClr val="tx1"/>
-                </a:solidFill>
-              </a:rPr>
-              <a:t>機能概要にターゲット層の需要を反映（ペルソナ化）</a:t>
-            </a:r>
-            <a:endParaRPr kumimoji="1" lang="en-US" altLang="ja-JP" sz="1000" dirty="0">
-              <a:solidFill>
-                <a:schemeClr val="tx1"/>
-              </a:solidFill>
-            </a:endParaRPr>
-          </a:p>
-          <a:p>
-            <a:pPr marL="285750" indent="-285750">
-              <a:buFont typeface="Arial" panose="020B0604020202020204" pitchFamily="34" charset="0"/>
-              <a:buChar char="•"/>
-            </a:pPr>
-            <a:r>
-              <a:rPr kumimoji="1" lang="en-US" altLang="ja-JP" sz="1000" dirty="0" err="1">
-                <a:solidFill>
-                  <a:schemeClr val="tx1"/>
-                </a:solidFill>
-              </a:rPr>
-              <a:t>Golive</a:t>
-            </a:r>
-            <a:r>
-              <a:rPr kumimoji="1" lang="ja-JP" altLang="en-US" sz="1000" dirty="0">
-                <a:solidFill>
-                  <a:schemeClr val="tx1"/>
-                </a:solidFill>
-              </a:rPr>
-              <a:t>時のプロモーションに？、</a:t>
-            </a:r>
-            <a:r>
-              <a:rPr kumimoji="1" lang="en-US" altLang="ja-JP" sz="1000" dirty="0">
-                <a:solidFill>
-                  <a:schemeClr val="tx1"/>
-                </a:solidFill>
-              </a:rPr>
-              <a:t>(</a:t>
-            </a:r>
-            <a:r>
-              <a:rPr kumimoji="1" lang="ja-JP" altLang="en-US" sz="1000" dirty="0">
-                <a:solidFill>
-                  <a:schemeClr val="tx1"/>
-                </a:solidFill>
-              </a:rPr>
-              <a:t>広告媒体の選定？</a:t>
-            </a:r>
-            <a:r>
-              <a:rPr kumimoji="1" lang="en-US" altLang="ja-JP" sz="1000" dirty="0">
-                <a:solidFill>
-                  <a:schemeClr val="tx1"/>
-                </a:solidFill>
-              </a:rPr>
-              <a:t>)</a:t>
-            </a:r>
-            <a:r>
-              <a:rPr kumimoji="1" lang="ja-JP" altLang="en-US" sz="1000" dirty="0">
-                <a:solidFill>
-                  <a:schemeClr val="tx1"/>
-                </a:solidFill>
-              </a:rPr>
-              <a:t>　最初の</a:t>
-            </a:r>
-            <a:r>
-              <a:rPr kumimoji="1" lang="en-US" altLang="ja-JP" sz="1000" dirty="0">
-                <a:solidFill>
-                  <a:schemeClr val="tx1"/>
-                </a:solidFill>
-              </a:rPr>
-              <a:t>100</a:t>
-            </a:r>
-            <a:r>
-              <a:rPr kumimoji="1" lang="ja-JP" altLang="en-US" sz="1000" dirty="0">
-                <a:solidFill>
-                  <a:schemeClr val="tx1"/>
-                </a:solidFill>
-              </a:rPr>
-              <a:t>人の戦略</a:t>
-            </a:r>
-            <a:endParaRPr kumimoji="1" lang="en-US" altLang="ja-JP" sz="1000" dirty="0">
-              <a:solidFill>
-                <a:schemeClr val="tx1"/>
-              </a:solidFill>
-            </a:endParaRPr>
-          </a:p>
-          <a:p>
-            <a:pPr marL="285750" indent="-285750">
-              <a:buFont typeface="Arial" panose="020B0604020202020204" pitchFamily="34" charset="0"/>
-              <a:buChar char="•"/>
-            </a:pPr>
-            <a:r>
-              <a:rPr kumimoji="1" lang="en-US" altLang="ja-JP" sz="1000" dirty="0">
-                <a:solidFill>
-                  <a:schemeClr val="tx1"/>
-                </a:solidFill>
-              </a:rPr>
-              <a:t>XXXX</a:t>
-            </a:r>
-          </a:p>
-        </p:txBody>
-      </p:sp>
-      <p:sp>
-        <p:nvSpPr>
-          <p:cNvPr id="10" name="正方形/長方形 9">
-            <a:extLst>
-              <a:ext uri="{FF2B5EF4-FFF2-40B4-BE49-F238E27FC236}">
-                <a16:creationId xmlns:a16="http://schemas.microsoft.com/office/drawing/2014/main" id="{761A3533-0CDB-44EE-9AA7-78EA260F5B80}"/>
-              </a:ext>
-            </a:extLst>
-          </p:cNvPr>
-          <p:cNvSpPr/>
-          <p:nvPr/>
-        </p:nvSpPr>
-        <p:spPr>
-          <a:xfrm>
-            <a:off x="734992" y="798682"/>
-            <a:ext cx="1840375" cy="1145447"/>
-          </a:xfrm>
-          <a:prstGeom prst="rect">
-            <a:avLst/>
-          </a:prstGeom>
-          <a:solidFill>
-            <a:schemeClr val="bg1">
-              <a:lumMod val="50000"/>
-            </a:schemeClr>
-          </a:solidFill>
-          <a:ln w="19050">
-            <a:solidFill>
-              <a:schemeClr val="tx1"/>
-            </a:solidFill>
-          </a:ln>
-        </p:spPr>
-        <p:style>
-          <a:lnRef idx="2">
-            <a:schemeClr val="accent1">
-              <a:shade val="50000"/>
-            </a:schemeClr>
-          </a:lnRef>
-          <a:fillRef idx="1">
-            <a:schemeClr val="accent1"/>
-          </a:fillRef>
-          <a:effectRef idx="0">
-            <a:schemeClr val="accent1"/>
-          </a:effectRef>
-          <a:fontRef idx="minor">
-            <a:schemeClr val="lt1"/>
-          </a:fontRef>
-        </p:style>
-        <p:txBody>
-          <a:bodyPr rtlCol="0" anchor="ctr"/>
-          <a:lstStyle/>
-          <a:p>
-            <a:r>
-              <a:rPr kumimoji="1" lang="ja-JP" altLang="en-US" sz="1300" dirty="0">
-                <a:solidFill>
-                  <a:srgbClr val="FFFFFF"/>
-                </a:solidFill>
-              </a:rPr>
-              <a:t>目的</a:t>
-            </a:r>
-          </a:p>
-        </p:txBody>
-      </p:sp>
-      <p:sp>
-        <p:nvSpPr>
-          <p:cNvPr id="3" name="二等辺三角形 2">
-            <a:extLst>
-              <a:ext uri="{FF2B5EF4-FFF2-40B4-BE49-F238E27FC236}">
-                <a16:creationId xmlns:a16="http://schemas.microsoft.com/office/drawing/2014/main" id="{0F2060B4-1F46-457C-8E8D-8177BE73A60A}"/>
-              </a:ext>
-            </a:extLst>
-          </p:cNvPr>
-          <p:cNvSpPr/>
-          <p:nvPr/>
-        </p:nvSpPr>
-        <p:spPr>
-          <a:xfrm flipV="1">
-            <a:off x="4078717" y="2213751"/>
-            <a:ext cx="2701023" cy="337752"/>
-          </a:xfrm>
-          <a:prstGeom prst="triangle">
-            <a:avLst/>
-          </a:prstGeom>
-          <a:solidFill>
-            <a:schemeClr val="bg1">
-              <a:lumMod val="50000"/>
-            </a:schemeClr>
-          </a:solidFill>
-          <a:ln w="19050">
-            <a:solidFill>
-              <a:schemeClr val="tx1"/>
-            </a:solidFill>
-          </a:ln>
-        </p:spPr>
-        <p:style>
-          <a:lnRef idx="2">
-            <a:schemeClr val="accent1">
-              <a:shade val="50000"/>
-            </a:schemeClr>
-          </a:lnRef>
-          <a:fillRef idx="1">
-            <a:schemeClr val="accent1"/>
-          </a:fillRef>
-          <a:effectRef idx="0">
-            <a:schemeClr val="accent1"/>
-          </a:effectRef>
-          <a:fontRef idx="minor">
-            <a:schemeClr val="lt1"/>
-          </a:fontRef>
-        </p:style>
-        <p:txBody>
-          <a:bodyPr rtlCol="0" anchor="ctr"/>
-          <a:lstStyle/>
-          <a:p>
-            <a:endParaRPr kumimoji="1" lang="ja-JP" altLang="en-US" sz="1000">
-              <a:solidFill>
-                <a:srgbClr val="FFFFFF"/>
-              </a:solidFill>
-            </a:endParaRPr>
-          </a:p>
-        </p:txBody>
-      </p:sp>
-      <p:sp>
-        <p:nvSpPr>
-          <p:cNvPr id="11" name="二等辺三角形 10">
-            <a:extLst>
-              <a:ext uri="{FF2B5EF4-FFF2-40B4-BE49-F238E27FC236}">
-                <a16:creationId xmlns:a16="http://schemas.microsoft.com/office/drawing/2014/main" id="{106C46C8-3545-4769-8920-92F727DD8A32}"/>
-              </a:ext>
-            </a:extLst>
-          </p:cNvPr>
-          <p:cNvSpPr/>
-          <p:nvPr/>
-        </p:nvSpPr>
-        <p:spPr>
-          <a:xfrm flipV="1">
-            <a:off x="4078717" y="4328835"/>
-            <a:ext cx="2701023" cy="337752"/>
-          </a:xfrm>
-          <a:prstGeom prst="triangle">
-            <a:avLst/>
-          </a:prstGeom>
-          <a:solidFill>
-            <a:schemeClr val="bg1">
-              <a:lumMod val="50000"/>
-            </a:schemeClr>
-          </a:solidFill>
-          <a:ln w="19050">
-            <a:solidFill>
-              <a:schemeClr val="tx1"/>
-            </a:solidFill>
-          </a:ln>
-        </p:spPr>
-        <p:style>
-          <a:lnRef idx="2">
-            <a:schemeClr val="accent1">
-              <a:shade val="50000"/>
-            </a:schemeClr>
-          </a:lnRef>
-          <a:fillRef idx="1">
-            <a:schemeClr val="accent1"/>
-          </a:fillRef>
-          <a:effectRef idx="0">
-            <a:schemeClr val="accent1"/>
-          </a:effectRef>
-          <a:fontRef idx="minor">
-            <a:schemeClr val="lt1"/>
-          </a:fontRef>
-        </p:style>
-        <p:txBody>
-          <a:bodyPr rtlCol="0" anchor="ctr"/>
-          <a:lstStyle/>
-          <a:p>
-            <a:endParaRPr kumimoji="1" lang="ja-JP" altLang="en-US" sz="1000" dirty="0">
-              <a:solidFill>
-                <a:srgbClr val="FFFFFF"/>
-              </a:solidFill>
-            </a:endParaRPr>
-          </a:p>
-        </p:txBody>
-      </p:sp>
-    </p:spTree>
-    <p:extLst>
-      <p:ext uri="{BB962C8B-B14F-4D97-AF65-F5344CB8AC3E}">
-        <p14:creationId xmlns:p14="http://schemas.microsoft.com/office/powerpoint/2010/main" val="1438993370"/>
-      </p:ext>
-    </p:extLst>
-  </p:cSld>
-  <p:clrMapOvr>
-    <a:masterClrMapping/>
-  </p:clrMapOvr>
-</p:sld>
-</file>
-
-<file path=ppt/slides/slide20.xml><?xml version="1.0" encoding="utf-8"?>
-<p:sld xmlns:a="http://schemas.openxmlformats.org/drawingml/2006/main" xmlns:r="http://schemas.openxmlformats.org/officeDocument/2006/relationships" xmlns:p="http://schemas.openxmlformats.org/presentationml/2006/main">
-  <p:cSld>
-    <p:spTree>
-      <p:nvGrpSpPr>
-        <p:cNvPr id="1" name=""/>
-        <p:cNvGrpSpPr/>
-        <p:nvPr/>
-      </p:nvGrpSpPr>
-      <p:grpSpPr>
-        <a:xfrm>
-          <a:off x="0" y="0"/>
-          <a:ext cx="0" cy="0"/>
-          <a:chOff x="0" y="0"/>
-          <a:chExt cx="0" cy="0"/>
-        </a:xfrm>
-      </p:grpSpPr>
-      <p:sp>
-        <p:nvSpPr>
-          <p:cNvPr id="2" name="タイトル 1">
-            <a:extLst>
-              <a:ext uri="{FF2B5EF4-FFF2-40B4-BE49-F238E27FC236}">
                 <a16:creationId xmlns:a16="http://schemas.microsoft.com/office/drawing/2014/main" id="{B098BF7A-91BE-4E98-9A88-D3EF393C29F5}"/>
               </a:ext>
             </a:extLst>
@@ -9217,7 +9242,7 @@
           <a:p>
             <a:fld id="{3AFE6E60-CD60-443C-BB33-38BE591B4EDC}" type="slidenum">
               <a:rPr kumimoji="1" lang="ja-JP" altLang="en-US" smtClean="0"/>
-              <a:t>20</a:t>
+              <a:t>21</a:t>
             </a:fld>
             <a:endParaRPr kumimoji="1" lang="ja-JP" altLang="en-US"/>
           </a:p>
@@ -9266,7 +9291,7 @@
 </p:sld>
 </file>
 
-<file path=ppt/slides/slide21.xml><?xml version="1.0" encoding="utf-8"?>
+<file path=ppt/slides/slide22.xml><?xml version="1.0" encoding="utf-8"?>
 <p:sld xmlns:a="http://schemas.openxmlformats.org/drawingml/2006/main" xmlns:r="http://schemas.openxmlformats.org/officeDocument/2006/relationships" xmlns:p="http://schemas.openxmlformats.org/presentationml/2006/main">
   <p:cSld>
     <p:spTree>
@@ -9331,7 +9356,7 @@
           <a:p>
             <a:fld id="{3AFE6E60-CD60-443C-BB33-38BE591B4EDC}" type="slidenum">
               <a:rPr kumimoji="1" lang="ja-JP" altLang="en-US" smtClean="0"/>
-              <a:t>21</a:t>
+              <a:t>22</a:t>
             </a:fld>
             <a:endParaRPr kumimoji="1" lang="ja-JP" altLang="en-US"/>
           </a:p>
@@ -9426,6 +9451,965 @@
           <a:lstStyle/>
           <a:p>
             <a:r>
+              <a:rPr kumimoji="1" lang="ja-JP" altLang="en-US" sz="1500" dirty="0"/>
+              <a:t>目的と切り口</a:t>
+            </a:r>
+            <a:r>
+              <a:rPr kumimoji="1" lang="en-US" altLang="ja-JP" sz="1500" dirty="0"/>
+              <a:t>(</a:t>
+            </a:r>
+            <a:r>
+              <a:rPr kumimoji="1" lang="ja-JP" altLang="en-US" sz="1500" dirty="0"/>
+              <a:t>？丁寧に</a:t>
+            </a:r>
+            <a:r>
+              <a:rPr kumimoji="1" lang="en-US" altLang="ja-JP" sz="1500" dirty="0"/>
+              <a:t>P</a:t>
+            </a:r>
+            <a:r>
+              <a:rPr kumimoji="1" lang="ja-JP" altLang="en-US" sz="1500" dirty="0"/>
+              <a:t>分けて掘り下げる？</a:t>
+            </a:r>
+            <a:r>
+              <a:rPr kumimoji="1" lang="en-US" altLang="ja-JP" sz="1500" dirty="0"/>
+              <a:t>)</a:t>
+            </a:r>
+            <a:endParaRPr kumimoji="1" lang="ja-JP" altLang="en-US" sz="1500" dirty="0"/>
+          </a:p>
+        </p:txBody>
+      </p:sp>
+      <p:sp>
+        <p:nvSpPr>
+          <p:cNvPr id="4" name="正方形/長方形 3">
+            <a:extLst>
+              <a:ext uri="{FF2B5EF4-FFF2-40B4-BE49-F238E27FC236}">
+                <a16:creationId xmlns:a16="http://schemas.microsoft.com/office/drawing/2014/main" id="{F632E14C-A5D9-4980-A88F-C2265382E602}"/>
+              </a:ext>
+            </a:extLst>
+          </p:cNvPr>
+          <p:cNvSpPr/>
+          <p:nvPr/>
+        </p:nvSpPr>
+        <p:spPr>
+          <a:xfrm>
+            <a:off x="2748986" y="4708785"/>
+            <a:ext cx="6024624" cy="1796969"/>
+          </a:xfrm>
+          <a:prstGeom prst="rect">
+            <a:avLst/>
+          </a:prstGeom>
+          <a:noFill/>
+          <a:ln w="19050">
+            <a:solidFill>
+              <a:schemeClr val="tx1"/>
+            </a:solidFill>
+          </a:ln>
+        </p:spPr>
+        <p:style>
+          <a:lnRef idx="2">
+            <a:schemeClr val="accent1">
+              <a:shade val="50000"/>
+            </a:schemeClr>
+          </a:lnRef>
+          <a:fillRef idx="1">
+            <a:schemeClr val="accent1"/>
+          </a:fillRef>
+          <a:effectRef idx="0">
+            <a:schemeClr val="accent1"/>
+          </a:effectRef>
+          <a:fontRef idx="minor">
+            <a:schemeClr val="lt1"/>
+          </a:fontRef>
+        </p:style>
+        <p:txBody>
+          <a:bodyPr rtlCol="0" anchor="ctr"/>
+          <a:lstStyle/>
+          <a:p>
+            <a:pPr marL="285750" indent="-285750">
+              <a:buFont typeface="Wingdings" panose="05000000000000000000" pitchFamily="2" charset="2"/>
+              <a:buChar char="ü"/>
+            </a:pPr>
+            <a:r>
+              <a:rPr kumimoji="1" lang="ja-JP" altLang="en-US" sz="1000" dirty="0">
+                <a:solidFill>
+                  <a:schemeClr val="tx1"/>
+                </a:solidFill>
+              </a:rPr>
+              <a:t>現レベル</a:t>
+            </a:r>
+            <a:endParaRPr kumimoji="1" lang="en-US" altLang="ja-JP" sz="1000" dirty="0">
+              <a:solidFill>
+                <a:schemeClr val="tx1"/>
+              </a:solidFill>
+            </a:endParaRPr>
+          </a:p>
+          <a:p>
+            <a:pPr marL="285750" indent="-285750">
+              <a:buFont typeface="Wingdings" panose="05000000000000000000" pitchFamily="2" charset="2"/>
+              <a:buChar char="ü"/>
+            </a:pPr>
+            <a:r>
+              <a:rPr kumimoji="1" lang="ja-JP" altLang="en-US" sz="1000" dirty="0">
+                <a:solidFill>
+                  <a:schemeClr val="tx1"/>
+                </a:solidFill>
+              </a:rPr>
+              <a:t>目標レベル</a:t>
+            </a:r>
+            <a:endParaRPr kumimoji="1" lang="en-US" altLang="ja-JP" sz="1000" dirty="0">
+              <a:solidFill>
+                <a:schemeClr val="tx1"/>
+              </a:solidFill>
+            </a:endParaRPr>
+          </a:p>
+          <a:p>
+            <a:pPr marL="285750" indent="-285750">
+              <a:buFont typeface="Wingdings" panose="05000000000000000000" pitchFamily="2" charset="2"/>
+              <a:buChar char="ü"/>
+            </a:pPr>
+            <a:r>
+              <a:rPr kumimoji="1" lang="ja-JP" altLang="en-US" sz="1000" dirty="0">
+                <a:solidFill>
+                  <a:schemeClr val="tx1"/>
+                </a:solidFill>
+              </a:rPr>
+              <a:t>業務で使うか（使っている／予定のみあり／ その他）</a:t>
+            </a:r>
+            <a:endParaRPr kumimoji="1" lang="en-US" altLang="ja-JP" sz="1000" dirty="0">
+              <a:solidFill>
+                <a:schemeClr val="tx1"/>
+              </a:solidFill>
+            </a:endParaRPr>
+          </a:p>
+          <a:p>
+            <a:pPr marL="285750" indent="-285750">
+              <a:buFont typeface="Wingdings" panose="05000000000000000000" pitchFamily="2" charset="2"/>
+              <a:buChar char="ü"/>
+            </a:pPr>
+            <a:r>
+              <a:rPr kumimoji="1" lang="ja-JP" altLang="en-US" sz="1000" dirty="0">
+                <a:solidFill>
+                  <a:srgbClr val="FF0000"/>
+                </a:solidFill>
+              </a:rPr>
+              <a:t>学習歴</a:t>
+            </a:r>
+            <a:r>
+              <a:rPr kumimoji="1" lang="en-US" altLang="ja-JP" sz="1000" dirty="0">
+                <a:solidFill>
+                  <a:srgbClr val="FF0000"/>
+                </a:solidFill>
+              </a:rPr>
+              <a:t>(</a:t>
+            </a:r>
+            <a:r>
+              <a:rPr kumimoji="1" lang="ja-JP" altLang="en-US" sz="1000" dirty="0">
+                <a:solidFill>
+                  <a:srgbClr val="FF0000"/>
+                </a:solidFill>
+              </a:rPr>
+              <a:t>期間、在留歴あるか</a:t>
+            </a:r>
+            <a:r>
+              <a:rPr kumimoji="1" lang="en-US" altLang="ja-JP" sz="1000" dirty="0">
+                <a:solidFill>
+                  <a:srgbClr val="FF0000"/>
+                </a:solidFill>
+              </a:rPr>
+              <a:t>)</a:t>
+            </a:r>
+            <a:r>
+              <a:rPr kumimoji="1" lang="ja-JP" altLang="en-US" sz="1000" dirty="0">
+                <a:solidFill>
+                  <a:srgbClr val="FF0000"/>
+                </a:solidFill>
+              </a:rPr>
+              <a:t>⇚学習方法の遷移</a:t>
+            </a:r>
+            <a:endParaRPr kumimoji="1" lang="en-US" altLang="ja-JP" sz="1000" dirty="0">
+              <a:solidFill>
+                <a:srgbClr val="FF0000"/>
+              </a:solidFill>
+            </a:endParaRPr>
+          </a:p>
+          <a:p>
+            <a:pPr marL="285750" indent="-285750">
+              <a:buFont typeface="Wingdings" panose="05000000000000000000" pitchFamily="2" charset="2"/>
+              <a:buChar char="ü"/>
+            </a:pPr>
+            <a:r>
+              <a:rPr kumimoji="1" lang="ja-JP" altLang="en-US" sz="1000" dirty="0">
+                <a:solidFill>
+                  <a:schemeClr val="tx1"/>
+                </a:solidFill>
+              </a:rPr>
+              <a:t>学習時間</a:t>
+            </a:r>
+            <a:r>
+              <a:rPr kumimoji="1" lang="en-US" altLang="ja-JP" sz="1000" dirty="0">
+                <a:solidFill>
+                  <a:schemeClr val="tx1"/>
+                </a:solidFill>
+              </a:rPr>
+              <a:t>(</a:t>
+            </a:r>
+            <a:r>
+              <a:rPr kumimoji="1" lang="ja-JP" altLang="en-US" sz="1000" dirty="0">
+                <a:solidFill>
+                  <a:schemeClr val="tx1"/>
+                </a:solidFill>
+              </a:rPr>
+              <a:t>週単位など</a:t>
+            </a:r>
+            <a:r>
+              <a:rPr kumimoji="1" lang="en-US" altLang="ja-JP" sz="1000" dirty="0">
+                <a:solidFill>
+                  <a:schemeClr val="tx1"/>
+                </a:solidFill>
+              </a:rPr>
+              <a:t>)</a:t>
+            </a:r>
+          </a:p>
+          <a:p>
+            <a:pPr marL="285750" indent="-285750">
+              <a:buFont typeface="Wingdings" panose="05000000000000000000" pitchFamily="2" charset="2"/>
+              <a:buChar char="ü"/>
+            </a:pPr>
+            <a:r>
+              <a:rPr kumimoji="1" lang="ja-JP" altLang="en-US" sz="1000" dirty="0">
+                <a:solidFill>
+                  <a:schemeClr val="tx1"/>
+                </a:solidFill>
+              </a:rPr>
+              <a:t>年代</a:t>
+            </a:r>
+            <a:endParaRPr kumimoji="1" lang="en-US" altLang="ja-JP" sz="1000" dirty="0">
+              <a:solidFill>
+                <a:schemeClr val="tx1"/>
+              </a:solidFill>
+            </a:endParaRPr>
+          </a:p>
+          <a:p>
+            <a:pPr marL="285750" indent="-285750">
+              <a:buFont typeface="Wingdings" panose="05000000000000000000" pitchFamily="2" charset="2"/>
+              <a:buChar char="ü"/>
+            </a:pPr>
+            <a:r>
+              <a:rPr kumimoji="1" lang="ja-JP" altLang="en-US" sz="1000" dirty="0">
+                <a:solidFill>
+                  <a:schemeClr val="tx1"/>
+                </a:solidFill>
+              </a:rPr>
+              <a:t>予算</a:t>
+            </a:r>
+            <a:r>
+              <a:rPr kumimoji="1" lang="en-US" altLang="ja-JP" sz="1000" dirty="0">
+                <a:solidFill>
+                  <a:schemeClr val="tx1"/>
+                </a:solidFill>
+              </a:rPr>
+              <a:t>(</a:t>
+            </a:r>
+            <a:r>
+              <a:rPr kumimoji="1" lang="ja-JP" altLang="en-US" sz="1000" dirty="0">
+                <a:solidFill>
+                  <a:schemeClr val="tx1"/>
+                </a:solidFill>
+              </a:rPr>
+              <a:t>年収によらないのでは</a:t>
+            </a:r>
+            <a:r>
+              <a:rPr kumimoji="1" lang="en-US" altLang="ja-JP" sz="1000" dirty="0">
+                <a:solidFill>
+                  <a:schemeClr val="tx1"/>
+                </a:solidFill>
+              </a:rPr>
+              <a:t>)</a:t>
+            </a:r>
+          </a:p>
+          <a:p>
+            <a:pPr marL="285750" indent="-285750">
+              <a:buFont typeface="Wingdings" panose="05000000000000000000" pitchFamily="2" charset="2"/>
+              <a:buChar char="ü"/>
+            </a:pPr>
+            <a:r>
+              <a:rPr kumimoji="1" lang="ja-JP" altLang="en-US" sz="1000" dirty="0">
+                <a:solidFill>
+                  <a:schemeClr val="tx1"/>
+                </a:solidFill>
+              </a:rPr>
+              <a:t>学習手法</a:t>
+            </a:r>
+          </a:p>
+        </p:txBody>
+      </p:sp>
+      <p:sp>
+        <p:nvSpPr>
+          <p:cNvPr id="5" name="正方形/長方形 4">
+            <a:extLst>
+              <a:ext uri="{FF2B5EF4-FFF2-40B4-BE49-F238E27FC236}">
+                <a16:creationId xmlns:a16="http://schemas.microsoft.com/office/drawing/2014/main" id="{96A81C1E-43C4-4C8C-A1F3-B0D1ED884915}"/>
+              </a:ext>
+            </a:extLst>
+          </p:cNvPr>
+          <p:cNvSpPr/>
+          <p:nvPr/>
+        </p:nvSpPr>
+        <p:spPr>
+          <a:xfrm>
+            <a:off x="734992" y="4708785"/>
+            <a:ext cx="1840375" cy="1796969"/>
+          </a:xfrm>
+          <a:prstGeom prst="rect">
+            <a:avLst/>
+          </a:prstGeom>
+          <a:solidFill>
+            <a:schemeClr val="bg1">
+              <a:lumMod val="50000"/>
+            </a:schemeClr>
+          </a:solidFill>
+          <a:ln w="19050">
+            <a:solidFill>
+              <a:schemeClr val="tx1"/>
+            </a:solidFill>
+          </a:ln>
+        </p:spPr>
+        <p:style>
+          <a:lnRef idx="2">
+            <a:schemeClr val="accent1">
+              <a:shade val="50000"/>
+            </a:schemeClr>
+          </a:lnRef>
+          <a:fillRef idx="1">
+            <a:schemeClr val="accent1"/>
+          </a:fillRef>
+          <a:effectRef idx="0">
+            <a:schemeClr val="accent1"/>
+          </a:effectRef>
+          <a:fontRef idx="minor">
+            <a:schemeClr val="lt1"/>
+          </a:fontRef>
+        </p:style>
+        <p:txBody>
+          <a:bodyPr rtlCol="0" anchor="ctr"/>
+          <a:lstStyle/>
+          <a:p>
+            <a:r>
+              <a:rPr kumimoji="1" lang="ja-JP" altLang="en-US" sz="1300" dirty="0">
+                <a:solidFill>
+                  <a:srgbClr val="FFFFFF"/>
+                </a:solidFill>
+              </a:rPr>
+              <a:t>切り口</a:t>
+            </a:r>
+            <a:endParaRPr kumimoji="1" lang="en-US" altLang="ja-JP" sz="1300" dirty="0">
+              <a:solidFill>
+                <a:srgbClr val="FFFFFF"/>
+              </a:solidFill>
+            </a:endParaRPr>
+          </a:p>
+          <a:p>
+            <a:r>
+              <a:rPr kumimoji="1" lang="en-US" altLang="ja-JP" sz="1300" dirty="0">
+                <a:solidFill>
+                  <a:srgbClr val="FFFFFF"/>
+                </a:solidFill>
+              </a:rPr>
+              <a:t>(</a:t>
+            </a:r>
+            <a:r>
+              <a:rPr kumimoji="1" lang="ja-JP" altLang="en-US" sz="1300" dirty="0">
+                <a:solidFill>
+                  <a:srgbClr val="FFFFFF"/>
+                </a:solidFill>
+              </a:rPr>
+              <a:t>気になるパラメータ</a:t>
+            </a:r>
+            <a:r>
+              <a:rPr kumimoji="1" lang="en-US" altLang="ja-JP" sz="1300" dirty="0">
+                <a:solidFill>
+                  <a:srgbClr val="FFFFFF"/>
+                </a:solidFill>
+              </a:rPr>
+              <a:t>)</a:t>
+            </a:r>
+            <a:endParaRPr kumimoji="1" lang="ja-JP" altLang="en-US" sz="1300" dirty="0">
+              <a:solidFill>
+                <a:srgbClr val="FFFFFF"/>
+              </a:solidFill>
+            </a:endParaRPr>
+          </a:p>
+        </p:txBody>
+      </p:sp>
+      <p:sp>
+        <p:nvSpPr>
+          <p:cNvPr id="8" name="正方形/長方形 7">
+            <a:extLst>
+              <a:ext uri="{FF2B5EF4-FFF2-40B4-BE49-F238E27FC236}">
+                <a16:creationId xmlns:a16="http://schemas.microsoft.com/office/drawing/2014/main" id="{420DC2CE-83E5-4C41-A56F-C09347448DEE}"/>
+              </a:ext>
+            </a:extLst>
+          </p:cNvPr>
+          <p:cNvSpPr/>
+          <p:nvPr/>
+        </p:nvSpPr>
+        <p:spPr>
+          <a:xfrm>
+            <a:off x="2748986" y="2822134"/>
+            <a:ext cx="6024624" cy="1345389"/>
+          </a:xfrm>
+          <a:prstGeom prst="rect">
+            <a:avLst/>
+          </a:prstGeom>
+          <a:noFill/>
+          <a:ln w="19050">
+            <a:solidFill>
+              <a:schemeClr val="tx1"/>
+            </a:solidFill>
+          </a:ln>
+        </p:spPr>
+        <p:style>
+          <a:lnRef idx="2">
+            <a:schemeClr val="accent1">
+              <a:shade val="50000"/>
+            </a:schemeClr>
+          </a:lnRef>
+          <a:fillRef idx="1">
+            <a:schemeClr val="accent1"/>
+          </a:fillRef>
+          <a:effectRef idx="0">
+            <a:schemeClr val="accent1"/>
+          </a:effectRef>
+          <a:fontRef idx="minor">
+            <a:schemeClr val="lt1"/>
+          </a:fontRef>
+        </p:style>
+        <p:txBody>
+          <a:bodyPr rtlCol="0" anchor="ctr"/>
+          <a:lstStyle/>
+          <a:p>
+            <a:pPr marL="285750" indent="-285750">
+              <a:buFont typeface="Wingdings" panose="05000000000000000000" pitchFamily="2" charset="2"/>
+              <a:buChar char="ü"/>
+            </a:pPr>
+            <a:endParaRPr kumimoji="1" lang="ja-JP" altLang="en-US" sz="1000" dirty="0">
+              <a:solidFill>
+                <a:schemeClr val="tx1"/>
+              </a:solidFill>
+            </a:endParaRPr>
+          </a:p>
+        </p:txBody>
+      </p:sp>
+      <p:sp>
+        <p:nvSpPr>
+          <p:cNvPr id="9" name="正方形/長方形 8">
+            <a:extLst>
+              <a:ext uri="{FF2B5EF4-FFF2-40B4-BE49-F238E27FC236}">
+                <a16:creationId xmlns:a16="http://schemas.microsoft.com/office/drawing/2014/main" id="{E99D0E8F-3F4C-41FB-9BD7-6AF8A2543728}"/>
+              </a:ext>
+            </a:extLst>
+          </p:cNvPr>
+          <p:cNvSpPr/>
+          <p:nvPr/>
+        </p:nvSpPr>
+        <p:spPr>
+          <a:xfrm>
+            <a:off x="734992" y="2822134"/>
+            <a:ext cx="1840375" cy="1345389"/>
+          </a:xfrm>
+          <a:prstGeom prst="rect">
+            <a:avLst/>
+          </a:prstGeom>
+          <a:solidFill>
+            <a:schemeClr val="bg1">
+              <a:lumMod val="50000"/>
+            </a:schemeClr>
+          </a:solidFill>
+          <a:ln w="19050">
+            <a:solidFill>
+              <a:schemeClr val="tx1"/>
+            </a:solidFill>
+          </a:ln>
+        </p:spPr>
+        <p:style>
+          <a:lnRef idx="2">
+            <a:schemeClr val="accent1">
+              <a:shade val="50000"/>
+            </a:schemeClr>
+          </a:lnRef>
+          <a:fillRef idx="1">
+            <a:schemeClr val="accent1"/>
+          </a:fillRef>
+          <a:effectRef idx="0">
+            <a:schemeClr val="accent1"/>
+          </a:effectRef>
+          <a:fontRef idx="minor">
+            <a:schemeClr val="lt1"/>
+          </a:fontRef>
+        </p:style>
+        <p:txBody>
+          <a:bodyPr rtlCol="0" anchor="ctr"/>
+          <a:lstStyle/>
+          <a:p>
+            <a:r>
+              <a:rPr kumimoji="1" lang="ja-JP" altLang="en-US" sz="1300" dirty="0">
+                <a:solidFill>
+                  <a:srgbClr val="FFFFFF"/>
+                </a:solidFill>
+              </a:rPr>
+              <a:t>知りたいこと</a:t>
+            </a:r>
+          </a:p>
+        </p:txBody>
+      </p:sp>
+      <p:sp>
+        <p:nvSpPr>
+          <p:cNvPr id="7" name="正方形/長方形 6">
+            <a:extLst>
+              <a:ext uri="{FF2B5EF4-FFF2-40B4-BE49-F238E27FC236}">
+                <a16:creationId xmlns:a16="http://schemas.microsoft.com/office/drawing/2014/main" id="{1C09920F-08F4-4EE4-B7B7-0DDCE1D992D7}"/>
+              </a:ext>
+            </a:extLst>
+          </p:cNvPr>
+          <p:cNvSpPr/>
+          <p:nvPr/>
+        </p:nvSpPr>
+        <p:spPr>
+          <a:xfrm>
+            <a:off x="2748986" y="798682"/>
+            <a:ext cx="6024624" cy="1145447"/>
+          </a:xfrm>
+          <a:prstGeom prst="rect">
+            <a:avLst/>
+          </a:prstGeom>
+          <a:noFill/>
+          <a:ln w="19050">
+            <a:solidFill>
+              <a:schemeClr val="tx1"/>
+            </a:solidFill>
+          </a:ln>
+        </p:spPr>
+        <p:style>
+          <a:lnRef idx="2">
+            <a:schemeClr val="accent1">
+              <a:shade val="50000"/>
+            </a:schemeClr>
+          </a:lnRef>
+          <a:fillRef idx="1">
+            <a:schemeClr val="accent1"/>
+          </a:fillRef>
+          <a:effectRef idx="0">
+            <a:schemeClr val="accent1"/>
+          </a:effectRef>
+          <a:fontRef idx="minor">
+            <a:schemeClr val="lt1"/>
+          </a:fontRef>
+        </p:style>
+        <p:txBody>
+          <a:bodyPr rtlCol="0" anchor="ctr"/>
+          <a:lstStyle/>
+          <a:p>
+            <a:r>
+              <a:rPr kumimoji="1" lang="ja-JP" altLang="en-US" sz="1000" dirty="0">
+                <a:solidFill>
+                  <a:schemeClr val="tx1"/>
+                </a:solidFill>
+              </a:rPr>
+              <a:t>下記につなげる</a:t>
+            </a:r>
+            <a:r>
+              <a:rPr kumimoji="1" lang="en-US" altLang="ja-JP" sz="1000" dirty="0">
+                <a:solidFill>
+                  <a:schemeClr val="tx1"/>
+                </a:solidFill>
+              </a:rPr>
+              <a:t>(</a:t>
+            </a:r>
+            <a:r>
+              <a:rPr kumimoji="1" lang="ja-JP" altLang="en-US" sz="1000" dirty="0">
+                <a:solidFill>
+                  <a:schemeClr val="tx1"/>
+                </a:solidFill>
+              </a:rPr>
+              <a:t>？⇚対応方法を確認する</a:t>
+            </a:r>
+            <a:r>
+              <a:rPr kumimoji="1" lang="en-US" altLang="ja-JP" sz="1000" dirty="0">
+                <a:solidFill>
+                  <a:schemeClr val="tx1"/>
+                </a:solidFill>
+              </a:rPr>
+              <a:t>)</a:t>
+            </a:r>
+          </a:p>
+          <a:p>
+            <a:pPr marL="285750" indent="-285750">
+              <a:buFont typeface="Arial" panose="020B0604020202020204" pitchFamily="34" charset="0"/>
+              <a:buChar char="•"/>
+            </a:pPr>
+            <a:r>
+              <a:rPr kumimoji="1" lang="ja-JP" altLang="en-US" sz="1000" dirty="0">
+                <a:solidFill>
+                  <a:schemeClr val="tx1"/>
+                </a:solidFill>
+              </a:rPr>
+              <a:t>ターゲット層を明確化</a:t>
+            </a:r>
+            <a:endParaRPr kumimoji="1" lang="en-US" altLang="ja-JP" sz="1000" dirty="0">
+              <a:solidFill>
+                <a:schemeClr val="tx1"/>
+              </a:solidFill>
+            </a:endParaRPr>
+          </a:p>
+          <a:p>
+            <a:pPr marL="285750" indent="-285750">
+              <a:buFont typeface="Arial" panose="020B0604020202020204" pitchFamily="34" charset="0"/>
+              <a:buChar char="•"/>
+            </a:pPr>
+            <a:r>
+              <a:rPr kumimoji="1" lang="ja-JP" altLang="en-US" sz="1000" dirty="0">
+                <a:solidFill>
+                  <a:schemeClr val="tx1"/>
+                </a:solidFill>
+              </a:rPr>
+              <a:t>機能概要にターゲット層の需要を反映（ペルソナ化）</a:t>
+            </a:r>
+            <a:endParaRPr kumimoji="1" lang="en-US" altLang="ja-JP" sz="1000" dirty="0">
+              <a:solidFill>
+                <a:schemeClr val="tx1"/>
+              </a:solidFill>
+            </a:endParaRPr>
+          </a:p>
+          <a:p>
+            <a:pPr marL="285750" indent="-285750">
+              <a:buFont typeface="Arial" panose="020B0604020202020204" pitchFamily="34" charset="0"/>
+              <a:buChar char="•"/>
+            </a:pPr>
+            <a:r>
+              <a:rPr kumimoji="1" lang="en-US" altLang="ja-JP" sz="1000" dirty="0" err="1">
+                <a:solidFill>
+                  <a:schemeClr val="tx1"/>
+                </a:solidFill>
+              </a:rPr>
+              <a:t>Golive</a:t>
+            </a:r>
+            <a:r>
+              <a:rPr kumimoji="1" lang="ja-JP" altLang="en-US" sz="1000" dirty="0">
+                <a:solidFill>
+                  <a:schemeClr val="tx1"/>
+                </a:solidFill>
+              </a:rPr>
+              <a:t>時のプロモーションに？、</a:t>
+            </a:r>
+            <a:r>
+              <a:rPr kumimoji="1" lang="en-US" altLang="ja-JP" sz="1000" dirty="0">
+                <a:solidFill>
+                  <a:schemeClr val="tx1"/>
+                </a:solidFill>
+              </a:rPr>
+              <a:t>(</a:t>
+            </a:r>
+            <a:r>
+              <a:rPr kumimoji="1" lang="ja-JP" altLang="en-US" sz="1000" dirty="0">
+                <a:solidFill>
+                  <a:schemeClr val="tx1"/>
+                </a:solidFill>
+              </a:rPr>
+              <a:t>広告媒体の選定？</a:t>
+            </a:r>
+            <a:r>
+              <a:rPr kumimoji="1" lang="en-US" altLang="ja-JP" sz="1000" dirty="0">
+                <a:solidFill>
+                  <a:schemeClr val="tx1"/>
+                </a:solidFill>
+              </a:rPr>
+              <a:t>)</a:t>
+            </a:r>
+            <a:r>
+              <a:rPr kumimoji="1" lang="ja-JP" altLang="en-US" sz="1000" dirty="0">
+                <a:solidFill>
+                  <a:schemeClr val="tx1"/>
+                </a:solidFill>
+              </a:rPr>
+              <a:t>　最初の</a:t>
+            </a:r>
+            <a:r>
+              <a:rPr kumimoji="1" lang="en-US" altLang="ja-JP" sz="1000" dirty="0">
+                <a:solidFill>
+                  <a:schemeClr val="tx1"/>
+                </a:solidFill>
+              </a:rPr>
+              <a:t>100</a:t>
+            </a:r>
+            <a:r>
+              <a:rPr kumimoji="1" lang="ja-JP" altLang="en-US" sz="1000" dirty="0">
+                <a:solidFill>
+                  <a:schemeClr val="tx1"/>
+                </a:solidFill>
+              </a:rPr>
+              <a:t>人の戦略</a:t>
+            </a:r>
+            <a:endParaRPr kumimoji="1" lang="en-US" altLang="ja-JP" sz="1000" dirty="0">
+              <a:solidFill>
+                <a:schemeClr val="tx1"/>
+              </a:solidFill>
+            </a:endParaRPr>
+          </a:p>
+          <a:p>
+            <a:pPr marL="285750" indent="-285750">
+              <a:buFont typeface="Arial" panose="020B0604020202020204" pitchFamily="34" charset="0"/>
+              <a:buChar char="•"/>
+            </a:pPr>
+            <a:r>
+              <a:rPr kumimoji="1" lang="en-US" altLang="ja-JP" sz="1000" dirty="0">
+                <a:solidFill>
+                  <a:schemeClr val="tx1"/>
+                </a:solidFill>
+              </a:rPr>
+              <a:t>XXXX</a:t>
+            </a:r>
+          </a:p>
+        </p:txBody>
+      </p:sp>
+      <p:sp>
+        <p:nvSpPr>
+          <p:cNvPr id="10" name="正方形/長方形 9">
+            <a:extLst>
+              <a:ext uri="{FF2B5EF4-FFF2-40B4-BE49-F238E27FC236}">
+                <a16:creationId xmlns:a16="http://schemas.microsoft.com/office/drawing/2014/main" id="{761A3533-0CDB-44EE-9AA7-78EA260F5B80}"/>
+              </a:ext>
+            </a:extLst>
+          </p:cNvPr>
+          <p:cNvSpPr/>
+          <p:nvPr/>
+        </p:nvSpPr>
+        <p:spPr>
+          <a:xfrm>
+            <a:off x="734992" y="798682"/>
+            <a:ext cx="1840375" cy="1145447"/>
+          </a:xfrm>
+          <a:prstGeom prst="rect">
+            <a:avLst/>
+          </a:prstGeom>
+          <a:solidFill>
+            <a:schemeClr val="bg1">
+              <a:lumMod val="50000"/>
+            </a:schemeClr>
+          </a:solidFill>
+          <a:ln w="19050">
+            <a:solidFill>
+              <a:schemeClr val="tx1"/>
+            </a:solidFill>
+          </a:ln>
+        </p:spPr>
+        <p:style>
+          <a:lnRef idx="2">
+            <a:schemeClr val="accent1">
+              <a:shade val="50000"/>
+            </a:schemeClr>
+          </a:lnRef>
+          <a:fillRef idx="1">
+            <a:schemeClr val="accent1"/>
+          </a:fillRef>
+          <a:effectRef idx="0">
+            <a:schemeClr val="accent1"/>
+          </a:effectRef>
+          <a:fontRef idx="minor">
+            <a:schemeClr val="lt1"/>
+          </a:fontRef>
+        </p:style>
+        <p:txBody>
+          <a:bodyPr rtlCol="0" anchor="ctr"/>
+          <a:lstStyle/>
+          <a:p>
+            <a:r>
+              <a:rPr kumimoji="1" lang="ja-JP" altLang="en-US" sz="1300" dirty="0">
+                <a:solidFill>
+                  <a:srgbClr val="FFFFFF"/>
+                </a:solidFill>
+              </a:rPr>
+              <a:t>目的</a:t>
+            </a:r>
+          </a:p>
+        </p:txBody>
+      </p:sp>
+      <p:sp>
+        <p:nvSpPr>
+          <p:cNvPr id="3" name="二等辺三角形 2">
+            <a:extLst>
+              <a:ext uri="{FF2B5EF4-FFF2-40B4-BE49-F238E27FC236}">
+                <a16:creationId xmlns:a16="http://schemas.microsoft.com/office/drawing/2014/main" id="{0F2060B4-1F46-457C-8E8D-8177BE73A60A}"/>
+              </a:ext>
+            </a:extLst>
+          </p:cNvPr>
+          <p:cNvSpPr/>
+          <p:nvPr/>
+        </p:nvSpPr>
+        <p:spPr>
+          <a:xfrm flipV="1">
+            <a:off x="4078717" y="2213751"/>
+            <a:ext cx="2701023" cy="337752"/>
+          </a:xfrm>
+          <a:prstGeom prst="triangle">
+            <a:avLst/>
+          </a:prstGeom>
+          <a:solidFill>
+            <a:schemeClr val="bg1">
+              <a:lumMod val="50000"/>
+            </a:schemeClr>
+          </a:solidFill>
+          <a:ln w="19050">
+            <a:solidFill>
+              <a:schemeClr val="tx1"/>
+            </a:solidFill>
+          </a:ln>
+        </p:spPr>
+        <p:style>
+          <a:lnRef idx="2">
+            <a:schemeClr val="accent1">
+              <a:shade val="50000"/>
+            </a:schemeClr>
+          </a:lnRef>
+          <a:fillRef idx="1">
+            <a:schemeClr val="accent1"/>
+          </a:fillRef>
+          <a:effectRef idx="0">
+            <a:schemeClr val="accent1"/>
+          </a:effectRef>
+          <a:fontRef idx="minor">
+            <a:schemeClr val="lt1"/>
+          </a:fontRef>
+        </p:style>
+        <p:txBody>
+          <a:bodyPr rtlCol="0" anchor="ctr"/>
+          <a:lstStyle/>
+          <a:p>
+            <a:endParaRPr kumimoji="1" lang="ja-JP" altLang="en-US" sz="1000">
+              <a:solidFill>
+                <a:srgbClr val="FFFFFF"/>
+              </a:solidFill>
+            </a:endParaRPr>
+          </a:p>
+        </p:txBody>
+      </p:sp>
+      <p:sp>
+        <p:nvSpPr>
+          <p:cNvPr id="11" name="二等辺三角形 10">
+            <a:extLst>
+              <a:ext uri="{FF2B5EF4-FFF2-40B4-BE49-F238E27FC236}">
+                <a16:creationId xmlns:a16="http://schemas.microsoft.com/office/drawing/2014/main" id="{106C46C8-3545-4769-8920-92F727DD8A32}"/>
+              </a:ext>
+            </a:extLst>
+          </p:cNvPr>
+          <p:cNvSpPr/>
+          <p:nvPr/>
+        </p:nvSpPr>
+        <p:spPr>
+          <a:xfrm flipV="1">
+            <a:off x="4078717" y="4328835"/>
+            <a:ext cx="2701023" cy="337752"/>
+          </a:xfrm>
+          <a:prstGeom prst="triangle">
+            <a:avLst/>
+          </a:prstGeom>
+          <a:solidFill>
+            <a:schemeClr val="bg1">
+              <a:lumMod val="50000"/>
+            </a:schemeClr>
+          </a:solidFill>
+          <a:ln w="19050">
+            <a:solidFill>
+              <a:schemeClr val="tx1"/>
+            </a:solidFill>
+          </a:ln>
+        </p:spPr>
+        <p:style>
+          <a:lnRef idx="2">
+            <a:schemeClr val="accent1">
+              <a:shade val="50000"/>
+            </a:schemeClr>
+          </a:lnRef>
+          <a:fillRef idx="1">
+            <a:schemeClr val="accent1"/>
+          </a:fillRef>
+          <a:effectRef idx="0">
+            <a:schemeClr val="accent1"/>
+          </a:effectRef>
+          <a:fontRef idx="minor">
+            <a:schemeClr val="lt1"/>
+          </a:fontRef>
+        </p:style>
+        <p:txBody>
+          <a:bodyPr rtlCol="0" anchor="ctr"/>
+          <a:lstStyle/>
+          <a:p>
+            <a:endParaRPr kumimoji="1" lang="ja-JP" altLang="en-US" sz="1000" dirty="0">
+              <a:solidFill>
+                <a:srgbClr val="FFFFFF"/>
+              </a:solidFill>
+            </a:endParaRPr>
+          </a:p>
+        </p:txBody>
+      </p:sp>
+    </p:spTree>
+    <p:extLst>
+      <p:ext uri="{BB962C8B-B14F-4D97-AF65-F5344CB8AC3E}">
+        <p14:creationId xmlns:p14="http://schemas.microsoft.com/office/powerpoint/2010/main" val="3692604179"/>
+      </p:ext>
+    </p:extLst>
+  </p:cSld>
+  <p:clrMapOvr>
+    <a:masterClrMapping/>
+  </p:clrMapOvr>
+</p:sld>
+</file>
+
+<file path=ppt/slides/slide4.xml><?xml version="1.0" encoding="utf-8"?>
+<p:sld xmlns:a="http://schemas.openxmlformats.org/drawingml/2006/main" xmlns:r="http://schemas.openxmlformats.org/officeDocument/2006/relationships" xmlns:p="http://schemas.openxmlformats.org/presentationml/2006/main">
+  <p:cSld>
+    <p:spTree>
+      <p:nvGrpSpPr>
+        <p:cNvPr id="1" name=""/>
+        <p:cNvGrpSpPr/>
+        <p:nvPr/>
+      </p:nvGrpSpPr>
+      <p:grpSpPr>
+        <a:xfrm>
+          <a:off x="0" y="0"/>
+          <a:ext cx="0" cy="0"/>
+          <a:chOff x="0" y="0"/>
+          <a:chExt cx="0" cy="0"/>
+        </a:xfrm>
+      </p:grpSpPr>
+      <p:sp>
+        <p:nvSpPr>
+          <p:cNvPr id="2" name="タイトル 1">
+            <a:extLst>
+              <a:ext uri="{FF2B5EF4-FFF2-40B4-BE49-F238E27FC236}">
+                <a16:creationId xmlns:a16="http://schemas.microsoft.com/office/drawing/2014/main" id="{C11D935B-1BCE-4F05-BD7B-727BCFAD598A}"/>
+              </a:ext>
+            </a:extLst>
+          </p:cNvPr>
+          <p:cNvSpPr>
+            <a:spLocks noGrp="1"/>
+          </p:cNvSpPr>
+          <p:nvPr>
+            <p:ph type="title"/>
+          </p:nvPr>
+        </p:nvSpPr>
+        <p:spPr>
+          <a:xfrm>
+            <a:off x="681037" y="36307"/>
+            <a:ext cx="8543925" cy="599377"/>
+          </a:xfrm>
+        </p:spPr>
+        <p:txBody>
+          <a:bodyPr>
+            <a:normAutofit/>
+          </a:bodyPr>
+          <a:lstStyle/>
+          <a:p>
+            <a:r>
               <a:rPr lang="ja-JP" altLang="en-US" sz="1500" dirty="0"/>
               <a:t>学習方法の遷移</a:t>
             </a:r>
@@ -9717,7 +10701,7 @@
 </p:sld>
 </file>
 
-<file path=ppt/slides/slide4.xml><?xml version="1.0" encoding="utf-8"?>
+<file path=ppt/slides/slide5.xml><?xml version="1.0" encoding="utf-8"?>
 <p:sld xmlns:a="http://schemas.openxmlformats.org/drawingml/2006/main" xmlns:r="http://schemas.openxmlformats.org/officeDocument/2006/relationships" xmlns:p="http://schemas.openxmlformats.org/presentationml/2006/main">
   <p:cSld>
     <p:spTree>
@@ -9892,203 +10876,6 @@
     <p:extLst>
       <p:ext uri="{BB962C8B-B14F-4D97-AF65-F5344CB8AC3E}">
         <p14:creationId xmlns:p14="http://schemas.microsoft.com/office/powerpoint/2010/main" val="218869737"/>
-      </p:ext>
-    </p:extLst>
-  </p:cSld>
-  <p:clrMapOvr>
-    <a:masterClrMapping/>
-  </p:clrMapOvr>
-</p:sld>
-</file>
-
-<file path=ppt/slides/slide5.xml><?xml version="1.0" encoding="utf-8"?>
-<p:sld xmlns:a="http://schemas.openxmlformats.org/drawingml/2006/main" xmlns:r="http://schemas.openxmlformats.org/officeDocument/2006/relationships" xmlns:p="http://schemas.openxmlformats.org/presentationml/2006/main">
-  <p:cSld>
-    <p:spTree>
-      <p:nvGrpSpPr>
-        <p:cNvPr id="1" name=""/>
-        <p:cNvGrpSpPr/>
-        <p:nvPr/>
-      </p:nvGrpSpPr>
-      <p:grpSpPr>
-        <a:xfrm>
-          <a:off x="0" y="0"/>
-          <a:ext cx="0" cy="0"/>
-          <a:chOff x="0" y="0"/>
-          <a:chExt cx="0" cy="0"/>
-        </a:xfrm>
-      </p:grpSpPr>
-      <p:sp>
-        <p:nvSpPr>
-          <p:cNvPr id="2" name="タイトル 1">
-            <a:extLst>
-              <a:ext uri="{FF2B5EF4-FFF2-40B4-BE49-F238E27FC236}">
-                <a16:creationId xmlns:a16="http://schemas.microsoft.com/office/drawing/2014/main" id="{C11D935B-1BCE-4F05-BD7B-727BCFAD598A}"/>
-              </a:ext>
-            </a:extLst>
-          </p:cNvPr>
-          <p:cNvSpPr>
-            <a:spLocks noGrp="1"/>
-          </p:cNvSpPr>
-          <p:nvPr>
-            <p:ph type="title"/>
-          </p:nvPr>
-        </p:nvSpPr>
-        <p:spPr>
-          <a:xfrm>
-            <a:off x="681037" y="36307"/>
-            <a:ext cx="8543925" cy="599377"/>
-          </a:xfrm>
-        </p:spPr>
-        <p:txBody>
-          <a:bodyPr>
-            <a:normAutofit/>
-          </a:bodyPr>
-          <a:lstStyle/>
-          <a:p>
-            <a:r>
-              <a:rPr lang="ja-JP" altLang="en-US" sz="1500" dirty="0"/>
-              <a:t>学習方法の遷移</a:t>
-            </a:r>
-            <a:endParaRPr kumimoji="1" lang="ja-JP" altLang="en-US" sz="1500" dirty="0"/>
-          </a:p>
-        </p:txBody>
-      </p:sp>
-      <p:sp>
-        <p:nvSpPr>
-          <p:cNvPr id="5" name="正方形/長方形 4">
-            <a:extLst>
-              <a:ext uri="{FF2B5EF4-FFF2-40B4-BE49-F238E27FC236}">
-                <a16:creationId xmlns:a16="http://schemas.microsoft.com/office/drawing/2014/main" id="{9C6E2B66-B228-4C71-A5A5-B250BB750C7E}"/>
-              </a:ext>
-            </a:extLst>
-          </p:cNvPr>
-          <p:cNvSpPr/>
-          <p:nvPr/>
-        </p:nvSpPr>
-        <p:spPr>
-          <a:xfrm>
-            <a:off x="2488556" y="1987952"/>
-            <a:ext cx="5220183" cy="2011101"/>
-          </a:xfrm>
-          <a:prstGeom prst="rect">
-            <a:avLst/>
-          </a:prstGeom>
-        </p:spPr>
-        <p:style>
-          <a:lnRef idx="1">
-            <a:schemeClr val="accent3"/>
-          </a:lnRef>
-          <a:fillRef idx="2">
-            <a:schemeClr val="accent3"/>
-          </a:fillRef>
-          <a:effectRef idx="1">
-            <a:schemeClr val="accent3"/>
-          </a:effectRef>
-          <a:fontRef idx="minor">
-            <a:schemeClr val="dk1"/>
-          </a:fontRef>
-        </p:style>
-        <p:txBody>
-          <a:bodyPr rtlCol="0" anchor="ctr"/>
-          <a:lstStyle/>
-          <a:p>
-            <a:pPr algn="ctr"/>
-            <a:r>
-              <a:rPr kumimoji="1" lang="ja-JP" altLang="en-US" dirty="0"/>
-              <a:t>現レベル中間層に来ている</a:t>
-            </a:r>
-            <a:r>
-              <a:rPr kumimoji="1" lang="en-US" altLang="ja-JP" dirty="0"/>
-              <a:t>&amp;</a:t>
-            </a:r>
-          </a:p>
-          <a:p>
-            <a:pPr algn="ctr"/>
-            <a:r>
-              <a:rPr kumimoji="1" lang="ja-JP" altLang="en-US" dirty="0"/>
-              <a:t>仕事での利用機会がない人の</a:t>
-            </a:r>
-            <a:endParaRPr kumimoji="1" lang="en-US" altLang="ja-JP" dirty="0"/>
-          </a:p>
-          <a:p>
-            <a:pPr algn="ctr"/>
-            <a:r>
-              <a:rPr kumimoji="1" lang="ja-JP" altLang="en-US" dirty="0"/>
-              <a:t>学習モチベーション</a:t>
-            </a:r>
-            <a:endParaRPr kumimoji="1" lang="en-US" altLang="ja-JP" dirty="0"/>
-          </a:p>
-          <a:p>
-            <a:pPr algn="ctr"/>
-            <a:r>
-              <a:rPr kumimoji="1" lang="ja-JP" altLang="en-US" dirty="0"/>
-              <a:t>→本当は機会がほしいが無いのでは</a:t>
-            </a:r>
-            <a:endParaRPr kumimoji="1" lang="en-US" altLang="ja-JP" dirty="0"/>
-          </a:p>
-        </p:txBody>
-      </p:sp>
-      <p:sp>
-        <p:nvSpPr>
-          <p:cNvPr id="6" name="正方形/長方形 5">
-            <a:extLst>
-              <a:ext uri="{FF2B5EF4-FFF2-40B4-BE49-F238E27FC236}">
-                <a16:creationId xmlns:a16="http://schemas.microsoft.com/office/drawing/2014/main" id="{ED272E1A-212A-43DB-A261-5C8EFA2230CA}"/>
-              </a:ext>
-            </a:extLst>
-          </p:cNvPr>
-          <p:cNvSpPr/>
-          <p:nvPr/>
-        </p:nvSpPr>
-        <p:spPr>
-          <a:xfrm>
-            <a:off x="3119376" y="3562109"/>
-            <a:ext cx="5220183" cy="2011101"/>
-          </a:xfrm>
-          <a:prstGeom prst="rect">
-            <a:avLst/>
-          </a:prstGeom>
-        </p:spPr>
-        <p:style>
-          <a:lnRef idx="1">
-            <a:schemeClr val="accent3"/>
-          </a:lnRef>
-          <a:fillRef idx="2">
-            <a:schemeClr val="accent3"/>
-          </a:fillRef>
-          <a:effectRef idx="1">
-            <a:schemeClr val="accent3"/>
-          </a:effectRef>
-          <a:fontRef idx="minor">
-            <a:schemeClr val="dk1"/>
-          </a:fontRef>
-        </p:style>
-        <p:txBody>
-          <a:bodyPr rtlCol="0" anchor="ctr"/>
-          <a:lstStyle/>
-          <a:p>
-            <a:pPr algn="ctr"/>
-            <a:r>
-              <a:rPr kumimoji="1" lang="ja-JP" altLang="en-US" dirty="0"/>
-              <a:t>海外旅行の頻度、</a:t>
-            </a:r>
-            <a:r>
-              <a:rPr kumimoji="1" lang="en-US" altLang="ja-JP" dirty="0" err="1"/>
-              <a:t>Etc</a:t>
-            </a:r>
-            <a:r>
-              <a:rPr kumimoji="1" lang="ja-JP" altLang="en-US" dirty="0"/>
-              <a:t>、、、</a:t>
-            </a:r>
-            <a:endParaRPr kumimoji="1" lang="en-US" altLang="ja-JP" dirty="0"/>
-          </a:p>
-        </p:txBody>
-      </p:sp>
-    </p:spTree>
-    <p:extLst>
-      <p:ext uri="{BB962C8B-B14F-4D97-AF65-F5344CB8AC3E}">
-        <p14:creationId xmlns:p14="http://schemas.microsoft.com/office/powerpoint/2010/main" val="2560492058"/>
       </p:ext>
     </p:extLst>
   </p:cSld>
@@ -10193,6 +10980,203 @@
             <a:pPr algn="ctr"/>
             <a:r>
               <a:rPr kumimoji="1" lang="ja-JP" altLang="en-US" dirty="0"/>
+              <a:t>現レベル中間層に来ている</a:t>
+            </a:r>
+            <a:r>
+              <a:rPr kumimoji="1" lang="en-US" altLang="ja-JP" dirty="0"/>
+              <a:t>&amp;</a:t>
+            </a:r>
+          </a:p>
+          <a:p>
+            <a:pPr algn="ctr"/>
+            <a:r>
+              <a:rPr kumimoji="1" lang="ja-JP" altLang="en-US" dirty="0"/>
+              <a:t>仕事での利用機会がない人の</a:t>
+            </a:r>
+            <a:endParaRPr kumimoji="1" lang="en-US" altLang="ja-JP" dirty="0"/>
+          </a:p>
+          <a:p>
+            <a:pPr algn="ctr"/>
+            <a:r>
+              <a:rPr kumimoji="1" lang="ja-JP" altLang="en-US" dirty="0"/>
+              <a:t>学習モチベーション</a:t>
+            </a:r>
+            <a:endParaRPr kumimoji="1" lang="en-US" altLang="ja-JP" dirty="0"/>
+          </a:p>
+          <a:p>
+            <a:pPr algn="ctr"/>
+            <a:r>
+              <a:rPr kumimoji="1" lang="ja-JP" altLang="en-US" dirty="0"/>
+              <a:t>→本当は機会がほしいが無いのでは</a:t>
+            </a:r>
+            <a:endParaRPr kumimoji="1" lang="en-US" altLang="ja-JP" dirty="0"/>
+          </a:p>
+        </p:txBody>
+      </p:sp>
+      <p:sp>
+        <p:nvSpPr>
+          <p:cNvPr id="6" name="正方形/長方形 5">
+            <a:extLst>
+              <a:ext uri="{FF2B5EF4-FFF2-40B4-BE49-F238E27FC236}">
+                <a16:creationId xmlns:a16="http://schemas.microsoft.com/office/drawing/2014/main" id="{ED272E1A-212A-43DB-A261-5C8EFA2230CA}"/>
+              </a:ext>
+            </a:extLst>
+          </p:cNvPr>
+          <p:cNvSpPr/>
+          <p:nvPr/>
+        </p:nvSpPr>
+        <p:spPr>
+          <a:xfrm>
+            <a:off x="3119376" y="3562109"/>
+            <a:ext cx="5220183" cy="2011101"/>
+          </a:xfrm>
+          <a:prstGeom prst="rect">
+            <a:avLst/>
+          </a:prstGeom>
+        </p:spPr>
+        <p:style>
+          <a:lnRef idx="1">
+            <a:schemeClr val="accent3"/>
+          </a:lnRef>
+          <a:fillRef idx="2">
+            <a:schemeClr val="accent3"/>
+          </a:fillRef>
+          <a:effectRef idx="1">
+            <a:schemeClr val="accent3"/>
+          </a:effectRef>
+          <a:fontRef idx="minor">
+            <a:schemeClr val="dk1"/>
+          </a:fontRef>
+        </p:style>
+        <p:txBody>
+          <a:bodyPr rtlCol="0" anchor="ctr"/>
+          <a:lstStyle/>
+          <a:p>
+            <a:pPr algn="ctr"/>
+            <a:r>
+              <a:rPr kumimoji="1" lang="ja-JP" altLang="en-US" dirty="0"/>
+              <a:t>海外旅行の頻度、</a:t>
+            </a:r>
+            <a:r>
+              <a:rPr kumimoji="1" lang="en-US" altLang="ja-JP" dirty="0" err="1"/>
+              <a:t>Etc</a:t>
+            </a:r>
+            <a:r>
+              <a:rPr kumimoji="1" lang="ja-JP" altLang="en-US" dirty="0"/>
+              <a:t>、、、</a:t>
+            </a:r>
+            <a:endParaRPr kumimoji="1" lang="en-US" altLang="ja-JP" dirty="0"/>
+          </a:p>
+        </p:txBody>
+      </p:sp>
+    </p:spTree>
+    <p:extLst>
+      <p:ext uri="{BB962C8B-B14F-4D97-AF65-F5344CB8AC3E}">
+        <p14:creationId xmlns:p14="http://schemas.microsoft.com/office/powerpoint/2010/main" val="2560492058"/>
+      </p:ext>
+    </p:extLst>
+  </p:cSld>
+  <p:clrMapOvr>
+    <a:masterClrMapping/>
+  </p:clrMapOvr>
+</p:sld>
+</file>
+
+<file path=ppt/slides/slide7.xml><?xml version="1.0" encoding="utf-8"?>
+<p:sld xmlns:a="http://schemas.openxmlformats.org/drawingml/2006/main" xmlns:r="http://schemas.openxmlformats.org/officeDocument/2006/relationships" xmlns:p="http://schemas.openxmlformats.org/presentationml/2006/main">
+  <p:cSld>
+    <p:spTree>
+      <p:nvGrpSpPr>
+        <p:cNvPr id="1" name=""/>
+        <p:cNvGrpSpPr/>
+        <p:nvPr/>
+      </p:nvGrpSpPr>
+      <p:grpSpPr>
+        <a:xfrm>
+          <a:off x="0" y="0"/>
+          <a:ext cx="0" cy="0"/>
+          <a:chOff x="0" y="0"/>
+          <a:chExt cx="0" cy="0"/>
+        </a:xfrm>
+      </p:grpSpPr>
+      <p:sp>
+        <p:nvSpPr>
+          <p:cNvPr id="2" name="タイトル 1">
+            <a:extLst>
+              <a:ext uri="{FF2B5EF4-FFF2-40B4-BE49-F238E27FC236}">
+                <a16:creationId xmlns:a16="http://schemas.microsoft.com/office/drawing/2014/main" id="{C11D935B-1BCE-4F05-BD7B-727BCFAD598A}"/>
+              </a:ext>
+            </a:extLst>
+          </p:cNvPr>
+          <p:cNvSpPr>
+            <a:spLocks noGrp="1"/>
+          </p:cNvSpPr>
+          <p:nvPr>
+            <p:ph type="title"/>
+          </p:nvPr>
+        </p:nvSpPr>
+        <p:spPr>
+          <a:xfrm>
+            <a:off x="681037" y="36307"/>
+            <a:ext cx="8543925" cy="599377"/>
+          </a:xfrm>
+        </p:spPr>
+        <p:txBody>
+          <a:bodyPr>
+            <a:normAutofit/>
+          </a:bodyPr>
+          <a:lstStyle/>
+          <a:p>
+            <a:r>
+              <a:rPr lang="ja-JP" altLang="en-US" sz="1500" dirty="0"/>
+              <a:t>学習方法の遷移</a:t>
+            </a:r>
+            <a:endParaRPr kumimoji="1" lang="ja-JP" altLang="en-US" sz="1500" dirty="0"/>
+          </a:p>
+        </p:txBody>
+      </p:sp>
+      <p:sp>
+        <p:nvSpPr>
+          <p:cNvPr id="5" name="正方形/長方形 4">
+            <a:extLst>
+              <a:ext uri="{FF2B5EF4-FFF2-40B4-BE49-F238E27FC236}">
+                <a16:creationId xmlns:a16="http://schemas.microsoft.com/office/drawing/2014/main" id="{9C6E2B66-B228-4C71-A5A5-B250BB750C7E}"/>
+              </a:ext>
+            </a:extLst>
+          </p:cNvPr>
+          <p:cNvSpPr/>
+          <p:nvPr/>
+        </p:nvSpPr>
+        <p:spPr>
+          <a:xfrm>
+            <a:off x="2488556" y="1987952"/>
+            <a:ext cx="5220183" cy="2011101"/>
+          </a:xfrm>
+          <a:prstGeom prst="rect">
+            <a:avLst/>
+          </a:prstGeom>
+        </p:spPr>
+        <p:style>
+          <a:lnRef idx="1">
+            <a:schemeClr val="accent3"/>
+          </a:lnRef>
+          <a:fillRef idx="2">
+            <a:schemeClr val="accent3"/>
+          </a:fillRef>
+          <a:effectRef idx="1">
+            <a:schemeClr val="accent3"/>
+          </a:effectRef>
+          <a:fontRef idx="minor">
+            <a:schemeClr val="dk1"/>
+          </a:fontRef>
+        </p:style>
+        <p:txBody>
+          <a:bodyPr rtlCol="0" anchor="ctr"/>
+          <a:lstStyle/>
+          <a:p>
+            <a:pPr algn="ctr"/>
+            <a:r>
+              <a:rPr kumimoji="1" lang="ja-JP" altLang="en-US" dirty="0"/>
               <a:t>単に、中間層に来ている人に絞って、</a:t>
             </a:r>
             <a:endParaRPr kumimoji="1" lang="en-US" altLang="ja-JP" dirty="0"/>
@@ -10220,7 +11204,7 @@
 </p:sld>
 </file>
 
-<file path=ppt/slides/slide7.xml><?xml version="1.0" encoding="utf-8"?>
+<file path=ppt/slides/slide8.xml><?xml version="1.0" encoding="utf-8"?>
 <p:sld xmlns:a="http://schemas.openxmlformats.org/drawingml/2006/main" xmlns:r="http://schemas.openxmlformats.org/officeDocument/2006/relationships" xmlns:p="http://schemas.openxmlformats.org/presentationml/2006/main">
   <p:cSld>
     <p:spTree>
@@ -10311,7 +11295,7 @@
 </p:sld>
 </file>
 
-<file path=ppt/slides/slide8.xml><?xml version="1.0" encoding="utf-8"?>
+<file path=ppt/slides/slide9.xml><?xml version="1.0" encoding="utf-8"?>
 <p:sld xmlns:a="http://schemas.openxmlformats.org/drawingml/2006/main" xmlns:r="http://schemas.openxmlformats.org/officeDocument/2006/relationships" xmlns:p="http://schemas.openxmlformats.org/presentationml/2006/main">
   <p:cSld>
     <p:spTree>
@@ -10376,7 +11360,7 @@
           <a:p>
             <a:fld id="{3AFE6E60-CD60-443C-BB33-38BE591B4EDC}" type="slidenum">
               <a:rPr kumimoji="1" lang="ja-JP" altLang="en-US" smtClean="0"/>
-              <a:t>8</a:t>
+              <a:t>9</a:t>
             </a:fld>
             <a:endParaRPr kumimoji="1" lang="ja-JP" altLang="en-US"/>
           </a:p>
@@ -10416,120 +11400,6 @@
     <p:extLst>
       <p:ext uri="{BB962C8B-B14F-4D97-AF65-F5344CB8AC3E}">
         <p14:creationId xmlns:p14="http://schemas.microsoft.com/office/powerpoint/2010/main" val="134984950"/>
-      </p:ext>
-    </p:extLst>
-  </p:cSld>
-  <p:clrMapOvr>
-    <a:masterClrMapping/>
-  </p:clrMapOvr>
-</p:sld>
-</file>
-
-<file path=ppt/slides/slide9.xml><?xml version="1.0" encoding="utf-8"?>
-<p:sld xmlns:a="http://schemas.openxmlformats.org/drawingml/2006/main" xmlns:r="http://schemas.openxmlformats.org/officeDocument/2006/relationships" xmlns:p="http://schemas.openxmlformats.org/presentationml/2006/main">
-  <p:cSld>
-    <p:spTree>
-      <p:nvGrpSpPr>
-        <p:cNvPr id="1" name=""/>
-        <p:cNvGrpSpPr/>
-        <p:nvPr/>
-      </p:nvGrpSpPr>
-      <p:grpSpPr>
-        <a:xfrm>
-          <a:off x="0" y="0"/>
-          <a:ext cx="0" cy="0"/>
-          <a:chOff x="0" y="0"/>
-          <a:chExt cx="0" cy="0"/>
-        </a:xfrm>
-      </p:grpSpPr>
-      <p:sp>
-        <p:nvSpPr>
-          <p:cNvPr id="2" name="タイトル 1">
-            <a:extLst>
-              <a:ext uri="{FF2B5EF4-FFF2-40B4-BE49-F238E27FC236}">
-                <a16:creationId xmlns:a16="http://schemas.microsoft.com/office/drawing/2014/main" id="{9B3EEB55-E4A8-4C4C-91B6-893F58FFF7B9}"/>
-              </a:ext>
-            </a:extLst>
-          </p:cNvPr>
-          <p:cNvSpPr>
-            <a:spLocks noGrp="1"/>
-          </p:cNvSpPr>
-          <p:nvPr>
-            <p:ph type="title"/>
-          </p:nvPr>
-        </p:nvSpPr>
-        <p:spPr/>
-        <p:txBody>
-          <a:bodyPr/>
-          <a:lstStyle/>
-          <a:p>
-            <a:endParaRPr kumimoji="1" lang="ja-JP" altLang="en-US"/>
-          </a:p>
-        </p:txBody>
-      </p:sp>
-      <p:sp>
-        <p:nvSpPr>
-          <p:cNvPr id="3" name="スライド番号プレースホルダー 2">
-            <a:extLst>
-              <a:ext uri="{FF2B5EF4-FFF2-40B4-BE49-F238E27FC236}">
-                <a16:creationId xmlns:a16="http://schemas.microsoft.com/office/drawing/2014/main" id="{9F9572F5-5499-47A4-B891-6504E6D2BA1E}"/>
-              </a:ext>
-            </a:extLst>
-          </p:cNvPr>
-          <p:cNvSpPr>
-            <a:spLocks noGrp="1"/>
-          </p:cNvSpPr>
-          <p:nvPr>
-            <p:ph type="sldNum" sz="quarter" idx="12"/>
-          </p:nvPr>
-        </p:nvSpPr>
-        <p:spPr/>
-        <p:txBody>
-          <a:bodyPr/>
-          <a:lstStyle/>
-          <a:p>
-            <a:fld id="{3AFE6E60-CD60-443C-BB33-38BE591B4EDC}" type="slidenum">
-              <a:rPr kumimoji="1" lang="ja-JP" altLang="en-US" smtClean="0"/>
-              <a:t>9</a:t>
-            </a:fld>
-            <a:endParaRPr kumimoji="1" lang="ja-JP" altLang="en-US"/>
-          </a:p>
-        </p:txBody>
-      </p:sp>
-      <p:pic>
-        <p:nvPicPr>
-          <p:cNvPr id="5" name="図 4">
-            <a:extLst>
-              <a:ext uri="{FF2B5EF4-FFF2-40B4-BE49-F238E27FC236}">
-                <a16:creationId xmlns:a16="http://schemas.microsoft.com/office/drawing/2014/main" id="{E1461E74-DBDB-4C86-A595-8F8C07B1E687}"/>
-              </a:ext>
-            </a:extLst>
-          </p:cNvPr>
-          <p:cNvPicPr>
-            <a:picLocks noChangeAspect="1"/>
-          </p:cNvPicPr>
-          <p:nvPr/>
-        </p:nvPicPr>
-        <p:blipFill>
-          <a:blip r:embed="rId2"/>
-          <a:stretch>
-            <a:fillRect/>
-          </a:stretch>
-        </p:blipFill>
-        <p:spPr>
-          <a:xfrm>
-            <a:off x="1342521" y="332943"/>
-            <a:ext cx="7220958" cy="6192114"/>
-          </a:xfrm>
-          <a:prstGeom prst="rect">
-            <a:avLst/>
-          </a:prstGeom>
-        </p:spPr>
-      </p:pic>
-    </p:spTree>
-    <p:extLst>
-      <p:ext uri="{BB962C8B-B14F-4D97-AF65-F5344CB8AC3E}">
-        <p14:creationId xmlns:p14="http://schemas.microsoft.com/office/powerpoint/2010/main" val="475124416"/>
       </p:ext>
     </p:extLst>
   </p:cSld>

--- a/zz_document/project_Parfait/1_1_ユーザ分析_ver.0.1.pptx
+++ b/zz_document/project_Parfait/1_1_ユーザ分析_ver.0.1.pptx
@@ -8,8 +8,8 @@
     <p:notesMasterId r:id="rId24"/>
   </p:notesMasterIdLst>
   <p:sldIdLst>
-    <p:sldId id="269" r:id="rId2"/>
-    <p:sldId id="271" r:id="rId3"/>
+    <p:sldId id="271" r:id="rId2"/>
+    <p:sldId id="269" r:id="rId3"/>
     <p:sldId id="290" r:id="rId4"/>
     <p:sldId id="270" r:id="rId5"/>
     <p:sldId id="272" r:id="rId6"/>
@@ -133,8 +133,8 @@
       <p14:sectionLst xmlns:p14="http://schemas.microsoft.com/office/powerpoint/2010/main">
         <p14:section name="予定" id="{3EDFD9C0-B142-4DFC-BC43-1D61FC46C46A}">
           <p14:sldIdLst>
+            <p14:sldId id="271"/>
             <p14:sldId id="269"/>
-            <p14:sldId id="271"/>
             <p14:sldId id="290"/>
             <p14:sldId id="270"/>
             <p14:sldId id="272"/>
@@ -275,7 +275,7 @@
           <a:p>
             <a:fld id="{74CD797E-91A6-476A-B9B4-2CC9BB98892C}" type="datetimeFigureOut">
               <a:rPr kumimoji="1" lang="ja-JP" altLang="en-US" smtClean="0"/>
-              <a:t>2022/3/26</a:t>
+              <a:t>2022/3/27</a:t>
             </a:fld>
             <a:endParaRPr kumimoji="1" lang="ja-JP" altLang="en-US"/>
           </a:p>
@@ -639,7 +639,7 @@
           <a:p>
             <a:fld id="{887F2072-A40B-4EFF-9C20-81BE26844D72}" type="slidenum">
               <a:rPr kumimoji="1" lang="ja-JP" altLang="en-US" smtClean="0"/>
-              <a:t>2</a:t>
+              <a:t>1</a:t>
             </a:fld>
             <a:endParaRPr kumimoji="1" lang="ja-JP" altLang="en-US"/>
           </a:p>
@@ -789,7 +789,7 @@
           <a:p>
             <a:fld id="{D3FD91DA-464E-41AC-AA10-A6CC6DFC0679}" type="datetime1">
               <a:rPr kumimoji="1" lang="ja-JP" altLang="en-US" smtClean="0"/>
-              <a:t>2022/3/26</a:t>
+              <a:t>2022/3/27</a:t>
             </a:fld>
             <a:endParaRPr kumimoji="1" lang="ja-JP" altLang="en-US"/>
           </a:p>
@@ -991,7 +991,7 @@
           <a:p>
             <a:fld id="{571FA43C-A9B9-4DB5-9712-ECC118B6A9E8}" type="datetime1">
               <a:rPr kumimoji="1" lang="ja-JP" altLang="en-US" smtClean="0"/>
-              <a:t>2022/3/26</a:t>
+              <a:t>2022/3/27</a:t>
             </a:fld>
             <a:endParaRPr kumimoji="1" lang="ja-JP" altLang="en-US"/>
           </a:p>
@@ -1203,7 +1203,7 @@
           <a:p>
             <a:fld id="{77C66867-ACD1-4342-AAB6-F21FE0FDA808}" type="datetime1">
               <a:rPr kumimoji="1" lang="ja-JP" altLang="en-US" smtClean="0"/>
-              <a:t>2022/3/26</a:t>
+              <a:t>2022/3/27</a:t>
             </a:fld>
             <a:endParaRPr kumimoji="1" lang="ja-JP" altLang="en-US"/>
           </a:p>
@@ -1405,7 +1405,7 @@
           <a:p>
             <a:fld id="{1062A8DA-0C19-4835-974C-9E03294E09F5}" type="datetime1">
               <a:rPr kumimoji="1" lang="ja-JP" altLang="en-US" smtClean="0"/>
-              <a:t>2022/3/26</a:t>
+              <a:t>2022/3/27</a:t>
             </a:fld>
             <a:endParaRPr kumimoji="1" lang="ja-JP" altLang="en-US"/>
           </a:p>
@@ -1649,7 +1649,7 @@
           <a:p>
             <a:fld id="{36738114-5D0B-4690-928B-E6FB871EB909}" type="datetime1">
               <a:rPr kumimoji="1" lang="ja-JP" altLang="en-US" smtClean="0"/>
-              <a:t>2022/3/26</a:t>
+              <a:t>2022/3/27</a:t>
             </a:fld>
             <a:endParaRPr kumimoji="1" lang="ja-JP" altLang="en-US"/>
           </a:p>
@@ -1945,7 +1945,7 @@
           <a:p>
             <a:fld id="{37032C66-1797-43D7-A77F-B745A1458647}" type="datetime1">
               <a:rPr kumimoji="1" lang="ja-JP" altLang="en-US" smtClean="0"/>
-              <a:t>2022/3/26</a:t>
+              <a:t>2022/3/27</a:t>
             </a:fld>
             <a:endParaRPr kumimoji="1" lang="ja-JP" altLang="en-US"/>
           </a:p>
@@ -2376,7 +2376,7 @@
           <a:p>
             <a:fld id="{3AD76951-0195-4BF2-A848-40F260AABB89}" type="datetime1">
               <a:rPr kumimoji="1" lang="ja-JP" altLang="en-US" smtClean="0"/>
-              <a:t>2022/3/26</a:t>
+              <a:t>2022/3/27</a:t>
             </a:fld>
             <a:endParaRPr kumimoji="1" lang="ja-JP" altLang="en-US"/>
           </a:p>
@@ -2494,7 +2494,7 @@
           <a:p>
             <a:fld id="{83D0591A-F963-4DE3-AF72-4968A1F7D17B}" type="datetime1">
               <a:rPr kumimoji="1" lang="ja-JP" altLang="en-US" smtClean="0"/>
-              <a:t>2022/3/26</a:t>
+              <a:t>2022/3/27</a:t>
             </a:fld>
             <a:endParaRPr kumimoji="1" lang="ja-JP" altLang="en-US"/>
           </a:p>
@@ -2589,7 +2589,7 @@
           <a:p>
             <a:fld id="{11BA0D88-378D-4ECD-BC66-AFAD17A1DBB7}" type="datetime1">
               <a:rPr kumimoji="1" lang="ja-JP" altLang="en-US" smtClean="0"/>
-              <a:t>2022/3/26</a:t>
+              <a:t>2022/3/27</a:t>
             </a:fld>
             <a:endParaRPr kumimoji="1" lang="ja-JP" altLang="en-US"/>
           </a:p>
@@ -2898,7 +2898,7 @@
           <a:p>
             <a:fld id="{09B6A893-2031-4A21-AB22-D251BFEEFADB}" type="datetime1">
               <a:rPr kumimoji="1" lang="ja-JP" altLang="en-US" smtClean="0"/>
-              <a:t>2022/3/26</a:t>
+              <a:t>2022/3/27</a:t>
             </a:fld>
             <a:endParaRPr kumimoji="1" lang="ja-JP" altLang="en-US"/>
           </a:p>
@@ -3155,7 +3155,7 @@
           <a:p>
             <a:fld id="{AF479822-7151-4C93-A7B0-E31BFECD4B49}" type="datetime1">
               <a:rPr kumimoji="1" lang="ja-JP" altLang="en-US" smtClean="0"/>
-              <a:t>2022/3/26</a:t>
+              <a:t>2022/3/27</a:t>
             </a:fld>
             <a:endParaRPr kumimoji="1" lang="ja-JP" altLang="en-US"/>
           </a:p>
@@ -3400,7 +3400,7 @@
           <a:p>
             <a:fld id="{3753EB1F-E888-44F6-9A81-862A0B16A4F7}" type="datetime1">
               <a:rPr kumimoji="1" lang="ja-JP" altLang="en-US" smtClean="0"/>
-              <a:t>2022/3/26</a:t>
+              <a:t>2022/3/27</a:t>
             </a:fld>
             <a:endParaRPr kumimoji="1" lang="ja-JP" altLang="en-US"/>
           </a:p>
@@ -3836,6 +3836,3051 @@
           <a:p>
             <a:r>
               <a:rPr kumimoji="1" lang="ja-JP" altLang="en-US" sz="1500" dirty="0"/>
+              <a:t>森でなく木を見る→具体を想像する</a:t>
+            </a:r>
+            <a:br>
+              <a:rPr kumimoji="1" lang="en-US" altLang="ja-JP" sz="1500" dirty="0"/>
+            </a:br>
+            <a:r>
+              <a:rPr kumimoji="1" lang="en-US" altLang="ja-JP" sz="1500" dirty="0"/>
+              <a:t>MECE</a:t>
+            </a:r>
+            <a:r>
+              <a:rPr kumimoji="1" lang="ja-JP" altLang="en-US" sz="1500" dirty="0"/>
+              <a:t>でなくてよい、想像でよいのでペルソナをいくつか挙げる</a:t>
+            </a:r>
+          </a:p>
+        </p:txBody>
+      </p:sp>
+      <p:sp>
+        <p:nvSpPr>
+          <p:cNvPr id="7" name="正方形/長方形 6">
+            <a:extLst>
+              <a:ext uri="{FF2B5EF4-FFF2-40B4-BE49-F238E27FC236}">
+                <a16:creationId xmlns:a16="http://schemas.microsoft.com/office/drawing/2014/main" id="{1C09920F-08F4-4EE4-B7B7-0DDCE1D992D7}"/>
+              </a:ext>
+            </a:extLst>
+          </p:cNvPr>
+          <p:cNvSpPr/>
+          <p:nvPr/>
+        </p:nvSpPr>
+        <p:spPr>
+          <a:xfrm>
+            <a:off x="1885707" y="1258629"/>
+            <a:ext cx="5909784" cy="2618683"/>
+          </a:xfrm>
+          <a:prstGeom prst="rect">
+            <a:avLst/>
+          </a:prstGeom>
+          <a:noFill/>
+          <a:ln w="19050">
+            <a:solidFill>
+              <a:schemeClr val="tx1"/>
+            </a:solidFill>
+          </a:ln>
+        </p:spPr>
+        <p:style>
+          <a:lnRef idx="2">
+            <a:schemeClr val="accent1">
+              <a:shade val="50000"/>
+            </a:schemeClr>
+          </a:lnRef>
+          <a:fillRef idx="1">
+            <a:schemeClr val="accent1"/>
+          </a:fillRef>
+          <a:effectRef idx="0">
+            <a:schemeClr val="accent1"/>
+          </a:effectRef>
+          <a:fontRef idx="minor">
+            <a:schemeClr val="lt1"/>
+          </a:fontRef>
+        </p:style>
+        <p:txBody>
+          <a:bodyPr rtlCol="0" anchor="ctr"/>
+          <a:lstStyle/>
+          <a:p>
+            <a:pPr marL="171450" indent="-171450">
+              <a:buFont typeface="Arial" panose="020B0604020202020204" pitchFamily="34" charset="0"/>
+              <a:buChar char="•"/>
+            </a:pPr>
+            <a:r>
+              <a:rPr kumimoji="1" lang="ja-JP" altLang="en-US" sz="1000" dirty="0">
+                <a:solidFill>
+                  <a:schemeClr val="tx1"/>
+                </a:solidFill>
+              </a:rPr>
+              <a:t>海外旅行好き</a:t>
+            </a:r>
+            <a:endParaRPr kumimoji="1" lang="en-US" altLang="ja-JP" sz="1000" dirty="0">
+              <a:solidFill>
+                <a:schemeClr val="tx1"/>
+              </a:solidFill>
+            </a:endParaRPr>
+          </a:p>
+          <a:p>
+            <a:pPr marL="171450" indent="-171450">
+              <a:buFont typeface="Arial" panose="020B0604020202020204" pitchFamily="34" charset="0"/>
+              <a:buChar char="•"/>
+            </a:pPr>
+            <a:r>
+              <a:rPr kumimoji="1" lang="ja-JP" altLang="en-US" sz="1000" dirty="0">
+                <a:solidFill>
+                  <a:schemeClr val="tx1"/>
+                </a:solidFill>
+              </a:rPr>
+              <a:t>旅行時に現地人とコミュニケーション取りたい</a:t>
+            </a:r>
+            <a:endParaRPr kumimoji="1" lang="en-US" altLang="ja-JP" sz="1000" dirty="0">
+              <a:solidFill>
+                <a:schemeClr val="tx1"/>
+              </a:solidFill>
+            </a:endParaRPr>
+          </a:p>
+          <a:p>
+            <a:pPr marL="171450" indent="-171450">
+              <a:buFont typeface="Arial" panose="020B0604020202020204" pitchFamily="34" charset="0"/>
+              <a:buChar char="•"/>
+            </a:pPr>
+            <a:r>
+              <a:rPr kumimoji="1" lang="ja-JP" altLang="en-US" sz="1000" dirty="0">
+                <a:solidFill>
+                  <a:schemeClr val="tx1"/>
+                </a:solidFill>
+              </a:rPr>
+              <a:t>英語話せる自分がかっこいい</a:t>
+            </a:r>
+            <a:r>
+              <a:rPr kumimoji="1" lang="en-US" altLang="ja-JP" sz="1000" dirty="0">
+                <a:solidFill>
+                  <a:schemeClr val="tx1"/>
+                </a:solidFill>
+              </a:rPr>
+              <a:t>(</a:t>
+            </a:r>
+            <a:r>
+              <a:rPr kumimoji="1" lang="ja-JP" altLang="en-US" sz="1000" dirty="0">
+                <a:solidFill>
+                  <a:schemeClr val="tx1"/>
+                </a:solidFill>
+              </a:rPr>
+              <a:t>←理想</a:t>
+            </a:r>
+            <a:r>
+              <a:rPr kumimoji="1" lang="en-US" altLang="ja-JP" sz="1000" dirty="0">
+                <a:solidFill>
+                  <a:schemeClr val="tx1"/>
+                </a:solidFill>
+              </a:rPr>
+              <a:t>)</a:t>
+            </a:r>
+          </a:p>
+          <a:p>
+            <a:pPr marL="171450" indent="-171450">
+              <a:buFont typeface="Arial" panose="020B0604020202020204" pitchFamily="34" charset="0"/>
+              <a:buChar char="•"/>
+            </a:pPr>
+            <a:r>
+              <a:rPr kumimoji="1" lang="ja-JP" altLang="en-US" sz="1000" dirty="0">
+                <a:solidFill>
+                  <a:schemeClr val="tx1"/>
+                </a:solidFill>
+              </a:rPr>
+              <a:t>受験勉強はしていたため、聞くのはそこそこ、話すのはあんまり</a:t>
+            </a:r>
+            <a:r>
+              <a:rPr kumimoji="1" lang="en-US" altLang="ja-JP" sz="1000" dirty="0">
+                <a:solidFill>
+                  <a:schemeClr val="tx1"/>
+                </a:solidFill>
+              </a:rPr>
+              <a:t>….</a:t>
+            </a:r>
+          </a:p>
+          <a:p>
+            <a:pPr marL="171450" indent="-171450">
+              <a:buFont typeface="Arial" panose="020B0604020202020204" pitchFamily="34" charset="0"/>
+              <a:buChar char="•"/>
+            </a:pPr>
+            <a:r>
+              <a:rPr kumimoji="1" lang="ja-JP" altLang="en-US" sz="1000" dirty="0">
+                <a:solidFill>
+                  <a:schemeClr val="tx1"/>
+                </a:solidFill>
+              </a:rPr>
+              <a:t>仕事はデスクワーク、残業もそこそこ</a:t>
+            </a:r>
+            <a:r>
+              <a:rPr kumimoji="1" lang="en-US" altLang="ja-JP" sz="1000" dirty="0">
+                <a:solidFill>
+                  <a:schemeClr val="tx1"/>
+                </a:solidFill>
+              </a:rPr>
+              <a:t>(</a:t>
+            </a:r>
+            <a:r>
+              <a:rPr kumimoji="1" lang="ja-JP" altLang="en-US" sz="1000" dirty="0">
+                <a:solidFill>
+                  <a:schemeClr val="tx1"/>
+                </a:solidFill>
+              </a:rPr>
+              <a:t>～</a:t>
+            </a:r>
+            <a:r>
+              <a:rPr kumimoji="1" lang="en-US" altLang="ja-JP" sz="1000" dirty="0">
+                <a:solidFill>
+                  <a:schemeClr val="tx1"/>
+                </a:solidFill>
+              </a:rPr>
+              <a:t>20</a:t>
+            </a:r>
+            <a:r>
+              <a:rPr kumimoji="1" lang="ja-JP" altLang="en-US" sz="1000" dirty="0">
+                <a:solidFill>
+                  <a:schemeClr val="tx1"/>
+                </a:solidFill>
+              </a:rPr>
+              <a:t>時とか</a:t>
+            </a:r>
+            <a:r>
+              <a:rPr kumimoji="1" lang="en-US" altLang="ja-JP" sz="1000" dirty="0">
+                <a:solidFill>
+                  <a:schemeClr val="tx1"/>
+                </a:solidFill>
+              </a:rPr>
+              <a:t>)</a:t>
+            </a:r>
+            <a:r>
+              <a:rPr kumimoji="1" lang="ja-JP" altLang="en-US" sz="1000" dirty="0">
+                <a:solidFill>
+                  <a:schemeClr val="tx1"/>
+                </a:solidFill>
+              </a:rPr>
+              <a:t>、平日家に帰ってから勉強するモチベは</a:t>
+            </a:r>
+            <a:r>
+              <a:rPr kumimoji="1" lang="en-US" altLang="ja-JP" sz="1000" dirty="0">
+                <a:solidFill>
+                  <a:schemeClr val="tx1"/>
+                </a:solidFill>
+              </a:rPr>
+              <a:t>0</a:t>
+            </a:r>
+          </a:p>
+          <a:p>
+            <a:pPr marL="171450" indent="-171450">
+              <a:buFont typeface="Arial" panose="020B0604020202020204" pitchFamily="34" charset="0"/>
+              <a:buChar char="•"/>
+            </a:pPr>
+            <a:r>
+              <a:rPr kumimoji="1" lang="ja-JP" altLang="en-US" sz="1000" dirty="0">
+                <a:solidFill>
+                  <a:schemeClr val="tx1"/>
+                </a:solidFill>
+              </a:rPr>
+              <a:t>ただ基本そんなに忙しくないため、土日とかは割と時間取れる</a:t>
+            </a:r>
+            <a:endParaRPr kumimoji="1" lang="en-US" altLang="ja-JP" sz="1000" dirty="0">
+              <a:solidFill>
+                <a:schemeClr val="tx1"/>
+              </a:solidFill>
+            </a:endParaRPr>
+          </a:p>
+          <a:p>
+            <a:pPr marL="171450" indent="-171450">
+              <a:buFont typeface="Arial" panose="020B0604020202020204" pitchFamily="34" charset="0"/>
+              <a:buChar char="•"/>
+            </a:pPr>
+            <a:r>
+              <a:rPr kumimoji="1" lang="ja-JP" altLang="en-US" sz="1000" dirty="0">
+                <a:solidFill>
+                  <a:schemeClr val="tx1"/>
+                </a:solidFill>
+              </a:rPr>
+              <a:t>若い独身女性</a:t>
+            </a:r>
+            <a:endParaRPr kumimoji="1" lang="en-US" altLang="ja-JP" sz="1000" dirty="0">
+              <a:solidFill>
+                <a:schemeClr val="tx1"/>
+              </a:solidFill>
+            </a:endParaRPr>
+          </a:p>
+          <a:p>
+            <a:pPr marL="171450" indent="-171450">
+              <a:buFont typeface="Arial" panose="020B0604020202020204" pitchFamily="34" charset="0"/>
+              <a:buChar char="•"/>
+            </a:pPr>
+            <a:r>
+              <a:rPr kumimoji="1" lang="ja-JP" altLang="en-US" sz="1000" dirty="0">
+                <a:solidFill>
+                  <a:schemeClr val="tx1"/>
+                </a:solidFill>
+              </a:rPr>
+              <a:t>ライトな旅行好き</a:t>
+            </a:r>
+            <a:r>
+              <a:rPr kumimoji="1" lang="en-US" altLang="ja-JP" sz="1000" dirty="0">
+                <a:solidFill>
+                  <a:schemeClr val="tx1"/>
+                </a:solidFill>
+              </a:rPr>
+              <a:t>(</a:t>
+            </a:r>
+            <a:r>
+              <a:rPr kumimoji="1" lang="ja-JP" altLang="en-US" sz="1000" dirty="0">
+                <a:solidFill>
+                  <a:schemeClr val="tx1"/>
+                </a:solidFill>
+              </a:rPr>
+              <a:t>西・中欧とか</a:t>
+            </a:r>
+            <a:r>
+              <a:rPr kumimoji="1" lang="en-US" altLang="ja-JP" sz="1000" dirty="0">
+                <a:solidFill>
+                  <a:schemeClr val="tx1"/>
+                </a:solidFill>
+              </a:rPr>
+              <a:t>)</a:t>
+            </a:r>
+            <a:r>
+              <a:rPr kumimoji="1" lang="ja-JP" altLang="en-US" sz="1000" dirty="0">
+                <a:solidFill>
+                  <a:schemeClr val="tx1"/>
+                </a:solidFill>
+              </a:rPr>
+              <a:t>、メジャーな場所しか行ってないので英語＝オールマイティの認識</a:t>
+            </a:r>
+            <a:endParaRPr kumimoji="1" lang="en-US" altLang="ja-JP" sz="1000" dirty="0">
+              <a:solidFill>
+                <a:schemeClr val="tx1"/>
+              </a:solidFill>
+            </a:endParaRPr>
+          </a:p>
+          <a:p>
+            <a:pPr marL="171450" indent="-171450">
+              <a:buFont typeface="Arial" panose="020B0604020202020204" pitchFamily="34" charset="0"/>
+              <a:buChar char="•"/>
+            </a:pPr>
+            <a:r>
+              <a:rPr kumimoji="1" lang="ja-JP" altLang="en-US" sz="1000" dirty="0">
+                <a:solidFill>
+                  <a:schemeClr val="tx1"/>
+                </a:solidFill>
+              </a:rPr>
+              <a:t>そもそもあんまり話せていないので、目的の場所で英語が通じるかどうかも知らない</a:t>
+            </a:r>
+            <a:endParaRPr kumimoji="1" lang="en-US" altLang="ja-JP" sz="1000" dirty="0">
+              <a:solidFill>
+                <a:schemeClr val="tx1"/>
+              </a:solidFill>
+            </a:endParaRPr>
+          </a:p>
+          <a:p>
+            <a:pPr marL="171450" indent="-171450">
+              <a:buFont typeface="Arial" panose="020B0604020202020204" pitchFamily="34" charset="0"/>
+              <a:buChar char="•"/>
+            </a:pPr>
+            <a:r>
+              <a:rPr kumimoji="1" lang="ja-JP" altLang="en-US" sz="1000" dirty="0">
+                <a:solidFill>
+                  <a:schemeClr val="tx1"/>
+                </a:solidFill>
+              </a:rPr>
+              <a:t>モチベーションが低いので、オンライン英会話を始めても</a:t>
+            </a:r>
+            <a:r>
+              <a:rPr kumimoji="1" lang="en-US" altLang="ja-JP" sz="1000" dirty="0">
+                <a:solidFill>
+                  <a:schemeClr val="tx1"/>
+                </a:solidFill>
+              </a:rPr>
+              <a:t>5</a:t>
+            </a:r>
+            <a:r>
+              <a:rPr kumimoji="1" lang="ja-JP" altLang="en-US" sz="1000" dirty="0">
+                <a:solidFill>
+                  <a:schemeClr val="tx1"/>
+                </a:solidFill>
+              </a:rPr>
+              <a:t>回に満たずやめる→再開を繰り返している</a:t>
+            </a:r>
+            <a:endParaRPr kumimoji="1" lang="en-US" altLang="ja-JP" sz="1000" dirty="0">
+              <a:solidFill>
+                <a:schemeClr val="tx1"/>
+              </a:solidFill>
+            </a:endParaRPr>
+          </a:p>
+          <a:p>
+            <a:pPr marL="171450" indent="-171450">
+              <a:buFont typeface="Arial" panose="020B0604020202020204" pitchFamily="34" charset="0"/>
+              <a:buChar char="•"/>
+            </a:pPr>
+            <a:r>
+              <a:rPr kumimoji="1" lang="ja-JP" altLang="en-US" sz="1000" dirty="0">
+                <a:solidFill>
+                  <a:schemeClr val="tx1"/>
+                </a:solidFill>
+              </a:rPr>
+              <a:t>基本飽きっぽいが、たまに英語勉強したいなあと思い出す</a:t>
+            </a:r>
+            <a:endParaRPr kumimoji="1" lang="en-US" altLang="ja-JP" sz="1000" dirty="0">
+              <a:solidFill>
+                <a:schemeClr val="tx1"/>
+              </a:solidFill>
+            </a:endParaRPr>
+          </a:p>
+          <a:p>
+            <a:pPr marL="171450" indent="-171450">
+              <a:buFont typeface="Arial" panose="020B0604020202020204" pitchFamily="34" charset="0"/>
+              <a:buChar char="•"/>
+            </a:pPr>
+            <a:r>
+              <a:rPr kumimoji="1" lang="ja-JP" altLang="en-US" sz="1000" dirty="0">
+                <a:solidFill>
+                  <a:schemeClr val="tx1"/>
+                </a:solidFill>
+              </a:rPr>
+              <a:t>勉強代として月に出すのは</a:t>
+            </a:r>
+            <a:r>
+              <a:rPr kumimoji="1" lang="en-US" altLang="ja-JP" sz="1000" dirty="0">
+                <a:solidFill>
+                  <a:schemeClr val="tx1"/>
+                </a:solidFill>
+              </a:rPr>
+              <a:t>5000</a:t>
+            </a:r>
+            <a:r>
+              <a:rPr kumimoji="1" lang="ja-JP" altLang="en-US" sz="1000" dirty="0">
+                <a:solidFill>
+                  <a:schemeClr val="tx1"/>
+                </a:solidFill>
+              </a:rPr>
+              <a:t>円くらいが限度</a:t>
+            </a:r>
+            <a:br>
+              <a:rPr kumimoji="1" lang="en-US" altLang="ja-JP" sz="1000" dirty="0">
+                <a:solidFill>
+                  <a:schemeClr val="tx1"/>
+                </a:solidFill>
+              </a:rPr>
+            </a:br>
+            <a:r>
+              <a:rPr kumimoji="1" lang="en-US" altLang="ja-JP" sz="1000" dirty="0">
+                <a:solidFill>
+                  <a:schemeClr val="tx1"/>
+                </a:solidFill>
+              </a:rPr>
+              <a:t>※</a:t>
+            </a:r>
+            <a:r>
+              <a:rPr kumimoji="1" lang="ja-JP" altLang="en-US" sz="1000" dirty="0">
+                <a:solidFill>
+                  <a:schemeClr val="tx1"/>
+                </a:solidFill>
+              </a:rPr>
+              <a:t>収入はある程度あるため金出すこと自体に拒否反応はないが、自分が熱心に取り組まないことを知っている（対効果が上がらないことを知っている）ため、出せてもこの額</a:t>
+            </a:r>
+            <a:endParaRPr kumimoji="1" lang="en-US" altLang="ja-JP" sz="1000" dirty="0">
+              <a:solidFill>
+                <a:schemeClr val="tx1"/>
+              </a:solidFill>
+            </a:endParaRPr>
+          </a:p>
+        </p:txBody>
+      </p:sp>
+      <p:sp>
+        <p:nvSpPr>
+          <p:cNvPr id="10" name="正方形/長方形 9">
+            <a:extLst>
+              <a:ext uri="{FF2B5EF4-FFF2-40B4-BE49-F238E27FC236}">
+                <a16:creationId xmlns:a16="http://schemas.microsoft.com/office/drawing/2014/main" id="{761A3533-0CDB-44EE-9AA7-78EA260F5B80}"/>
+              </a:ext>
+            </a:extLst>
+          </p:cNvPr>
+          <p:cNvSpPr/>
+          <p:nvPr/>
+        </p:nvSpPr>
+        <p:spPr>
+          <a:xfrm>
+            <a:off x="614919" y="1258629"/>
+            <a:ext cx="1213881" cy="2618683"/>
+          </a:xfrm>
+          <a:prstGeom prst="rect">
+            <a:avLst/>
+          </a:prstGeom>
+          <a:solidFill>
+            <a:schemeClr val="bg1">
+              <a:lumMod val="50000"/>
+            </a:schemeClr>
+          </a:solidFill>
+          <a:ln w="19050">
+            <a:solidFill>
+              <a:schemeClr val="tx1"/>
+            </a:solidFill>
+          </a:ln>
+        </p:spPr>
+        <p:style>
+          <a:lnRef idx="2">
+            <a:schemeClr val="accent1">
+              <a:shade val="50000"/>
+            </a:schemeClr>
+          </a:lnRef>
+          <a:fillRef idx="1">
+            <a:schemeClr val="accent1"/>
+          </a:fillRef>
+          <a:effectRef idx="0">
+            <a:schemeClr val="accent1"/>
+          </a:effectRef>
+          <a:fontRef idx="minor">
+            <a:schemeClr val="lt1"/>
+          </a:fontRef>
+        </p:style>
+        <p:txBody>
+          <a:bodyPr rtlCol="0" anchor="ctr"/>
+          <a:lstStyle/>
+          <a:p>
+            <a:r>
+              <a:rPr kumimoji="1" lang="ja-JP" altLang="en-US" sz="1300" dirty="0">
+                <a:solidFill>
+                  <a:srgbClr val="FFFFFF"/>
+                </a:solidFill>
+              </a:rPr>
+              <a:t>海外旅行好きスイーツ女子</a:t>
+            </a:r>
+          </a:p>
+        </p:txBody>
+      </p:sp>
+      <p:sp>
+        <p:nvSpPr>
+          <p:cNvPr id="12" name="正方形/長方形 6">
+            <a:extLst>
+              <a:ext uri="{FF2B5EF4-FFF2-40B4-BE49-F238E27FC236}">
+                <a16:creationId xmlns:a16="http://schemas.microsoft.com/office/drawing/2014/main" id="{84D925AC-4A80-4CDB-9D69-7935CE64B019}"/>
+              </a:ext>
+            </a:extLst>
+          </p:cNvPr>
+          <p:cNvSpPr/>
+          <p:nvPr/>
+        </p:nvSpPr>
+        <p:spPr>
+          <a:xfrm>
+            <a:off x="1885707" y="3991928"/>
+            <a:ext cx="5909784" cy="1145447"/>
+          </a:xfrm>
+          <a:prstGeom prst="rect">
+            <a:avLst/>
+          </a:prstGeom>
+          <a:noFill/>
+          <a:ln w="19050">
+            <a:solidFill>
+              <a:schemeClr val="tx1"/>
+            </a:solidFill>
+          </a:ln>
+        </p:spPr>
+        <p:style>
+          <a:lnRef idx="2">
+            <a:schemeClr val="accent1">
+              <a:shade val="50000"/>
+            </a:schemeClr>
+          </a:lnRef>
+          <a:fillRef idx="1">
+            <a:schemeClr val="accent1"/>
+          </a:fillRef>
+          <a:effectRef idx="0">
+            <a:schemeClr val="accent1"/>
+          </a:effectRef>
+          <a:fontRef idx="minor">
+            <a:schemeClr val="lt1"/>
+          </a:fontRef>
+        </p:style>
+        <p:txBody>
+          <a:bodyPr rtlCol="0" anchor="ctr"/>
+          <a:lstStyle/>
+          <a:p>
+            <a:pPr marL="171450" indent="-171450">
+              <a:buFont typeface="Arial" panose="020B0604020202020204" pitchFamily="34" charset="0"/>
+              <a:buChar char="•"/>
+            </a:pPr>
+            <a:r>
+              <a:rPr kumimoji="1" lang="ja-JP" altLang="en-US" sz="1000" dirty="0">
+                <a:solidFill>
+                  <a:schemeClr val="tx1"/>
+                </a:solidFill>
+              </a:rPr>
+              <a:t>基本割と時間ある</a:t>
+            </a:r>
+            <a:endParaRPr kumimoji="1" lang="en-US" altLang="ja-JP" sz="1000" dirty="0">
+              <a:solidFill>
+                <a:schemeClr val="tx1"/>
+              </a:solidFill>
+            </a:endParaRPr>
+          </a:p>
+          <a:p>
+            <a:pPr marL="171450" indent="-171450">
+              <a:buFont typeface="Arial" panose="020B0604020202020204" pitchFamily="34" charset="0"/>
+              <a:buChar char="•"/>
+            </a:pPr>
+            <a:r>
+              <a:rPr kumimoji="1" lang="ja-JP" altLang="en-US" sz="1000" dirty="0">
+                <a:solidFill>
+                  <a:schemeClr val="tx1"/>
+                </a:solidFill>
+              </a:rPr>
+              <a:t>趣味を探している</a:t>
+            </a:r>
+            <a:endParaRPr kumimoji="1" lang="en-US" altLang="ja-JP" sz="1000" dirty="0">
+              <a:solidFill>
+                <a:schemeClr val="tx1"/>
+              </a:solidFill>
+            </a:endParaRPr>
+          </a:p>
+          <a:p>
+            <a:pPr marL="171450" indent="-171450">
+              <a:buFont typeface="Arial" panose="020B0604020202020204" pitchFamily="34" charset="0"/>
+              <a:buChar char="•"/>
+            </a:pPr>
+            <a:r>
+              <a:rPr kumimoji="1" lang="ja-JP" altLang="en-US" sz="1000" dirty="0">
+                <a:solidFill>
+                  <a:schemeClr val="tx1"/>
+                </a:solidFill>
+              </a:rPr>
+              <a:t>話したい</a:t>
+            </a:r>
+            <a:r>
+              <a:rPr kumimoji="1" lang="en-US" altLang="ja-JP" sz="1000" dirty="0">
+                <a:solidFill>
+                  <a:schemeClr val="tx1"/>
+                </a:solidFill>
+              </a:rPr>
+              <a:t>(</a:t>
+            </a:r>
+            <a:r>
+              <a:rPr kumimoji="1" lang="ja-JP" altLang="en-US" sz="1000" dirty="0">
+                <a:solidFill>
+                  <a:schemeClr val="tx1"/>
+                </a:solidFill>
+              </a:rPr>
+              <a:t>言語問わず</a:t>
+            </a:r>
+            <a:r>
+              <a:rPr kumimoji="1" lang="en-US" altLang="ja-JP" sz="1000" dirty="0">
+                <a:solidFill>
+                  <a:schemeClr val="tx1"/>
+                </a:solidFill>
+              </a:rPr>
+              <a:t>)</a:t>
+            </a:r>
+          </a:p>
+          <a:p>
+            <a:pPr marL="171450" indent="-171450">
+              <a:buFont typeface="Arial" panose="020B0604020202020204" pitchFamily="34" charset="0"/>
+              <a:buChar char="•"/>
+            </a:pPr>
+            <a:endParaRPr kumimoji="1" lang="en-US" altLang="ja-JP" sz="1000" dirty="0">
+              <a:solidFill>
+                <a:schemeClr val="tx1"/>
+              </a:solidFill>
+            </a:endParaRPr>
+          </a:p>
+        </p:txBody>
+      </p:sp>
+      <p:sp>
+        <p:nvSpPr>
+          <p:cNvPr id="13" name="正方形/長方形 9">
+            <a:extLst>
+              <a:ext uri="{FF2B5EF4-FFF2-40B4-BE49-F238E27FC236}">
+                <a16:creationId xmlns:a16="http://schemas.microsoft.com/office/drawing/2014/main" id="{DA2E60F1-2D54-42AC-9DE2-9D2354F7179E}"/>
+              </a:ext>
+            </a:extLst>
+          </p:cNvPr>
+          <p:cNvSpPr/>
+          <p:nvPr/>
+        </p:nvSpPr>
+        <p:spPr>
+          <a:xfrm>
+            <a:off x="614919" y="3991928"/>
+            <a:ext cx="1213881" cy="1145447"/>
+          </a:xfrm>
+          <a:prstGeom prst="rect">
+            <a:avLst/>
+          </a:prstGeom>
+          <a:solidFill>
+            <a:schemeClr val="bg1">
+              <a:lumMod val="50000"/>
+            </a:schemeClr>
+          </a:solidFill>
+          <a:ln w="19050">
+            <a:solidFill>
+              <a:schemeClr val="tx1"/>
+            </a:solidFill>
+          </a:ln>
+        </p:spPr>
+        <p:style>
+          <a:lnRef idx="2">
+            <a:schemeClr val="accent1">
+              <a:shade val="50000"/>
+            </a:schemeClr>
+          </a:lnRef>
+          <a:fillRef idx="1">
+            <a:schemeClr val="accent1"/>
+          </a:fillRef>
+          <a:effectRef idx="0">
+            <a:schemeClr val="accent1"/>
+          </a:effectRef>
+          <a:fontRef idx="minor">
+            <a:schemeClr val="lt1"/>
+          </a:fontRef>
+        </p:style>
+        <p:txBody>
+          <a:bodyPr rtlCol="0" anchor="ctr"/>
+          <a:lstStyle/>
+          <a:p>
+            <a:r>
+              <a:rPr kumimoji="1" lang="ja-JP" altLang="en-US" sz="1300" dirty="0">
+                <a:solidFill>
+                  <a:srgbClr val="FFFFFF"/>
+                </a:solidFill>
+              </a:rPr>
+              <a:t>暇なおばさん</a:t>
+            </a:r>
+          </a:p>
+        </p:txBody>
+      </p:sp>
+      <p:sp>
+        <p:nvSpPr>
+          <p:cNvPr id="14" name="タイトル 1">
+            <a:extLst>
+              <a:ext uri="{FF2B5EF4-FFF2-40B4-BE49-F238E27FC236}">
+                <a16:creationId xmlns:a16="http://schemas.microsoft.com/office/drawing/2014/main" id="{54308E7F-7380-486F-96A8-50EDE328823D}"/>
+              </a:ext>
+            </a:extLst>
+          </p:cNvPr>
+          <p:cNvSpPr txBox="1">
+            <a:spLocks/>
+          </p:cNvSpPr>
+          <p:nvPr/>
+        </p:nvSpPr>
+        <p:spPr>
+          <a:xfrm>
+            <a:off x="681037" y="557285"/>
+            <a:ext cx="8543925" cy="389871"/>
+          </a:xfrm>
+          <a:prstGeom prst="rect">
+            <a:avLst/>
+          </a:prstGeom>
+        </p:spPr>
+        <p:txBody>
+          <a:bodyPr vert="horz" lIns="91440" tIns="45720" rIns="91440" bIns="45720" rtlCol="0" anchor="ctr">
+            <a:normAutofit/>
+          </a:bodyPr>
+          <a:lstStyle>
+            <a:lvl1pPr algn="l" defTabSz="914400" rtl="0" eaLnBrk="1" latinLnBrk="0" hangingPunct="1">
+              <a:lnSpc>
+                <a:spcPct val="90000"/>
+              </a:lnSpc>
+              <a:spcBef>
+                <a:spcPct val="0"/>
+              </a:spcBef>
+              <a:buNone/>
+              <a:defRPr kumimoji="1" sz="4400" kern="1200">
+                <a:solidFill>
+                  <a:schemeClr val="tx1"/>
+                </a:solidFill>
+                <a:latin typeface="+mj-lt"/>
+                <a:ea typeface="+mj-ea"/>
+                <a:cs typeface="+mj-cs"/>
+              </a:defRPr>
+            </a:lvl1pPr>
+          </a:lstStyle>
+          <a:p>
+            <a:r>
+              <a:rPr lang="ja-JP" altLang="en-US" sz="1500" dirty="0"/>
+              <a:t>少しだけ話せる層のペルソナ（想像で列挙）</a:t>
+            </a:r>
+          </a:p>
+        </p:txBody>
+      </p:sp>
+      <p:sp>
+        <p:nvSpPr>
+          <p:cNvPr id="6" name="Callout: Bent Line 5">
+            <a:extLst>
+              <a:ext uri="{FF2B5EF4-FFF2-40B4-BE49-F238E27FC236}">
+                <a16:creationId xmlns:a16="http://schemas.microsoft.com/office/drawing/2014/main" id="{DDC3E519-E71D-453F-B6BE-0147216726C5}"/>
+              </a:ext>
+            </a:extLst>
+          </p:cNvPr>
+          <p:cNvSpPr/>
+          <p:nvPr/>
+        </p:nvSpPr>
+        <p:spPr>
+          <a:xfrm>
+            <a:off x="9291081" y="4715781"/>
+            <a:ext cx="2706255" cy="1145447"/>
+          </a:xfrm>
+          <a:prstGeom prst="borderCallout2">
+            <a:avLst>
+              <a:gd name="adj1" fmla="val 18750"/>
+              <a:gd name="adj2" fmla="val -8333"/>
+              <a:gd name="adj3" fmla="val 18750"/>
+              <a:gd name="adj4" fmla="val -16667"/>
+              <a:gd name="adj5" fmla="val 177815"/>
+              <a:gd name="adj6" fmla="val -46326"/>
+            </a:avLst>
+          </a:prstGeom>
+        </p:spPr>
+        <p:style>
+          <a:lnRef idx="1">
+            <a:schemeClr val="accent2"/>
+          </a:lnRef>
+          <a:fillRef idx="2">
+            <a:schemeClr val="accent2"/>
+          </a:fillRef>
+          <a:effectRef idx="1">
+            <a:schemeClr val="accent2"/>
+          </a:effectRef>
+          <a:fontRef idx="minor">
+            <a:schemeClr val="dk1"/>
+          </a:fontRef>
+        </p:style>
+        <p:txBody>
+          <a:bodyPr rtlCol="0" anchor="ctr"/>
+          <a:lstStyle/>
+          <a:p>
+            <a:pPr algn="ctr"/>
+            <a:r>
+              <a:rPr kumimoji="1" lang="ja-JP" altLang="en-US" sz="1200" dirty="0"/>
+              <a:t>基本モチベ低い</a:t>
+            </a:r>
+            <a:endParaRPr kumimoji="1" lang="en-US" altLang="ja-JP" sz="1200" dirty="0"/>
+          </a:p>
+          <a:p>
+            <a:pPr algn="ctr"/>
+            <a:r>
+              <a:rPr kumimoji="1" lang="ja-JP" altLang="en-US" sz="1200" dirty="0"/>
+              <a:t>あちらからガンガンプロモーションかける方針なら続くか？</a:t>
+            </a:r>
+            <a:endParaRPr kumimoji="1" lang="en-US" altLang="ja-JP" sz="1200" dirty="0"/>
+          </a:p>
+          <a:p>
+            <a:pPr algn="ctr"/>
+            <a:r>
+              <a:rPr kumimoji="1" lang="ja-JP" altLang="en-US" sz="1200" dirty="0"/>
+              <a:t>楽しめる仕組みが必要？</a:t>
+            </a:r>
+            <a:endParaRPr kumimoji="1" lang="en-US" altLang="ja-JP" sz="1200" dirty="0"/>
+          </a:p>
+          <a:p>
+            <a:pPr algn="ctr"/>
+            <a:r>
+              <a:rPr kumimoji="1" lang="ja-JP" altLang="en-US" sz="1200" dirty="0"/>
+              <a:t>旅行に絡める？</a:t>
+            </a:r>
+          </a:p>
+        </p:txBody>
+      </p:sp>
+      <p:sp>
+        <p:nvSpPr>
+          <p:cNvPr id="9" name="正方形/長方形 6">
+            <a:extLst>
+              <a:ext uri="{FF2B5EF4-FFF2-40B4-BE49-F238E27FC236}">
+                <a16:creationId xmlns:a16="http://schemas.microsoft.com/office/drawing/2014/main" id="{5654C60B-E4A7-41DD-956B-796EB9B6C8DF}"/>
+              </a:ext>
+            </a:extLst>
+          </p:cNvPr>
+          <p:cNvSpPr/>
+          <p:nvPr/>
+        </p:nvSpPr>
+        <p:spPr>
+          <a:xfrm>
+            <a:off x="1885707" y="5985164"/>
+            <a:ext cx="5909784" cy="845010"/>
+          </a:xfrm>
+          <a:prstGeom prst="rect">
+            <a:avLst/>
+          </a:prstGeom>
+          <a:noFill/>
+          <a:ln w="19050">
+            <a:solidFill>
+              <a:schemeClr val="tx1"/>
+            </a:solidFill>
+          </a:ln>
+        </p:spPr>
+        <p:style>
+          <a:lnRef idx="2">
+            <a:schemeClr val="accent1">
+              <a:shade val="50000"/>
+            </a:schemeClr>
+          </a:lnRef>
+          <a:fillRef idx="1">
+            <a:schemeClr val="accent1"/>
+          </a:fillRef>
+          <a:effectRef idx="0">
+            <a:schemeClr val="accent1"/>
+          </a:effectRef>
+          <a:fontRef idx="minor">
+            <a:schemeClr val="lt1"/>
+          </a:fontRef>
+        </p:style>
+        <p:txBody>
+          <a:bodyPr rtlCol="0" anchor="ctr"/>
+          <a:lstStyle/>
+          <a:p>
+            <a:pPr marL="171450" indent="-171450">
+              <a:buFont typeface="Arial" panose="020B0604020202020204" pitchFamily="34" charset="0"/>
+              <a:buChar char="•"/>
+            </a:pPr>
+            <a:endParaRPr kumimoji="1" lang="en-US" altLang="ja-JP" sz="1000" dirty="0">
+              <a:solidFill>
+                <a:schemeClr val="tx1"/>
+              </a:solidFill>
+            </a:endParaRPr>
+          </a:p>
+        </p:txBody>
+      </p:sp>
+      <p:sp>
+        <p:nvSpPr>
+          <p:cNvPr id="11" name="正方形/長方形 9">
+            <a:extLst>
+              <a:ext uri="{FF2B5EF4-FFF2-40B4-BE49-F238E27FC236}">
+                <a16:creationId xmlns:a16="http://schemas.microsoft.com/office/drawing/2014/main" id="{C747EA44-ECBA-4B8B-868E-D94E68A822FB}"/>
+              </a:ext>
+            </a:extLst>
+          </p:cNvPr>
+          <p:cNvSpPr/>
+          <p:nvPr/>
+        </p:nvSpPr>
+        <p:spPr>
+          <a:xfrm>
+            <a:off x="614919" y="5985164"/>
+            <a:ext cx="1213881" cy="845010"/>
+          </a:xfrm>
+          <a:prstGeom prst="rect">
+            <a:avLst/>
+          </a:prstGeom>
+          <a:solidFill>
+            <a:schemeClr val="bg1">
+              <a:lumMod val="50000"/>
+            </a:schemeClr>
+          </a:solidFill>
+          <a:ln w="19050">
+            <a:solidFill>
+              <a:schemeClr val="tx1"/>
+            </a:solidFill>
+          </a:ln>
+        </p:spPr>
+        <p:style>
+          <a:lnRef idx="2">
+            <a:schemeClr val="accent1">
+              <a:shade val="50000"/>
+            </a:schemeClr>
+          </a:lnRef>
+          <a:fillRef idx="1">
+            <a:schemeClr val="accent1"/>
+          </a:fillRef>
+          <a:effectRef idx="0">
+            <a:schemeClr val="accent1"/>
+          </a:effectRef>
+          <a:fontRef idx="minor">
+            <a:schemeClr val="lt1"/>
+          </a:fontRef>
+        </p:style>
+        <p:txBody>
+          <a:bodyPr rtlCol="0" anchor="ctr"/>
+          <a:lstStyle/>
+          <a:p>
+            <a:r>
+              <a:rPr kumimoji="1" lang="ja-JP" altLang="en-US" sz="1300" dirty="0">
+                <a:solidFill>
+                  <a:srgbClr val="FFFFFF"/>
+                </a:solidFill>
+              </a:rPr>
+              <a:t>中途半端ビジネスパーソン</a:t>
+            </a:r>
+          </a:p>
+        </p:txBody>
+      </p:sp>
+      <p:sp>
+        <p:nvSpPr>
+          <p:cNvPr id="15" name="Callout: Bent Line 14">
+            <a:extLst>
+              <a:ext uri="{FF2B5EF4-FFF2-40B4-BE49-F238E27FC236}">
+                <a16:creationId xmlns:a16="http://schemas.microsoft.com/office/drawing/2014/main" id="{32201122-03AD-454C-887E-DACD2EAAA595}"/>
+              </a:ext>
+            </a:extLst>
+          </p:cNvPr>
+          <p:cNvSpPr/>
+          <p:nvPr/>
+        </p:nvSpPr>
+        <p:spPr>
+          <a:xfrm>
+            <a:off x="8827156" y="2960207"/>
+            <a:ext cx="2706255" cy="1145447"/>
+          </a:xfrm>
+          <a:prstGeom prst="borderCallout2">
+            <a:avLst>
+              <a:gd name="adj1" fmla="val 18750"/>
+              <a:gd name="adj2" fmla="val -8333"/>
+              <a:gd name="adj3" fmla="val 18750"/>
+              <a:gd name="adj4" fmla="val -16667"/>
+              <a:gd name="adj5" fmla="val 16544"/>
+              <a:gd name="adj6" fmla="val -4688"/>
+            </a:avLst>
+          </a:prstGeom>
+        </p:spPr>
+        <p:style>
+          <a:lnRef idx="1">
+            <a:schemeClr val="accent2"/>
+          </a:lnRef>
+          <a:fillRef idx="2">
+            <a:schemeClr val="accent2"/>
+          </a:fillRef>
+          <a:effectRef idx="1">
+            <a:schemeClr val="accent2"/>
+          </a:effectRef>
+          <a:fontRef idx="minor">
+            <a:schemeClr val="dk1"/>
+          </a:fontRef>
+        </p:style>
+        <p:txBody>
+          <a:bodyPr rtlCol="0" anchor="ctr"/>
+          <a:lstStyle/>
+          <a:p>
+            <a:pPr algn="ctr"/>
+            <a:r>
+              <a:rPr kumimoji="1" lang="ja-JP" altLang="en-US" sz="1200" dirty="0"/>
+              <a:t>横軸作る</a:t>
+            </a:r>
+            <a:endParaRPr kumimoji="1" lang="en-US" altLang="ja-JP" sz="1200" dirty="0"/>
+          </a:p>
+          <a:p>
+            <a:pPr algn="ctr"/>
+            <a:r>
+              <a:rPr kumimoji="1" lang="ja-JP" altLang="en-US" sz="1200" dirty="0"/>
+              <a:t>→項目のカテゴライズ</a:t>
+            </a:r>
+          </a:p>
+        </p:txBody>
+      </p:sp>
+      <p:sp>
+        <p:nvSpPr>
+          <p:cNvPr id="16" name="正方形/長方形 6">
+            <a:extLst>
+              <a:ext uri="{FF2B5EF4-FFF2-40B4-BE49-F238E27FC236}">
+                <a16:creationId xmlns:a16="http://schemas.microsoft.com/office/drawing/2014/main" id="{539D1068-2A1E-486E-9663-3853188F609B}"/>
+              </a:ext>
+            </a:extLst>
+          </p:cNvPr>
+          <p:cNvSpPr/>
+          <p:nvPr/>
+        </p:nvSpPr>
+        <p:spPr>
+          <a:xfrm>
+            <a:off x="7852397" y="1258629"/>
+            <a:ext cx="1818075" cy="2618683"/>
+          </a:xfrm>
+          <a:prstGeom prst="rect">
+            <a:avLst/>
+          </a:prstGeom>
+          <a:noFill/>
+          <a:ln w="19050">
+            <a:solidFill>
+              <a:schemeClr val="tx1"/>
+            </a:solidFill>
+          </a:ln>
+        </p:spPr>
+        <p:style>
+          <a:lnRef idx="2">
+            <a:schemeClr val="accent1">
+              <a:shade val="50000"/>
+            </a:schemeClr>
+          </a:lnRef>
+          <a:fillRef idx="1">
+            <a:schemeClr val="accent1"/>
+          </a:fillRef>
+          <a:effectRef idx="0">
+            <a:schemeClr val="accent1"/>
+          </a:effectRef>
+          <a:fontRef idx="minor">
+            <a:schemeClr val="lt1"/>
+          </a:fontRef>
+        </p:style>
+        <p:txBody>
+          <a:bodyPr rtlCol="0" anchor="ctr"/>
+          <a:lstStyle/>
+          <a:p>
+            <a:pPr marL="171450" indent="-171450">
+              <a:buFont typeface="Arial" panose="020B0604020202020204" pitchFamily="34" charset="0"/>
+              <a:buChar char="•"/>
+            </a:pPr>
+            <a:endParaRPr kumimoji="1" lang="en-US" altLang="ja-JP" sz="1000" dirty="0">
+              <a:solidFill>
+                <a:schemeClr val="tx1"/>
+              </a:solidFill>
+            </a:endParaRPr>
+          </a:p>
+        </p:txBody>
+      </p:sp>
+      <p:sp>
+        <p:nvSpPr>
+          <p:cNvPr id="17" name="正方形/長方形 6">
+            <a:extLst>
+              <a:ext uri="{FF2B5EF4-FFF2-40B4-BE49-F238E27FC236}">
+                <a16:creationId xmlns:a16="http://schemas.microsoft.com/office/drawing/2014/main" id="{717E9B06-3E16-452A-AE09-BF8F9F637D7D}"/>
+              </a:ext>
+            </a:extLst>
+          </p:cNvPr>
+          <p:cNvSpPr/>
+          <p:nvPr/>
+        </p:nvSpPr>
+        <p:spPr>
+          <a:xfrm>
+            <a:off x="7852397" y="3991928"/>
+            <a:ext cx="1818075" cy="1145447"/>
+          </a:xfrm>
+          <a:prstGeom prst="rect">
+            <a:avLst/>
+          </a:prstGeom>
+          <a:noFill/>
+          <a:ln w="19050">
+            <a:solidFill>
+              <a:schemeClr val="tx1"/>
+            </a:solidFill>
+          </a:ln>
+        </p:spPr>
+        <p:style>
+          <a:lnRef idx="2">
+            <a:schemeClr val="accent1">
+              <a:shade val="50000"/>
+            </a:schemeClr>
+          </a:lnRef>
+          <a:fillRef idx="1">
+            <a:schemeClr val="accent1"/>
+          </a:fillRef>
+          <a:effectRef idx="0">
+            <a:schemeClr val="accent1"/>
+          </a:effectRef>
+          <a:fontRef idx="minor">
+            <a:schemeClr val="lt1"/>
+          </a:fontRef>
+        </p:style>
+        <p:txBody>
+          <a:bodyPr rtlCol="0" anchor="ctr"/>
+          <a:lstStyle/>
+          <a:p>
+            <a:pPr marL="171450" indent="-171450">
+              <a:buFont typeface="Arial" panose="020B0604020202020204" pitchFamily="34" charset="0"/>
+              <a:buChar char="•"/>
+            </a:pPr>
+            <a:endParaRPr kumimoji="1" lang="en-US" altLang="ja-JP" sz="1000" dirty="0">
+              <a:solidFill>
+                <a:schemeClr val="tx1"/>
+              </a:solidFill>
+            </a:endParaRPr>
+          </a:p>
+        </p:txBody>
+      </p:sp>
+      <p:sp>
+        <p:nvSpPr>
+          <p:cNvPr id="18" name="正方形/長方形 6">
+            <a:extLst>
+              <a:ext uri="{FF2B5EF4-FFF2-40B4-BE49-F238E27FC236}">
+                <a16:creationId xmlns:a16="http://schemas.microsoft.com/office/drawing/2014/main" id="{270C8C2F-6CBD-42A8-AE1D-43C5DECACFDC}"/>
+              </a:ext>
+            </a:extLst>
+          </p:cNvPr>
+          <p:cNvSpPr/>
+          <p:nvPr/>
+        </p:nvSpPr>
+        <p:spPr>
+          <a:xfrm>
+            <a:off x="7852397" y="5985164"/>
+            <a:ext cx="1818075" cy="845010"/>
+          </a:xfrm>
+          <a:prstGeom prst="rect">
+            <a:avLst/>
+          </a:prstGeom>
+          <a:noFill/>
+          <a:ln w="19050">
+            <a:solidFill>
+              <a:schemeClr val="tx1"/>
+            </a:solidFill>
+          </a:ln>
+        </p:spPr>
+        <p:style>
+          <a:lnRef idx="2">
+            <a:schemeClr val="accent1">
+              <a:shade val="50000"/>
+            </a:schemeClr>
+          </a:lnRef>
+          <a:fillRef idx="1">
+            <a:schemeClr val="accent1"/>
+          </a:fillRef>
+          <a:effectRef idx="0">
+            <a:schemeClr val="accent1"/>
+          </a:effectRef>
+          <a:fontRef idx="minor">
+            <a:schemeClr val="lt1"/>
+          </a:fontRef>
+        </p:style>
+        <p:txBody>
+          <a:bodyPr rtlCol="0" anchor="ctr"/>
+          <a:lstStyle/>
+          <a:p>
+            <a:pPr marL="171450" indent="-171450">
+              <a:buFont typeface="Arial" panose="020B0604020202020204" pitchFamily="34" charset="0"/>
+              <a:buChar char="•"/>
+            </a:pPr>
+            <a:endParaRPr kumimoji="1" lang="en-US" altLang="ja-JP" sz="1000" dirty="0">
+              <a:solidFill>
+                <a:schemeClr val="tx1"/>
+              </a:solidFill>
+            </a:endParaRPr>
+          </a:p>
+        </p:txBody>
+      </p:sp>
+      <p:sp>
+        <p:nvSpPr>
+          <p:cNvPr id="19" name="タイトル 1">
+            <a:extLst>
+              <a:ext uri="{FF2B5EF4-FFF2-40B4-BE49-F238E27FC236}">
+                <a16:creationId xmlns:a16="http://schemas.microsoft.com/office/drawing/2014/main" id="{B22C5115-4DF1-4ECB-AA89-C67ED18E791B}"/>
+              </a:ext>
+            </a:extLst>
+          </p:cNvPr>
+          <p:cNvSpPr txBox="1">
+            <a:spLocks/>
+          </p:cNvSpPr>
+          <p:nvPr/>
+        </p:nvSpPr>
+        <p:spPr>
+          <a:xfrm>
+            <a:off x="614919" y="947156"/>
+            <a:ext cx="1213881" cy="298264"/>
+          </a:xfrm>
+          <a:prstGeom prst="rect">
+            <a:avLst/>
+          </a:prstGeom>
+        </p:spPr>
+        <p:txBody>
+          <a:bodyPr vert="horz" lIns="91440" tIns="45720" rIns="91440" bIns="45720" rtlCol="0" anchor="ctr">
+            <a:normAutofit lnSpcReduction="10000"/>
+          </a:bodyPr>
+          <a:lstStyle>
+            <a:lvl1pPr algn="l" defTabSz="914400" rtl="0" eaLnBrk="1" latinLnBrk="0" hangingPunct="1">
+              <a:lnSpc>
+                <a:spcPct val="90000"/>
+              </a:lnSpc>
+              <a:spcBef>
+                <a:spcPct val="0"/>
+              </a:spcBef>
+              <a:buNone/>
+              <a:defRPr kumimoji="1" sz="4400" kern="1200">
+                <a:solidFill>
+                  <a:schemeClr val="tx1"/>
+                </a:solidFill>
+                <a:latin typeface="+mj-lt"/>
+                <a:ea typeface="+mj-ea"/>
+                <a:cs typeface="+mj-cs"/>
+              </a:defRPr>
+            </a:lvl1pPr>
+          </a:lstStyle>
+          <a:p>
+            <a:pPr algn="ctr"/>
+            <a:r>
+              <a:rPr lang="ja-JP" altLang="en-US" sz="1500" u="sng" dirty="0"/>
+              <a:t>概要</a:t>
+            </a:r>
+          </a:p>
+        </p:txBody>
+      </p:sp>
+      <p:sp>
+        <p:nvSpPr>
+          <p:cNvPr id="20" name="タイトル 1">
+            <a:extLst>
+              <a:ext uri="{FF2B5EF4-FFF2-40B4-BE49-F238E27FC236}">
+                <a16:creationId xmlns:a16="http://schemas.microsoft.com/office/drawing/2014/main" id="{5C396315-E465-4357-9712-3E12F217F0D4}"/>
+              </a:ext>
+            </a:extLst>
+          </p:cNvPr>
+          <p:cNvSpPr txBox="1">
+            <a:spLocks/>
+          </p:cNvSpPr>
+          <p:nvPr/>
+        </p:nvSpPr>
+        <p:spPr>
+          <a:xfrm>
+            <a:off x="1885707" y="947156"/>
+            <a:ext cx="5909784" cy="298264"/>
+          </a:xfrm>
+          <a:prstGeom prst="rect">
+            <a:avLst/>
+          </a:prstGeom>
+        </p:spPr>
+        <p:txBody>
+          <a:bodyPr vert="horz" lIns="91440" tIns="45720" rIns="91440" bIns="45720" rtlCol="0" anchor="ctr">
+            <a:normAutofit lnSpcReduction="10000"/>
+          </a:bodyPr>
+          <a:lstStyle>
+            <a:lvl1pPr algn="l" defTabSz="914400" rtl="0" eaLnBrk="1" latinLnBrk="0" hangingPunct="1">
+              <a:lnSpc>
+                <a:spcPct val="90000"/>
+              </a:lnSpc>
+              <a:spcBef>
+                <a:spcPct val="0"/>
+              </a:spcBef>
+              <a:buNone/>
+              <a:defRPr kumimoji="1" sz="4400" kern="1200">
+                <a:solidFill>
+                  <a:schemeClr val="tx1"/>
+                </a:solidFill>
+                <a:latin typeface="+mj-lt"/>
+                <a:ea typeface="+mj-ea"/>
+                <a:cs typeface="+mj-cs"/>
+              </a:defRPr>
+            </a:lvl1pPr>
+          </a:lstStyle>
+          <a:p>
+            <a:pPr algn="ctr"/>
+            <a:r>
+              <a:rPr lang="ja-JP" altLang="en-US" sz="1500" u="sng" dirty="0"/>
+              <a:t>パーソナリティ</a:t>
+            </a:r>
+          </a:p>
+        </p:txBody>
+      </p:sp>
+      <p:sp>
+        <p:nvSpPr>
+          <p:cNvPr id="21" name="タイトル 1">
+            <a:extLst>
+              <a:ext uri="{FF2B5EF4-FFF2-40B4-BE49-F238E27FC236}">
+                <a16:creationId xmlns:a16="http://schemas.microsoft.com/office/drawing/2014/main" id="{0315826D-D862-40CA-831B-5B86DD4B3C35}"/>
+              </a:ext>
+            </a:extLst>
+          </p:cNvPr>
+          <p:cNvSpPr txBox="1">
+            <a:spLocks/>
+          </p:cNvSpPr>
+          <p:nvPr/>
+        </p:nvSpPr>
+        <p:spPr>
+          <a:xfrm>
+            <a:off x="7852396" y="947156"/>
+            <a:ext cx="1818076" cy="298264"/>
+          </a:xfrm>
+          <a:prstGeom prst="rect">
+            <a:avLst/>
+          </a:prstGeom>
+        </p:spPr>
+        <p:txBody>
+          <a:bodyPr vert="horz" lIns="91440" tIns="45720" rIns="91440" bIns="45720" rtlCol="0" anchor="ctr">
+            <a:normAutofit fontScale="92500"/>
+          </a:bodyPr>
+          <a:lstStyle>
+            <a:lvl1pPr algn="l" defTabSz="914400" rtl="0" eaLnBrk="1" latinLnBrk="0" hangingPunct="1">
+              <a:lnSpc>
+                <a:spcPct val="90000"/>
+              </a:lnSpc>
+              <a:spcBef>
+                <a:spcPct val="0"/>
+              </a:spcBef>
+              <a:buNone/>
+              <a:defRPr kumimoji="1" sz="4400" kern="1200">
+                <a:solidFill>
+                  <a:schemeClr val="tx1"/>
+                </a:solidFill>
+                <a:latin typeface="+mj-lt"/>
+                <a:ea typeface="+mj-ea"/>
+                <a:cs typeface="+mj-cs"/>
+              </a:defRPr>
+            </a:lvl1pPr>
+          </a:lstStyle>
+          <a:p>
+            <a:pPr algn="ctr"/>
+            <a:r>
+              <a:rPr lang="ja-JP" altLang="en-US" sz="1500" u="sng" dirty="0"/>
+              <a:t>サポートできること</a:t>
+            </a:r>
+          </a:p>
+        </p:txBody>
+      </p:sp>
+      <p:sp>
+        <p:nvSpPr>
+          <p:cNvPr id="22" name="正方形/長方形 6">
+            <a:extLst>
+              <a:ext uri="{FF2B5EF4-FFF2-40B4-BE49-F238E27FC236}">
+                <a16:creationId xmlns:a16="http://schemas.microsoft.com/office/drawing/2014/main" id="{35209100-C5BC-4186-B211-D4D720A5ED9C}"/>
+              </a:ext>
+            </a:extLst>
+          </p:cNvPr>
+          <p:cNvSpPr/>
+          <p:nvPr/>
+        </p:nvSpPr>
+        <p:spPr>
+          <a:xfrm>
+            <a:off x="1885707" y="5251991"/>
+            <a:ext cx="5909784" cy="648139"/>
+          </a:xfrm>
+          <a:prstGeom prst="rect">
+            <a:avLst/>
+          </a:prstGeom>
+          <a:noFill/>
+          <a:ln w="19050">
+            <a:solidFill>
+              <a:schemeClr val="tx1"/>
+            </a:solidFill>
+          </a:ln>
+        </p:spPr>
+        <p:style>
+          <a:lnRef idx="2">
+            <a:schemeClr val="accent1">
+              <a:shade val="50000"/>
+            </a:schemeClr>
+          </a:lnRef>
+          <a:fillRef idx="1">
+            <a:schemeClr val="accent1"/>
+          </a:fillRef>
+          <a:effectRef idx="0">
+            <a:schemeClr val="accent1"/>
+          </a:effectRef>
+          <a:fontRef idx="minor">
+            <a:schemeClr val="lt1"/>
+          </a:fontRef>
+        </p:style>
+        <p:txBody>
+          <a:bodyPr rtlCol="0" anchor="ctr"/>
+          <a:lstStyle/>
+          <a:p>
+            <a:pPr marL="171450" indent="-171450">
+              <a:buFont typeface="Arial" panose="020B0604020202020204" pitchFamily="34" charset="0"/>
+              <a:buChar char="•"/>
+            </a:pPr>
+            <a:endParaRPr kumimoji="1" lang="en-US" altLang="ja-JP" sz="1000" dirty="0">
+              <a:solidFill>
+                <a:schemeClr val="tx1"/>
+              </a:solidFill>
+            </a:endParaRPr>
+          </a:p>
+        </p:txBody>
+      </p:sp>
+      <p:sp>
+        <p:nvSpPr>
+          <p:cNvPr id="23" name="正方形/長方形 9">
+            <a:extLst>
+              <a:ext uri="{FF2B5EF4-FFF2-40B4-BE49-F238E27FC236}">
+                <a16:creationId xmlns:a16="http://schemas.microsoft.com/office/drawing/2014/main" id="{A43FA157-0B4E-4E23-949D-9BCBDFC32857}"/>
+              </a:ext>
+            </a:extLst>
+          </p:cNvPr>
+          <p:cNvSpPr/>
+          <p:nvPr/>
+        </p:nvSpPr>
+        <p:spPr>
+          <a:xfrm>
+            <a:off x="614919" y="5251991"/>
+            <a:ext cx="1213881" cy="648139"/>
+          </a:xfrm>
+          <a:prstGeom prst="rect">
+            <a:avLst/>
+          </a:prstGeom>
+          <a:solidFill>
+            <a:schemeClr val="bg1">
+              <a:lumMod val="50000"/>
+            </a:schemeClr>
+          </a:solidFill>
+          <a:ln w="19050">
+            <a:solidFill>
+              <a:schemeClr val="tx1"/>
+            </a:solidFill>
+          </a:ln>
+        </p:spPr>
+        <p:style>
+          <a:lnRef idx="2">
+            <a:schemeClr val="accent1">
+              <a:shade val="50000"/>
+            </a:schemeClr>
+          </a:lnRef>
+          <a:fillRef idx="1">
+            <a:schemeClr val="accent1"/>
+          </a:fillRef>
+          <a:effectRef idx="0">
+            <a:schemeClr val="accent1"/>
+          </a:effectRef>
+          <a:fontRef idx="minor">
+            <a:schemeClr val="lt1"/>
+          </a:fontRef>
+        </p:style>
+        <p:txBody>
+          <a:bodyPr rtlCol="0" anchor="ctr"/>
+          <a:lstStyle/>
+          <a:p>
+            <a:r>
+              <a:rPr kumimoji="1" lang="ja-JP" altLang="en-US" sz="1300" dirty="0">
+                <a:solidFill>
+                  <a:srgbClr val="FFFFFF"/>
+                </a:solidFill>
+              </a:rPr>
+              <a:t>なんちゃって留学帰り</a:t>
+            </a:r>
+          </a:p>
+        </p:txBody>
+      </p:sp>
+      <p:sp>
+        <p:nvSpPr>
+          <p:cNvPr id="24" name="正方形/長方形 6">
+            <a:extLst>
+              <a:ext uri="{FF2B5EF4-FFF2-40B4-BE49-F238E27FC236}">
+                <a16:creationId xmlns:a16="http://schemas.microsoft.com/office/drawing/2014/main" id="{A3817E02-C708-4CA7-9C11-45ECCA7FF144}"/>
+              </a:ext>
+            </a:extLst>
+          </p:cNvPr>
+          <p:cNvSpPr/>
+          <p:nvPr/>
+        </p:nvSpPr>
+        <p:spPr>
+          <a:xfrm>
+            <a:off x="7852397" y="5251991"/>
+            <a:ext cx="1818075" cy="648139"/>
+          </a:xfrm>
+          <a:prstGeom prst="rect">
+            <a:avLst/>
+          </a:prstGeom>
+          <a:noFill/>
+          <a:ln w="19050">
+            <a:solidFill>
+              <a:schemeClr val="tx1"/>
+            </a:solidFill>
+          </a:ln>
+        </p:spPr>
+        <p:style>
+          <a:lnRef idx="2">
+            <a:schemeClr val="accent1">
+              <a:shade val="50000"/>
+            </a:schemeClr>
+          </a:lnRef>
+          <a:fillRef idx="1">
+            <a:schemeClr val="accent1"/>
+          </a:fillRef>
+          <a:effectRef idx="0">
+            <a:schemeClr val="accent1"/>
+          </a:effectRef>
+          <a:fontRef idx="minor">
+            <a:schemeClr val="lt1"/>
+          </a:fontRef>
+        </p:style>
+        <p:txBody>
+          <a:bodyPr rtlCol="0" anchor="ctr"/>
+          <a:lstStyle/>
+          <a:p>
+            <a:pPr marL="171450" indent="-171450">
+              <a:buFont typeface="Arial" panose="020B0604020202020204" pitchFamily="34" charset="0"/>
+              <a:buChar char="•"/>
+            </a:pPr>
+            <a:endParaRPr kumimoji="1" lang="en-US" altLang="ja-JP" sz="1000" dirty="0">
+              <a:solidFill>
+                <a:schemeClr val="tx1"/>
+              </a:solidFill>
+            </a:endParaRPr>
+          </a:p>
+        </p:txBody>
+      </p:sp>
+    </p:spTree>
+    <p:extLst>
+      <p:ext uri="{BB962C8B-B14F-4D97-AF65-F5344CB8AC3E}">
+        <p14:creationId xmlns:p14="http://schemas.microsoft.com/office/powerpoint/2010/main" val="1438993370"/>
+      </p:ext>
+    </p:extLst>
+  </p:cSld>
+  <p:clrMapOvr>
+    <a:masterClrMapping/>
+  </p:clrMapOvr>
+</p:sld>
+</file>
+
+<file path=ppt/slides/slide10.xml><?xml version="1.0" encoding="utf-8"?>
+<p:sld xmlns:a="http://schemas.openxmlformats.org/drawingml/2006/main" xmlns:r="http://schemas.openxmlformats.org/officeDocument/2006/relationships" xmlns:p="http://schemas.openxmlformats.org/presentationml/2006/main">
+  <p:cSld>
+    <p:spTree>
+      <p:nvGrpSpPr>
+        <p:cNvPr id="1" name=""/>
+        <p:cNvGrpSpPr/>
+        <p:nvPr/>
+      </p:nvGrpSpPr>
+      <p:grpSpPr>
+        <a:xfrm>
+          <a:off x="0" y="0"/>
+          <a:ext cx="0" cy="0"/>
+          <a:chOff x="0" y="0"/>
+          <a:chExt cx="0" cy="0"/>
+        </a:xfrm>
+      </p:grpSpPr>
+      <p:sp>
+        <p:nvSpPr>
+          <p:cNvPr id="2" name="タイトル 1">
+            <a:extLst>
+              <a:ext uri="{FF2B5EF4-FFF2-40B4-BE49-F238E27FC236}">
+                <a16:creationId xmlns:a16="http://schemas.microsoft.com/office/drawing/2014/main" id="{9B3EEB55-E4A8-4C4C-91B6-893F58FFF7B9}"/>
+              </a:ext>
+            </a:extLst>
+          </p:cNvPr>
+          <p:cNvSpPr>
+            <a:spLocks noGrp="1"/>
+          </p:cNvSpPr>
+          <p:nvPr>
+            <p:ph type="title"/>
+          </p:nvPr>
+        </p:nvSpPr>
+        <p:spPr/>
+        <p:txBody>
+          <a:bodyPr/>
+          <a:lstStyle/>
+          <a:p>
+            <a:endParaRPr kumimoji="1" lang="ja-JP" altLang="en-US"/>
+          </a:p>
+        </p:txBody>
+      </p:sp>
+      <p:sp>
+        <p:nvSpPr>
+          <p:cNvPr id="3" name="スライド番号プレースホルダー 2">
+            <a:extLst>
+              <a:ext uri="{FF2B5EF4-FFF2-40B4-BE49-F238E27FC236}">
+                <a16:creationId xmlns:a16="http://schemas.microsoft.com/office/drawing/2014/main" id="{9F9572F5-5499-47A4-B891-6504E6D2BA1E}"/>
+              </a:ext>
+            </a:extLst>
+          </p:cNvPr>
+          <p:cNvSpPr>
+            <a:spLocks noGrp="1"/>
+          </p:cNvSpPr>
+          <p:nvPr>
+            <p:ph type="sldNum" sz="quarter" idx="12"/>
+          </p:nvPr>
+        </p:nvSpPr>
+        <p:spPr/>
+        <p:txBody>
+          <a:bodyPr/>
+          <a:lstStyle/>
+          <a:p>
+            <a:fld id="{3AFE6E60-CD60-443C-BB33-38BE591B4EDC}" type="slidenum">
+              <a:rPr kumimoji="1" lang="ja-JP" altLang="en-US" smtClean="0"/>
+              <a:t>10</a:t>
+            </a:fld>
+            <a:endParaRPr kumimoji="1" lang="ja-JP" altLang="en-US"/>
+          </a:p>
+        </p:txBody>
+      </p:sp>
+      <p:pic>
+        <p:nvPicPr>
+          <p:cNvPr id="5" name="図 4">
+            <a:extLst>
+              <a:ext uri="{FF2B5EF4-FFF2-40B4-BE49-F238E27FC236}">
+                <a16:creationId xmlns:a16="http://schemas.microsoft.com/office/drawing/2014/main" id="{E1461E74-DBDB-4C86-A595-8F8C07B1E687}"/>
+              </a:ext>
+            </a:extLst>
+          </p:cNvPr>
+          <p:cNvPicPr>
+            <a:picLocks noChangeAspect="1"/>
+          </p:cNvPicPr>
+          <p:nvPr/>
+        </p:nvPicPr>
+        <p:blipFill>
+          <a:blip r:embed="rId2"/>
+          <a:stretch>
+            <a:fillRect/>
+          </a:stretch>
+        </p:blipFill>
+        <p:spPr>
+          <a:xfrm>
+            <a:off x="1342521" y="332943"/>
+            <a:ext cx="7220958" cy="6192114"/>
+          </a:xfrm>
+          <a:prstGeom prst="rect">
+            <a:avLst/>
+          </a:prstGeom>
+        </p:spPr>
+      </p:pic>
+    </p:spTree>
+    <p:extLst>
+      <p:ext uri="{BB962C8B-B14F-4D97-AF65-F5344CB8AC3E}">
+        <p14:creationId xmlns:p14="http://schemas.microsoft.com/office/powerpoint/2010/main" val="475124416"/>
+      </p:ext>
+    </p:extLst>
+  </p:cSld>
+  <p:clrMapOvr>
+    <a:masterClrMapping/>
+  </p:clrMapOvr>
+</p:sld>
+</file>
+
+<file path=ppt/slides/slide11.xml><?xml version="1.0" encoding="utf-8"?>
+<p:sld xmlns:a="http://schemas.openxmlformats.org/drawingml/2006/main" xmlns:r="http://schemas.openxmlformats.org/officeDocument/2006/relationships" xmlns:p="http://schemas.openxmlformats.org/presentationml/2006/main">
+  <p:cSld>
+    <p:spTree>
+      <p:nvGrpSpPr>
+        <p:cNvPr id="1" name=""/>
+        <p:cNvGrpSpPr/>
+        <p:nvPr/>
+      </p:nvGrpSpPr>
+      <p:grpSpPr>
+        <a:xfrm>
+          <a:off x="0" y="0"/>
+          <a:ext cx="0" cy="0"/>
+          <a:chOff x="0" y="0"/>
+          <a:chExt cx="0" cy="0"/>
+        </a:xfrm>
+      </p:grpSpPr>
+      <p:sp>
+        <p:nvSpPr>
+          <p:cNvPr id="2" name="タイトル 1">
+            <a:extLst>
+              <a:ext uri="{FF2B5EF4-FFF2-40B4-BE49-F238E27FC236}">
+                <a16:creationId xmlns:a16="http://schemas.microsoft.com/office/drawing/2014/main" id="{1907FBCD-2136-47CD-9B61-E4D18C36C1E2}"/>
+              </a:ext>
+            </a:extLst>
+          </p:cNvPr>
+          <p:cNvSpPr>
+            <a:spLocks noGrp="1"/>
+          </p:cNvSpPr>
+          <p:nvPr>
+            <p:ph type="title"/>
+          </p:nvPr>
+        </p:nvSpPr>
+        <p:spPr/>
+        <p:txBody>
+          <a:bodyPr/>
+          <a:lstStyle/>
+          <a:p>
+            <a:endParaRPr kumimoji="1" lang="ja-JP" altLang="en-US"/>
+          </a:p>
+        </p:txBody>
+      </p:sp>
+      <p:sp>
+        <p:nvSpPr>
+          <p:cNvPr id="3" name="スライド番号プレースホルダー 2">
+            <a:extLst>
+              <a:ext uri="{FF2B5EF4-FFF2-40B4-BE49-F238E27FC236}">
+                <a16:creationId xmlns:a16="http://schemas.microsoft.com/office/drawing/2014/main" id="{6258A93E-F1C4-4273-8A14-56A54688D2DD}"/>
+              </a:ext>
+            </a:extLst>
+          </p:cNvPr>
+          <p:cNvSpPr>
+            <a:spLocks noGrp="1"/>
+          </p:cNvSpPr>
+          <p:nvPr>
+            <p:ph type="sldNum" sz="quarter" idx="12"/>
+          </p:nvPr>
+        </p:nvSpPr>
+        <p:spPr/>
+        <p:txBody>
+          <a:bodyPr/>
+          <a:lstStyle/>
+          <a:p>
+            <a:fld id="{3AFE6E60-CD60-443C-BB33-38BE591B4EDC}" type="slidenum">
+              <a:rPr kumimoji="1" lang="ja-JP" altLang="en-US" smtClean="0"/>
+              <a:t>11</a:t>
+            </a:fld>
+            <a:endParaRPr kumimoji="1" lang="ja-JP" altLang="en-US"/>
+          </a:p>
+        </p:txBody>
+      </p:sp>
+      <p:pic>
+        <p:nvPicPr>
+          <p:cNvPr id="5" name="図 4">
+            <a:extLst>
+              <a:ext uri="{FF2B5EF4-FFF2-40B4-BE49-F238E27FC236}">
+                <a16:creationId xmlns:a16="http://schemas.microsoft.com/office/drawing/2014/main" id="{4FBE1CDE-59E2-462B-AEDD-EE25DE76A109}"/>
+              </a:ext>
+            </a:extLst>
+          </p:cNvPr>
+          <p:cNvPicPr>
+            <a:picLocks noChangeAspect="1"/>
+          </p:cNvPicPr>
+          <p:nvPr/>
+        </p:nvPicPr>
+        <p:blipFill>
+          <a:blip r:embed="rId2"/>
+          <a:stretch>
+            <a:fillRect/>
+          </a:stretch>
+        </p:blipFill>
+        <p:spPr>
+          <a:xfrm>
+            <a:off x="1128178" y="328180"/>
+            <a:ext cx="7649643" cy="6201640"/>
+          </a:xfrm>
+          <a:prstGeom prst="rect">
+            <a:avLst/>
+          </a:prstGeom>
+        </p:spPr>
+      </p:pic>
+    </p:spTree>
+    <p:extLst>
+      <p:ext uri="{BB962C8B-B14F-4D97-AF65-F5344CB8AC3E}">
+        <p14:creationId xmlns:p14="http://schemas.microsoft.com/office/powerpoint/2010/main" val="2922692271"/>
+      </p:ext>
+    </p:extLst>
+  </p:cSld>
+  <p:clrMapOvr>
+    <a:masterClrMapping/>
+  </p:clrMapOvr>
+</p:sld>
+</file>
+
+<file path=ppt/slides/slide12.xml><?xml version="1.0" encoding="utf-8"?>
+<p:sld xmlns:a="http://schemas.openxmlformats.org/drawingml/2006/main" xmlns:r="http://schemas.openxmlformats.org/officeDocument/2006/relationships" xmlns:p="http://schemas.openxmlformats.org/presentationml/2006/main">
+  <p:cSld>
+    <p:spTree>
+      <p:nvGrpSpPr>
+        <p:cNvPr id="1" name=""/>
+        <p:cNvGrpSpPr/>
+        <p:nvPr/>
+      </p:nvGrpSpPr>
+      <p:grpSpPr>
+        <a:xfrm>
+          <a:off x="0" y="0"/>
+          <a:ext cx="0" cy="0"/>
+          <a:chOff x="0" y="0"/>
+          <a:chExt cx="0" cy="0"/>
+        </a:xfrm>
+      </p:grpSpPr>
+      <p:sp>
+        <p:nvSpPr>
+          <p:cNvPr id="2" name="タイトル 1">
+            <a:extLst>
+              <a:ext uri="{FF2B5EF4-FFF2-40B4-BE49-F238E27FC236}">
+                <a16:creationId xmlns:a16="http://schemas.microsoft.com/office/drawing/2014/main" id="{DD51F524-944D-4B63-A0D1-B98A2D2D96AC}"/>
+              </a:ext>
+            </a:extLst>
+          </p:cNvPr>
+          <p:cNvSpPr>
+            <a:spLocks noGrp="1"/>
+          </p:cNvSpPr>
+          <p:nvPr>
+            <p:ph type="title"/>
+          </p:nvPr>
+        </p:nvSpPr>
+        <p:spPr/>
+        <p:txBody>
+          <a:bodyPr/>
+          <a:lstStyle/>
+          <a:p>
+            <a:endParaRPr kumimoji="1" lang="ja-JP" altLang="en-US"/>
+          </a:p>
+        </p:txBody>
+      </p:sp>
+      <p:sp>
+        <p:nvSpPr>
+          <p:cNvPr id="3" name="スライド番号プレースホルダー 2">
+            <a:extLst>
+              <a:ext uri="{FF2B5EF4-FFF2-40B4-BE49-F238E27FC236}">
+                <a16:creationId xmlns:a16="http://schemas.microsoft.com/office/drawing/2014/main" id="{D9E89308-6292-4137-9859-8C5182C4850A}"/>
+              </a:ext>
+            </a:extLst>
+          </p:cNvPr>
+          <p:cNvSpPr>
+            <a:spLocks noGrp="1"/>
+          </p:cNvSpPr>
+          <p:nvPr>
+            <p:ph type="sldNum" sz="quarter" idx="12"/>
+          </p:nvPr>
+        </p:nvSpPr>
+        <p:spPr/>
+        <p:txBody>
+          <a:bodyPr/>
+          <a:lstStyle/>
+          <a:p>
+            <a:fld id="{3AFE6E60-CD60-443C-BB33-38BE591B4EDC}" type="slidenum">
+              <a:rPr kumimoji="1" lang="ja-JP" altLang="en-US" smtClean="0"/>
+              <a:t>12</a:t>
+            </a:fld>
+            <a:endParaRPr kumimoji="1" lang="ja-JP" altLang="en-US"/>
+          </a:p>
+        </p:txBody>
+      </p:sp>
+      <p:pic>
+        <p:nvPicPr>
+          <p:cNvPr id="5" name="図 4">
+            <a:extLst>
+              <a:ext uri="{FF2B5EF4-FFF2-40B4-BE49-F238E27FC236}">
+                <a16:creationId xmlns:a16="http://schemas.microsoft.com/office/drawing/2014/main" id="{C5045A01-F046-4143-B139-72160996FD6B}"/>
+              </a:ext>
+            </a:extLst>
+          </p:cNvPr>
+          <p:cNvPicPr>
+            <a:picLocks noChangeAspect="1"/>
+          </p:cNvPicPr>
+          <p:nvPr/>
+        </p:nvPicPr>
+        <p:blipFill>
+          <a:blip r:embed="rId2"/>
+          <a:stretch>
+            <a:fillRect/>
+          </a:stretch>
+        </p:blipFill>
+        <p:spPr>
+          <a:xfrm>
+            <a:off x="1154577" y="1186781"/>
+            <a:ext cx="7325270" cy="4411414"/>
+          </a:xfrm>
+          <a:prstGeom prst="rect">
+            <a:avLst/>
+          </a:prstGeom>
+        </p:spPr>
+      </p:pic>
+    </p:spTree>
+    <p:extLst>
+      <p:ext uri="{BB962C8B-B14F-4D97-AF65-F5344CB8AC3E}">
+        <p14:creationId xmlns:p14="http://schemas.microsoft.com/office/powerpoint/2010/main" val="863273908"/>
+      </p:ext>
+    </p:extLst>
+  </p:cSld>
+  <p:clrMapOvr>
+    <a:masterClrMapping/>
+  </p:clrMapOvr>
+</p:sld>
+</file>
+
+<file path=ppt/slides/slide13.xml><?xml version="1.0" encoding="utf-8"?>
+<p:sld xmlns:a="http://schemas.openxmlformats.org/drawingml/2006/main" xmlns:r="http://schemas.openxmlformats.org/officeDocument/2006/relationships" xmlns:p="http://schemas.openxmlformats.org/presentationml/2006/main">
+  <p:cSld>
+    <p:spTree>
+      <p:nvGrpSpPr>
+        <p:cNvPr id="1" name=""/>
+        <p:cNvGrpSpPr/>
+        <p:nvPr/>
+      </p:nvGrpSpPr>
+      <p:grpSpPr>
+        <a:xfrm>
+          <a:off x="0" y="0"/>
+          <a:ext cx="0" cy="0"/>
+          <a:chOff x="0" y="0"/>
+          <a:chExt cx="0" cy="0"/>
+        </a:xfrm>
+      </p:grpSpPr>
+      <p:sp>
+        <p:nvSpPr>
+          <p:cNvPr id="2" name="タイトル 1">
+            <a:extLst>
+              <a:ext uri="{FF2B5EF4-FFF2-40B4-BE49-F238E27FC236}">
+                <a16:creationId xmlns:a16="http://schemas.microsoft.com/office/drawing/2014/main" id="{23EE5B86-0C8D-4A71-A354-F0B14083D912}"/>
+              </a:ext>
+            </a:extLst>
+          </p:cNvPr>
+          <p:cNvSpPr>
+            <a:spLocks noGrp="1"/>
+          </p:cNvSpPr>
+          <p:nvPr>
+            <p:ph type="title"/>
+          </p:nvPr>
+        </p:nvSpPr>
+        <p:spPr/>
+        <p:txBody>
+          <a:bodyPr/>
+          <a:lstStyle/>
+          <a:p>
+            <a:endParaRPr kumimoji="1" lang="ja-JP" altLang="en-US"/>
+          </a:p>
+        </p:txBody>
+      </p:sp>
+      <p:sp>
+        <p:nvSpPr>
+          <p:cNvPr id="3" name="スライド番号プレースホルダー 2">
+            <a:extLst>
+              <a:ext uri="{FF2B5EF4-FFF2-40B4-BE49-F238E27FC236}">
+                <a16:creationId xmlns:a16="http://schemas.microsoft.com/office/drawing/2014/main" id="{6CF55D6A-41FB-48DA-9EDC-F91657CE2C83}"/>
+              </a:ext>
+            </a:extLst>
+          </p:cNvPr>
+          <p:cNvSpPr>
+            <a:spLocks noGrp="1"/>
+          </p:cNvSpPr>
+          <p:nvPr>
+            <p:ph type="sldNum" sz="quarter" idx="12"/>
+          </p:nvPr>
+        </p:nvSpPr>
+        <p:spPr/>
+        <p:txBody>
+          <a:bodyPr/>
+          <a:lstStyle/>
+          <a:p>
+            <a:fld id="{3AFE6E60-CD60-443C-BB33-38BE591B4EDC}" type="slidenum">
+              <a:rPr kumimoji="1" lang="ja-JP" altLang="en-US" smtClean="0"/>
+              <a:t>13</a:t>
+            </a:fld>
+            <a:endParaRPr kumimoji="1" lang="ja-JP" altLang="en-US"/>
+          </a:p>
+        </p:txBody>
+      </p:sp>
+      <p:pic>
+        <p:nvPicPr>
+          <p:cNvPr id="5" name="図 4">
+            <a:extLst>
+              <a:ext uri="{FF2B5EF4-FFF2-40B4-BE49-F238E27FC236}">
+                <a16:creationId xmlns:a16="http://schemas.microsoft.com/office/drawing/2014/main" id="{D1649A71-20BB-4956-9FAF-15CAB8C59875}"/>
+              </a:ext>
+            </a:extLst>
+          </p:cNvPr>
+          <p:cNvPicPr>
+            <a:picLocks noChangeAspect="1"/>
+          </p:cNvPicPr>
+          <p:nvPr/>
+        </p:nvPicPr>
+        <p:blipFill>
+          <a:blip r:embed="rId2"/>
+          <a:stretch>
+            <a:fillRect/>
+          </a:stretch>
+        </p:blipFill>
+        <p:spPr>
+          <a:xfrm>
+            <a:off x="166019" y="894996"/>
+            <a:ext cx="9573961" cy="5068007"/>
+          </a:xfrm>
+          <a:prstGeom prst="rect">
+            <a:avLst/>
+          </a:prstGeom>
+        </p:spPr>
+      </p:pic>
+    </p:spTree>
+    <p:extLst>
+      <p:ext uri="{BB962C8B-B14F-4D97-AF65-F5344CB8AC3E}">
+        <p14:creationId xmlns:p14="http://schemas.microsoft.com/office/powerpoint/2010/main" val="2468744294"/>
+      </p:ext>
+    </p:extLst>
+  </p:cSld>
+  <p:clrMapOvr>
+    <a:masterClrMapping/>
+  </p:clrMapOvr>
+</p:sld>
+</file>
+
+<file path=ppt/slides/slide14.xml><?xml version="1.0" encoding="utf-8"?>
+<p:sld xmlns:a="http://schemas.openxmlformats.org/drawingml/2006/main" xmlns:r="http://schemas.openxmlformats.org/officeDocument/2006/relationships" xmlns:p="http://schemas.openxmlformats.org/presentationml/2006/main">
+  <p:cSld>
+    <p:spTree>
+      <p:nvGrpSpPr>
+        <p:cNvPr id="1" name=""/>
+        <p:cNvGrpSpPr/>
+        <p:nvPr/>
+      </p:nvGrpSpPr>
+      <p:grpSpPr>
+        <a:xfrm>
+          <a:off x="0" y="0"/>
+          <a:ext cx="0" cy="0"/>
+          <a:chOff x="0" y="0"/>
+          <a:chExt cx="0" cy="0"/>
+        </a:xfrm>
+      </p:grpSpPr>
+      <p:sp>
+        <p:nvSpPr>
+          <p:cNvPr id="2" name="タイトル 1">
+            <a:extLst>
+              <a:ext uri="{FF2B5EF4-FFF2-40B4-BE49-F238E27FC236}">
+                <a16:creationId xmlns:a16="http://schemas.microsoft.com/office/drawing/2014/main" id="{23EE5B86-0C8D-4A71-A354-F0B14083D912}"/>
+              </a:ext>
+            </a:extLst>
+          </p:cNvPr>
+          <p:cNvSpPr>
+            <a:spLocks noGrp="1"/>
+          </p:cNvSpPr>
+          <p:nvPr>
+            <p:ph type="title"/>
+          </p:nvPr>
+        </p:nvSpPr>
+        <p:spPr/>
+        <p:txBody>
+          <a:bodyPr/>
+          <a:lstStyle/>
+          <a:p>
+            <a:endParaRPr kumimoji="1" lang="ja-JP" altLang="en-US"/>
+          </a:p>
+        </p:txBody>
+      </p:sp>
+      <p:sp>
+        <p:nvSpPr>
+          <p:cNvPr id="3" name="スライド番号プレースホルダー 2">
+            <a:extLst>
+              <a:ext uri="{FF2B5EF4-FFF2-40B4-BE49-F238E27FC236}">
+                <a16:creationId xmlns:a16="http://schemas.microsoft.com/office/drawing/2014/main" id="{6CF55D6A-41FB-48DA-9EDC-F91657CE2C83}"/>
+              </a:ext>
+            </a:extLst>
+          </p:cNvPr>
+          <p:cNvSpPr>
+            <a:spLocks noGrp="1"/>
+          </p:cNvSpPr>
+          <p:nvPr>
+            <p:ph type="sldNum" sz="quarter" idx="12"/>
+          </p:nvPr>
+        </p:nvSpPr>
+        <p:spPr/>
+        <p:txBody>
+          <a:bodyPr/>
+          <a:lstStyle/>
+          <a:p>
+            <a:fld id="{3AFE6E60-CD60-443C-BB33-38BE591B4EDC}" type="slidenum">
+              <a:rPr kumimoji="1" lang="ja-JP" altLang="en-US" smtClean="0"/>
+              <a:t>14</a:t>
+            </a:fld>
+            <a:endParaRPr kumimoji="1" lang="ja-JP" altLang="en-US"/>
+          </a:p>
+        </p:txBody>
+      </p:sp>
+      <p:pic>
+        <p:nvPicPr>
+          <p:cNvPr id="6" name="図 5">
+            <a:extLst>
+              <a:ext uri="{FF2B5EF4-FFF2-40B4-BE49-F238E27FC236}">
+                <a16:creationId xmlns:a16="http://schemas.microsoft.com/office/drawing/2014/main" id="{B83D2A61-D5EC-49AE-A10C-7A4FF71FAE32}"/>
+              </a:ext>
+            </a:extLst>
+          </p:cNvPr>
+          <p:cNvPicPr>
+            <a:picLocks noChangeAspect="1"/>
+          </p:cNvPicPr>
+          <p:nvPr/>
+        </p:nvPicPr>
+        <p:blipFill>
+          <a:blip r:embed="rId2"/>
+          <a:stretch>
+            <a:fillRect/>
+          </a:stretch>
+        </p:blipFill>
+        <p:spPr>
+          <a:xfrm>
+            <a:off x="1360025" y="987350"/>
+            <a:ext cx="6796634" cy="4538158"/>
+          </a:xfrm>
+          <a:prstGeom prst="rect">
+            <a:avLst/>
+          </a:prstGeom>
+        </p:spPr>
+      </p:pic>
+    </p:spTree>
+    <p:extLst>
+      <p:ext uri="{BB962C8B-B14F-4D97-AF65-F5344CB8AC3E}">
+        <p14:creationId xmlns:p14="http://schemas.microsoft.com/office/powerpoint/2010/main" val="2526388384"/>
+      </p:ext>
+    </p:extLst>
+  </p:cSld>
+  <p:clrMapOvr>
+    <a:masterClrMapping/>
+  </p:clrMapOvr>
+</p:sld>
+</file>
+
+<file path=ppt/slides/slide15.xml><?xml version="1.0" encoding="utf-8"?>
+<p:sld xmlns:a="http://schemas.openxmlformats.org/drawingml/2006/main" xmlns:r="http://schemas.openxmlformats.org/officeDocument/2006/relationships" xmlns:p="http://schemas.openxmlformats.org/presentationml/2006/main">
+  <p:cSld>
+    <p:spTree>
+      <p:nvGrpSpPr>
+        <p:cNvPr id="1" name=""/>
+        <p:cNvGrpSpPr/>
+        <p:nvPr/>
+      </p:nvGrpSpPr>
+      <p:grpSpPr>
+        <a:xfrm>
+          <a:off x="0" y="0"/>
+          <a:ext cx="0" cy="0"/>
+          <a:chOff x="0" y="0"/>
+          <a:chExt cx="0" cy="0"/>
+        </a:xfrm>
+      </p:grpSpPr>
+      <p:sp>
+        <p:nvSpPr>
+          <p:cNvPr id="2" name="タイトル 1">
+            <a:extLst>
+              <a:ext uri="{FF2B5EF4-FFF2-40B4-BE49-F238E27FC236}">
+                <a16:creationId xmlns:a16="http://schemas.microsoft.com/office/drawing/2014/main" id="{23EE5B86-0C8D-4A71-A354-F0B14083D912}"/>
+              </a:ext>
+            </a:extLst>
+          </p:cNvPr>
+          <p:cNvSpPr>
+            <a:spLocks noGrp="1"/>
+          </p:cNvSpPr>
+          <p:nvPr>
+            <p:ph type="title"/>
+          </p:nvPr>
+        </p:nvSpPr>
+        <p:spPr/>
+        <p:txBody>
+          <a:bodyPr/>
+          <a:lstStyle/>
+          <a:p>
+            <a:endParaRPr kumimoji="1" lang="ja-JP" altLang="en-US"/>
+          </a:p>
+        </p:txBody>
+      </p:sp>
+      <p:sp>
+        <p:nvSpPr>
+          <p:cNvPr id="3" name="スライド番号プレースホルダー 2">
+            <a:extLst>
+              <a:ext uri="{FF2B5EF4-FFF2-40B4-BE49-F238E27FC236}">
+                <a16:creationId xmlns:a16="http://schemas.microsoft.com/office/drawing/2014/main" id="{6CF55D6A-41FB-48DA-9EDC-F91657CE2C83}"/>
+              </a:ext>
+            </a:extLst>
+          </p:cNvPr>
+          <p:cNvSpPr>
+            <a:spLocks noGrp="1"/>
+          </p:cNvSpPr>
+          <p:nvPr>
+            <p:ph type="sldNum" sz="quarter" idx="12"/>
+          </p:nvPr>
+        </p:nvSpPr>
+        <p:spPr/>
+        <p:txBody>
+          <a:bodyPr/>
+          <a:lstStyle/>
+          <a:p>
+            <a:fld id="{3AFE6E60-CD60-443C-BB33-38BE591B4EDC}" type="slidenum">
+              <a:rPr kumimoji="1" lang="ja-JP" altLang="en-US" smtClean="0"/>
+              <a:t>15</a:t>
+            </a:fld>
+            <a:endParaRPr kumimoji="1" lang="ja-JP" altLang="en-US"/>
+          </a:p>
+        </p:txBody>
+      </p:sp>
+      <p:pic>
+        <p:nvPicPr>
+          <p:cNvPr id="5" name="図 4">
+            <a:extLst>
+              <a:ext uri="{FF2B5EF4-FFF2-40B4-BE49-F238E27FC236}">
+                <a16:creationId xmlns:a16="http://schemas.microsoft.com/office/drawing/2014/main" id="{59B66DAB-4874-4ACF-81B7-3E13A94BFFE6}"/>
+              </a:ext>
+            </a:extLst>
+          </p:cNvPr>
+          <p:cNvPicPr>
+            <a:picLocks noChangeAspect="1"/>
+          </p:cNvPicPr>
+          <p:nvPr/>
+        </p:nvPicPr>
+        <p:blipFill>
+          <a:blip r:embed="rId2"/>
+          <a:stretch>
+            <a:fillRect/>
+          </a:stretch>
+        </p:blipFill>
+        <p:spPr>
+          <a:xfrm>
+            <a:off x="2320329" y="0"/>
+            <a:ext cx="5265342" cy="6858000"/>
+          </a:xfrm>
+          <a:prstGeom prst="rect">
+            <a:avLst/>
+          </a:prstGeom>
+        </p:spPr>
+      </p:pic>
+    </p:spTree>
+    <p:extLst>
+      <p:ext uri="{BB962C8B-B14F-4D97-AF65-F5344CB8AC3E}">
+        <p14:creationId xmlns:p14="http://schemas.microsoft.com/office/powerpoint/2010/main" val="1487863018"/>
+      </p:ext>
+    </p:extLst>
+  </p:cSld>
+  <p:clrMapOvr>
+    <a:masterClrMapping/>
+  </p:clrMapOvr>
+</p:sld>
+</file>
+
+<file path=ppt/slides/slide16.xml><?xml version="1.0" encoding="utf-8"?>
+<p:sld xmlns:a="http://schemas.openxmlformats.org/drawingml/2006/main" xmlns:r="http://schemas.openxmlformats.org/officeDocument/2006/relationships" xmlns:p="http://schemas.openxmlformats.org/presentationml/2006/main">
+  <p:cSld>
+    <p:spTree>
+      <p:nvGrpSpPr>
+        <p:cNvPr id="1" name=""/>
+        <p:cNvGrpSpPr/>
+        <p:nvPr/>
+      </p:nvGrpSpPr>
+      <p:grpSpPr>
+        <a:xfrm>
+          <a:off x="0" y="0"/>
+          <a:ext cx="0" cy="0"/>
+          <a:chOff x="0" y="0"/>
+          <a:chExt cx="0" cy="0"/>
+        </a:xfrm>
+      </p:grpSpPr>
+      <p:sp>
+        <p:nvSpPr>
+          <p:cNvPr id="2" name="タイトル 1">
+            <a:extLst>
+              <a:ext uri="{FF2B5EF4-FFF2-40B4-BE49-F238E27FC236}">
+                <a16:creationId xmlns:a16="http://schemas.microsoft.com/office/drawing/2014/main" id="{23EE5B86-0C8D-4A71-A354-F0B14083D912}"/>
+              </a:ext>
+            </a:extLst>
+          </p:cNvPr>
+          <p:cNvSpPr>
+            <a:spLocks noGrp="1"/>
+          </p:cNvSpPr>
+          <p:nvPr>
+            <p:ph type="title"/>
+          </p:nvPr>
+        </p:nvSpPr>
+        <p:spPr/>
+        <p:txBody>
+          <a:bodyPr/>
+          <a:lstStyle/>
+          <a:p>
+            <a:endParaRPr kumimoji="1" lang="ja-JP" altLang="en-US"/>
+          </a:p>
+        </p:txBody>
+      </p:sp>
+      <p:sp>
+        <p:nvSpPr>
+          <p:cNvPr id="3" name="スライド番号プレースホルダー 2">
+            <a:extLst>
+              <a:ext uri="{FF2B5EF4-FFF2-40B4-BE49-F238E27FC236}">
+                <a16:creationId xmlns:a16="http://schemas.microsoft.com/office/drawing/2014/main" id="{6CF55D6A-41FB-48DA-9EDC-F91657CE2C83}"/>
+              </a:ext>
+            </a:extLst>
+          </p:cNvPr>
+          <p:cNvSpPr>
+            <a:spLocks noGrp="1"/>
+          </p:cNvSpPr>
+          <p:nvPr>
+            <p:ph type="sldNum" sz="quarter" idx="12"/>
+          </p:nvPr>
+        </p:nvSpPr>
+        <p:spPr/>
+        <p:txBody>
+          <a:bodyPr/>
+          <a:lstStyle/>
+          <a:p>
+            <a:fld id="{3AFE6E60-CD60-443C-BB33-38BE591B4EDC}" type="slidenum">
+              <a:rPr kumimoji="1" lang="ja-JP" altLang="en-US" smtClean="0"/>
+              <a:t>16</a:t>
+            </a:fld>
+            <a:endParaRPr kumimoji="1" lang="ja-JP" altLang="en-US"/>
+          </a:p>
+        </p:txBody>
+      </p:sp>
+      <p:pic>
+        <p:nvPicPr>
+          <p:cNvPr id="6" name="図 5">
+            <a:extLst>
+              <a:ext uri="{FF2B5EF4-FFF2-40B4-BE49-F238E27FC236}">
+                <a16:creationId xmlns:a16="http://schemas.microsoft.com/office/drawing/2014/main" id="{2F050567-5817-4B5B-BE9A-C41FD693782D}"/>
+              </a:ext>
+            </a:extLst>
+          </p:cNvPr>
+          <p:cNvPicPr>
+            <a:picLocks noChangeAspect="1"/>
+          </p:cNvPicPr>
+          <p:nvPr/>
+        </p:nvPicPr>
+        <p:blipFill>
+          <a:blip r:embed="rId2"/>
+          <a:stretch>
+            <a:fillRect/>
+          </a:stretch>
+        </p:blipFill>
+        <p:spPr>
+          <a:xfrm>
+            <a:off x="681037" y="238911"/>
+            <a:ext cx="8218630" cy="5253276"/>
+          </a:xfrm>
+          <a:prstGeom prst="rect">
+            <a:avLst/>
+          </a:prstGeom>
+        </p:spPr>
+      </p:pic>
+      <p:sp>
+        <p:nvSpPr>
+          <p:cNvPr id="7" name="正方形/長方形 6">
+            <a:extLst>
+              <a:ext uri="{FF2B5EF4-FFF2-40B4-BE49-F238E27FC236}">
+                <a16:creationId xmlns:a16="http://schemas.microsoft.com/office/drawing/2014/main" id="{BAAF6D8F-4736-4B87-B47C-B19EB88A0D40}"/>
+              </a:ext>
+            </a:extLst>
+          </p:cNvPr>
+          <p:cNvSpPr/>
+          <p:nvPr/>
+        </p:nvSpPr>
+        <p:spPr>
+          <a:xfrm>
+            <a:off x="1082231" y="3180925"/>
+            <a:ext cx="7430947" cy="1325563"/>
+          </a:xfrm>
+          <a:prstGeom prst="rect">
+            <a:avLst/>
+          </a:prstGeom>
+          <a:noFill/>
+          <a:ln w="57150">
+            <a:solidFill>
+              <a:srgbClr val="FF0000"/>
+            </a:solidFill>
+          </a:ln>
+        </p:spPr>
+        <p:style>
+          <a:lnRef idx="2">
+            <a:schemeClr val="accent1">
+              <a:shade val="50000"/>
+            </a:schemeClr>
+          </a:lnRef>
+          <a:fillRef idx="1">
+            <a:schemeClr val="accent1"/>
+          </a:fillRef>
+          <a:effectRef idx="0">
+            <a:schemeClr val="accent1"/>
+          </a:effectRef>
+          <a:fontRef idx="minor">
+            <a:schemeClr val="lt1"/>
+          </a:fontRef>
+        </p:style>
+        <p:txBody>
+          <a:bodyPr rtlCol="0" anchor="ctr"/>
+          <a:lstStyle/>
+          <a:p>
+            <a:pPr algn="ctr"/>
+            <a:endParaRPr kumimoji="1" lang="ja-JP" altLang="en-US"/>
+          </a:p>
+        </p:txBody>
+      </p:sp>
+      <p:sp>
+        <p:nvSpPr>
+          <p:cNvPr id="9" name="正方形/長方形 8">
+            <a:extLst>
+              <a:ext uri="{FF2B5EF4-FFF2-40B4-BE49-F238E27FC236}">
+                <a16:creationId xmlns:a16="http://schemas.microsoft.com/office/drawing/2014/main" id="{6071F49B-E2A9-43C4-94F5-B5C9EE27F4AF}"/>
+              </a:ext>
+            </a:extLst>
+          </p:cNvPr>
+          <p:cNvSpPr/>
+          <p:nvPr/>
+        </p:nvSpPr>
+        <p:spPr>
+          <a:xfrm>
+            <a:off x="1851949" y="5370653"/>
+            <a:ext cx="5891513" cy="1452885"/>
+          </a:xfrm>
+          <a:prstGeom prst="rect">
+            <a:avLst/>
+          </a:prstGeom>
+        </p:spPr>
+        <p:style>
+          <a:lnRef idx="2">
+            <a:schemeClr val="accent1">
+              <a:shade val="50000"/>
+            </a:schemeClr>
+          </a:lnRef>
+          <a:fillRef idx="1">
+            <a:schemeClr val="accent1"/>
+          </a:fillRef>
+          <a:effectRef idx="0">
+            <a:schemeClr val="accent1"/>
+          </a:effectRef>
+          <a:fontRef idx="minor">
+            <a:schemeClr val="lt1"/>
+          </a:fontRef>
+        </p:style>
+        <p:txBody>
+          <a:bodyPr rtlCol="0" anchor="ctr"/>
+          <a:lstStyle/>
+          <a:p>
+            <a:pPr algn="ctr"/>
+            <a:r>
+              <a:rPr kumimoji="1" lang="en-US" altLang="ja-JP" sz="1400" dirty="0"/>
+              <a:t>50</a:t>
+            </a:r>
+            <a:r>
+              <a:rPr kumimoji="1" lang="ja-JP" altLang="en-US" sz="1400" dirty="0"/>
+              <a:t>代以上などの高齢者の学習時間が長い</a:t>
+            </a:r>
+            <a:endParaRPr kumimoji="1" lang="en-US" altLang="ja-JP" sz="1400" dirty="0"/>
+          </a:p>
+          <a:p>
+            <a:pPr algn="ctr"/>
+            <a:r>
+              <a:rPr kumimoji="1" lang="ja-JP" altLang="en-US" sz="1400" dirty="0"/>
+              <a:t>彼ら向けのサービスもあまりないのでは？</a:t>
+            </a:r>
+            <a:endParaRPr kumimoji="1" lang="en-US" altLang="ja-JP" sz="1400" dirty="0"/>
+          </a:p>
+          <a:p>
+            <a:pPr algn="ctr"/>
+            <a:r>
+              <a:rPr kumimoji="1" lang="ja-JP" altLang="en-US" sz="1400" dirty="0"/>
+              <a:t>デザイン・コンセプトを彼ら向けにする？</a:t>
+            </a:r>
+            <a:endParaRPr kumimoji="1" lang="en-US" altLang="ja-JP" sz="1400" dirty="0"/>
+          </a:p>
+          <a:p>
+            <a:pPr algn="ctr"/>
+            <a:r>
+              <a:rPr kumimoji="1" lang="ja-JP" altLang="en-US" sz="1400" dirty="0"/>
+              <a:t>絶対数は？やる気ある人が残るだけでは？</a:t>
+            </a:r>
+            <a:endParaRPr kumimoji="1" lang="en-US" altLang="ja-JP" sz="1400" dirty="0"/>
+          </a:p>
+          <a:p>
+            <a:pPr algn="ctr"/>
+            <a:r>
+              <a:rPr kumimoji="1" lang="ja-JP" altLang="en-US" sz="1400" dirty="0"/>
+              <a:t>→彼らの学習手段を調べる</a:t>
+            </a:r>
+            <a:endParaRPr kumimoji="1" lang="en-US" altLang="ja-JP" sz="1400" dirty="0"/>
+          </a:p>
+          <a:p>
+            <a:pPr algn="ctr"/>
+            <a:r>
+              <a:rPr kumimoji="1" lang="ja-JP" altLang="en-US" sz="1400" dirty="0"/>
+              <a:t>　お金があるから教室か？</a:t>
+            </a:r>
+            <a:endParaRPr kumimoji="1" lang="en-US" altLang="ja-JP" sz="1400" dirty="0"/>
+          </a:p>
+        </p:txBody>
+      </p:sp>
+    </p:spTree>
+    <p:extLst>
+      <p:ext uri="{BB962C8B-B14F-4D97-AF65-F5344CB8AC3E}">
+        <p14:creationId xmlns:p14="http://schemas.microsoft.com/office/powerpoint/2010/main" val="1941692073"/>
+      </p:ext>
+    </p:extLst>
+  </p:cSld>
+  <p:clrMapOvr>
+    <a:masterClrMapping/>
+  </p:clrMapOvr>
+</p:sld>
+</file>
+
+<file path=ppt/slides/slide17.xml><?xml version="1.0" encoding="utf-8"?>
+<p:sld xmlns:a="http://schemas.openxmlformats.org/drawingml/2006/main" xmlns:r="http://schemas.openxmlformats.org/officeDocument/2006/relationships" xmlns:p="http://schemas.openxmlformats.org/presentationml/2006/main">
+  <p:cSld>
+    <p:spTree>
+      <p:nvGrpSpPr>
+        <p:cNvPr id="1" name=""/>
+        <p:cNvGrpSpPr/>
+        <p:nvPr/>
+      </p:nvGrpSpPr>
+      <p:grpSpPr>
+        <a:xfrm>
+          <a:off x="0" y="0"/>
+          <a:ext cx="0" cy="0"/>
+          <a:chOff x="0" y="0"/>
+          <a:chExt cx="0" cy="0"/>
+        </a:xfrm>
+      </p:grpSpPr>
+      <p:sp>
+        <p:nvSpPr>
+          <p:cNvPr id="2" name="タイトル 1">
+            <a:extLst>
+              <a:ext uri="{FF2B5EF4-FFF2-40B4-BE49-F238E27FC236}">
+                <a16:creationId xmlns:a16="http://schemas.microsoft.com/office/drawing/2014/main" id="{AEF36D3C-7AA9-4E89-8B74-B086C558CCE1}"/>
+              </a:ext>
+            </a:extLst>
+          </p:cNvPr>
+          <p:cNvSpPr>
+            <a:spLocks noGrp="1"/>
+          </p:cNvSpPr>
+          <p:nvPr>
+            <p:ph type="title"/>
+          </p:nvPr>
+        </p:nvSpPr>
+        <p:spPr/>
+        <p:txBody>
+          <a:bodyPr/>
+          <a:lstStyle/>
+          <a:p>
+            <a:endParaRPr kumimoji="1" lang="ja-JP" altLang="en-US" dirty="0"/>
+          </a:p>
+        </p:txBody>
+      </p:sp>
+      <p:sp>
+        <p:nvSpPr>
+          <p:cNvPr id="3" name="スライド番号プレースホルダー 2">
+            <a:extLst>
+              <a:ext uri="{FF2B5EF4-FFF2-40B4-BE49-F238E27FC236}">
+                <a16:creationId xmlns:a16="http://schemas.microsoft.com/office/drawing/2014/main" id="{AFB266DB-E712-4804-A2D0-286CB061F1E2}"/>
+              </a:ext>
+            </a:extLst>
+          </p:cNvPr>
+          <p:cNvSpPr>
+            <a:spLocks noGrp="1"/>
+          </p:cNvSpPr>
+          <p:nvPr>
+            <p:ph type="sldNum" sz="quarter" idx="12"/>
+          </p:nvPr>
+        </p:nvSpPr>
+        <p:spPr/>
+        <p:txBody>
+          <a:bodyPr/>
+          <a:lstStyle/>
+          <a:p>
+            <a:fld id="{3AFE6E60-CD60-443C-BB33-38BE591B4EDC}" type="slidenum">
+              <a:rPr kumimoji="1" lang="ja-JP" altLang="en-US" smtClean="0"/>
+              <a:t>17</a:t>
+            </a:fld>
+            <a:endParaRPr kumimoji="1" lang="ja-JP" altLang="en-US"/>
+          </a:p>
+        </p:txBody>
+      </p:sp>
+      <p:pic>
+        <p:nvPicPr>
+          <p:cNvPr id="5" name="図 4">
+            <a:extLst>
+              <a:ext uri="{FF2B5EF4-FFF2-40B4-BE49-F238E27FC236}">
+                <a16:creationId xmlns:a16="http://schemas.microsoft.com/office/drawing/2014/main" id="{F4135AB4-AFFA-4384-A991-318F6D7761FE}"/>
+              </a:ext>
+            </a:extLst>
+          </p:cNvPr>
+          <p:cNvPicPr>
+            <a:picLocks noChangeAspect="1"/>
+          </p:cNvPicPr>
+          <p:nvPr/>
+        </p:nvPicPr>
+        <p:blipFill>
+          <a:blip r:embed="rId2"/>
+          <a:stretch>
+            <a:fillRect/>
+          </a:stretch>
+        </p:blipFill>
+        <p:spPr>
+          <a:xfrm>
+            <a:off x="1276703" y="1591519"/>
+            <a:ext cx="6660712" cy="4630691"/>
+          </a:xfrm>
+          <a:prstGeom prst="rect">
+            <a:avLst/>
+          </a:prstGeom>
+        </p:spPr>
+      </p:pic>
+      <p:sp>
+        <p:nvSpPr>
+          <p:cNvPr id="6" name="正方形/長方形 5">
+            <a:extLst>
+              <a:ext uri="{FF2B5EF4-FFF2-40B4-BE49-F238E27FC236}">
+                <a16:creationId xmlns:a16="http://schemas.microsoft.com/office/drawing/2014/main" id="{D0E2A509-B5EA-482B-B717-0DD04A0BA037}"/>
+              </a:ext>
+            </a:extLst>
+          </p:cNvPr>
+          <p:cNvSpPr/>
+          <p:nvPr/>
+        </p:nvSpPr>
+        <p:spPr>
+          <a:xfrm>
+            <a:off x="2019781" y="521123"/>
+            <a:ext cx="4242122" cy="914400"/>
+          </a:xfrm>
+          <a:prstGeom prst="rect">
+            <a:avLst/>
+          </a:prstGeom>
+        </p:spPr>
+        <p:style>
+          <a:lnRef idx="2">
+            <a:schemeClr val="accent1">
+              <a:shade val="50000"/>
+            </a:schemeClr>
+          </a:lnRef>
+          <a:fillRef idx="1">
+            <a:schemeClr val="accent1"/>
+          </a:fillRef>
+          <a:effectRef idx="0">
+            <a:schemeClr val="accent1"/>
+          </a:effectRef>
+          <a:fontRef idx="minor">
+            <a:schemeClr val="lt1"/>
+          </a:fontRef>
+        </p:style>
+        <p:txBody>
+          <a:bodyPr rtlCol="0" anchor="ctr"/>
+          <a:lstStyle/>
+          <a:p>
+            <a:pPr algn="ctr"/>
+            <a:r>
+              <a:rPr lang="en-US" altLang="ja-JP" b="1" i="0" dirty="0">
+                <a:solidFill>
+                  <a:schemeClr val="bg1"/>
+                </a:solidFill>
+                <a:effectLst/>
+                <a:latin typeface="Hiragino Kaku Gothic ProN"/>
+              </a:rPr>
+              <a:t>25</a:t>
+            </a:r>
+            <a:r>
+              <a:rPr lang="ja-JP" altLang="en-US" b="1" i="0" dirty="0">
+                <a:solidFill>
+                  <a:schemeClr val="bg1"/>
+                </a:solidFill>
+                <a:effectLst/>
+                <a:latin typeface="Hiragino Kaku Gothic ProN"/>
+              </a:rPr>
+              <a:t>歳～</a:t>
+            </a:r>
+            <a:r>
+              <a:rPr lang="en-US" altLang="ja-JP" b="1" i="0" dirty="0">
+                <a:solidFill>
+                  <a:schemeClr val="bg1"/>
+                </a:solidFill>
+                <a:effectLst/>
+                <a:latin typeface="Hiragino Kaku Gothic ProN"/>
+              </a:rPr>
+              <a:t>35</a:t>
+            </a:r>
+            <a:r>
+              <a:rPr lang="ja-JP" altLang="en-US" b="1" i="0" dirty="0">
+                <a:solidFill>
+                  <a:schemeClr val="bg1"/>
+                </a:solidFill>
+                <a:effectLst/>
+                <a:latin typeface="Hiragino Kaku Gothic ProN"/>
+              </a:rPr>
+              <a:t>歳の男女ビジネスパーソンを対象に実施</a:t>
+            </a:r>
+            <a:r>
+              <a:rPr lang="en-US" altLang="ja-JP" b="1" i="0" dirty="0">
+                <a:solidFill>
+                  <a:schemeClr val="bg1"/>
+                </a:solidFill>
+                <a:effectLst/>
+                <a:latin typeface="Hiragino Kaku Gothic ProN"/>
+              </a:rPr>
+              <a:t>-</a:t>
+            </a:r>
+            <a:endParaRPr kumimoji="1" lang="en-US" altLang="ja-JP" b="1" i="0" dirty="0">
+              <a:solidFill>
+                <a:schemeClr val="bg1"/>
+              </a:solidFill>
+              <a:effectLst/>
+              <a:latin typeface="Hiragino Kaku Gothic ProN"/>
+            </a:endParaRPr>
+          </a:p>
+          <a:p>
+            <a:pPr algn="ctr"/>
+            <a:r>
+              <a:rPr kumimoji="1" lang="ja-JP" altLang="en-US" b="1" dirty="0">
+                <a:solidFill>
+                  <a:schemeClr val="bg1"/>
+                </a:solidFill>
+                <a:latin typeface="Hiragino Kaku Gothic ProN"/>
+              </a:rPr>
+              <a:t>→英語学習者に絞っていない？</a:t>
+            </a:r>
+            <a:endParaRPr lang="en-US" altLang="ja-JP" b="1" i="0" dirty="0">
+              <a:solidFill>
+                <a:schemeClr val="bg1"/>
+              </a:solidFill>
+              <a:effectLst/>
+              <a:latin typeface="Hiragino Kaku Gothic ProN"/>
+            </a:endParaRPr>
+          </a:p>
+        </p:txBody>
+      </p:sp>
+    </p:spTree>
+    <p:extLst>
+      <p:ext uri="{BB962C8B-B14F-4D97-AF65-F5344CB8AC3E}">
+        <p14:creationId xmlns:p14="http://schemas.microsoft.com/office/powerpoint/2010/main" val="3874540755"/>
+      </p:ext>
+    </p:extLst>
+  </p:cSld>
+  <p:clrMapOvr>
+    <a:masterClrMapping/>
+  </p:clrMapOvr>
+</p:sld>
+</file>
+
+<file path=ppt/slides/slide18.xml><?xml version="1.0" encoding="utf-8"?>
+<p:sld xmlns:a="http://schemas.openxmlformats.org/drawingml/2006/main" xmlns:r="http://schemas.openxmlformats.org/officeDocument/2006/relationships" xmlns:p="http://schemas.openxmlformats.org/presentationml/2006/main">
+  <p:cSld>
+    <p:spTree>
+      <p:nvGrpSpPr>
+        <p:cNvPr id="1" name=""/>
+        <p:cNvGrpSpPr/>
+        <p:nvPr/>
+      </p:nvGrpSpPr>
+      <p:grpSpPr>
+        <a:xfrm>
+          <a:off x="0" y="0"/>
+          <a:ext cx="0" cy="0"/>
+          <a:chOff x="0" y="0"/>
+          <a:chExt cx="0" cy="0"/>
+        </a:xfrm>
+      </p:grpSpPr>
+      <p:sp>
+        <p:nvSpPr>
+          <p:cNvPr id="2" name="タイトル 1">
+            <a:extLst>
+              <a:ext uri="{FF2B5EF4-FFF2-40B4-BE49-F238E27FC236}">
+                <a16:creationId xmlns:a16="http://schemas.microsoft.com/office/drawing/2014/main" id="{13401DD0-A269-4AE6-890B-111234C62C06}"/>
+              </a:ext>
+            </a:extLst>
+          </p:cNvPr>
+          <p:cNvSpPr>
+            <a:spLocks noGrp="1"/>
+          </p:cNvSpPr>
+          <p:nvPr>
+            <p:ph type="title"/>
+          </p:nvPr>
+        </p:nvSpPr>
+        <p:spPr/>
+        <p:txBody>
+          <a:bodyPr/>
+          <a:lstStyle/>
+          <a:p>
+            <a:endParaRPr kumimoji="1" lang="ja-JP" altLang="en-US"/>
+          </a:p>
+        </p:txBody>
+      </p:sp>
+      <p:sp>
+        <p:nvSpPr>
+          <p:cNvPr id="3" name="スライド番号プレースホルダー 2">
+            <a:extLst>
+              <a:ext uri="{FF2B5EF4-FFF2-40B4-BE49-F238E27FC236}">
+                <a16:creationId xmlns:a16="http://schemas.microsoft.com/office/drawing/2014/main" id="{56EE8330-CE31-456D-9C41-FFE04E75D6D1}"/>
+              </a:ext>
+            </a:extLst>
+          </p:cNvPr>
+          <p:cNvSpPr>
+            <a:spLocks noGrp="1"/>
+          </p:cNvSpPr>
+          <p:nvPr>
+            <p:ph type="sldNum" sz="quarter" idx="12"/>
+          </p:nvPr>
+        </p:nvSpPr>
+        <p:spPr/>
+        <p:txBody>
+          <a:bodyPr/>
+          <a:lstStyle/>
+          <a:p>
+            <a:fld id="{3AFE6E60-CD60-443C-BB33-38BE591B4EDC}" type="slidenum">
+              <a:rPr kumimoji="1" lang="ja-JP" altLang="en-US" smtClean="0"/>
+              <a:t>18</a:t>
+            </a:fld>
+            <a:endParaRPr kumimoji="1" lang="ja-JP" altLang="en-US"/>
+          </a:p>
+        </p:txBody>
+      </p:sp>
+      <p:pic>
+        <p:nvPicPr>
+          <p:cNvPr id="5" name="図 4">
+            <a:extLst>
+              <a:ext uri="{FF2B5EF4-FFF2-40B4-BE49-F238E27FC236}">
+                <a16:creationId xmlns:a16="http://schemas.microsoft.com/office/drawing/2014/main" id="{3DF755C5-5F60-43E1-98C0-B2E418B6E295}"/>
+              </a:ext>
+            </a:extLst>
+          </p:cNvPr>
+          <p:cNvPicPr>
+            <a:picLocks noChangeAspect="1"/>
+          </p:cNvPicPr>
+          <p:nvPr/>
+        </p:nvPicPr>
+        <p:blipFill>
+          <a:blip r:embed="rId2"/>
+          <a:stretch>
+            <a:fillRect/>
+          </a:stretch>
+        </p:blipFill>
+        <p:spPr>
+          <a:xfrm>
+            <a:off x="608504" y="547574"/>
+            <a:ext cx="8160373" cy="5762852"/>
+          </a:xfrm>
+          <a:prstGeom prst="rect">
+            <a:avLst/>
+          </a:prstGeom>
+        </p:spPr>
+      </p:pic>
+    </p:spTree>
+    <p:extLst>
+      <p:ext uri="{BB962C8B-B14F-4D97-AF65-F5344CB8AC3E}">
+        <p14:creationId xmlns:p14="http://schemas.microsoft.com/office/powerpoint/2010/main" val="2281072191"/>
+      </p:ext>
+    </p:extLst>
+  </p:cSld>
+  <p:clrMapOvr>
+    <a:masterClrMapping/>
+  </p:clrMapOvr>
+</p:sld>
+</file>
+
+<file path=ppt/slides/slide19.xml><?xml version="1.0" encoding="utf-8"?>
+<p:sld xmlns:a="http://schemas.openxmlformats.org/drawingml/2006/main" xmlns:r="http://schemas.openxmlformats.org/officeDocument/2006/relationships" xmlns:p="http://schemas.openxmlformats.org/presentationml/2006/main">
+  <p:cSld>
+    <p:spTree>
+      <p:nvGrpSpPr>
+        <p:cNvPr id="1" name=""/>
+        <p:cNvGrpSpPr/>
+        <p:nvPr/>
+      </p:nvGrpSpPr>
+      <p:grpSpPr>
+        <a:xfrm>
+          <a:off x="0" y="0"/>
+          <a:ext cx="0" cy="0"/>
+          <a:chOff x="0" y="0"/>
+          <a:chExt cx="0" cy="0"/>
+        </a:xfrm>
+      </p:grpSpPr>
+      <p:sp>
+        <p:nvSpPr>
+          <p:cNvPr id="2" name="タイトル 1">
+            <a:extLst>
+              <a:ext uri="{FF2B5EF4-FFF2-40B4-BE49-F238E27FC236}">
+                <a16:creationId xmlns:a16="http://schemas.microsoft.com/office/drawing/2014/main" id="{ABF7F9F3-53B8-42C5-9DF4-6147340A652F}"/>
+              </a:ext>
+            </a:extLst>
+          </p:cNvPr>
+          <p:cNvSpPr>
+            <a:spLocks noGrp="1"/>
+          </p:cNvSpPr>
+          <p:nvPr>
+            <p:ph type="title"/>
+          </p:nvPr>
+        </p:nvSpPr>
+        <p:spPr/>
+        <p:txBody>
+          <a:bodyPr/>
+          <a:lstStyle/>
+          <a:p>
+            <a:endParaRPr kumimoji="1" lang="ja-JP" altLang="en-US"/>
+          </a:p>
+        </p:txBody>
+      </p:sp>
+      <p:sp>
+        <p:nvSpPr>
+          <p:cNvPr id="3" name="スライド番号プレースホルダー 2">
+            <a:extLst>
+              <a:ext uri="{FF2B5EF4-FFF2-40B4-BE49-F238E27FC236}">
+                <a16:creationId xmlns:a16="http://schemas.microsoft.com/office/drawing/2014/main" id="{6DFFBFE7-CAAC-48AC-A823-9CA07B0A7F8B}"/>
+              </a:ext>
+            </a:extLst>
+          </p:cNvPr>
+          <p:cNvSpPr>
+            <a:spLocks noGrp="1"/>
+          </p:cNvSpPr>
+          <p:nvPr>
+            <p:ph type="sldNum" sz="quarter" idx="12"/>
+          </p:nvPr>
+        </p:nvSpPr>
+        <p:spPr/>
+        <p:txBody>
+          <a:bodyPr/>
+          <a:lstStyle/>
+          <a:p>
+            <a:fld id="{3AFE6E60-CD60-443C-BB33-38BE591B4EDC}" type="slidenum">
+              <a:rPr kumimoji="1" lang="ja-JP" altLang="en-US" smtClean="0"/>
+              <a:t>19</a:t>
+            </a:fld>
+            <a:endParaRPr kumimoji="1" lang="ja-JP" altLang="en-US"/>
+          </a:p>
+        </p:txBody>
+      </p:sp>
+      <p:pic>
+        <p:nvPicPr>
+          <p:cNvPr id="6" name="図 5">
+            <a:extLst>
+              <a:ext uri="{FF2B5EF4-FFF2-40B4-BE49-F238E27FC236}">
+                <a16:creationId xmlns:a16="http://schemas.microsoft.com/office/drawing/2014/main" id="{50A016E4-F041-4388-8347-0A587D10982F}"/>
+              </a:ext>
+            </a:extLst>
+          </p:cNvPr>
+          <p:cNvPicPr>
+            <a:picLocks noChangeAspect="1"/>
+          </p:cNvPicPr>
+          <p:nvPr/>
+        </p:nvPicPr>
+        <p:blipFill>
+          <a:blip r:embed="rId2"/>
+          <a:stretch>
+            <a:fillRect/>
+          </a:stretch>
+        </p:blipFill>
+        <p:spPr>
+          <a:xfrm>
+            <a:off x="1529827" y="467905"/>
+            <a:ext cx="6325483" cy="2924583"/>
+          </a:xfrm>
+          <a:prstGeom prst="rect">
+            <a:avLst/>
+          </a:prstGeom>
+        </p:spPr>
+      </p:pic>
+      <p:pic>
+        <p:nvPicPr>
+          <p:cNvPr id="8" name="図 7">
+            <a:extLst>
+              <a:ext uri="{FF2B5EF4-FFF2-40B4-BE49-F238E27FC236}">
+                <a16:creationId xmlns:a16="http://schemas.microsoft.com/office/drawing/2014/main" id="{ECF82D03-1E70-4787-AD8B-9F6E9185AB9A}"/>
+              </a:ext>
+            </a:extLst>
+          </p:cNvPr>
+          <p:cNvPicPr>
+            <a:picLocks noChangeAspect="1"/>
+          </p:cNvPicPr>
+          <p:nvPr/>
+        </p:nvPicPr>
+        <p:blipFill>
+          <a:blip r:embed="rId3"/>
+          <a:stretch>
+            <a:fillRect/>
+          </a:stretch>
+        </p:blipFill>
+        <p:spPr>
+          <a:xfrm>
+            <a:off x="1615563" y="3257433"/>
+            <a:ext cx="6154009" cy="3410426"/>
+          </a:xfrm>
+          <a:prstGeom prst="rect">
+            <a:avLst/>
+          </a:prstGeom>
+        </p:spPr>
+      </p:pic>
+    </p:spTree>
+    <p:extLst>
+      <p:ext uri="{BB962C8B-B14F-4D97-AF65-F5344CB8AC3E}">
+        <p14:creationId xmlns:p14="http://schemas.microsoft.com/office/powerpoint/2010/main" val="2850653201"/>
+      </p:ext>
+    </p:extLst>
+  </p:cSld>
+  <p:clrMapOvr>
+    <a:masterClrMapping/>
+  </p:clrMapOvr>
+</p:sld>
+</file>
+
+<file path=ppt/slides/slide2.xml><?xml version="1.0" encoding="utf-8"?>
+<p:sld xmlns:a="http://schemas.openxmlformats.org/drawingml/2006/main" xmlns:r="http://schemas.openxmlformats.org/officeDocument/2006/relationships" xmlns:p="http://schemas.openxmlformats.org/presentationml/2006/main">
+  <p:cSld>
+    <p:spTree>
+      <p:nvGrpSpPr>
+        <p:cNvPr id="1" name=""/>
+        <p:cNvGrpSpPr/>
+        <p:nvPr/>
+      </p:nvGrpSpPr>
+      <p:grpSpPr>
+        <a:xfrm>
+          <a:off x="0" y="0"/>
+          <a:ext cx="0" cy="0"/>
+          <a:chOff x="0" y="0"/>
+          <a:chExt cx="0" cy="0"/>
+        </a:xfrm>
+      </p:grpSpPr>
+      <p:sp>
+        <p:nvSpPr>
+          <p:cNvPr id="2" name="タイトル 1">
+            <a:extLst>
+              <a:ext uri="{FF2B5EF4-FFF2-40B4-BE49-F238E27FC236}">
+                <a16:creationId xmlns:a16="http://schemas.microsoft.com/office/drawing/2014/main" id="{C11D935B-1BCE-4F05-BD7B-727BCFAD598A}"/>
+              </a:ext>
+            </a:extLst>
+          </p:cNvPr>
+          <p:cNvSpPr>
+            <a:spLocks noGrp="1"/>
+          </p:cNvSpPr>
+          <p:nvPr>
+            <p:ph type="title"/>
+          </p:nvPr>
+        </p:nvSpPr>
+        <p:spPr>
+          <a:xfrm>
+            <a:off x="681037" y="36307"/>
+            <a:ext cx="8543925" cy="599377"/>
+          </a:xfrm>
+        </p:spPr>
+        <p:txBody>
+          <a:bodyPr>
+            <a:normAutofit/>
+          </a:bodyPr>
+          <a:lstStyle/>
+          <a:p>
+            <a:r>
+              <a:rPr kumimoji="1" lang="ja-JP" altLang="en-US" sz="1500" dirty="0"/>
               <a:t>英語学習者の分類</a:t>
             </a:r>
           </a:p>
@@ -3864,7 +6909,7 @@
           <a:p>
             <a:fld id="{3AFE6E60-CD60-443C-BB33-38BE591B4EDC}" type="slidenum">
               <a:rPr kumimoji="1" lang="ja-JP" altLang="en-US" smtClean="0"/>
-              <a:t>1</a:t>
+              <a:t>2</a:t>
             </a:fld>
             <a:endParaRPr kumimoji="1" lang="ja-JP" altLang="en-US"/>
           </a:p>
@@ -6920,2149 +9965,6 @@
 </p:sld>
 </file>
 
-<file path=ppt/slides/slide10.xml><?xml version="1.0" encoding="utf-8"?>
-<p:sld xmlns:a="http://schemas.openxmlformats.org/drawingml/2006/main" xmlns:r="http://schemas.openxmlformats.org/officeDocument/2006/relationships" xmlns:p="http://schemas.openxmlformats.org/presentationml/2006/main">
-  <p:cSld>
-    <p:spTree>
-      <p:nvGrpSpPr>
-        <p:cNvPr id="1" name=""/>
-        <p:cNvGrpSpPr/>
-        <p:nvPr/>
-      </p:nvGrpSpPr>
-      <p:grpSpPr>
-        <a:xfrm>
-          <a:off x="0" y="0"/>
-          <a:ext cx="0" cy="0"/>
-          <a:chOff x="0" y="0"/>
-          <a:chExt cx="0" cy="0"/>
-        </a:xfrm>
-      </p:grpSpPr>
-      <p:sp>
-        <p:nvSpPr>
-          <p:cNvPr id="2" name="タイトル 1">
-            <a:extLst>
-              <a:ext uri="{FF2B5EF4-FFF2-40B4-BE49-F238E27FC236}">
-                <a16:creationId xmlns:a16="http://schemas.microsoft.com/office/drawing/2014/main" id="{9B3EEB55-E4A8-4C4C-91B6-893F58FFF7B9}"/>
-              </a:ext>
-            </a:extLst>
-          </p:cNvPr>
-          <p:cNvSpPr>
-            <a:spLocks noGrp="1"/>
-          </p:cNvSpPr>
-          <p:nvPr>
-            <p:ph type="title"/>
-          </p:nvPr>
-        </p:nvSpPr>
-        <p:spPr/>
-        <p:txBody>
-          <a:bodyPr/>
-          <a:lstStyle/>
-          <a:p>
-            <a:endParaRPr kumimoji="1" lang="ja-JP" altLang="en-US"/>
-          </a:p>
-        </p:txBody>
-      </p:sp>
-      <p:sp>
-        <p:nvSpPr>
-          <p:cNvPr id="3" name="スライド番号プレースホルダー 2">
-            <a:extLst>
-              <a:ext uri="{FF2B5EF4-FFF2-40B4-BE49-F238E27FC236}">
-                <a16:creationId xmlns:a16="http://schemas.microsoft.com/office/drawing/2014/main" id="{9F9572F5-5499-47A4-B891-6504E6D2BA1E}"/>
-              </a:ext>
-            </a:extLst>
-          </p:cNvPr>
-          <p:cNvSpPr>
-            <a:spLocks noGrp="1"/>
-          </p:cNvSpPr>
-          <p:nvPr>
-            <p:ph type="sldNum" sz="quarter" idx="12"/>
-          </p:nvPr>
-        </p:nvSpPr>
-        <p:spPr/>
-        <p:txBody>
-          <a:bodyPr/>
-          <a:lstStyle/>
-          <a:p>
-            <a:fld id="{3AFE6E60-CD60-443C-BB33-38BE591B4EDC}" type="slidenum">
-              <a:rPr kumimoji="1" lang="ja-JP" altLang="en-US" smtClean="0"/>
-              <a:t>10</a:t>
-            </a:fld>
-            <a:endParaRPr kumimoji="1" lang="ja-JP" altLang="en-US"/>
-          </a:p>
-        </p:txBody>
-      </p:sp>
-      <p:pic>
-        <p:nvPicPr>
-          <p:cNvPr id="5" name="図 4">
-            <a:extLst>
-              <a:ext uri="{FF2B5EF4-FFF2-40B4-BE49-F238E27FC236}">
-                <a16:creationId xmlns:a16="http://schemas.microsoft.com/office/drawing/2014/main" id="{E1461E74-DBDB-4C86-A595-8F8C07B1E687}"/>
-              </a:ext>
-            </a:extLst>
-          </p:cNvPr>
-          <p:cNvPicPr>
-            <a:picLocks noChangeAspect="1"/>
-          </p:cNvPicPr>
-          <p:nvPr/>
-        </p:nvPicPr>
-        <p:blipFill>
-          <a:blip r:embed="rId2"/>
-          <a:stretch>
-            <a:fillRect/>
-          </a:stretch>
-        </p:blipFill>
-        <p:spPr>
-          <a:xfrm>
-            <a:off x="1342521" y="332943"/>
-            <a:ext cx="7220958" cy="6192114"/>
-          </a:xfrm>
-          <a:prstGeom prst="rect">
-            <a:avLst/>
-          </a:prstGeom>
-        </p:spPr>
-      </p:pic>
-    </p:spTree>
-    <p:extLst>
-      <p:ext uri="{BB962C8B-B14F-4D97-AF65-F5344CB8AC3E}">
-        <p14:creationId xmlns:p14="http://schemas.microsoft.com/office/powerpoint/2010/main" val="475124416"/>
-      </p:ext>
-    </p:extLst>
-  </p:cSld>
-  <p:clrMapOvr>
-    <a:masterClrMapping/>
-  </p:clrMapOvr>
-</p:sld>
-</file>
-
-<file path=ppt/slides/slide11.xml><?xml version="1.0" encoding="utf-8"?>
-<p:sld xmlns:a="http://schemas.openxmlformats.org/drawingml/2006/main" xmlns:r="http://schemas.openxmlformats.org/officeDocument/2006/relationships" xmlns:p="http://schemas.openxmlformats.org/presentationml/2006/main">
-  <p:cSld>
-    <p:spTree>
-      <p:nvGrpSpPr>
-        <p:cNvPr id="1" name=""/>
-        <p:cNvGrpSpPr/>
-        <p:nvPr/>
-      </p:nvGrpSpPr>
-      <p:grpSpPr>
-        <a:xfrm>
-          <a:off x="0" y="0"/>
-          <a:ext cx="0" cy="0"/>
-          <a:chOff x="0" y="0"/>
-          <a:chExt cx="0" cy="0"/>
-        </a:xfrm>
-      </p:grpSpPr>
-      <p:sp>
-        <p:nvSpPr>
-          <p:cNvPr id="2" name="タイトル 1">
-            <a:extLst>
-              <a:ext uri="{FF2B5EF4-FFF2-40B4-BE49-F238E27FC236}">
-                <a16:creationId xmlns:a16="http://schemas.microsoft.com/office/drawing/2014/main" id="{1907FBCD-2136-47CD-9B61-E4D18C36C1E2}"/>
-              </a:ext>
-            </a:extLst>
-          </p:cNvPr>
-          <p:cNvSpPr>
-            <a:spLocks noGrp="1"/>
-          </p:cNvSpPr>
-          <p:nvPr>
-            <p:ph type="title"/>
-          </p:nvPr>
-        </p:nvSpPr>
-        <p:spPr/>
-        <p:txBody>
-          <a:bodyPr/>
-          <a:lstStyle/>
-          <a:p>
-            <a:endParaRPr kumimoji="1" lang="ja-JP" altLang="en-US"/>
-          </a:p>
-        </p:txBody>
-      </p:sp>
-      <p:sp>
-        <p:nvSpPr>
-          <p:cNvPr id="3" name="スライド番号プレースホルダー 2">
-            <a:extLst>
-              <a:ext uri="{FF2B5EF4-FFF2-40B4-BE49-F238E27FC236}">
-                <a16:creationId xmlns:a16="http://schemas.microsoft.com/office/drawing/2014/main" id="{6258A93E-F1C4-4273-8A14-56A54688D2DD}"/>
-              </a:ext>
-            </a:extLst>
-          </p:cNvPr>
-          <p:cNvSpPr>
-            <a:spLocks noGrp="1"/>
-          </p:cNvSpPr>
-          <p:nvPr>
-            <p:ph type="sldNum" sz="quarter" idx="12"/>
-          </p:nvPr>
-        </p:nvSpPr>
-        <p:spPr/>
-        <p:txBody>
-          <a:bodyPr/>
-          <a:lstStyle/>
-          <a:p>
-            <a:fld id="{3AFE6E60-CD60-443C-BB33-38BE591B4EDC}" type="slidenum">
-              <a:rPr kumimoji="1" lang="ja-JP" altLang="en-US" smtClean="0"/>
-              <a:t>11</a:t>
-            </a:fld>
-            <a:endParaRPr kumimoji="1" lang="ja-JP" altLang="en-US"/>
-          </a:p>
-        </p:txBody>
-      </p:sp>
-      <p:pic>
-        <p:nvPicPr>
-          <p:cNvPr id="5" name="図 4">
-            <a:extLst>
-              <a:ext uri="{FF2B5EF4-FFF2-40B4-BE49-F238E27FC236}">
-                <a16:creationId xmlns:a16="http://schemas.microsoft.com/office/drawing/2014/main" id="{4FBE1CDE-59E2-462B-AEDD-EE25DE76A109}"/>
-              </a:ext>
-            </a:extLst>
-          </p:cNvPr>
-          <p:cNvPicPr>
-            <a:picLocks noChangeAspect="1"/>
-          </p:cNvPicPr>
-          <p:nvPr/>
-        </p:nvPicPr>
-        <p:blipFill>
-          <a:blip r:embed="rId2"/>
-          <a:stretch>
-            <a:fillRect/>
-          </a:stretch>
-        </p:blipFill>
-        <p:spPr>
-          <a:xfrm>
-            <a:off x="1128178" y="328180"/>
-            <a:ext cx="7649643" cy="6201640"/>
-          </a:xfrm>
-          <a:prstGeom prst="rect">
-            <a:avLst/>
-          </a:prstGeom>
-        </p:spPr>
-      </p:pic>
-    </p:spTree>
-    <p:extLst>
-      <p:ext uri="{BB962C8B-B14F-4D97-AF65-F5344CB8AC3E}">
-        <p14:creationId xmlns:p14="http://schemas.microsoft.com/office/powerpoint/2010/main" val="2922692271"/>
-      </p:ext>
-    </p:extLst>
-  </p:cSld>
-  <p:clrMapOvr>
-    <a:masterClrMapping/>
-  </p:clrMapOvr>
-</p:sld>
-</file>
-
-<file path=ppt/slides/slide12.xml><?xml version="1.0" encoding="utf-8"?>
-<p:sld xmlns:a="http://schemas.openxmlformats.org/drawingml/2006/main" xmlns:r="http://schemas.openxmlformats.org/officeDocument/2006/relationships" xmlns:p="http://schemas.openxmlformats.org/presentationml/2006/main">
-  <p:cSld>
-    <p:spTree>
-      <p:nvGrpSpPr>
-        <p:cNvPr id="1" name=""/>
-        <p:cNvGrpSpPr/>
-        <p:nvPr/>
-      </p:nvGrpSpPr>
-      <p:grpSpPr>
-        <a:xfrm>
-          <a:off x="0" y="0"/>
-          <a:ext cx="0" cy="0"/>
-          <a:chOff x="0" y="0"/>
-          <a:chExt cx="0" cy="0"/>
-        </a:xfrm>
-      </p:grpSpPr>
-      <p:sp>
-        <p:nvSpPr>
-          <p:cNvPr id="2" name="タイトル 1">
-            <a:extLst>
-              <a:ext uri="{FF2B5EF4-FFF2-40B4-BE49-F238E27FC236}">
-                <a16:creationId xmlns:a16="http://schemas.microsoft.com/office/drawing/2014/main" id="{DD51F524-944D-4B63-A0D1-B98A2D2D96AC}"/>
-              </a:ext>
-            </a:extLst>
-          </p:cNvPr>
-          <p:cNvSpPr>
-            <a:spLocks noGrp="1"/>
-          </p:cNvSpPr>
-          <p:nvPr>
-            <p:ph type="title"/>
-          </p:nvPr>
-        </p:nvSpPr>
-        <p:spPr/>
-        <p:txBody>
-          <a:bodyPr/>
-          <a:lstStyle/>
-          <a:p>
-            <a:endParaRPr kumimoji="1" lang="ja-JP" altLang="en-US"/>
-          </a:p>
-        </p:txBody>
-      </p:sp>
-      <p:sp>
-        <p:nvSpPr>
-          <p:cNvPr id="3" name="スライド番号プレースホルダー 2">
-            <a:extLst>
-              <a:ext uri="{FF2B5EF4-FFF2-40B4-BE49-F238E27FC236}">
-                <a16:creationId xmlns:a16="http://schemas.microsoft.com/office/drawing/2014/main" id="{D9E89308-6292-4137-9859-8C5182C4850A}"/>
-              </a:ext>
-            </a:extLst>
-          </p:cNvPr>
-          <p:cNvSpPr>
-            <a:spLocks noGrp="1"/>
-          </p:cNvSpPr>
-          <p:nvPr>
-            <p:ph type="sldNum" sz="quarter" idx="12"/>
-          </p:nvPr>
-        </p:nvSpPr>
-        <p:spPr/>
-        <p:txBody>
-          <a:bodyPr/>
-          <a:lstStyle/>
-          <a:p>
-            <a:fld id="{3AFE6E60-CD60-443C-BB33-38BE591B4EDC}" type="slidenum">
-              <a:rPr kumimoji="1" lang="ja-JP" altLang="en-US" smtClean="0"/>
-              <a:t>12</a:t>
-            </a:fld>
-            <a:endParaRPr kumimoji="1" lang="ja-JP" altLang="en-US"/>
-          </a:p>
-        </p:txBody>
-      </p:sp>
-      <p:pic>
-        <p:nvPicPr>
-          <p:cNvPr id="5" name="図 4">
-            <a:extLst>
-              <a:ext uri="{FF2B5EF4-FFF2-40B4-BE49-F238E27FC236}">
-                <a16:creationId xmlns:a16="http://schemas.microsoft.com/office/drawing/2014/main" id="{C5045A01-F046-4143-B139-72160996FD6B}"/>
-              </a:ext>
-            </a:extLst>
-          </p:cNvPr>
-          <p:cNvPicPr>
-            <a:picLocks noChangeAspect="1"/>
-          </p:cNvPicPr>
-          <p:nvPr/>
-        </p:nvPicPr>
-        <p:blipFill>
-          <a:blip r:embed="rId2"/>
-          <a:stretch>
-            <a:fillRect/>
-          </a:stretch>
-        </p:blipFill>
-        <p:spPr>
-          <a:xfrm>
-            <a:off x="1154577" y="1186781"/>
-            <a:ext cx="7325270" cy="4411414"/>
-          </a:xfrm>
-          <a:prstGeom prst="rect">
-            <a:avLst/>
-          </a:prstGeom>
-        </p:spPr>
-      </p:pic>
-    </p:spTree>
-    <p:extLst>
-      <p:ext uri="{BB962C8B-B14F-4D97-AF65-F5344CB8AC3E}">
-        <p14:creationId xmlns:p14="http://schemas.microsoft.com/office/powerpoint/2010/main" val="863273908"/>
-      </p:ext>
-    </p:extLst>
-  </p:cSld>
-  <p:clrMapOvr>
-    <a:masterClrMapping/>
-  </p:clrMapOvr>
-</p:sld>
-</file>
-
-<file path=ppt/slides/slide13.xml><?xml version="1.0" encoding="utf-8"?>
-<p:sld xmlns:a="http://schemas.openxmlformats.org/drawingml/2006/main" xmlns:r="http://schemas.openxmlformats.org/officeDocument/2006/relationships" xmlns:p="http://schemas.openxmlformats.org/presentationml/2006/main">
-  <p:cSld>
-    <p:spTree>
-      <p:nvGrpSpPr>
-        <p:cNvPr id="1" name=""/>
-        <p:cNvGrpSpPr/>
-        <p:nvPr/>
-      </p:nvGrpSpPr>
-      <p:grpSpPr>
-        <a:xfrm>
-          <a:off x="0" y="0"/>
-          <a:ext cx="0" cy="0"/>
-          <a:chOff x="0" y="0"/>
-          <a:chExt cx="0" cy="0"/>
-        </a:xfrm>
-      </p:grpSpPr>
-      <p:sp>
-        <p:nvSpPr>
-          <p:cNvPr id="2" name="タイトル 1">
-            <a:extLst>
-              <a:ext uri="{FF2B5EF4-FFF2-40B4-BE49-F238E27FC236}">
-                <a16:creationId xmlns:a16="http://schemas.microsoft.com/office/drawing/2014/main" id="{23EE5B86-0C8D-4A71-A354-F0B14083D912}"/>
-              </a:ext>
-            </a:extLst>
-          </p:cNvPr>
-          <p:cNvSpPr>
-            <a:spLocks noGrp="1"/>
-          </p:cNvSpPr>
-          <p:nvPr>
-            <p:ph type="title"/>
-          </p:nvPr>
-        </p:nvSpPr>
-        <p:spPr/>
-        <p:txBody>
-          <a:bodyPr/>
-          <a:lstStyle/>
-          <a:p>
-            <a:endParaRPr kumimoji="1" lang="ja-JP" altLang="en-US"/>
-          </a:p>
-        </p:txBody>
-      </p:sp>
-      <p:sp>
-        <p:nvSpPr>
-          <p:cNvPr id="3" name="スライド番号プレースホルダー 2">
-            <a:extLst>
-              <a:ext uri="{FF2B5EF4-FFF2-40B4-BE49-F238E27FC236}">
-                <a16:creationId xmlns:a16="http://schemas.microsoft.com/office/drawing/2014/main" id="{6CF55D6A-41FB-48DA-9EDC-F91657CE2C83}"/>
-              </a:ext>
-            </a:extLst>
-          </p:cNvPr>
-          <p:cNvSpPr>
-            <a:spLocks noGrp="1"/>
-          </p:cNvSpPr>
-          <p:nvPr>
-            <p:ph type="sldNum" sz="quarter" idx="12"/>
-          </p:nvPr>
-        </p:nvSpPr>
-        <p:spPr/>
-        <p:txBody>
-          <a:bodyPr/>
-          <a:lstStyle/>
-          <a:p>
-            <a:fld id="{3AFE6E60-CD60-443C-BB33-38BE591B4EDC}" type="slidenum">
-              <a:rPr kumimoji="1" lang="ja-JP" altLang="en-US" smtClean="0"/>
-              <a:t>13</a:t>
-            </a:fld>
-            <a:endParaRPr kumimoji="1" lang="ja-JP" altLang="en-US"/>
-          </a:p>
-        </p:txBody>
-      </p:sp>
-      <p:pic>
-        <p:nvPicPr>
-          <p:cNvPr id="5" name="図 4">
-            <a:extLst>
-              <a:ext uri="{FF2B5EF4-FFF2-40B4-BE49-F238E27FC236}">
-                <a16:creationId xmlns:a16="http://schemas.microsoft.com/office/drawing/2014/main" id="{D1649A71-20BB-4956-9FAF-15CAB8C59875}"/>
-              </a:ext>
-            </a:extLst>
-          </p:cNvPr>
-          <p:cNvPicPr>
-            <a:picLocks noChangeAspect="1"/>
-          </p:cNvPicPr>
-          <p:nvPr/>
-        </p:nvPicPr>
-        <p:blipFill>
-          <a:blip r:embed="rId2"/>
-          <a:stretch>
-            <a:fillRect/>
-          </a:stretch>
-        </p:blipFill>
-        <p:spPr>
-          <a:xfrm>
-            <a:off x="166019" y="894996"/>
-            <a:ext cx="9573961" cy="5068007"/>
-          </a:xfrm>
-          <a:prstGeom prst="rect">
-            <a:avLst/>
-          </a:prstGeom>
-        </p:spPr>
-      </p:pic>
-    </p:spTree>
-    <p:extLst>
-      <p:ext uri="{BB962C8B-B14F-4D97-AF65-F5344CB8AC3E}">
-        <p14:creationId xmlns:p14="http://schemas.microsoft.com/office/powerpoint/2010/main" val="2468744294"/>
-      </p:ext>
-    </p:extLst>
-  </p:cSld>
-  <p:clrMapOvr>
-    <a:masterClrMapping/>
-  </p:clrMapOvr>
-</p:sld>
-</file>
-
-<file path=ppt/slides/slide14.xml><?xml version="1.0" encoding="utf-8"?>
-<p:sld xmlns:a="http://schemas.openxmlformats.org/drawingml/2006/main" xmlns:r="http://schemas.openxmlformats.org/officeDocument/2006/relationships" xmlns:p="http://schemas.openxmlformats.org/presentationml/2006/main">
-  <p:cSld>
-    <p:spTree>
-      <p:nvGrpSpPr>
-        <p:cNvPr id="1" name=""/>
-        <p:cNvGrpSpPr/>
-        <p:nvPr/>
-      </p:nvGrpSpPr>
-      <p:grpSpPr>
-        <a:xfrm>
-          <a:off x="0" y="0"/>
-          <a:ext cx="0" cy="0"/>
-          <a:chOff x="0" y="0"/>
-          <a:chExt cx="0" cy="0"/>
-        </a:xfrm>
-      </p:grpSpPr>
-      <p:sp>
-        <p:nvSpPr>
-          <p:cNvPr id="2" name="タイトル 1">
-            <a:extLst>
-              <a:ext uri="{FF2B5EF4-FFF2-40B4-BE49-F238E27FC236}">
-                <a16:creationId xmlns:a16="http://schemas.microsoft.com/office/drawing/2014/main" id="{23EE5B86-0C8D-4A71-A354-F0B14083D912}"/>
-              </a:ext>
-            </a:extLst>
-          </p:cNvPr>
-          <p:cNvSpPr>
-            <a:spLocks noGrp="1"/>
-          </p:cNvSpPr>
-          <p:nvPr>
-            <p:ph type="title"/>
-          </p:nvPr>
-        </p:nvSpPr>
-        <p:spPr/>
-        <p:txBody>
-          <a:bodyPr/>
-          <a:lstStyle/>
-          <a:p>
-            <a:endParaRPr kumimoji="1" lang="ja-JP" altLang="en-US"/>
-          </a:p>
-        </p:txBody>
-      </p:sp>
-      <p:sp>
-        <p:nvSpPr>
-          <p:cNvPr id="3" name="スライド番号プレースホルダー 2">
-            <a:extLst>
-              <a:ext uri="{FF2B5EF4-FFF2-40B4-BE49-F238E27FC236}">
-                <a16:creationId xmlns:a16="http://schemas.microsoft.com/office/drawing/2014/main" id="{6CF55D6A-41FB-48DA-9EDC-F91657CE2C83}"/>
-              </a:ext>
-            </a:extLst>
-          </p:cNvPr>
-          <p:cNvSpPr>
-            <a:spLocks noGrp="1"/>
-          </p:cNvSpPr>
-          <p:nvPr>
-            <p:ph type="sldNum" sz="quarter" idx="12"/>
-          </p:nvPr>
-        </p:nvSpPr>
-        <p:spPr/>
-        <p:txBody>
-          <a:bodyPr/>
-          <a:lstStyle/>
-          <a:p>
-            <a:fld id="{3AFE6E60-CD60-443C-BB33-38BE591B4EDC}" type="slidenum">
-              <a:rPr kumimoji="1" lang="ja-JP" altLang="en-US" smtClean="0"/>
-              <a:t>14</a:t>
-            </a:fld>
-            <a:endParaRPr kumimoji="1" lang="ja-JP" altLang="en-US"/>
-          </a:p>
-        </p:txBody>
-      </p:sp>
-      <p:pic>
-        <p:nvPicPr>
-          <p:cNvPr id="6" name="図 5">
-            <a:extLst>
-              <a:ext uri="{FF2B5EF4-FFF2-40B4-BE49-F238E27FC236}">
-                <a16:creationId xmlns:a16="http://schemas.microsoft.com/office/drawing/2014/main" id="{B83D2A61-D5EC-49AE-A10C-7A4FF71FAE32}"/>
-              </a:ext>
-            </a:extLst>
-          </p:cNvPr>
-          <p:cNvPicPr>
-            <a:picLocks noChangeAspect="1"/>
-          </p:cNvPicPr>
-          <p:nvPr/>
-        </p:nvPicPr>
-        <p:blipFill>
-          <a:blip r:embed="rId2"/>
-          <a:stretch>
-            <a:fillRect/>
-          </a:stretch>
-        </p:blipFill>
-        <p:spPr>
-          <a:xfrm>
-            <a:off x="1360025" y="987350"/>
-            <a:ext cx="6796634" cy="4538158"/>
-          </a:xfrm>
-          <a:prstGeom prst="rect">
-            <a:avLst/>
-          </a:prstGeom>
-        </p:spPr>
-      </p:pic>
-    </p:spTree>
-    <p:extLst>
-      <p:ext uri="{BB962C8B-B14F-4D97-AF65-F5344CB8AC3E}">
-        <p14:creationId xmlns:p14="http://schemas.microsoft.com/office/powerpoint/2010/main" val="2526388384"/>
-      </p:ext>
-    </p:extLst>
-  </p:cSld>
-  <p:clrMapOvr>
-    <a:masterClrMapping/>
-  </p:clrMapOvr>
-</p:sld>
-</file>
-
-<file path=ppt/slides/slide15.xml><?xml version="1.0" encoding="utf-8"?>
-<p:sld xmlns:a="http://schemas.openxmlformats.org/drawingml/2006/main" xmlns:r="http://schemas.openxmlformats.org/officeDocument/2006/relationships" xmlns:p="http://schemas.openxmlformats.org/presentationml/2006/main">
-  <p:cSld>
-    <p:spTree>
-      <p:nvGrpSpPr>
-        <p:cNvPr id="1" name=""/>
-        <p:cNvGrpSpPr/>
-        <p:nvPr/>
-      </p:nvGrpSpPr>
-      <p:grpSpPr>
-        <a:xfrm>
-          <a:off x="0" y="0"/>
-          <a:ext cx="0" cy="0"/>
-          <a:chOff x="0" y="0"/>
-          <a:chExt cx="0" cy="0"/>
-        </a:xfrm>
-      </p:grpSpPr>
-      <p:sp>
-        <p:nvSpPr>
-          <p:cNvPr id="2" name="タイトル 1">
-            <a:extLst>
-              <a:ext uri="{FF2B5EF4-FFF2-40B4-BE49-F238E27FC236}">
-                <a16:creationId xmlns:a16="http://schemas.microsoft.com/office/drawing/2014/main" id="{23EE5B86-0C8D-4A71-A354-F0B14083D912}"/>
-              </a:ext>
-            </a:extLst>
-          </p:cNvPr>
-          <p:cNvSpPr>
-            <a:spLocks noGrp="1"/>
-          </p:cNvSpPr>
-          <p:nvPr>
-            <p:ph type="title"/>
-          </p:nvPr>
-        </p:nvSpPr>
-        <p:spPr/>
-        <p:txBody>
-          <a:bodyPr/>
-          <a:lstStyle/>
-          <a:p>
-            <a:endParaRPr kumimoji="1" lang="ja-JP" altLang="en-US"/>
-          </a:p>
-        </p:txBody>
-      </p:sp>
-      <p:sp>
-        <p:nvSpPr>
-          <p:cNvPr id="3" name="スライド番号プレースホルダー 2">
-            <a:extLst>
-              <a:ext uri="{FF2B5EF4-FFF2-40B4-BE49-F238E27FC236}">
-                <a16:creationId xmlns:a16="http://schemas.microsoft.com/office/drawing/2014/main" id="{6CF55D6A-41FB-48DA-9EDC-F91657CE2C83}"/>
-              </a:ext>
-            </a:extLst>
-          </p:cNvPr>
-          <p:cNvSpPr>
-            <a:spLocks noGrp="1"/>
-          </p:cNvSpPr>
-          <p:nvPr>
-            <p:ph type="sldNum" sz="quarter" idx="12"/>
-          </p:nvPr>
-        </p:nvSpPr>
-        <p:spPr/>
-        <p:txBody>
-          <a:bodyPr/>
-          <a:lstStyle/>
-          <a:p>
-            <a:fld id="{3AFE6E60-CD60-443C-BB33-38BE591B4EDC}" type="slidenum">
-              <a:rPr kumimoji="1" lang="ja-JP" altLang="en-US" smtClean="0"/>
-              <a:t>15</a:t>
-            </a:fld>
-            <a:endParaRPr kumimoji="1" lang="ja-JP" altLang="en-US"/>
-          </a:p>
-        </p:txBody>
-      </p:sp>
-      <p:pic>
-        <p:nvPicPr>
-          <p:cNvPr id="5" name="図 4">
-            <a:extLst>
-              <a:ext uri="{FF2B5EF4-FFF2-40B4-BE49-F238E27FC236}">
-                <a16:creationId xmlns:a16="http://schemas.microsoft.com/office/drawing/2014/main" id="{59B66DAB-4874-4ACF-81B7-3E13A94BFFE6}"/>
-              </a:ext>
-            </a:extLst>
-          </p:cNvPr>
-          <p:cNvPicPr>
-            <a:picLocks noChangeAspect="1"/>
-          </p:cNvPicPr>
-          <p:nvPr/>
-        </p:nvPicPr>
-        <p:blipFill>
-          <a:blip r:embed="rId2"/>
-          <a:stretch>
-            <a:fillRect/>
-          </a:stretch>
-        </p:blipFill>
-        <p:spPr>
-          <a:xfrm>
-            <a:off x="2320329" y="0"/>
-            <a:ext cx="5265342" cy="6858000"/>
-          </a:xfrm>
-          <a:prstGeom prst="rect">
-            <a:avLst/>
-          </a:prstGeom>
-        </p:spPr>
-      </p:pic>
-    </p:spTree>
-    <p:extLst>
-      <p:ext uri="{BB962C8B-B14F-4D97-AF65-F5344CB8AC3E}">
-        <p14:creationId xmlns:p14="http://schemas.microsoft.com/office/powerpoint/2010/main" val="1487863018"/>
-      </p:ext>
-    </p:extLst>
-  </p:cSld>
-  <p:clrMapOvr>
-    <a:masterClrMapping/>
-  </p:clrMapOvr>
-</p:sld>
-</file>
-
-<file path=ppt/slides/slide16.xml><?xml version="1.0" encoding="utf-8"?>
-<p:sld xmlns:a="http://schemas.openxmlformats.org/drawingml/2006/main" xmlns:r="http://schemas.openxmlformats.org/officeDocument/2006/relationships" xmlns:p="http://schemas.openxmlformats.org/presentationml/2006/main">
-  <p:cSld>
-    <p:spTree>
-      <p:nvGrpSpPr>
-        <p:cNvPr id="1" name=""/>
-        <p:cNvGrpSpPr/>
-        <p:nvPr/>
-      </p:nvGrpSpPr>
-      <p:grpSpPr>
-        <a:xfrm>
-          <a:off x="0" y="0"/>
-          <a:ext cx="0" cy="0"/>
-          <a:chOff x="0" y="0"/>
-          <a:chExt cx="0" cy="0"/>
-        </a:xfrm>
-      </p:grpSpPr>
-      <p:sp>
-        <p:nvSpPr>
-          <p:cNvPr id="2" name="タイトル 1">
-            <a:extLst>
-              <a:ext uri="{FF2B5EF4-FFF2-40B4-BE49-F238E27FC236}">
-                <a16:creationId xmlns:a16="http://schemas.microsoft.com/office/drawing/2014/main" id="{23EE5B86-0C8D-4A71-A354-F0B14083D912}"/>
-              </a:ext>
-            </a:extLst>
-          </p:cNvPr>
-          <p:cNvSpPr>
-            <a:spLocks noGrp="1"/>
-          </p:cNvSpPr>
-          <p:nvPr>
-            <p:ph type="title"/>
-          </p:nvPr>
-        </p:nvSpPr>
-        <p:spPr/>
-        <p:txBody>
-          <a:bodyPr/>
-          <a:lstStyle/>
-          <a:p>
-            <a:endParaRPr kumimoji="1" lang="ja-JP" altLang="en-US"/>
-          </a:p>
-        </p:txBody>
-      </p:sp>
-      <p:sp>
-        <p:nvSpPr>
-          <p:cNvPr id="3" name="スライド番号プレースホルダー 2">
-            <a:extLst>
-              <a:ext uri="{FF2B5EF4-FFF2-40B4-BE49-F238E27FC236}">
-                <a16:creationId xmlns:a16="http://schemas.microsoft.com/office/drawing/2014/main" id="{6CF55D6A-41FB-48DA-9EDC-F91657CE2C83}"/>
-              </a:ext>
-            </a:extLst>
-          </p:cNvPr>
-          <p:cNvSpPr>
-            <a:spLocks noGrp="1"/>
-          </p:cNvSpPr>
-          <p:nvPr>
-            <p:ph type="sldNum" sz="quarter" idx="12"/>
-          </p:nvPr>
-        </p:nvSpPr>
-        <p:spPr/>
-        <p:txBody>
-          <a:bodyPr/>
-          <a:lstStyle/>
-          <a:p>
-            <a:fld id="{3AFE6E60-CD60-443C-BB33-38BE591B4EDC}" type="slidenum">
-              <a:rPr kumimoji="1" lang="ja-JP" altLang="en-US" smtClean="0"/>
-              <a:t>16</a:t>
-            </a:fld>
-            <a:endParaRPr kumimoji="1" lang="ja-JP" altLang="en-US"/>
-          </a:p>
-        </p:txBody>
-      </p:sp>
-      <p:pic>
-        <p:nvPicPr>
-          <p:cNvPr id="6" name="図 5">
-            <a:extLst>
-              <a:ext uri="{FF2B5EF4-FFF2-40B4-BE49-F238E27FC236}">
-                <a16:creationId xmlns:a16="http://schemas.microsoft.com/office/drawing/2014/main" id="{2F050567-5817-4B5B-BE9A-C41FD693782D}"/>
-              </a:ext>
-            </a:extLst>
-          </p:cNvPr>
-          <p:cNvPicPr>
-            <a:picLocks noChangeAspect="1"/>
-          </p:cNvPicPr>
-          <p:nvPr/>
-        </p:nvPicPr>
-        <p:blipFill>
-          <a:blip r:embed="rId2"/>
-          <a:stretch>
-            <a:fillRect/>
-          </a:stretch>
-        </p:blipFill>
-        <p:spPr>
-          <a:xfrm>
-            <a:off x="681037" y="238911"/>
-            <a:ext cx="8218630" cy="5253276"/>
-          </a:xfrm>
-          <a:prstGeom prst="rect">
-            <a:avLst/>
-          </a:prstGeom>
-        </p:spPr>
-      </p:pic>
-      <p:sp>
-        <p:nvSpPr>
-          <p:cNvPr id="7" name="正方形/長方形 6">
-            <a:extLst>
-              <a:ext uri="{FF2B5EF4-FFF2-40B4-BE49-F238E27FC236}">
-                <a16:creationId xmlns:a16="http://schemas.microsoft.com/office/drawing/2014/main" id="{BAAF6D8F-4736-4B87-B47C-B19EB88A0D40}"/>
-              </a:ext>
-            </a:extLst>
-          </p:cNvPr>
-          <p:cNvSpPr/>
-          <p:nvPr/>
-        </p:nvSpPr>
-        <p:spPr>
-          <a:xfrm>
-            <a:off x="1082231" y="3180925"/>
-            <a:ext cx="7430947" cy="1325563"/>
-          </a:xfrm>
-          <a:prstGeom prst="rect">
-            <a:avLst/>
-          </a:prstGeom>
-          <a:noFill/>
-          <a:ln w="57150">
-            <a:solidFill>
-              <a:srgbClr val="FF0000"/>
-            </a:solidFill>
-          </a:ln>
-        </p:spPr>
-        <p:style>
-          <a:lnRef idx="2">
-            <a:schemeClr val="accent1">
-              <a:shade val="50000"/>
-            </a:schemeClr>
-          </a:lnRef>
-          <a:fillRef idx="1">
-            <a:schemeClr val="accent1"/>
-          </a:fillRef>
-          <a:effectRef idx="0">
-            <a:schemeClr val="accent1"/>
-          </a:effectRef>
-          <a:fontRef idx="minor">
-            <a:schemeClr val="lt1"/>
-          </a:fontRef>
-        </p:style>
-        <p:txBody>
-          <a:bodyPr rtlCol="0" anchor="ctr"/>
-          <a:lstStyle/>
-          <a:p>
-            <a:pPr algn="ctr"/>
-            <a:endParaRPr kumimoji="1" lang="ja-JP" altLang="en-US"/>
-          </a:p>
-        </p:txBody>
-      </p:sp>
-      <p:sp>
-        <p:nvSpPr>
-          <p:cNvPr id="9" name="正方形/長方形 8">
-            <a:extLst>
-              <a:ext uri="{FF2B5EF4-FFF2-40B4-BE49-F238E27FC236}">
-                <a16:creationId xmlns:a16="http://schemas.microsoft.com/office/drawing/2014/main" id="{6071F49B-E2A9-43C4-94F5-B5C9EE27F4AF}"/>
-              </a:ext>
-            </a:extLst>
-          </p:cNvPr>
-          <p:cNvSpPr/>
-          <p:nvPr/>
-        </p:nvSpPr>
-        <p:spPr>
-          <a:xfrm>
-            <a:off x="1851949" y="5370653"/>
-            <a:ext cx="5891513" cy="1452885"/>
-          </a:xfrm>
-          <a:prstGeom prst="rect">
-            <a:avLst/>
-          </a:prstGeom>
-        </p:spPr>
-        <p:style>
-          <a:lnRef idx="2">
-            <a:schemeClr val="accent1">
-              <a:shade val="50000"/>
-            </a:schemeClr>
-          </a:lnRef>
-          <a:fillRef idx="1">
-            <a:schemeClr val="accent1"/>
-          </a:fillRef>
-          <a:effectRef idx="0">
-            <a:schemeClr val="accent1"/>
-          </a:effectRef>
-          <a:fontRef idx="minor">
-            <a:schemeClr val="lt1"/>
-          </a:fontRef>
-        </p:style>
-        <p:txBody>
-          <a:bodyPr rtlCol="0" anchor="ctr"/>
-          <a:lstStyle/>
-          <a:p>
-            <a:pPr algn="ctr"/>
-            <a:r>
-              <a:rPr kumimoji="1" lang="en-US" altLang="ja-JP" sz="1400" dirty="0"/>
-              <a:t>50</a:t>
-            </a:r>
-            <a:r>
-              <a:rPr kumimoji="1" lang="ja-JP" altLang="en-US" sz="1400" dirty="0"/>
-              <a:t>代以上などの高齢者の学習時間が長い</a:t>
-            </a:r>
-            <a:endParaRPr kumimoji="1" lang="en-US" altLang="ja-JP" sz="1400" dirty="0"/>
-          </a:p>
-          <a:p>
-            <a:pPr algn="ctr"/>
-            <a:r>
-              <a:rPr kumimoji="1" lang="ja-JP" altLang="en-US" sz="1400" dirty="0"/>
-              <a:t>彼ら向けのサービスもあまりないのでは？</a:t>
-            </a:r>
-            <a:endParaRPr kumimoji="1" lang="en-US" altLang="ja-JP" sz="1400" dirty="0"/>
-          </a:p>
-          <a:p>
-            <a:pPr algn="ctr"/>
-            <a:r>
-              <a:rPr kumimoji="1" lang="ja-JP" altLang="en-US" sz="1400" dirty="0"/>
-              <a:t>デザイン・コンセプトを彼ら向けにする？</a:t>
-            </a:r>
-            <a:endParaRPr kumimoji="1" lang="en-US" altLang="ja-JP" sz="1400" dirty="0"/>
-          </a:p>
-          <a:p>
-            <a:pPr algn="ctr"/>
-            <a:r>
-              <a:rPr kumimoji="1" lang="ja-JP" altLang="en-US" sz="1400" dirty="0"/>
-              <a:t>絶対数は？やる気ある人が残るだけでは？</a:t>
-            </a:r>
-            <a:endParaRPr kumimoji="1" lang="en-US" altLang="ja-JP" sz="1400" dirty="0"/>
-          </a:p>
-          <a:p>
-            <a:pPr algn="ctr"/>
-            <a:r>
-              <a:rPr kumimoji="1" lang="ja-JP" altLang="en-US" sz="1400" dirty="0"/>
-              <a:t>→彼らの学習手段を調べる</a:t>
-            </a:r>
-            <a:endParaRPr kumimoji="1" lang="en-US" altLang="ja-JP" sz="1400" dirty="0"/>
-          </a:p>
-          <a:p>
-            <a:pPr algn="ctr"/>
-            <a:r>
-              <a:rPr kumimoji="1" lang="ja-JP" altLang="en-US" sz="1400" dirty="0"/>
-              <a:t>　お金があるから教室か？</a:t>
-            </a:r>
-            <a:endParaRPr kumimoji="1" lang="en-US" altLang="ja-JP" sz="1400" dirty="0"/>
-          </a:p>
-        </p:txBody>
-      </p:sp>
-    </p:spTree>
-    <p:extLst>
-      <p:ext uri="{BB962C8B-B14F-4D97-AF65-F5344CB8AC3E}">
-        <p14:creationId xmlns:p14="http://schemas.microsoft.com/office/powerpoint/2010/main" val="1941692073"/>
-      </p:ext>
-    </p:extLst>
-  </p:cSld>
-  <p:clrMapOvr>
-    <a:masterClrMapping/>
-  </p:clrMapOvr>
-</p:sld>
-</file>
-
-<file path=ppt/slides/slide17.xml><?xml version="1.0" encoding="utf-8"?>
-<p:sld xmlns:a="http://schemas.openxmlformats.org/drawingml/2006/main" xmlns:r="http://schemas.openxmlformats.org/officeDocument/2006/relationships" xmlns:p="http://schemas.openxmlformats.org/presentationml/2006/main">
-  <p:cSld>
-    <p:spTree>
-      <p:nvGrpSpPr>
-        <p:cNvPr id="1" name=""/>
-        <p:cNvGrpSpPr/>
-        <p:nvPr/>
-      </p:nvGrpSpPr>
-      <p:grpSpPr>
-        <a:xfrm>
-          <a:off x="0" y="0"/>
-          <a:ext cx="0" cy="0"/>
-          <a:chOff x="0" y="0"/>
-          <a:chExt cx="0" cy="0"/>
-        </a:xfrm>
-      </p:grpSpPr>
-      <p:sp>
-        <p:nvSpPr>
-          <p:cNvPr id="2" name="タイトル 1">
-            <a:extLst>
-              <a:ext uri="{FF2B5EF4-FFF2-40B4-BE49-F238E27FC236}">
-                <a16:creationId xmlns:a16="http://schemas.microsoft.com/office/drawing/2014/main" id="{AEF36D3C-7AA9-4E89-8B74-B086C558CCE1}"/>
-              </a:ext>
-            </a:extLst>
-          </p:cNvPr>
-          <p:cNvSpPr>
-            <a:spLocks noGrp="1"/>
-          </p:cNvSpPr>
-          <p:nvPr>
-            <p:ph type="title"/>
-          </p:nvPr>
-        </p:nvSpPr>
-        <p:spPr/>
-        <p:txBody>
-          <a:bodyPr/>
-          <a:lstStyle/>
-          <a:p>
-            <a:endParaRPr kumimoji="1" lang="ja-JP" altLang="en-US" dirty="0"/>
-          </a:p>
-        </p:txBody>
-      </p:sp>
-      <p:sp>
-        <p:nvSpPr>
-          <p:cNvPr id="3" name="スライド番号プレースホルダー 2">
-            <a:extLst>
-              <a:ext uri="{FF2B5EF4-FFF2-40B4-BE49-F238E27FC236}">
-                <a16:creationId xmlns:a16="http://schemas.microsoft.com/office/drawing/2014/main" id="{AFB266DB-E712-4804-A2D0-286CB061F1E2}"/>
-              </a:ext>
-            </a:extLst>
-          </p:cNvPr>
-          <p:cNvSpPr>
-            <a:spLocks noGrp="1"/>
-          </p:cNvSpPr>
-          <p:nvPr>
-            <p:ph type="sldNum" sz="quarter" idx="12"/>
-          </p:nvPr>
-        </p:nvSpPr>
-        <p:spPr/>
-        <p:txBody>
-          <a:bodyPr/>
-          <a:lstStyle/>
-          <a:p>
-            <a:fld id="{3AFE6E60-CD60-443C-BB33-38BE591B4EDC}" type="slidenum">
-              <a:rPr kumimoji="1" lang="ja-JP" altLang="en-US" smtClean="0"/>
-              <a:t>17</a:t>
-            </a:fld>
-            <a:endParaRPr kumimoji="1" lang="ja-JP" altLang="en-US"/>
-          </a:p>
-        </p:txBody>
-      </p:sp>
-      <p:pic>
-        <p:nvPicPr>
-          <p:cNvPr id="5" name="図 4">
-            <a:extLst>
-              <a:ext uri="{FF2B5EF4-FFF2-40B4-BE49-F238E27FC236}">
-                <a16:creationId xmlns:a16="http://schemas.microsoft.com/office/drawing/2014/main" id="{F4135AB4-AFFA-4384-A991-318F6D7761FE}"/>
-              </a:ext>
-            </a:extLst>
-          </p:cNvPr>
-          <p:cNvPicPr>
-            <a:picLocks noChangeAspect="1"/>
-          </p:cNvPicPr>
-          <p:nvPr/>
-        </p:nvPicPr>
-        <p:blipFill>
-          <a:blip r:embed="rId2"/>
-          <a:stretch>
-            <a:fillRect/>
-          </a:stretch>
-        </p:blipFill>
-        <p:spPr>
-          <a:xfrm>
-            <a:off x="1276703" y="1591519"/>
-            <a:ext cx="6660712" cy="4630691"/>
-          </a:xfrm>
-          <a:prstGeom prst="rect">
-            <a:avLst/>
-          </a:prstGeom>
-        </p:spPr>
-      </p:pic>
-      <p:sp>
-        <p:nvSpPr>
-          <p:cNvPr id="6" name="正方形/長方形 5">
-            <a:extLst>
-              <a:ext uri="{FF2B5EF4-FFF2-40B4-BE49-F238E27FC236}">
-                <a16:creationId xmlns:a16="http://schemas.microsoft.com/office/drawing/2014/main" id="{D0E2A509-B5EA-482B-B717-0DD04A0BA037}"/>
-              </a:ext>
-            </a:extLst>
-          </p:cNvPr>
-          <p:cNvSpPr/>
-          <p:nvPr/>
-        </p:nvSpPr>
-        <p:spPr>
-          <a:xfrm>
-            <a:off x="2019781" y="521123"/>
-            <a:ext cx="4242122" cy="914400"/>
-          </a:xfrm>
-          <a:prstGeom prst="rect">
-            <a:avLst/>
-          </a:prstGeom>
-        </p:spPr>
-        <p:style>
-          <a:lnRef idx="2">
-            <a:schemeClr val="accent1">
-              <a:shade val="50000"/>
-            </a:schemeClr>
-          </a:lnRef>
-          <a:fillRef idx="1">
-            <a:schemeClr val="accent1"/>
-          </a:fillRef>
-          <a:effectRef idx="0">
-            <a:schemeClr val="accent1"/>
-          </a:effectRef>
-          <a:fontRef idx="minor">
-            <a:schemeClr val="lt1"/>
-          </a:fontRef>
-        </p:style>
-        <p:txBody>
-          <a:bodyPr rtlCol="0" anchor="ctr"/>
-          <a:lstStyle/>
-          <a:p>
-            <a:pPr algn="ctr"/>
-            <a:r>
-              <a:rPr lang="en-US" altLang="ja-JP" b="1" i="0" dirty="0">
-                <a:solidFill>
-                  <a:schemeClr val="bg1"/>
-                </a:solidFill>
-                <a:effectLst/>
-                <a:latin typeface="Hiragino Kaku Gothic ProN"/>
-              </a:rPr>
-              <a:t>25</a:t>
-            </a:r>
-            <a:r>
-              <a:rPr lang="ja-JP" altLang="en-US" b="1" i="0" dirty="0">
-                <a:solidFill>
-                  <a:schemeClr val="bg1"/>
-                </a:solidFill>
-                <a:effectLst/>
-                <a:latin typeface="Hiragino Kaku Gothic ProN"/>
-              </a:rPr>
-              <a:t>歳～</a:t>
-            </a:r>
-            <a:r>
-              <a:rPr lang="en-US" altLang="ja-JP" b="1" i="0" dirty="0">
-                <a:solidFill>
-                  <a:schemeClr val="bg1"/>
-                </a:solidFill>
-                <a:effectLst/>
-                <a:latin typeface="Hiragino Kaku Gothic ProN"/>
-              </a:rPr>
-              <a:t>35</a:t>
-            </a:r>
-            <a:r>
-              <a:rPr lang="ja-JP" altLang="en-US" b="1" i="0" dirty="0">
-                <a:solidFill>
-                  <a:schemeClr val="bg1"/>
-                </a:solidFill>
-                <a:effectLst/>
-                <a:latin typeface="Hiragino Kaku Gothic ProN"/>
-              </a:rPr>
-              <a:t>歳の男女ビジネスパーソンを対象に実施</a:t>
-            </a:r>
-            <a:r>
-              <a:rPr lang="en-US" altLang="ja-JP" b="1" i="0" dirty="0">
-                <a:solidFill>
-                  <a:schemeClr val="bg1"/>
-                </a:solidFill>
-                <a:effectLst/>
-                <a:latin typeface="Hiragino Kaku Gothic ProN"/>
-              </a:rPr>
-              <a:t>-</a:t>
-            </a:r>
-            <a:endParaRPr kumimoji="1" lang="en-US" altLang="ja-JP" b="1" i="0" dirty="0">
-              <a:solidFill>
-                <a:schemeClr val="bg1"/>
-              </a:solidFill>
-              <a:effectLst/>
-              <a:latin typeface="Hiragino Kaku Gothic ProN"/>
-            </a:endParaRPr>
-          </a:p>
-          <a:p>
-            <a:pPr algn="ctr"/>
-            <a:r>
-              <a:rPr kumimoji="1" lang="ja-JP" altLang="en-US" b="1" dirty="0">
-                <a:solidFill>
-                  <a:schemeClr val="bg1"/>
-                </a:solidFill>
-                <a:latin typeface="Hiragino Kaku Gothic ProN"/>
-              </a:rPr>
-              <a:t>→英語学習者に絞っていない？</a:t>
-            </a:r>
-            <a:endParaRPr lang="en-US" altLang="ja-JP" b="1" i="0" dirty="0">
-              <a:solidFill>
-                <a:schemeClr val="bg1"/>
-              </a:solidFill>
-              <a:effectLst/>
-              <a:latin typeface="Hiragino Kaku Gothic ProN"/>
-            </a:endParaRPr>
-          </a:p>
-        </p:txBody>
-      </p:sp>
-    </p:spTree>
-    <p:extLst>
-      <p:ext uri="{BB962C8B-B14F-4D97-AF65-F5344CB8AC3E}">
-        <p14:creationId xmlns:p14="http://schemas.microsoft.com/office/powerpoint/2010/main" val="3874540755"/>
-      </p:ext>
-    </p:extLst>
-  </p:cSld>
-  <p:clrMapOvr>
-    <a:masterClrMapping/>
-  </p:clrMapOvr>
-</p:sld>
-</file>
-
-<file path=ppt/slides/slide18.xml><?xml version="1.0" encoding="utf-8"?>
-<p:sld xmlns:a="http://schemas.openxmlformats.org/drawingml/2006/main" xmlns:r="http://schemas.openxmlformats.org/officeDocument/2006/relationships" xmlns:p="http://schemas.openxmlformats.org/presentationml/2006/main">
-  <p:cSld>
-    <p:spTree>
-      <p:nvGrpSpPr>
-        <p:cNvPr id="1" name=""/>
-        <p:cNvGrpSpPr/>
-        <p:nvPr/>
-      </p:nvGrpSpPr>
-      <p:grpSpPr>
-        <a:xfrm>
-          <a:off x="0" y="0"/>
-          <a:ext cx="0" cy="0"/>
-          <a:chOff x="0" y="0"/>
-          <a:chExt cx="0" cy="0"/>
-        </a:xfrm>
-      </p:grpSpPr>
-      <p:sp>
-        <p:nvSpPr>
-          <p:cNvPr id="2" name="タイトル 1">
-            <a:extLst>
-              <a:ext uri="{FF2B5EF4-FFF2-40B4-BE49-F238E27FC236}">
-                <a16:creationId xmlns:a16="http://schemas.microsoft.com/office/drawing/2014/main" id="{13401DD0-A269-4AE6-890B-111234C62C06}"/>
-              </a:ext>
-            </a:extLst>
-          </p:cNvPr>
-          <p:cNvSpPr>
-            <a:spLocks noGrp="1"/>
-          </p:cNvSpPr>
-          <p:nvPr>
-            <p:ph type="title"/>
-          </p:nvPr>
-        </p:nvSpPr>
-        <p:spPr/>
-        <p:txBody>
-          <a:bodyPr/>
-          <a:lstStyle/>
-          <a:p>
-            <a:endParaRPr kumimoji="1" lang="ja-JP" altLang="en-US"/>
-          </a:p>
-        </p:txBody>
-      </p:sp>
-      <p:sp>
-        <p:nvSpPr>
-          <p:cNvPr id="3" name="スライド番号プレースホルダー 2">
-            <a:extLst>
-              <a:ext uri="{FF2B5EF4-FFF2-40B4-BE49-F238E27FC236}">
-                <a16:creationId xmlns:a16="http://schemas.microsoft.com/office/drawing/2014/main" id="{56EE8330-CE31-456D-9C41-FFE04E75D6D1}"/>
-              </a:ext>
-            </a:extLst>
-          </p:cNvPr>
-          <p:cNvSpPr>
-            <a:spLocks noGrp="1"/>
-          </p:cNvSpPr>
-          <p:nvPr>
-            <p:ph type="sldNum" sz="quarter" idx="12"/>
-          </p:nvPr>
-        </p:nvSpPr>
-        <p:spPr/>
-        <p:txBody>
-          <a:bodyPr/>
-          <a:lstStyle/>
-          <a:p>
-            <a:fld id="{3AFE6E60-CD60-443C-BB33-38BE591B4EDC}" type="slidenum">
-              <a:rPr kumimoji="1" lang="ja-JP" altLang="en-US" smtClean="0"/>
-              <a:t>18</a:t>
-            </a:fld>
-            <a:endParaRPr kumimoji="1" lang="ja-JP" altLang="en-US"/>
-          </a:p>
-        </p:txBody>
-      </p:sp>
-      <p:pic>
-        <p:nvPicPr>
-          <p:cNvPr id="5" name="図 4">
-            <a:extLst>
-              <a:ext uri="{FF2B5EF4-FFF2-40B4-BE49-F238E27FC236}">
-                <a16:creationId xmlns:a16="http://schemas.microsoft.com/office/drawing/2014/main" id="{3DF755C5-5F60-43E1-98C0-B2E418B6E295}"/>
-              </a:ext>
-            </a:extLst>
-          </p:cNvPr>
-          <p:cNvPicPr>
-            <a:picLocks noChangeAspect="1"/>
-          </p:cNvPicPr>
-          <p:nvPr/>
-        </p:nvPicPr>
-        <p:blipFill>
-          <a:blip r:embed="rId2"/>
-          <a:stretch>
-            <a:fillRect/>
-          </a:stretch>
-        </p:blipFill>
-        <p:spPr>
-          <a:xfrm>
-            <a:off x="608504" y="547574"/>
-            <a:ext cx="8160373" cy="5762852"/>
-          </a:xfrm>
-          <a:prstGeom prst="rect">
-            <a:avLst/>
-          </a:prstGeom>
-        </p:spPr>
-      </p:pic>
-    </p:spTree>
-    <p:extLst>
-      <p:ext uri="{BB962C8B-B14F-4D97-AF65-F5344CB8AC3E}">
-        <p14:creationId xmlns:p14="http://schemas.microsoft.com/office/powerpoint/2010/main" val="2281072191"/>
-      </p:ext>
-    </p:extLst>
-  </p:cSld>
-  <p:clrMapOvr>
-    <a:masterClrMapping/>
-  </p:clrMapOvr>
-</p:sld>
-</file>
-
-<file path=ppt/slides/slide19.xml><?xml version="1.0" encoding="utf-8"?>
-<p:sld xmlns:a="http://schemas.openxmlformats.org/drawingml/2006/main" xmlns:r="http://schemas.openxmlformats.org/officeDocument/2006/relationships" xmlns:p="http://schemas.openxmlformats.org/presentationml/2006/main">
-  <p:cSld>
-    <p:spTree>
-      <p:nvGrpSpPr>
-        <p:cNvPr id="1" name=""/>
-        <p:cNvGrpSpPr/>
-        <p:nvPr/>
-      </p:nvGrpSpPr>
-      <p:grpSpPr>
-        <a:xfrm>
-          <a:off x="0" y="0"/>
-          <a:ext cx="0" cy="0"/>
-          <a:chOff x="0" y="0"/>
-          <a:chExt cx="0" cy="0"/>
-        </a:xfrm>
-      </p:grpSpPr>
-      <p:sp>
-        <p:nvSpPr>
-          <p:cNvPr id="2" name="タイトル 1">
-            <a:extLst>
-              <a:ext uri="{FF2B5EF4-FFF2-40B4-BE49-F238E27FC236}">
-                <a16:creationId xmlns:a16="http://schemas.microsoft.com/office/drawing/2014/main" id="{ABF7F9F3-53B8-42C5-9DF4-6147340A652F}"/>
-              </a:ext>
-            </a:extLst>
-          </p:cNvPr>
-          <p:cNvSpPr>
-            <a:spLocks noGrp="1"/>
-          </p:cNvSpPr>
-          <p:nvPr>
-            <p:ph type="title"/>
-          </p:nvPr>
-        </p:nvSpPr>
-        <p:spPr/>
-        <p:txBody>
-          <a:bodyPr/>
-          <a:lstStyle/>
-          <a:p>
-            <a:endParaRPr kumimoji="1" lang="ja-JP" altLang="en-US"/>
-          </a:p>
-        </p:txBody>
-      </p:sp>
-      <p:sp>
-        <p:nvSpPr>
-          <p:cNvPr id="3" name="スライド番号プレースホルダー 2">
-            <a:extLst>
-              <a:ext uri="{FF2B5EF4-FFF2-40B4-BE49-F238E27FC236}">
-                <a16:creationId xmlns:a16="http://schemas.microsoft.com/office/drawing/2014/main" id="{6DFFBFE7-CAAC-48AC-A823-9CA07B0A7F8B}"/>
-              </a:ext>
-            </a:extLst>
-          </p:cNvPr>
-          <p:cNvSpPr>
-            <a:spLocks noGrp="1"/>
-          </p:cNvSpPr>
-          <p:nvPr>
-            <p:ph type="sldNum" sz="quarter" idx="12"/>
-          </p:nvPr>
-        </p:nvSpPr>
-        <p:spPr/>
-        <p:txBody>
-          <a:bodyPr/>
-          <a:lstStyle/>
-          <a:p>
-            <a:fld id="{3AFE6E60-CD60-443C-BB33-38BE591B4EDC}" type="slidenum">
-              <a:rPr kumimoji="1" lang="ja-JP" altLang="en-US" smtClean="0"/>
-              <a:t>19</a:t>
-            </a:fld>
-            <a:endParaRPr kumimoji="1" lang="ja-JP" altLang="en-US"/>
-          </a:p>
-        </p:txBody>
-      </p:sp>
-      <p:pic>
-        <p:nvPicPr>
-          <p:cNvPr id="6" name="図 5">
-            <a:extLst>
-              <a:ext uri="{FF2B5EF4-FFF2-40B4-BE49-F238E27FC236}">
-                <a16:creationId xmlns:a16="http://schemas.microsoft.com/office/drawing/2014/main" id="{50A016E4-F041-4388-8347-0A587D10982F}"/>
-              </a:ext>
-            </a:extLst>
-          </p:cNvPr>
-          <p:cNvPicPr>
-            <a:picLocks noChangeAspect="1"/>
-          </p:cNvPicPr>
-          <p:nvPr/>
-        </p:nvPicPr>
-        <p:blipFill>
-          <a:blip r:embed="rId2"/>
-          <a:stretch>
-            <a:fillRect/>
-          </a:stretch>
-        </p:blipFill>
-        <p:spPr>
-          <a:xfrm>
-            <a:off x="1529827" y="467905"/>
-            <a:ext cx="6325483" cy="2924583"/>
-          </a:xfrm>
-          <a:prstGeom prst="rect">
-            <a:avLst/>
-          </a:prstGeom>
-        </p:spPr>
-      </p:pic>
-      <p:pic>
-        <p:nvPicPr>
-          <p:cNvPr id="8" name="図 7">
-            <a:extLst>
-              <a:ext uri="{FF2B5EF4-FFF2-40B4-BE49-F238E27FC236}">
-                <a16:creationId xmlns:a16="http://schemas.microsoft.com/office/drawing/2014/main" id="{ECF82D03-1E70-4787-AD8B-9F6E9185AB9A}"/>
-              </a:ext>
-            </a:extLst>
-          </p:cNvPr>
-          <p:cNvPicPr>
-            <a:picLocks noChangeAspect="1"/>
-          </p:cNvPicPr>
-          <p:nvPr/>
-        </p:nvPicPr>
-        <p:blipFill>
-          <a:blip r:embed="rId3"/>
-          <a:stretch>
-            <a:fillRect/>
-          </a:stretch>
-        </p:blipFill>
-        <p:spPr>
-          <a:xfrm>
-            <a:off x="1615563" y="3257433"/>
-            <a:ext cx="6154009" cy="3410426"/>
-          </a:xfrm>
-          <a:prstGeom prst="rect">
-            <a:avLst/>
-          </a:prstGeom>
-        </p:spPr>
-      </p:pic>
-    </p:spTree>
-    <p:extLst>
-      <p:ext uri="{BB962C8B-B14F-4D97-AF65-F5344CB8AC3E}">
-        <p14:creationId xmlns:p14="http://schemas.microsoft.com/office/powerpoint/2010/main" val="2850653201"/>
-      </p:ext>
-    </p:extLst>
-  </p:cSld>
-  <p:clrMapOvr>
-    <a:masterClrMapping/>
-  </p:clrMapOvr>
-</p:sld>
-</file>
-
-<file path=ppt/slides/slide2.xml><?xml version="1.0" encoding="utf-8"?>
-<p:sld xmlns:a="http://schemas.openxmlformats.org/drawingml/2006/main" xmlns:r="http://schemas.openxmlformats.org/officeDocument/2006/relationships" xmlns:p="http://schemas.openxmlformats.org/presentationml/2006/main">
-  <p:cSld>
-    <p:spTree>
-      <p:nvGrpSpPr>
-        <p:cNvPr id="1" name=""/>
-        <p:cNvGrpSpPr/>
-        <p:nvPr/>
-      </p:nvGrpSpPr>
-      <p:grpSpPr>
-        <a:xfrm>
-          <a:off x="0" y="0"/>
-          <a:ext cx="0" cy="0"/>
-          <a:chOff x="0" y="0"/>
-          <a:chExt cx="0" cy="0"/>
-        </a:xfrm>
-      </p:grpSpPr>
-      <p:sp>
-        <p:nvSpPr>
-          <p:cNvPr id="2" name="タイトル 1">
-            <a:extLst>
-              <a:ext uri="{FF2B5EF4-FFF2-40B4-BE49-F238E27FC236}">
-                <a16:creationId xmlns:a16="http://schemas.microsoft.com/office/drawing/2014/main" id="{C11D935B-1BCE-4F05-BD7B-727BCFAD598A}"/>
-              </a:ext>
-            </a:extLst>
-          </p:cNvPr>
-          <p:cNvSpPr>
-            <a:spLocks noGrp="1"/>
-          </p:cNvSpPr>
-          <p:nvPr>
-            <p:ph type="title"/>
-          </p:nvPr>
-        </p:nvSpPr>
-        <p:spPr>
-          <a:xfrm>
-            <a:off x="681037" y="36307"/>
-            <a:ext cx="8543925" cy="599377"/>
-          </a:xfrm>
-        </p:spPr>
-        <p:txBody>
-          <a:bodyPr>
-            <a:normAutofit/>
-          </a:bodyPr>
-          <a:lstStyle/>
-          <a:p>
-            <a:r>
-              <a:rPr kumimoji="1" lang="ja-JP" altLang="en-US" sz="1500" dirty="0"/>
-              <a:t>目的と切り口</a:t>
-            </a:r>
-            <a:r>
-              <a:rPr kumimoji="1" lang="en-US" altLang="ja-JP" sz="1500" dirty="0"/>
-              <a:t>(</a:t>
-            </a:r>
-            <a:r>
-              <a:rPr kumimoji="1" lang="ja-JP" altLang="en-US" sz="1500" dirty="0"/>
-              <a:t>？丁寧に</a:t>
-            </a:r>
-            <a:r>
-              <a:rPr kumimoji="1" lang="en-US" altLang="ja-JP" sz="1500" dirty="0"/>
-              <a:t>P</a:t>
-            </a:r>
-            <a:r>
-              <a:rPr kumimoji="1" lang="ja-JP" altLang="en-US" sz="1500" dirty="0"/>
-              <a:t>分けて掘り下げる？</a:t>
-            </a:r>
-            <a:r>
-              <a:rPr kumimoji="1" lang="en-US" altLang="ja-JP" sz="1500" dirty="0"/>
-              <a:t>)</a:t>
-            </a:r>
-            <a:endParaRPr kumimoji="1" lang="ja-JP" altLang="en-US" sz="1500" dirty="0"/>
-          </a:p>
-        </p:txBody>
-      </p:sp>
-      <p:sp>
-        <p:nvSpPr>
-          <p:cNvPr id="7" name="正方形/長方形 6">
-            <a:extLst>
-              <a:ext uri="{FF2B5EF4-FFF2-40B4-BE49-F238E27FC236}">
-                <a16:creationId xmlns:a16="http://schemas.microsoft.com/office/drawing/2014/main" id="{1C09920F-08F4-4EE4-B7B7-0DDCE1D992D7}"/>
-              </a:ext>
-            </a:extLst>
-          </p:cNvPr>
-          <p:cNvSpPr/>
-          <p:nvPr/>
-        </p:nvSpPr>
-        <p:spPr>
-          <a:xfrm>
-            <a:off x="2628913" y="2054826"/>
-            <a:ext cx="6024624" cy="1145447"/>
-          </a:xfrm>
-          <a:prstGeom prst="rect">
-            <a:avLst/>
-          </a:prstGeom>
-          <a:noFill/>
-          <a:ln w="19050">
-            <a:solidFill>
-              <a:schemeClr val="tx1"/>
-            </a:solidFill>
-          </a:ln>
-        </p:spPr>
-        <p:style>
-          <a:lnRef idx="2">
-            <a:schemeClr val="accent1">
-              <a:shade val="50000"/>
-            </a:schemeClr>
-          </a:lnRef>
-          <a:fillRef idx="1">
-            <a:schemeClr val="accent1"/>
-          </a:fillRef>
-          <a:effectRef idx="0">
-            <a:schemeClr val="accent1"/>
-          </a:effectRef>
-          <a:fontRef idx="minor">
-            <a:schemeClr val="lt1"/>
-          </a:fontRef>
-        </p:style>
-        <p:txBody>
-          <a:bodyPr rtlCol="0" anchor="ctr"/>
-          <a:lstStyle/>
-          <a:p>
-            <a:pPr marL="171450" indent="-171450">
-              <a:buFont typeface="Arial" panose="020B0604020202020204" pitchFamily="34" charset="0"/>
-              <a:buChar char="•"/>
-            </a:pPr>
-            <a:r>
-              <a:rPr kumimoji="1" lang="ja-JP" altLang="en-US" sz="1000" dirty="0">
-                <a:solidFill>
-                  <a:schemeClr val="tx1"/>
-                </a:solidFill>
-              </a:rPr>
-              <a:t>意外と若い</a:t>
-            </a:r>
-            <a:endParaRPr kumimoji="1" lang="en-US" altLang="ja-JP" sz="1000" dirty="0">
-              <a:solidFill>
-                <a:schemeClr val="tx1"/>
-              </a:solidFill>
-            </a:endParaRPr>
-          </a:p>
-          <a:p>
-            <a:pPr marL="171450" indent="-171450">
-              <a:buFont typeface="Arial" panose="020B0604020202020204" pitchFamily="34" charset="0"/>
-              <a:buChar char="•"/>
-            </a:pPr>
-            <a:r>
-              <a:rPr kumimoji="1" lang="ja-JP" altLang="en-US" sz="1000" dirty="0">
-                <a:solidFill>
-                  <a:schemeClr val="tx1"/>
-                </a:solidFill>
-              </a:rPr>
-              <a:t>独身女性</a:t>
-            </a:r>
-            <a:r>
-              <a:rPr kumimoji="1" lang="en-US" altLang="ja-JP" sz="1000" dirty="0">
-                <a:solidFill>
-                  <a:schemeClr val="tx1"/>
-                </a:solidFill>
-              </a:rPr>
-              <a:t>(</a:t>
-            </a:r>
-            <a:r>
-              <a:rPr kumimoji="1" lang="ja-JP" altLang="en-US" sz="1000" dirty="0">
-                <a:solidFill>
-                  <a:schemeClr val="tx1"/>
-                </a:solidFill>
-              </a:rPr>
-              <a:t>男性もいるが</a:t>
-            </a:r>
-            <a:r>
-              <a:rPr kumimoji="1" lang="en-US" altLang="ja-JP" sz="1000" dirty="0">
-                <a:solidFill>
-                  <a:schemeClr val="tx1"/>
-                </a:solidFill>
-              </a:rPr>
-              <a:t>)</a:t>
-            </a:r>
-          </a:p>
-          <a:p>
-            <a:pPr marL="171450" indent="-171450">
-              <a:buFont typeface="Arial" panose="020B0604020202020204" pitchFamily="34" charset="0"/>
-              <a:buChar char="•"/>
-            </a:pPr>
-            <a:r>
-              <a:rPr kumimoji="1" lang="ja-JP" altLang="en-US" sz="1000" dirty="0">
-                <a:solidFill>
-                  <a:schemeClr val="tx1"/>
-                </a:solidFill>
-              </a:rPr>
-              <a:t>海外旅行好き</a:t>
-            </a:r>
-            <a:r>
-              <a:rPr kumimoji="1" lang="en-US" altLang="ja-JP" sz="1000" dirty="0">
-                <a:solidFill>
-                  <a:schemeClr val="tx1"/>
-                </a:solidFill>
-              </a:rPr>
-              <a:t>(</a:t>
-            </a:r>
-            <a:r>
-              <a:rPr kumimoji="1" lang="ja-JP" altLang="en-US" sz="1000" dirty="0">
-                <a:solidFill>
-                  <a:schemeClr val="tx1"/>
-                </a:solidFill>
-              </a:rPr>
-              <a:t>ヨーロッパとか</a:t>
-            </a:r>
-            <a:r>
-              <a:rPr kumimoji="1" lang="en-US" altLang="ja-JP" sz="1000" dirty="0">
-                <a:solidFill>
-                  <a:schemeClr val="tx1"/>
-                </a:solidFill>
-              </a:rPr>
-              <a:t>)</a:t>
-            </a:r>
-            <a:r>
-              <a:rPr kumimoji="1" lang="ja-JP" altLang="en-US" sz="1000" dirty="0">
-                <a:solidFill>
-                  <a:schemeClr val="tx1"/>
-                </a:solidFill>
-              </a:rPr>
-              <a:t>、メジャーな場所しか行ってないので英語＝オールマイティの認識</a:t>
-            </a:r>
-            <a:endParaRPr kumimoji="1" lang="en-US" altLang="ja-JP" sz="1000" dirty="0">
-              <a:solidFill>
-                <a:schemeClr val="tx1"/>
-              </a:solidFill>
-            </a:endParaRPr>
-          </a:p>
-          <a:p>
-            <a:pPr marL="171450" indent="-171450">
-              <a:buFont typeface="Arial" panose="020B0604020202020204" pitchFamily="34" charset="0"/>
-              <a:buChar char="•"/>
-            </a:pPr>
-            <a:r>
-              <a:rPr kumimoji="1" lang="ja-JP" altLang="en-US" sz="1000" dirty="0">
-                <a:solidFill>
-                  <a:schemeClr val="tx1"/>
-                </a:solidFill>
-              </a:rPr>
-              <a:t>そもそもあんまり話せていないので、目的の場所で英語が通じるかどうかも知らない</a:t>
-            </a:r>
-            <a:endParaRPr kumimoji="1" lang="en-US" altLang="ja-JP" sz="1000" dirty="0">
-              <a:solidFill>
-                <a:schemeClr val="tx1"/>
-              </a:solidFill>
-            </a:endParaRPr>
-          </a:p>
-          <a:p>
-            <a:pPr marL="171450" indent="-171450">
-              <a:buFont typeface="Arial" panose="020B0604020202020204" pitchFamily="34" charset="0"/>
-              <a:buChar char="•"/>
-            </a:pPr>
-            <a:r>
-              <a:rPr kumimoji="1" lang="ja-JP" altLang="en-US" sz="1000" dirty="0">
-                <a:solidFill>
-                  <a:schemeClr val="tx1"/>
-                </a:solidFill>
-              </a:rPr>
-              <a:t>モチベーションが低いので、オンライン英会話を始めても</a:t>
-            </a:r>
-            <a:r>
-              <a:rPr kumimoji="1" lang="en-US" altLang="ja-JP" sz="1000" dirty="0">
-                <a:solidFill>
-                  <a:schemeClr val="tx1"/>
-                </a:solidFill>
-              </a:rPr>
-              <a:t>5</a:t>
-            </a:r>
-            <a:r>
-              <a:rPr kumimoji="1" lang="ja-JP" altLang="en-US" sz="1000" dirty="0">
-                <a:solidFill>
-                  <a:schemeClr val="tx1"/>
-                </a:solidFill>
-              </a:rPr>
-              <a:t>回に満たずやめる</a:t>
-            </a:r>
-            <a:endParaRPr kumimoji="1" lang="en-US" altLang="ja-JP" sz="1000" dirty="0">
-              <a:solidFill>
-                <a:schemeClr val="tx1"/>
-              </a:solidFill>
-            </a:endParaRPr>
-          </a:p>
-          <a:p>
-            <a:pPr marL="171450" indent="-171450">
-              <a:buFont typeface="Arial" panose="020B0604020202020204" pitchFamily="34" charset="0"/>
-              <a:buChar char="•"/>
-            </a:pPr>
-            <a:endParaRPr kumimoji="1" lang="en-US" altLang="ja-JP" sz="1000" dirty="0">
-              <a:solidFill>
-                <a:schemeClr val="tx1"/>
-              </a:solidFill>
-            </a:endParaRPr>
-          </a:p>
-        </p:txBody>
-      </p:sp>
-      <p:sp>
-        <p:nvSpPr>
-          <p:cNvPr id="10" name="正方形/長方形 9">
-            <a:extLst>
-              <a:ext uri="{FF2B5EF4-FFF2-40B4-BE49-F238E27FC236}">
-                <a16:creationId xmlns:a16="http://schemas.microsoft.com/office/drawing/2014/main" id="{761A3533-0CDB-44EE-9AA7-78EA260F5B80}"/>
-              </a:ext>
-            </a:extLst>
-          </p:cNvPr>
-          <p:cNvSpPr/>
-          <p:nvPr/>
-        </p:nvSpPr>
-        <p:spPr>
-          <a:xfrm>
-            <a:off x="614919" y="2054826"/>
-            <a:ext cx="1840375" cy="1145447"/>
-          </a:xfrm>
-          <a:prstGeom prst="rect">
-            <a:avLst/>
-          </a:prstGeom>
-          <a:solidFill>
-            <a:schemeClr val="bg1">
-              <a:lumMod val="50000"/>
-            </a:schemeClr>
-          </a:solidFill>
-          <a:ln w="19050">
-            <a:solidFill>
-              <a:schemeClr val="tx1"/>
-            </a:solidFill>
-          </a:ln>
-        </p:spPr>
-        <p:style>
-          <a:lnRef idx="2">
-            <a:schemeClr val="accent1">
-              <a:shade val="50000"/>
-            </a:schemeClr>
-          </a:lnRef>
-          <a:fillRef idx="1">
-            <a:schemeClr val="accent1"/>
-          </a:fillRef>
-          <a:effectRef idx="0">
-            <a:schemeClr val="accent1"/>
-          </a:effectRef>
-          <a:fontRef idx="minor">
-            <a:schemeClr val="lt1"/>
-          </a:fontRef>
-        </p:style>
-        <p:txBody>
-          <a:bodyPr rtlCol="0" anchor="ctr"/>
-          <a:lstStyle/>
-          <a:p>
-            <a:r>
-              <a:rPr kumimoji="1" lang="ja-JP" altLang="en-US" sz="1300" dirty="0">
-                <a:solidFill>
-                  <a:srgbClr val="FFFFFF"/>
-                </a:solidFill>
-              </a:rPr>
-              <a:t>海外旅行好き女子</a:t>
-            </a:r>
-          </a:p>
-        </p:txBody>
-      </p:sp>
-      <p:sp>
-        <p:nvSpPr>
-          <p:cNvPr id="12" name="正方形/長方形 6">
-            <a:extLst>
-              <a:ext uri="{FF2B5EF4-FFF2-40B4-BE49-F238E27FC236}">
-                <a16:creationId xmlns:a16="http://schemas.microsoft.com/office/drawing/2014/main" id="{84D925AC-4A80-4CDB-9D69-7935CE64B019}"/>
-              </a:ext>
-            </a:extLst>
-          </p:cNvPr>
-          <p:cNvSpPr/>
-          <p:nvPr/>
-        </p:nvSpPr>
-        <p:spPr>
-          <a:xfrm>
-            <a:off x="2628913" y="3926690"/>
-            <a:ext cx="6024624" cy="1578183"/>
-          </a:xfrm>
-          <a:prstGeom prst="rect">
-            <a:avLst/>
-          </a:prstGeom>
-          <a:noFill/>
-          <a:ln w="19050">
-            <a:solidFill>
-              <a:schemeClr val="tx1"/>
-            </a:solidFill>
-          </a:ln>
-        </p:spPr>
-        <p:style>
-          <a:lnRef idx="2">
-            <a:schemeClr val="accent1">
-              <a:shade val="50000"/>
-            </a:schemeClr>
-          </a:lnRef>
-          <a:fillRef idx="1">
-            <a:schemeClr val="accent1"/>
-          </a:fillRef>
-          <a:effectRef idx="0">
-            <a:schemeClr val="accent1"/>
-          </a:effectRef>
-          <a:fontRef idx="minor">
-            <a:schemeClr val="lt1"/>
-          </a:fontRef>
-        </p:style>
-        <p:txBody>
-          <a:bodyPr rtlCol="0" anchor="ctr"/>
-          <a:lstStyle/>
-          <a:p>
-            <a:pPr marL="171450" indent="-171450">
-              <a:buFont typeface="Arial" panose="020B0604020202020204" pitchFamily="34" charset="0"/>
-              <a:buChar char="•"/>
-            </a:pPr>
-            <a:r>
-              <a:rPr kumimoji="1" lang="ja-JP" altLang="en-US" sz="1000" dirty="0">
-                <a:solidFill>
-                  <a:schemeClr val="tx1"/>
-                </a:solidFill>
-              </a:rPr>
-              <a:t>基本割と時間ある</a:t>
-            </a:r>
-            <a:endParaRPr kumimoji="1" lang="en-US" altLang="ja-JP" sz="1000" dirty="0">
-              <a:solidFill>
-                <a:schemeClr val="tx1"/>
-              </a:solidFill>
-            </a:endParaRPr>
-          </a:p>
-          <a:p>
-            <a:pPr marL="171450" indent="-171450">
-              <a:buFont typeface="Arial" panose="020B0604020202020204" pitchFamily="34" charset="0"/>
-              <a:buChar char="•"/>
-            </a:pPr>
-            <a:r>
-              <a:rPr kumimoji="1" lang="ja-JP" altLang="en-US" sz="1000" dirty="0">
-                <a:solidFill>
-                  <a:schemeClr val="tx1"/>
-                </a:solidFill>
-              </a:rPr>
-              <a:t>趣味を探している</a:t>
-            </a:r>
-            <a:endParaRPr kumimoji="1" lang="en-US" altLang="ja-JP" sz="1000" dirty="0">
-              <a:solidFill>
-                <a:schemeClr val="tx1"/>
-              </a:solidFill>
-            </a:endParaRPr>
-          </a:p>
-          <a:p>
-            <a:pPr marL="171450" indent="-171450">
-              <a:buFont typeface="Arial" panose="020B0604020202020204" pitchFamily="34" charset="0"/>
-              <a:buChar char="•"/>
-            </a:pPr>
-            <a:r>
-              <a:rPr kumimoji="1" lang="ja-JP" altLang="en-US" sz="1000" dirty="0">
-                <a:solidFill>
-                  <a:schemeClr val="tx1"/>
-                </a:solidFill>
-              </a:rPr>
-              <a:t>話したい</a:t>
-            </a:r>
-            <a:r>
-              <a:rPr kumimoji="1" lang="en-US" altLang="ja-JP" sz="1000" dirty="0">
-                <a:solidFill>
-                  <a:schemeClr val="tx1"/>
-                </a:solidFill>
-              </a:rPr>
-              <a:t>(</a:t>
-            </a:r>
-            <a:r>
-              <a:rPr kumimoji="1" lang="ja-JP" altLang="en-US" sz="1000" dirty="0">
-                <a:solidFill>
-                  <a:schemeClr val="tx1"/>
-                </a:solidFill>
-              </a:rPr>
-              <a:t>言語問わず</a:t>
-            </a:r>
-            <a:r>
-              <a:rPr kumimoji="1" lang="en-US" altLang="ja-JP" sz="1000" dirty="0">
-                <a:solidFill>
-                  <a:schemeClr val="tx1"/>
-                </a:solidFill>
-              </a:rPr>
-              <a:t>)</a:t>
-            </a:r>
-          </a:p>
-          <a:p>
-            <a:pPr marL="171450" indent="-171450">
-              <a:buFont typeface="Arial" panose="020B0604020202020204" pitchFamily="34" charset="0"/>
-              <a:buChar char="•"/>
-            </a:pPr>
-            <a:endParaRPr kumimoji="1" lang="en-US" altLang="ja-JP" sz="1000" dirty="0">
-              <a:solidFill>
-                <a:schemeClr val="tx1"/>
-              </a:solidFill>
-            </a:endParaRPr>
-          </a:p>
-        </p:txBody>
-      </p:sp>
-      <p:sp>
-        <p:nvSpPr>
-          <p:cNvPr id="13" name="正方形/長方形 9">
-            <a:extLst>
-              <a:ext uri="{FF2B5EF4-FFF2-40B4-BE49-F238E27FC236}">
-                <a16:creationId xmlns:a16="http://schemas.microsoft.com/office/drawing/2014/main" id="{DA2E60F1-2D54-42AC-9DE2-9D2354F7179E}"/>
-              </a:ext>
-            </a:extLst>
-          </p:cNvPr>
-          <p:cNvSpPr/>
-          <p:nvPr/>
-        </p:nvSpPr>
-        <p:spPr>
-          <a:xfrm>
-            <a:off x="614919" y="3926690"/>
-            <a:ext cx="1840375" cy="1578183"/>
-          </a:xfrm>
-          <a:prstGeom prst="rect">
-            <a:avLst/>
-          </a:prstGeom>
-          <a:solidFill>
-            <a:schemeClr val="bg1">
-              <a:lumMod val="50000"/>
-            </a:schemeClr>
-          </a:solidFill>
-          <a:ln w="19050">
-            <a:solidFill>
-              <a:schemeClr val="tx1"/>
-            </a:solidFill>
-          </a:ln>
-        </p:spPr>
-        <p:style>
-          <a:lnRef idx="2">
-            <a:schemeClr val="accent1">
-              <a:shade val="50000"/>
-            </a:schemeClr>
-          </a:lnRef>
-          <a:fillRef idx="1">
-            <a:schemeClr val="accent1"/>
-          </a:fillRef>
-          <a:effectRef idx="0">
-            <a:schemeClr val="accent1"/>
-          </a:effectRef>
-          <a:fontRef idx="minor">
-            <a:schemeClr val="lt1"/>
-          </a:fontRef>
-        </p:style>
-        <p:txBody>
-          <a:bodyPr rtlCol="0" anchor="ctr"/>
-          <a:lstStyle/>
-          <a:p>
-            <a:r>
-              <a:rPr kumimoji="1" lang="ja-JP" altLang="en-US" sz="1300" dirty="0">
-                <a:solidFill>
-                  <a:srgbClr val="FFFFFF"/>
-                </a:solidFill>
-              </a:rPr>
-              <a:t>暇なおばさん</a:t>
-            </a:r>
-          </a:p>
-        </p:txBody>
-      </p:sp>
-      <p:sp>
-        <p:nvSpPr>
-          <p:cNvPr id="14" name="タイトル 1">
-            <a:extLst>
-              <a:ext uri="{FF2B5EF4-FFF2-40B4-BE49-F238E27FC236}">
-                <a16:creationId xmlns:a16="http://schemas.microsoft.com/office/drawing/2014/main" id="{54308E7F-7380-486F-96A8-50EDE328823D}"/>
-              </a:ext>
-            </a:extLst>
-          </p:cNvPr>
-          <p:cNvSpPr txBox="1">
-            <a:spLocks/>
-          </p:cNvSpPr>
-          <p:nvPr/>
-        </p:nvSpPr>
-        <p:spPr>
-          <a:xfrm>
-            <a:off x="681037" y="1231017"/>
-            <a:ext cx="8543925" cy="599377"/>
-          </a:xfrm>
-          <a:prstGeom prst="rect">
-            <a:avLst/>
-          </a:prstGeom>
-        </p:spPr>
-        <p:txBody>
-          <a:bodyPr vert="horz" lIns="91440" tIns="45720" rIns="91440" bIns="45720" rtlCol="0" anchor="ctr">
-            <a:normAutofit/>
-          </a:bodyPr>
-          <a:lstStyle>
-            <a:lvl1pPr algn="l" defTabSz="914400" rtl="0" eaLnBrk="1" latinLnBrk="0" hangingPunct="1">
-              <a:lnSpc>
-                <a:spcPct val="90000"/>
-              </a:lnSpc>
-              <a:spcBef>
-                <a:spcPct val="0"/>
-              </a:spcBef>
-              <a:buNone/>
-              <a:defRPr kumimoji="1" sz="4400" kern="1200">
-                <a:solidFill>
-                  <a:schemeClr val="tx1"/>
-                </a:solidFill>
-                <a:latin typeface="+mj-lt"/>
-                <a:ea typeface="+mj-ea"/>
-                <a:cs typeface="+mj-cs"/>
-              </a:defRPr>
-            </a:lvl1pPr>
-          </a:lstStyle>
-          <a:p>
-            <a:r>
-              <a:rPr lang="ja-JP" altLang="en-US" sz="1500" dirty="0"/>
-              <a:t>なんとなく見えているあんまり話せない層の</a:t>
-            </a:r>
-            <a:r>
-              <a:rPr lang="en-US" altLang="ja-JP" sz="1500" dirty="0"/>
-              <a:t>2</a:t>
-            </a:r>
-            <a:r>
-              <a:rPr lang="ja-JP" altLang="en-US" sz="1500" dirty="0"/>
-              <a:t>種類のペルソナ</a:t>
-            </a:r>
-          </a:p>
-        </p:txBody>
-      </p:sp>
-      <p:sp>
-        <p:nvSpPr>
-          <p:cNvPr id="6" name="Callout: Bent Line 5">
-            <a:extLst>
-              <a:ext uri="{FF2B5EF4-FFF2-40B4-BE49-F238E27FC236}">
-                <a16:creationId xmlns:a16="http://schemas.microsoft.com/office/drawing/2014/main" id="{DDC3E519-E71D-453F-B6BE-0147216726C5}"/>
-              </a:ext>
-            </a:extLst>
-          </p:cNvPr>
-          <p:cNvSpPr/>
-          <p:nvPr/>
-        </p:nvSpPr>
-        <p:spPr>
-          <a:xfrm>
-            <a:off x="6243781" y="335995"/>
-            <a:ext cx="2706255" cy="1145447"/>
-          </a:xfrm>
-          <a:prstGeom prst="borderCallout2">
-            <a:avLst>
-              <a:gd name="adj1" fmla="val 18750"/>
-              <a:gd name="adj2" fmla="val -8333"/>
-              <a:gd name="adj3" fmla="val 18750"/>
-              <a:gd name="adj4" fmla="val -16667"/>
-              <a:gd name="adj5" fmla="val 177815"/>
-              <a:gd name="adj6" fmla="val -46326"/>
-            </a:avLst>
-          </a:prstGeom>
-        </p:spPr>
-        <p:style>
-          <a:lnRef idx="1">
-            <a:schemeClr val="accent2"/>
-          </a:lnRef>
-          <a:fillRef idx="2">
-            <a:schemeClr val="accent2"/>
-          </a:fillRef>
-          <a:effectRef idx="1">
-            <a:schemeClr val="accent2"/>
-          </a:effectRef>
-          <a:fontRef idx="minor">
-            <a:schemeClr val="dk1"/>
-          </a:fontRef>
-        </p:style>
-        <p:txBody>
-          <a:bodyPr rtlCol="0" anchor="ctr"/>
-          <a:lstStyle/>
-          <a:p>
-            <a:pPr algn="ctr"/>
-            <a:r>
-              <a:rPr kumimoji="1" lang="ja-JP" altLang="en-US" sz="1200" dirty="0"/>
-              <a:t>基本モチベ低い</a:t>
-            </a:r>
-            <a:endParaRPr kumimoji="1" lang="en-US" altLang="ja-JP" sz="1200" dirty="0"/>
-          </a:p>
-          <a:p>
-            <a:pPr algn="ctr"/>
-            <a:r>
-              <a:rPr kumimoji="1" lang="ja-JP" altLang="en-US" sz="1200" dirty="0"/>
-              <a:t>あちらからガンガンプロモーションかける方針なら続くか？</a:t>
-            </a:r>
-            <a:endParaRPr kumimoji="1" lang="en-US" altLang="ja-JP" sz="1200" dirty="0"/>
-          </a:p>
-          <a:p>
-            <a:pPr algn="ctr"/>
-            <a:r>
-              <a:rPr kumimoji="1" lang="ja-JP" altLang="en-US" sz="1200" dirty="0"/>
-              <a:t>楽しめる仕組みが必要？</a:t>
-            </a:r>
-            <a:endParaRPr kumimoji="1" lang="en-US" altLang="ja-JP" sz="1200" dirty="0"/>
-          </a:p>
-          <a:p>
-            <a:pPr algn="ctr"/>
-            <a:r>
-              <a:rPr kumimoji="1" lang="ja-JP" altLang="en-US" sz="1200" dirty="0"/>
-              <a:t>旅行に絡める？</a:t>
-            </a:r>
-          </a:p>
-        </p:txBody>
-      </p:sp>
-    </p:spTree>
-    <p:extLst>
-      <p:ext uri="{BB962C8B-B14F-4D97-AF65-F5344CB8AC3E}">
-        <p14:creationId xmlns:p14="http://schemas.microsoft.com/office/powerpoint/2010/main" val="1438993370"/>
-      </p:ext>
-    </p:extLst>
-  </p:cSld>
-  <p:clrMapOvr>
-    <a:masterClrMapping/>
-  </p:clrMapOvr>
-</p:sld>
-</file>
-
 <file path=ppt/slides/slide20.xml><?xml version="1.0" encoding="utf-8"?>
 <p:sld xmlns:a="http://schemas.openxmlformats.org/drawingml/2006/main" xmlns:r="http://schemas.openxmlformats.org/officeDocument/2006/relationships" xmlns:p="http://schemas.openxmlformats.org/presentationml/2006/main">
   <p:cSld>

--- a/zz_document/project_Parfait/1_1_ユーザ分析_ver.0.1.pptx
+++ b/zz_document/project_Parfait/1_1_ユーザ分析_ver.0.1.pptx
@@ -5,31 +5,32 @@
     <p:sldMasterId id="2147483672" r:id="rId1"/>
   </p:sldMasterIdLst>
   <p:notesMasterIdLst>
-    <p:notesMasterId r:id="rId24"/>
+    <p:notesMasterId r:id="rId25"/>
   </p:notesMasterIdLst>
   <p:sldIdLst>
-    <p:sldId id="271" r:id="rId2"/>
-    <p:sldId id="269" r:id="rId3"/>
-    <p:sldId id="290" r:id="rId4"/>
-    <p:sldId id="270" r:id="rId5"/>
-    <p:sldId id="272" r:id="rId6"/>
-    <p:sldId id="273" r:id="rId7"/>
-    <p:sldId id="274" r:id="rId8"/>
-    <p:sldId id="275" r:id="rId9"/>
-    <p:sldId id="276" r:id="rId10"/>
-    <p:sldId id="277" r:id="rId11"/>
-    <p:sldId id="278" r:id="rId12"/>
-    <p:sldId id="279" r:id="rId13"/>
-    <p:sldId id="280" r:id="rId14"/>
-    <p:sldId id="281" r:id="rId15"/>
-    <p:sldId id="282" r:id="rId16"/>
-    <p:sldId id="283" r:id="rId17"/>
-    <p:sldId id="284" r:id="rId18"/>
-    <p:sldId id="285" r:id="rId19"/>
-    <p:sldId id="286" r:id="rId20"/>
-    <p:sldId id="287" r:id="rId21"/>
-    <p:sldId id="288" r:id="rId22"/>
-    <p:sldId id="289" r:id="rId23"/>
+    <p:sldId id="291" r:id="rId2"/>
+    <p:sldId id="271" r:id="rId3"/>
+    <p:sldId id="269" r:id="rId4"/>
+    <p:sldId id="290" r:id="rId5"/>
+    <p:sldId id="270" r:id="rId6"/>
+    <p:sldId id="272" r:id="rId7"/>
+    <p:sldId id="273" r:id="rId8"/>
+    <p:sldId id="274" r:id="rId9"/>
+    <p:sldId id="275" r:id="rId10"/>
+    <p:sldId id="276" r:id="rId11"/>
+    <p:sldId id="277" r:id="rId12"/>
+    <p:sldId id="278" r:id="rId13"/>
+    <p:sldId id="279" r:id="rId14"/>
+    <p:sldId id="280" r:id="rId15"/>
+    <p:sldId id="281" r:id="rId16"/>
+    <p:sldId id="282" r:id="rId17"/>
+    <p:sldId id="283" r:id="rId18"/>
+    <p:sldId id="284" r:id="rId19"/>
+    <p:sldId id="285" r:id="rId20"/>
+    <p:sldId id="286" r:id="rId21"/>
+    <p:sldId id="287" r:id="rId22"/>
+    <p:sldId id="288" r:id="rId23"/>
+    <p:sldId id="289" r:id="rId24"/>
   </p:sldIdLst>
   <p:sldSz cx="9906000" cy="6858000" type="A4"/>
   <p:notesSz cx="6858000" cy="9144000"/>
@@ -133,6 +134,7 @@
       <p14:sectionLst xmlns:p14="http://schemas.microsoft.com/office/powerpoint/2010/main">
         <p14:section name="予定" id="{3EDFD9C0-B142-4DFC-BC43-1D61FC46C46A}">
           <p14:sldIdLst>
+            <p14:sldId id="291"/>
             <p14:sldId id="271"/>
             <p14:sldId id="269"/>
             <p14:sldId id="290"/>
@@ -275,7 +277,7 @@
           <a:p>
             <a:fld id="{74CD797E-91A6-476A-B9B4-2CC9BB98892C}" type="datetimeFigureOut">
               <a:rPr kumimoji="1" lang="ja-JP" altLang="en-US" smtClean="0"/>
-              <a:t>2022/3/27</a:t>
+              <a:t>2022/3/29</a:t>
             </a:fld>
             <a:endParaRPr kumimoji="1" lang="ja-JP" altLang="en-US"/>
           </a:p>
@@ -648,6 +650,90 @@
     </p:spTree>
     <p:extLst>
       <p:ext uri="{BB962C8B-B14F-4D97-AF65-F5344CB8AC3E}">
+        <p14:creationId xmlns:p14="http://schemas.microsoft.com/office/powerpoint/2010/main" val="3157565064"/>
+      </p:ext>
+    </p:extLst>
+  </p:cSld>
+  <p:clrMapOvr>
+    <a:masterClrMapping/>
+  </p:clrMapOvr>
+</p:notes>
+</file>
+
+<file path=ppt/notesSlides/notesSlide2.xml><?xml version="1.0" encoding="utf-8"?>
+<p:notes xmlns:a="http://schemas.openxmlformats.org/drawingml/2006/main" xmlns:r="http://schemas.openxmlformats.org/officeDocument/2006/relationships" xmlns:p="http://schemas.openxmlformats.org/presentationml/2006/main">
+  <p:cSld>
+    <p:spTree>
+      <p:nvGrpSpPr>
+        <p:cNvPr id="1" name=""/>
+        <p:cNvGrpSpPr/>
+        <p:nvPr/>
+      </p:nvGrpSpPr>
+      <p:grpSpPr>
+        <a:xfrm>
+          <a:off x="0" y="0"/>
+          <a:ext cx="0" cy="0"/>
+          <a:chOff x="0" y="0"/>
+          <a:chExt cx="0" cy="0"/>
+        </a:xfrm>
+      </p:grpSpPr>
+      <p:sp>
+        <p:nvSpPr>
+          <p:cNvPr id="2" name="Slide Image Placeholder 1"/>
+          <p:cNvSpPr>
+            <a:spLocks noGrp="1" noRot="1" noChangeAspect="1"/>
+          </p:cNvSpPr>
+          <p:nvPr>
+            <p:ph type="sldImg"/>
+          </p:nvPr>
+        </p:nvSpPr>
+        <p:spPr/>
+      </p:sp>
+      <p:sp>
+        <p:nvSpPr>
+          <p:cNvPr id="3" name="Notes Placeholder 2"/>
+          <p:cNvSpPr>
+            <a:spLocks noGrp="1"/>
+          </p:cNvSpPr>
+          <p:nvPr>
+            <p:ph type="body" idx="1"/>
+          </p:nvPr>
+        </p:nvSpPr>
+        <p:spPr/>
+        <p:txBody>
+          <a:bodyPr/>
+          <a:lstStyle/>
+          <a:p>
+            <a:endParaRPr kumimoji="1" lang="ja-JP" altLang="en-US" dirty="0"/>
+          </a:p>
+        </p:txBody>
+      </p:sp>
+      <p:sp>
+        <p:nvSpPr>
+          <p:cNvPr id="4" name="Slide Number Placeholder 3"/>
+          <p:cNvSpPr>
+            <a:spLocks noGrp="1"/>
+          </p:cNvSpPr>
+          <p:nvPr>
+            <p:ph type="sldNum" sz="quarter" idx="5"/>
+          </p:nvPr>
+        </p:nvSpPr>
+        <p:spPr/>
+        <p:txBody>
+          <a:bodyPr/>
+          <a:lstStyle/>
+          <a:p>
+            <a:fld id="{887F2072-A40B-4EFF-9C20-81BE26844D72}" type="slidenum">
+              <a:rPr kumimoji="1" lang="ja-JP" altLang="en-US" smtClean="0"/>
+              <a:t>2</a:t>
+            </a:fld>
+            <a:endParaRPr kumimoji="1" lang="ja-JP" altLang="en-US"/>
+          </a:p>
+        </p:txBody>
+      </p:sp>
+    </p:spTree>
+    <p:extLst>
+      <p:ext uri="{BB962C8B-B14F-4D97-AF65-F5344CB8AC3E}">
         <p14:creationId xmlns:p14="http://schemas.microsoft.com/office/powerpoint/2010/main" val="788652411"/>
       </p:ext>
     </p:extLst>
@@ -789,7 +875,7 @@
           <a:p>
             <a:fld id="{D3FD91DA-464E-41AC-AA10-A6CC6DFC0679}" type="datetime1">
               <a:rPr kumimoji="1" lang="ja-JP" altLang="en-US" smtClean="0"/>
-              <a:t>2022/3/27</a:t>
+              <a:t>2022/3/29</a:t>
             </a:fld>
             <a:endParaRPr kumimoji="1" lang="ja-JP" altLang="en-US"/>
           </a:p>
@@ -991,7 +1077,7 @@
           <a:p>
             <a:fld id="{571FA43C-A9B9-4DB5-9712-ECC118B6A9E8}" type="datetime1">
               <a:rPr kumimoji="1" lang="ja-JP" altLang="en-US" smtClean="0"/>
-              <a:t>2022/3/27</a:t>
+              <a:t>2022/3/29</a:t>
             </a:fld>
             <a:endParaRPr kumimoji="1" lang="ja-JP" altLang="en-US"/>
           </a:p>
@@ -1203,7 +1289,7 @@
           <a:p>
             <a:fld id="{77C66867-ACD1-4342-AAB6-F21FE0FDA808}" type="datetime1">
               <a:rPr kumimoji="1" lang="ja-JP" altLang="en-US" smtClean="0"/>
-              <a:t>2022/3/27</a:t>
+              <a:t>2022/3/29</a:t>
             </a:fld>
             <a:endParaRPr kumimoji="1" lang="ja-JP" altLang="en-US"/>
           </a:p>
@@ -1405,7 +1491,7 @@
           <a:p>
             <a:fld id="{1062A8DA-0C19-4835-974C-9E03294E09F5}" type="datetime1">
               <a:rPr kumimoji="1" lang="ja-JP" altLang="en-US" smtClean="0"/>
-              <a:t>2022/3/27</a:t>
+              <a:t>2022/3/29</a:t>
             </a:fld>
             <a:endParaRPr kumimoji="1" lang="ja-JP" altLang="en-US"/>
           </a:p>
@@ -1649,7 +1735,7 @@
           <a:p>
             <a:fld id="{36738114-5D0B-4690-928B-E6FB871EB909}" type="datetime1">
               <a:rPr kumimoji="1" lang="ja-JP" altLang="en-US" smtClean="0"/>
-              <a:t>2022/3/27</a:t>
+              <a:t>2022/3/29</a:t>
             </a:fld>
             <a:endParaRPr kumimoji="1" lang="ja-JP" altLang="en-US"/>
           </a:p>
@@ -1945,7 +2031,7 @@
           <a:p>
             <a:fld id="{37032C66-1797-43D7-A77F-B745A1458647}" type="datetime1">
               <a:rPr kumimoji="1" lang="ja-JP" altLang="en-US" smtClean="0"/>
-              <a:t>2022/3/27</a:t>
+              <a:t>2022/3/29</a:t>
             </a:fld>
             <a:endParaRPr kumimoji="1" lang="ja-JP" altLang="en-US"/>
           </a:p>
@@ -2376,7 +2462,7 @@
           <a:p>
             <a:fld id="{3AD76951-0195-4BF2-A848-40F260AABB89}" type="datetime1">
               <a:rPr kumimoji="1" lang="ja-JP" altLang="en-US" smtClean="0"/>
-              <a:t>2022/3/27</a:t>
+              <a:t>2022/3/29</a:t>
             </a:fld>
             <a:endParaRPr kumimoji="1" lang="ja-JP" altLang="en-US"/>
           </a:p>
@@ -2494,7 +2580,7 @@
           <a:p>
             <a:fld id="{83D0591A-F963-4DE3-AF72-4968A1F7D17B}" type="datetime1">
               <a:rPr kumimoji="1" lang="ja-JP" altLang="en-US" smtClean="0"/>
-              <a:t>2022/3/27</a:t>
+              <a:t>2022/3/29</a:t>
             </a:fld>
             <a:endParaRPr kumimoji="1" lang="ja-JP" altLang="en-US"/>
           </a:p>
@@ -2589,7 +2675,7 @@
           <a:p>
             <a:fld id="{11BA0D88-378D-4ECD-BC66-AFAD17A1DBB7}" type="datetime1">
               <a:rPr kumimoji="1" lang="ja-JP" altLang="en-US" smtClean="0"/>
-              <a:t>2022/3/27</a:t>
+              <a:t>2022/3/29</a:t>
             </a:fld>
             <a:endParaRPr kumimoji="1" lang="ja-JP" altLang="en-US"/>
           </a:p>
@@ -2898,7 +2984,7 @@
           <a:p>
             <a:fld id="{09B6A893-2031-4A21-AB22-D251BFEEFADB}" type="datetime1">
               <a:rPr kumimoji="1" lang="ja-JP" altLang="en-US" smtClean="0"/>
-              <a:t>2022/3/27</a:t>
+              <a:t>2022/3/29</a:t>
             </a:fld>
             <a:endParaRPr kumimoji="1" lang="ja-JP" altLang="en-US"/>
           </a:p>
@@ -3155,7 +3241,7 @@
           <a:p>
             <a:fld id="{AF479822-7151-4C93-A7B0-E31BFECD4B49}" type="datetime1">
               <a:rPr kumimoji="1" lang="ja-JP" altLang="en-US" smtClean="0"/>
-              <a:t>2022/3/27</a:t>
+              <a:t>2022/3/29</a:t>
             </a:fld>
             <a:endParaRPr kumimoji="1" lang="ja-JP" altLang="en-US"/>
           </a:p>
@@ -3400,7 +3486,7 @@
           <a:p>
             <a:fld id="{3753EB1F-E888-44F6-9A81-862A0B16A4F7}" type="datetime1">
               <a:rPr kumimoji="1" lang="ja-JP" altLang="en-US" smtClean="0"/>
-              <a:t>2022/3/27</a:t>
+              <a:t>2022/3/29</a:t>
             </a:fld>
             <a:endParaRPr kumimoji="1" lang="ja-JP" altLang="en-US"/>
           </a:p>
@@ -3866,8 +3952,8 @@
         </p:nvSpPr>
         <p:spPr>
           <a:xfrm>
-            <a:off x="1885707" y="1258629"/>
-            <a:ext cx="5909784" cy="2618683"/>
+            <a:off x="1308029" y="1258629"/>
+            <a:ext cx="4087151" cy="4740955"/>
           </a:xfrm>
           <a:prstGeom prst="rect">
             <a:avLst/>
@@ -4302,8 +4388,8 @@
         </p:nvSpPr>
         <p:spPr>
           <a:xfrm>
-            <a:off x="614919" y="1258629"/>
-            <a:ext cx="1213881" cy="2618683"/>
+            <a:off x="155993" y="1258629"/>
+            <a:ext cx="1069789" cy="4740955"/>
           </a:xfrm>
           <a:prstGeom prst="rect">
             <a:avLst/>
@@ -4352,203 +4438,6 @@
       </p:sp>
       <p:sp>
         <p:nvSpPr>
-          <p:cNvPr id="12" name="正方形/長方形 6">
-            <a:extLst>
-              <a:ext uri="{FF2B5EF4-FFF2-40B4-BE49-F238E27FC236}">
-                <a16:creationId xmlns:a16="http://schemas.microsoft.com/office/drawing/2014/main" id="{84D925AC-4A80-4CDB-9D69-7935CE64B019}"/>
-              </a:ext>
-            </a:extLst>
-          </p:cNvPr>
-          <p:cNvSpPr/>
-          <p:nvPr/>
-        </p:nvSpPr>
-        <p:spPr>
-          <a:xfrm>
-            <a:off x="1885707" y="3991928"/>
-            <a:ext cx="5909784" cy="1145447"/>
-          </a:xfrm>
-          <a:prstGeom prst="rect">
-            <a:avLst/>
-          </a:prstGeom>
-          <a:noFill/>
-          <a:ln w="19050">
-            <a:solidFill>
-              <a:schemeClr val="tx1"/>
-            </a:solidFill>
-          </a:ln>
-        </p:spPr>
-        <p:style>
-          <a:lnRef idx="2">
-            <a:schemeClr val="accent1">
-              <a:shade val="50000"/>
-            </a:schemeClr>
-          </a:lnRef>
-          <a:fillRef idx="1">
-            <a:schemeClr val="accent1"/>
-          </a:fillRef>
-          <a:effectRef idx="0">
-            <a:schemeClr val="accent1"/>
-          </a:effectRef>
-          <a:fontRef idx="minor">
-            <a:schemeClr val="lt1"/>
-          </a:fontRef>
-        </p:style>
-        <p:txBody>
-          <a:bodyPr rtlCol="0" anchor="ctr"/>
-          <a:lstStyle/>
-          <a:p>
-            <a:pPr marL="171450" indent="-171450">
-              <a:buFont typeface="Arial" panose="020B0604020202020204" pitchFamily="34" charset="0"/>
-              <a:buChar char="•"/>
-            </a:pPr>
-            <a:r>
-              <a:rPr kumimoji="1" lang="ja-JP" altLang="en-US" sz="1000" dirty="0">
-                <a:solidFill>
-                  <a:schemeClr val="tx1"/>
-                </a:solidFill>
-              </a:rPr>
-              <a:t>基本割と時間ある</a:t>
-            </a:r>
-            <a:endParaRPr kumimoji="1" lang="en-US" altLang="ja-JP" sz="1000" dirty="0">
-              <a:solidFill>
-                <a:schemeClr val="tx1"/>
-              </a:solidFill>
-            </a:endParaRPr>
-          </a:p>
-          <a:p>
-            <a:pPr marL="171450" indent="-171450">
-              <a:buFont typeface="Arial" panose="020B0604020202020204" pitchFamily="34" charset="0"/>
-              <a:buChar char="•"/>
-            </a:pPr>
-            <a:r>
-              <a:rPr kumimoji="1" lang="ja-JP" altLang="en-US" sz="1000" dirty="0">
-                <a:solidFill>
-                  <a:schemeClr val="tx1"/>
-                </a:solidFill>
-              </a:rPr>
-              <a:t>趣味を探している</a:t>
-            </a:r>
-            <a:endParaRPr kumimoji="1" lang="en-US" altLang="ja-JP" sz="1000" dirty="0">
-              <a:solidFill>
-                <a:schemeClr val="tx1"/>
-              </a:solidFill>
-            </a:endParaRPr>
-          </a:p>
-          <a:p>
-            <a:pPr marL="171450" indent="-171450">
-              <a:buFont typeface="Arial" panose="020B0604020202020204" pitchFamily="34" charset="0"/>
-              <a:buChar char="•"/>
-            </a:pPr>
-            <a:r>
-              <a:rPr kumimoji="1" lang="ja-JP" altLang="en-US" sz="1000" dirty="0">
-                <a:solidFill>
-                  <a:schemeClr val="tx1"/>
-                </a:solidFill>
-              </a:rPr>
-              <a:t>話したい</a:t>
-            </a:r>
-            <a:r>
-              <a:rPr kumimoji="1" lang="en-US" altLang="ja-JP" sz="1000" dirty="0">
-                <a:solidFill>
-                  <a:schemeClr val="tx1"/>
-                </a:solidFill>
-              </a:rPr>
-              <a:t>(</a:t>
-            </a:r>
-            <a:r>
-              <a:rPr kumimoji="1" lang="ja-JP" altLang="en-US" sz="1000" dirty="0">
-                <a:solidFill>
-                  <a:schemeClr val="tx1"/>
-                </a:solidFill>
-              </a:rPr>
-              <a:t>言語問わず</a:t>
-            </a:r>
-            <a:r>
-              <a:rPr kumimoji="1" lang="en-US" altLang="ja-JP" sz="1000" dirty="0">
-                <a:solidFill>
-                  <a:schemeClr val="tx1"/>
-                </a:solidFill>
-              </a:rPr>
-              <a:t>)</a:t>
-            </a:r>
-          </a:p>
-          <a:p>
-            <a:pPr marL="171450" indent="-171450">
-              <a:buFont typeface="Arial" panose="020B0604020202020204" pitchFamily="34" charset="0"/>
-              <a:buChar char="•"/>
-            </a:pPr>
-            <a:endParaRPr kumimoji="1" lang="en-US" altLang="ja-JP" sz="1000" dirty="0">
-              <a:solidFill>
-                <a:schemeClr val="tx1"/>
-              </a:solidFill>
-            </a:endParaRPr>
-          </a:p>
-        </p:txBody>
-      </p:sp>
-      <p:sp>
-        <p:nvSpPr>
-          <p:cNvPr id="13" name="正方形/長方形 9">
-            <a:extLst>
-              <a:ext uri="{FF2B5EF4-FFF2-40B4-BE49-F238E27FC236}">
-                <a16:creationId xmlns:a16="http://schemas.microsoft.com/office/drawing/2014/main" id="{DA2E60F1-2D54-42AC-9DE2-9D2354F7179E}"/>
-              </a:ext>
-            </a:extLst>
-          </p:cNvPr>
-          <p:cNvSpPr/>
-          <p:nvPr/>
-        </p:nvSpPr>
-        <p:spPr>
-          <a:xfrm>
-            <a:off x="614919" y="3991928"/>
-            <a:ext cx="1213881" cy="1145447"/>
-          </a:xfrm>
-          <a:prstGeom prst="rect">
-            <a:avLst/>
-          </a:prstGeom>
-          <a:solidFill>
-            <a:schemeClr val="bg1">
-              <a:lumMod val="50000"/>
-            </a:schemeClr>
-          </a:solidFill>
-          <a:ln w="19050">
-            <a:solidFill>
-              <a:schemeClr val="tx1"/>
-            </a:solidFill>
-          </a:ln>
-        </p:spPr>
-        <p:style>
-          <a:lnRef idx="2">
-            <a:schemeClr val="accent1">
-              <a:shade val="50000"/>
-            </a:schemeClr>
-          </a:lnRef>
-          <a:fillRef idx="1">
-            <a:schemeClr val="accent1"/>
-          </a:fillRef>
-          <a:effectRef idx="0">
-            <a:schemeClr val="accent1"/>
-          </a:effectRef>
-          <a:fontRef idx="minor">
-            <a:schemeClr val="lt1"/>
-          </a:fontRef>
-        </p:style>
-        <p:txBody>
-          <a:bodyPr rtlCol="0" anchor="ctr"/>
-          <a:lstStyle/>
-          <a:p>
-            <a:r>
-              <a:rPr kumimoji="1" lang="ja-JP" altLang="en-US" sz="1300" dirty="0">
-                <a:solidFill>
-                  <a:srgbClr val="FFFFFF"/>
-                </a:solidFill>
-              </a:rPr>
-              <a:t>暇なおばさん</a:t>
-            </a:r>
-          </a:p>
-        </p:txBody>
-      </p:sp>
-      <p:sp>
-        <p:nvSpPr>
           <p:cNvPr id="14" name="タイトル 1">
             <a:extLst>
               <a:ext uri="{FF2B5EF4-FFF2-40B4-BE49-F238E27FC236}">
@@ -4681,10 +4570,10 @@
       </p:sp>
       <p:sp>
         <p:nvSpPr>
-          <p:cNvPr id="9" name="正方形/長方形 6">
+          <p:cNvPr id="16" name="正方形/長方形 6">
             <a:extLst>
               <a:ext uri="{FF2B5EF4-FFF2-40B4-BE49-F238E27FC236}">
-                <a16:creationId xmlns:a16="http://schemas.microsoft.com/office/drawing/2014/main" id="{5654C60B-E4A7-41DD-956B-796EB9B6C8DF}"/>
+                <a16:creationId xmlns:a16="http://schemas.microsoft.com/office/drawing/2014/main" id="{539D1068-2A1E-486E-9663-3853188F609B}"/>
               </a:ext>
             </a:extLst>
           </p:cNvPr>
@@ -4693,8 +4582,8 @@
         </p:nvSpPr>
         <p:spPr>
           <a:xfrm>
-            <a:off x="1885707" y="5985164"/>
-            <a:ext cx="5909784" cy="845010"/>
+            <a:off x="5477427" y="1258629"/>
+            <a:ext cx="1818075" cy="4740955"/>
           </a:xfrm>
           <a:prstGeom prst="rect">
             <a:avLst/>
@@ -4740,10 +4629,175 @@
       </p:sp>
       <p:sp>
         <p:nvSpPr>
-          <p:cNvPr id="11" name="正方形/長方形 9">
+          <p:cNvPr id="19" name="タイトル 1">
             <a:extLst>
               <a:ext uri="{FF2B5EF4-FFF2-40B4-BE49-F238E27FC236}">
-                <a16:creationId xmlns:a16="http://schemas.microsoft.com/office/drawing/2014/main" id="{C747EA44-ECBA-4B8B-868E-D94E68A822FB}"/>
+                <a16:creationId xmlns:a16="http://schemas.microsoft.com/office/drawing/2014/main" id="{B22C5115-4DF1-4ECB-AA89-C67ED18E791B}"/>
+              </a:ext>
+            </a:extLst>
+          </p:cNvPr>
+          <p:cNvSpPr txBox="1">
+            <a:spLocks/>
+          </p:cNvSpPr>
+          <p:nvPr/>
+        </p:nvSpPr>
+        <p:spPr>
+          <a:xfrm>
+            <a:off x="155993" y="947156"/>
+            <a:ext cx="1213881" cy="298264"/>
+          </a:xfrm>
+          <a:prstGeom prst="rect">
+            <a:avLst/>
+          </a:prstGeom>
+        </p:spPr>
+        <p:txBody>
+          <a:bodyPr vert="horz" lIns="91440" tIns="45720" rIns="91440" bIns="45720" rtlCol="0" anchor="ctr">
+            <a:normAutofit lnSpcReduction="10000"/>
+          </a:bodyPr>
+          <a:lstStyle>
+            <a:lvl1pPr algn="l" defTabSz="914400" rtl="0" eaLnBrk="1" latinLnBrk="0" hangingPunct="1">
+              <a:lnSpc>
+                <a:spcPct val="90000"/>
+              </a:lnSpc>
+              <a:spcBef>
+                <a:spcPct val="0"/>
+              </a:spcBef>
+              <a:buNone/>
+              <a:defRPr kumimoji="1" sz="4400" kern="1200">
+                <a:solidFill>
+                  <a:schemeClr val="tx1"/>
+                </a:solidFill>
+                <a:latin typeface="+mj-lt"/>
+                <a:ea typeface="+mj-ea"/>
+                <a:cs typeface="+mj-cs"/>
+              </a:defRPr>
+            </a:lvl1pPr>
+          </a:lstStyle>
+          <a:p>
+            <a:pPr algn="ctr"/>
+            <a:r>
+              <a:rPr lang="ja-JP" altLang="en-US" sz="1500" u="sng" dirty="0"/>
+              <a:t>概要</a:t>
+            </a:r>
+          </a:p>
+        </p:txBody>
+      </p:sp>
+      <p:sp>
+        <p:nvSpPr>
+          <p:cNvPr id="20" name="タイトル 1">
+            <a:extLst>
+              <a:ext uri="{FF2B5EF4-FFF2-40B4-BE49-F238E27FC236}">
+                <a16:creationId xmlns:a16="http://schemas.microsoft.com/office/drawing/2014/main" id="{5C396315-E465-4357-9712-3E12F217F0D4}"/>
+              </a:ext>
+            </a:extLst>
+          </p:cNvPr>
+          <p:cNvSpPr txBox="1">
+            <a:spLocks/>
+          </p:cNvSpPr>
+          <p:nvPr/>
+        </p:nvSpPr>
+        <p:spPr>
+          <a:xfrm>
+            <a:off x="1308029" y="947156"/>
+            <a:ext cx="4087151" cy="298264"/>
+          </a:xfrm>
+          <a:prstGeom prst="rect">
+            <a:avLst/>
+          </a:prstGeom>
+        </p:spPr>
+        <p:txBody>
+          <a:bodyPr vert="horz" lIns="91440" tIns="45720" rIns="91440" bIns="45720" rtlCol="0" anchor="ctr">
+            <a:normAutofit lnSpcReduction="10000"/>
+          </a:bodyPr>
+          <a:lstStyle>
+            <a:lvl1pPr algn="l" defTabSz="914400" rtl="0" eaLnBrk="1" latinLnBrk="0" hangingPunct="1">
+              <a:lnSpc>
+                <a:spcPct val="90000"/>
+              </a:lnSpc>
+              <a:spcBef>
+                <a:spcPct val="0"/>
+              </a:spcBef>
+              <a:buNone/>
+              <a:defRPr kumimoji="1" sz="4400" kern="1200">
+                <a:solidFill>
+                  <a:schemeClr val="tx1"/>
+                </a:solidFill>
+                <a:latin typeface="+mj-lt"/>
+                <a:ea typeface="+mj-ea"/>
+                <a:cs typeface="+mj-cs"/>
+              </a:defRPr>
+            </a:lvl1pPr>
+          </a:lstStyle>
+          <a:p>
+            <a:pPr algn="ctr"/>
+            <a:r>
+              <a:rPr lang="ja-JP" altLang="en-US" sz="1500" u="sng" dirty="0"/>
+              <a:t>パーソナリティ</a:t>
+            </a:r>
+          </a:p>
+        </p:txBody>
+      </p:sp>
+      <p:sp>
+        <p:nvSpPr>
+          <p:cNvPr id="21" name="タイトル 1">
+            <a:extLst>
+              <a:ext uri="{FF2B5EF4-FFF2-40B4-BE49-F238E27FC236}">
+                <a16:creationId xmlns:a16="http://schemas.microsoft.com/office/drawing/2014/main" id="{0315826D-D862-40CA-831B-5B86DD4B3C35}"/>
+              </a:ext>
+            </a:extLst>
+          </p:cNvPr>
+          <p:cNvSpPr txBox="1">
+            <a:spLocks/>
+          </p:cNvSpPr>
+          <p:nvPr/>
+        </p:nvSpPr>
+        <p:spPr>
+          <a:xfrm>
+            <a:off x="5477426" y="947156"/>
+            <a:ext cx="1818076" cy="298264"/>
+          </a:xfrm>
+          <a:prstGeom prst="rect">
+            <a:avLst/>
+          </a:prstGeom>
+        </p:spPr>
+        <p:txBody>
+          <a:bodyPr vert="horz" lIns="91440" tIns="45720" rIns="91440" bIns="45720" rtlCol="0" anchor="ctr">
+            <a:normAutofit lnSpcReduction="10000"/>
+          </a:bodyPr>
+          <a:lstStyle>
+            <a:lvl1pPr algn="l" defTabSz="914400" rtl="0" eaLnBrk="1" latinLnBrk="0" hangingPunct="1">
+              <a:lnSpc>
+                <a:spcPct val="90000"/>
+              </a:lnSpc>
+              <a:spcBef>
+                <a:spcPct val="0"/>
+              </a:spcBef>
+              <a:buNone/>
+              <a:defRPr kumimoji="1" sz="4400" kern="1200">
+                <a:solidFill>
+                  <a:schemeClr val="tx1"/>
+                </a:solidFill>
+                <a:latin typeface="+mj-lt"/>
+                <a:ea typeface="+mj-ea"/>
+                <a:cs typeface="+mj-cs"/>
+              </a:defRPr>
+            </a:lvl1pPr>
+          </a:lstStyle>
+          <a:p>
+            <a:pPr algn="ctr"/>
+            <a:r>
+              <a:rPr lang="ja-JP" altLang="en-US" sz="1500" u="sng" dirty="0"/>
+              <a:t>問題点</a:t>
+            </a:r>
+          </a:p>
+        </p:txBody>
+      </p:sp>
+      <p:sp>
+        <p:nvSpPr>
+          <p:cNvPr id="25" name="正方形/長方形 6">
+            <a:extLst>
+              <a:ext uri="{FF2B5EF4-FFF2-40B4-BE49-F238E27FC236}">
+                <a16:creationId xmlns:a16="http://schemas.microsoft.com/office/drawing/2014/main" id="{1093791F-462E-4071-9D5A-84E0D6C2EE69}"/>
               </a:ext>
             </a:extLst>
           </p:cNvPr>
@@ -4752,17 +4806,13 @@
         </p:nvSpPr>
         <p:spPr>
           <a:xfrm>
-            <a:off x="614919" y="5985164"/>
-            <a:ext cx="1213881" cy="845010"/>
+            <a:off x="7390759" y="1258629"/>
+            <a:ext cx="1818075" cy="4740955"/>
           </a:xfrm>
           <a:prstGeom prst="rect">
             <a:avLst/>
           </a:prstGeom>
-          <a:solidFill>
-            <a:schemeClr val="bg1">
-              <a:lumMod val="50000"/>
-            </a:schemeClr>
-          </a:solidFill>
+          <a:noFill/>
           <a:ln w="19050">
             <a:solidFill>
               <a:schemeClr val="tx1"/>
@@ -4789,13 +4839,69 @@
           <a:bodyPr rtlCol="0" anchor="ctr"/>
           <a:lstStyle/>
           <a:p>
-            <a:r>
-              <a:rPr kumimoji="1" lang="ja-JP" altLang="en-US" sz="1300" dirty="0">
-                <a:solidFill>
-                  <a:srgbClr val="FFFFFF"/>
-                </a:solidFill>
-              </a:rPr>
-              <a:t>中途半端ビジネスパーソン</a:t>
+            <a:pPr marL="171450" indent="-171450">
+              <a:buFont typeface="Arial" panose="020B0604020202020204" pitchFamily="34" charset="0"/>
+              <a:buChar char="•"/>
+            </a:pPr>
+            <a:endParaRPr kumimoji="1" lang="en-US" altLang="ja-JP" sz="1000" dirty="0">
+              <a:solidFill>
+                <a:schemeClr val="tx1"/>
+              </a:solidFill>
+            </a:endParaRPr>
+          </a:p>
+        </p:txBody>
+      </p:sp>
+      <p:sp>
+        <p:nvSpPr>
+          <p:cNvPr id="26" name="タイトル 1">
+            <a:extLst>
+              <a:ext uri="{FF2B5EF4-FFF2-40B4-BE49-F238E27FC236}">
+                <a16:creationId xmlns:a16="http://schemas.microsoft.com/office/drawing/2014/main" id="{3FBEF076-EA35-457B-9CA4-B21AF493ACDE}"/>
+              </a:ext>
+            </a:extLst>
+          </p:cNvPr>
+          <p:cNvSpPr txBox="1">
+            <a:spLocks/>
+          </p:cNvSpPr>
+          <p:nvPr/>
+        </p:nvSpPr>
+        <p:spPr>
+          <a:xfrm>
+            <a:off x="7390758" y="947156"/>
+            <a:ext cx="1818076" cy="298264"/>
+          </a:xfrm>
+          <a:prstGeom prst="rect">
+            <a:avLst/>
+          </a:prstGeom>
+        </p:spPr>
+        <p:txBody>
+          <a:bodyPr vert="horz" lIns="91440" tIns="45720" rIns="91440" bIns="45720" rtlCol="0" anchor="ctr">
+            <a:normAutofit lnSpcReduction="10000"/>
+          </a:bodyPr>
+          <a:lstStyle>
+            <a:lvl1pPr algn="l" defTabSz="914400" rtl="0" eaLnBrk="1" latinLnBrk="0" hangingPunct="1">
+              <a:lnSpc>
+                <a:spcPct val="90000"/>
+              </a:lnSpc>
+              <a:spcBef>
+                <a:spcPct val="0"/>
+              </a:spcBef>
+              <a:buNone/>
+              <a:defRPr kumimoji="1" sz="4400" kern="1200">
+                <a:solidFill>
+                  <a:schemeClr val="tx1"/>
+                </a:solidFill>
+                <a:latin typeface="+mj-lt"/>
+                <a:ea typeface="+mj-ea"/>
+                <a:cs typeface="+mj-cs"/>
+              </a:defRPr>
+            </a:lvl1pPr>
+          </a:lstStyle>
+          <a:p>
+            <a:pPr algn="ctr"/>
+            <a:r>
+              <a:rPr lang="ja-JP" altLang="en-US" sz="1500" u="sng" dirty="0"/>
+              <a:t>対策</a:t>
             </a:r>
           </a:p>
         </p:txBody>
@@ -4814,7 +4920,7 @@
         </p:nvSpPr>
         <p:spPr>
           <a:xfrm>
-            <a:off x="8827156" y="2960207"/>
+            <a:off x="8733850" y="2483659"/>
             <a:ext cx="2706255" cy="1145447"/>
           </a:xfrm>
           <a:prstGeom prst="borderCallout2">
@@ -4862,532 +4968,10 @@
           </a:p>
         </p:txBody>
       </p:sp>
-      <p:sp>
-        <p:nvSpPr>
-          <p:cNvPr id="16" name="正方形/長方形 6">
-            <a:extLst>
-              <a:ext uri="{FF2B5EF4-FFF2-40B4-BE49-F238E27FC236}">
-                <a16:creationId xmlns:a16="http://schemas.microsoft.com/office/drawing/2014/main" id="{539D1068-2A1E-486E-9663-3853188F609B}"/>
-              </a:ext>
-            </a:extLst>
-          </p:cNvPr>
-          <p:cNvSpPr/>
-          <p:nvPr/>
-        </p:nvSpPr>
-        <p:spPr>
-          <a:xfrm>
-            <a:off x="7852397" y="1258629"/>
-            <a:ext cx="1818075" cy="2618683"/>
-          </a:xfrm>
-          <a:prstGeom prst="rect">
-            <a:avLst/>
-          </a:prstGeom>
-          <a:noFill/>
-          <a:ln w="19050">
-            <a:solidFill>
-              <a:schemeClr val="tx1"/>
-            </a:solidFill>
-          </a:ln>
-        </p:spPr>
-        <p:style>
-          <a:lnRef idx="2">
-            <a:schemeClr val="accent1">
-              <a:shade val="50000"/>
-            </a:schemeClr>
-          </a:lnRef>
-          <a:fillRef idx="1">
-            <a:schemeClr val="accent1"/>
-          </a:fillRef>
-          <a:effectRef idx="0">
-            <a:schemeClr val="accent1"/>
-          </a:effectRef>
-          <a:fontRef idx="minor">
-            <a:schemeClr val="lt1"/>
-          </a:fontRef>
-        </p:style>
-        <p:txBody>
-          <a:bodyPr rtlCol="0" anchor="ctr"/>
-          <a:lstStyle/>
-          <a:p>
-            <a:pPr marL="171450" indent="-171450">
-              <a:buFont typeface="Arial" panose="020B0604020202020204" pitchFamily="34" charset="0"/>
-              <a:buChar char="•"/>
-            </a:pPr>
-            <a:endParaRPr kumimoji="1" lang="en-US" altLang="ja-JP" sz="1000" dirty="0">
-              <a:solidFill>
-                <a:schemeClr val="tx1"/>
-              </a:solidFill>
-            </a:endParaRPr>
-          </a:p>
-        </p:txBody>
-      </p:sp>
-      <p:sp>
-        <p:nvSpPr>
-          <p:cNvPr id="17" name="正方形/長方形 6">
-            <a:extLst>
-              <a:ext uri="{FF2B5EF4-FFF2-40B4-BE49-F238E27FC236}">
-                <a16:creationId xmlns:a16="http://schemas.microsoft.com/office/drawing/2014/main" id="{717E9B06-3E16-452A-AE09-BF8F9F637D7D}"/>
-              </a:ext>
-            </a:extLst>
-          </p:cNvPr>
-          <p:cNvSpPr/>
-          <p:nvPr/>
-        </p:nvSpPr>
-        <p:spPr>
-          <a:xfrm>
-            <a:off x="7852397" y="3991928"/>
-            <a:ext cx="1818075" cy="1145447"/>
-          </a:xfrm>
-          <a:prstGeom prst="rect">
-            <a:avLst/>
-          </a:prstGeom>
-          <a:noFill/>
-          <a:ln w="19050">
-            <a:solidFill>
-              <a:schemeClr val="tx1"/>
-            </a:solidFill>
-          </a:ln>
-        </p:spPr>
-        <p:style>
-          <a:lnRef idx="2">
-            <a:schemeClr val="accent1">
-              <a:shade val="50000"/>
-            </a:schemeClr>
-          </a:lnRef>
-          <a:fillRef idx="1">
-            <a:schemeClr val="accent1"/>
-          </a:fillRef>
-          <a:effectRef idx="0">
-            <a:schemeClr val="accent1"/>
-          </a:effectRef>
-          <a:fontRef idx="minor">
-            <a:schemeClr val="lt1"/>
-          </a:fontRef>
-        </p:style>
-        <p:txBody>
-          <a:bodyPr rtlCol="0" anchor="ctr"/>
-          <a:lstStyle/>
-          <a:p>
-            <a:pPr marL="171450" indent="-171450">
-              <a:buFont typeface="Arial" panose="020B0604020202020204" pitchFamily="34" charset="0"/>
-              <a:buChar char="•"/>
-            </a:pPr>
-            <a:endParaRPr kumimoji="1" lang="en-US" altLang="ja-JP" sz="1000" dirty="0">
-              <a:solidFill>
-                <a:schemeClr val="tx1"/>
-              </a:solidFill>
-            </a:endParaRPr>
-          </a:p>
-        </p:txBody>
-      </p:sp>
-      <p:sp>
-        <p:nvSpPr>
-          <p:cNvPr id="18" name="正方形/長方形 6">
-            <a:extLst>
-              <a:ext uri="{FF2B5EF4-FFF2-40B4-BE49-F238E27FC236}">
-                <a16:creationId xmlns:a16="http://schemas.microsoft.com/office/drawing/2014/main" id="{270C8C2F-6CBD-42A8-AE1D-43C5DECACFDC}"/>
-              </a:ext>
-            </a:extLst>
-          </p:cNvPr>
-          <p:cNvSpPr/>
-          <p:nvPr/>
-        </p:nvSpPr>
-        <p:spPr>
-          <a:xfrm>
-            <a:off x="7852397" y="5985164"/>
-            <a:ext cx="1818075" cy="845010"/>
-          </a:xfrm>
-          <a:prstGeom prst="rect">
-            <a:avLst/>
-          </a:prstGeom>
-          <a:noFill/>
-          <a:ln w="19050">
-            <a:solidFill>
-              <a:schemeClr val="tx1"/>
-            </a:solidFill>
-          </a:ln>
-        </p:spPr>
-        <p:style>
-          <a:lnRef idx="2">
-            <a:schemeClr val="accent1">
-              <a:shade val="50000"/>
-            </a:schemeClr>
-          </a:lnRef>
-          <a:fillRef idx="1">
-            <a:schemeClr val="accent1"/>
-          </a:fillRef>
-          <a:effectRef idx="0">
-            <a:schemeClr val="accent1"/>
-          </a:effectRef>
-          <a:fontRef idx="minor">
-            <a:schemeClr val="lt1"/>
-          </a:fontRef>
-        </p:style>
-        <p:txBody>
-          <a:bodyPr rtlCol="0" anchor="ctr"/>
-          <a:lstStyle/>
-          <a:p>
-            <a:pPr marL="171450" indent="-171450">
-              <a:buFont typeface="Arial" panose="020B0604020202020204" pitchFamily="34" charset="0"/>
-              <a:buChar char="•"/>
-            </a:pPr>
-            <a:endParaRPr kumimoji="1" lang="en-US" altLang="ja-JP" sz="1000" dirty="0">
-              <a:solidFill>
-                <a:schemeClr val="tx1"/>
-              </a:solidFill>
-            </a:endParaRPr>
-          </a:p>
-        </p:txBody>
-      </p:sp>
-      <p:sp>
-        <p:nvSpPr>
-          <p:cNvPr id="19" name="タイトル 1">
-            <a:extLst>
-              <a:ext uri="{FF2B5EF4-FFF2-40B4-BE49-F238E27FC236}">
-                <a16:creationId xmlns:a16="http://schemas.microsoft.com/office/drawing/2014/main" id="{B22C5115-4DF1-4ECB-AA89-C67ED18E791B}"/>
-              </a:ext>
-            </a:extLst>
-          </p:cNvPr>
-          <p:cNvSpPr txBox="1">
-            <a:spLocks/>
-          </p:cNvSpPr>
-          <p:nvPr/>
-        </p:nvSpPr>
-        <p:spPr>
-          <a:xfrm>
-            <a:off x="614919" y="947156"/>
-            <a:ext cx="1213881" cy="298264"/>
-          </a:xfrm>
-          <a:prstGeom prst="rect">
-            <a:avLst/>
-          </a:prstGeom>
-        </p:spPr>
-        <p:txBody>
-          <a:bodyPr vert="horz" lIns="91440" tIns="45720" rIns="91440" bIns="45720" rtlCol="0" anchor="ctr">
-            <a:normAutofit lnSpcReduction="10000"/>
-          </a:bodyPr>
-          <a:lstStyle>
-            <a:lvl1pPr algn="l" defTabSz="914400" rtl="0" eaLnBrk="1" latinLnBrk="0" hangingPunct="1">
-              <a:lnSpc>
-                <a:spcPct val="90000"/>
-              </a:lnSpc>
-              <a:spcBef>
-                <a:spcPct val="0"/>
-              </a:spcBef>
-              <a:buNone/>
-              <a:defRPr kumimoji="1" sz="4400" kern="1200">
-                <a:solidFill>
-                  <a:schemeClr val="tx1"/>
-                </a:solidFill>
-                <a:latin typeface="+mj-lt"/>
-                <a:ea typeface="+mj-ea"/>
-                <a:cs typeface="+mj-cs"/>
-              </a:defRPr>
-            </a:lvl1pPr>
-          </a:lstStyle>
-          <a:p>
-            <a:pPr algn="ctr"/>
-            <a:r>
-              <a:rPr lang="ja-JP" altLang="en-US" sz="1500" u="sng" dirty="0"/>
-              <a:t>概要</a:t>
-            </a:r>
-          </a:p>
-        </p:txBody>
-      </p:sp>
-      <p:sp>
-        <p:nvSpPr>
-          <p:cNvPr id="20" name="タイトル 1">
-            <a:extLst>
-              <a:ext uri="{FF2B5EF4-FFF2-40B4-BE49-F238E27FC236}">
-                <a16:creationId xmlns:a16="http://schemas.microsoft.com/office/drawing/2014/main" id="{5C396315-E465-4357-9712-3E12F217F0D4}"/>
-              </a:ext>
-            </a:extLst>
-          </p:cNvPr>
-          <p:cNvSpPr txBox="1">
-            <a:spLocks/>
-          </p:cNvSpPr>
-          <p:nvPr/>
-        </p:nvSpPr>
-        <p:spPr>
-          <a:xfrm>
-            <a:off x="1885707" y="947156"/>
-            <a:ext cx="5909784" cy="298264"/>
-          </a:xfrm>
-          <a:prstGeom prst="rect">
-            <a:avLst/>
-          </a:prstGeom>
-        </p:spPr>
-        <p:txBody>
-          <a:bodyPr vert="horz" lIns="91440" tIns="45720" rIns="91440" bIns="45720" rtlCol="0" anchor="ctr">
-            <a:normAutofit lnSpcReduction="10000"/>
-          </a:bodyPr>
-          <a:lstStyle>
-            <a:lvl1pPr algn="l" defTabSz="914400" rtl="0" eaLnBrk="1" latinLnBrk="0" hangingPunct="1">
-              <a:lnSpc>
-                <a:spcPct val="90000"/>
-              </a:lnSpc>
-              <a:spcBef>
-                <a:spcPct val="0"/>
-              </a:spcBef>
-              <a:buNone/>
-              <a:defRPr kumimoji="1" sz="4400" kern="1200">
-                <a:solidFill>
-                  <a:schemeClr val="tx1"/>
-                </a:solidFill>
-                <a:latin typeface="+mj-lt"/>
-                <a:ea typeface="+mj-ea"/>
-                <a:cs typeface="+mj-cs"/>
-              </a:defRPr>
-            </a:lvl1pPr>
-          </a:lstStyle>
-          <a:p>
-            <a:pPr algn="ctr"/>
-            <a:r>
-              <a:rPr lang="ja-JP" altLang="en-US" sz="1500" u="sng" dirty="0"/>
-              <a:t>パーソナリティ</a:t>
-            </a:r>
-          </a:p>
-        </p:txBody>
-      </p:sp>
-      <p:sp>
-        <p:nvSpPr>
-          <p:cNvPr id="21" name="タイトル 1">
-            <a:extLst>
-              <a:ext uri="{FF2B5EF4-FFF2-40B4-BE49-F238E27FC236}">
-                <a16:creationId xmlns:a16="http://schemas.microsoft.com/office/drawing/2014/main" id="{0315826D-D862-40CA-831B-5B86DD4B3C35}"/>
-              </a:ext>
-            </a:extLst>
-          </p:cNvPr>
-          <p:cNvSpPr txBox="1">
-            <a:spLocks/>
-          </p:cNvSpPr>
-          <p:nvPr/>
-        </p:nvSpPr>
-        <p:spPr>
-          <a:xfrm>
-            <a:off x="7852396" y="947156"/>
-            <a:ext cx="1818076" cy="298264"/>
-          </a:xfrm>
-          <a:prstGeom prst="rect">
-            <a:avLst/>
-          </a:prstGeom>
-        </p:spPr>
-        <p:txBody>
-          <a:bodyPr vert="horz" lIns="91440" tIns="45720" rIns="91440" bIns="45720" rtlCol="0" anchor="ctr">
-            <a:normAutofit fontScale="92500"/>
-          </a:bodyPr>
-          <a:lstStyle>
-            <a:lvl1pPr algn="l" defTabSz="914400" rtl="0" eaLnBrk="1" latinLnBrk="0" hangingPunct="1">
-              <a:lnSpc>
-                <a:spcPct val="90000"/>
-              </a:lnSpc>
-              <a:spcBef>
-                <a:spcPct val="0"/>
-              </a:spcBef>
-              <a:buNone/>
-              <a:defRPr kumimoji="1" sz="4400" kern="1200">
-                <a:solidFill>
-                  <a:schemeClr val="tx1"/>
-                </a:solidFill>
-                <a:latin typeface="+mj-lt"/>
-                <a:ea typeface="+mj-ea"/>
-                <a:cs typeface="+mj-cs"/>
-              </a:defRPr>
-            </a:lvl1pPr>
-          </a:lstStyle>
-          <a:p>
-            <a:pPr algn="ctr"/>
-            <a:r>
-              <a:rPr lang="ja-JP" altLang="en-US" sz="1500" u="sng" dirty="0"/>
-              <a:t>サポートできること</a:t>
-            </a:r>
-          </a:p>
-        </p:txBody>
-      </p:sp>
-      <p:sp>
-        <p:nvSpPr>
-          <p:cNvPr id="22" name="正方形/長方形 6">
-            <a:extLst>
-              <a:ext uri="{FF2B5EF4-FFF2-40B4-BE49-F238E27FC236}">
-                <a16:creationId xmlns:a16="http://schemas.microsoft.com/office/drawing/2014/main" id="{35209100-C5BC-4186-B211-D4D720A5ED9C}"/>
-              </a:ext>
-            </a:extLst>
-          </p:cNvPr>
-          <p:cNvSpPr/>
-          <p:nvPr/>
-        </p:nvSpPr>
-        <p:spPr>
-          <a:xfrm>
-            <a:off x="1885707" y="5251991"/>
-            <a:ext cx="5909784" cy="648139"/>
-          </a:xfrm>
-          <a:prstGeom prst="rect">
-            <a:avLst/>
-          </a:prstGeom>
-          <a:noFill/>
-          <a:ln w="19050">
-            <a:solidFill>
-              <a:schemeClr val="tx1"/>
-            </a:solidFill>
-          </a:ln>
-        </p:spPr>
-        <p:style>
-          <a:lnRef idx="2">
-            <a:schemeClr val="accent1">
-              <a:shade val="50000"/>
-            </a:schemeClr>
-          </a:lnRef>
-          <a:fillRef idx="1">
-            <a:schemeClr val="accent1"/>
-          </a:fillRef>
-          <a:effectRef idx="0">
-            <a:schemeClr val="accent1"/>
-          </a:effectRef>
-          <a:fontRef idx="minor">
-            <a:schemeClr val="lt1"/>
-          </a:fontRef>
-        </p:style>
-        <p:txBody>
-          <a:bodyPr rtlCol="0" anchor="ctr"/>
-          <a:lstStyle/>
-          <a:p>
-            <a:pPr marL="171450" indent="-171450">
-              <a:buFont typeface="Arial" panose="020B0604020202020204" pitchFamily="34" charset="0"/>
-              <a:buChar char="•"/>
-            </a:pPr>
-            <a:endParaRPr kumimoji="1" lang="en-US" altLang="ja-JP" sz="1000" dirty="0">
-              <a:solidFill>
-                <a:schemeClr val="tx1"/>
-              </a:solidFill>
-            </a:endParaRPr>
-          </a:p>
-        </p:txBody>
-      </p:sp>
-      <p:sp>
-        <p:nvSpPr>
-          <p:cNvPr id="23" name="正方形/長方形 9">
-            <a:extLst>
-              <a:ext uri="{FF2B5EF4-FFF2-40B4-BE49-F238E27FC236}">
-                <a16:creationId xmlns:a16="http://schemas.microsoft.com/office/drawing/2014/main" id="{A43FA157-0B4E-4E23-949D-9BCBDFC32857}"/>
-              </a:ext>
-            </a:extLst>
-          </p:cNvPr>
-          <p:cNvSpPr/>
-          <p:nvPr/>
-        </p:nvSpPr>
-        <p:spPr>
-          <a:xfrm>
-            <a:off x="614919" y="5251991"/>
-            <a:ext cx="1213881" cy="648139"/>
-          </a:xfrm>
-          <a:prstGeom prst="rect">
-            <a:avLst/>
-          </a:prstGeom>
-          <a:solidFill>
-            <a:schemeClr val="bg1">
-              <a:lumMod val="50000"/>
-            </a:schemeClr>
-          </a:solidFill>
-          <a:ln w="19050">
-            <a:solidFill>
-              <a:schemeClr val="tx1"/>
-            </a:solidFill>
-          </a:ln>
-        </p:spPr>
-        <p:style>
-          <a:lnRef idx="2">
-            <a:schemeClr val="accent1">
-              <a:shade val="50000"/>
-            </a:schemeClr>
-          </a:lnRef>
-          <a:fillRef idx="1">
-            <a:schemeClr val="accent1"/>
-          </a:fillRef>
-          <a:effectRef idx="0">
-            <a:schemeClr val="accent1"/>
-          </a:effectRef>
-          <a:fontRef idx="minor">
-            <a:schemeClr val="lt1"/>
-          </a:fontRef>
-        </p:style>
-        <p:txBody>
-          <a:bodyPr rtlCol="0" anchor="ctr"/>
-          <a:lstStyle/>
-          <a:p>
-            <a:r>
-              <a:rPr kumimoji="1" lang="ja-JP" altLang="en-US" sz="1300" dirty="0">
-                <a:solidFill>
-                  <a:srgbClr val="FFFFFF"/>
-                </a:solidFill>
-              </a:rPr>
-              <a:t>なんちゃって留学帰り</a:t>
-            </a:r>
-          </a:p>
-        </p:txBody>
-      </p:sp>
-      <p:sp>
-        <p:nvSpPr>
-          <p:cNvPr id="24" name="正方形/長方形 6">
-            <a:extLst>
-              <a:ext uri="{FF2B5EF4-FFF2-40B4-BE49-F238E27FC236}">
-                <a16:creationId xmlns:a16="http://schemas.microsoft.com/office/drawing/2014/main" id="{A3817E02-C708-4CA7-9C11-45ECCA7FF144}"/>
-              </a:ext>
-            </a:extLst>
-          </p:cNvPr>
-          <p:cNvSpPr/>
-          <p:nvPr/>
-        </p:nvSpPr>
-        <p:spPr>
-          <a:xfrm>
-            <a:off x="7852397" y="5251991"/>
-            <a:ext cx="1818075" cy="648139"/>
-          </a:xfrm>
-          <a:prstGeom prst="rect">
-            <a:avLst/>
-          </a:prstGeom>
-          <a:noFill/>
-          <a:ln w="19050">
-            <a:solidFill>
-              <a:schemeClr val="tx1"/>
-            </a:solidFill>
-          </a:ln>
-        </p:spPr>
-        <p:style>
-          <a:lnRef idx="2">
-            <a:schemeClr val="accent1">
-              <a:shade val="50000"/>
-            </a:schemeClr>
-          </a:lnRef>
-          <a:fillRef idx="1">
-            <a:schemeClr val="accent1"/>
-          </a:fillRef>
-          <a:effectRef idx="0">
-            <a:schemeClr val="accent1"/>
-          </a:effectRef>
-          <a:fontRef idx="minor">
-            <a:schemeClr val="lt1"/>
-          </a:fontRef>
-        </p:style>
-        <p:txBody>
-          <a:bodyPr rtlCol="0" anchor="ctr"/>
-          <a:lstStyle/>
-          <a:p>
-            <a:pPr marL="171450" indent="-171450">
-              <a:buFont typeface="Arial" panose="020B0604020202020204" pitchFamily="34" charset="0"/>
-              <a:buChar char="•"/>
-            </a:pPr>
-            <a:endParaRPr kumimoji="1" lang="en-US" altLang="ja-JP" sz="1000" dirty="0">
-              <a:solidFill>
-                <a:schemeClr val="tx1"/>
-              </a:solidFill>
-            </a:endParaRPr>
-          </a:p>
-        </p:txBody>
-      </p:sp>
     </p:spTree>
     <p:extLst>
       <p:ext uri="{BB962C8B-B14F-4D97-AF65-F5344CB8AC3E}">
-        <p14:creationId xmlns:p14="http://schemas.microsoft.com/office/powerpoint/2010/main" val="1438993370"/>
+        <p14:creationId xmlns:p14="http://schemas.microsoft.com/office/powerpoint/2010/main" val="3053409641"/>
       </p:ext>
     </p:extLst>
   </p:cSld>
@@ -5419,6 +5003,120 @@
           <p:cNvPr id="2" name="タイトル 1">
             <a:extLst>
               <a:ext uri="{FF2B5EF4-FFF2-40B4-BE49-F238E27FC236}">
+                <a16:creationId xmlns:a16="http://schemas.microsoft.com/office/drawing/2014/main" id="{B8CB53AF-73C7-42FD-8451-63A5496E96DD}"/>
+              </a:ext>
+            </a:extLst>
+          </p:cNvPr>
+          <p:cNvSpPr>
+            <a:spLocks noGrp="1"/>
+          </p:cNvSpPr>
+          <p:nvPr>
+            <p:ph type="title"/>
+          </p:nvPr>
+        </p:nvSpPr>
+        <p:spPr/>
+        <p:txBody>
+          <a:bodyPr/>
+          <a:lstStyle/>
+          <a:p>
+            <a:endParaRPr kumimoji="1" lang="ja-JP" altLang="en-US"/>
+          </a:p>
+        </p:txBody>
+      </p:sp>
+      <p:sp>
+        <p:nvSpPr>
+          <p:cNvPr id="3" name="スライド番号プレースホルダー 2">
+            <a:extLst>
+              <a:ext uri="{FF2B5EF4-FFF2-40B4-BE49-F238E27FC236}">
+                <a16:creationId xmlns:a16="http://schemas.microsoft.com/office/drawing/2014/main" id="{30D89710-A07E-4861-AD15-DE5813AD32D2}"/>
+              </a:ext>
+            </a:extLst>
+          </p:cNvPr>
+          <p:cNvSpPr>
+            <a:spLocks noGrp="1"/>
+          </p:cNvSpPr>
+          <p:nvPr>
+            <p:ph type="sldNum" sz="quarter" idx="12"/>
+          </p:nvPr>
+        </p:nvSpPr>
+        <p:spPr/>
+        <p:txBody>
+          <a:bodyPr/>
+          <a:lstStyle/>
+          <a:p>
+            <a:fld id="{3AFE6E60-CD60-443C-BB33-38BE591B4EDC}" type="slidenum">
+              <a:rPr kumimoji="1" lang="ja-JP" altLang="en-US" smtClean="0"/>
+              <a:t>10</a:t>
+            </a:fld>
+            <a:endParaRPr kumimoji="1" lang="ja-JP" altLang="en-US"/>
+          </a:p>
+        </p:txBody>
+      </p:sp>
+      <p:pic>
+        <p:nvPicPr>
+          <p:cNvPr id="5" name="図 4">
+            <a:extLst>
+              <a:ext uri="{FF2B5EF4-FFF2-40B4-BE49-F238E27FC236}">
+                <a16:creationId xmlns:a16="http://schemas.microsoft.com/office/drawing/2014/main" id="{C86E6866-1F3B-473B-BBDA-C6BBAB1730E2}"/>
+              </a:ext>
+            </a:extLst>
+          </p:cNvPr>
+          <p:cNvPicPr>
+            <a:picLocks noChangeAspect="1"/>
+          </p:cNvPicPr>
+          <p:nvPr/>
+        </p:nvPicPr>
+        <p:blipFill>
+          <a:blip r:embed="rId2"/>
+          <a:stretch>
+            <a:fillRect/>
+          </a:stretch>
+        </p:blipFill>
+        <p:spPr>
+          <a:xfrm>
+            <a:off x="1337758" y="999786"/>
+            <a:ext cx="7230484" cy="4858428"/>
+          </a:xfrm>
+          <a:prstGeom prst="rect">
+            <a:avLst/>
+          </a:prstGeom>
+        </p:spPr>
+      </p:pic>
+    </p:spTree>
+    <p:extLst>
+      <p:ext uri="{BB962C8B-B14F-4D97-AF65-F5344CB8AC3E}">
+        <p14:creationId xmlns:p14="http://schemas.microsoft.com/office/powerpoint/2010/main" val="134984950"/>
+      </p:ext>
+    </p:extLst>
+  </p:cSld>
+  <p:clrMapOvr>
+    <a:masterClrMapping/>
+  </p:clrMapOvr>
+</p:sld>
+</file>
+
+<file path=ppt/slides/slide11.xml><?xml version="1.0" encoding="utf-8"?>
+<p:sld xmlns:a="http://schemas.openxmlformats.org/drawingml/2006/main" xmlns:r="http://schemas.openxmlformats.org/officeDocument/2006/relationships" xmlns:p="http://schemas.openxmlformats.org/presentationml/2006/main">
+  <p:cSld>
+    <p:spTree>
+      <p:nvGrpSpPr>
+        <p:cNvPr id="1" name=""/>
+        <p:cNvGrpSpPr/>
+        <p:nvPr/>
+      </p:nvGrpSpPr>
+      <p:grpSpPr>
+        <a:xfrm>
+          <a:off x="0" y="0"/>
+          <a:ext cx="0" cy="0"/>
+          <a:chOff x="0" y="0"/>
+          <a:chExt cx="0" cy="0"/>
+        </a:xfrm>
+      </p:grpSpPr>
+      <p:sp>
+        <p:nvSpPr>
+          <p:cNvPr id="2" name="タイトル 1">
+            <a:extLst>
+              <a:ext uri="{FF2B5EF4-FFF2-40B4-BE49-F238E27FC236}">
                 <a16:creationId xmlns:a16="http://schemas.microsoft.com/office/drawing/2014/main" id="{9B3EEB55-E4A8-4C4C-91B6-893F58FFF7B9}"/>
               </a:ext>
             </a:extLst>
@@ -5462,7 +5160,7 @@
           <a:p>
             <a:fld id="{3AFE6E60-CD60-443C-BB33-38BE591B4EDC}" type="slidenum">
               <a:rPr kumimoji="1" lang="ja-JP" altLang="en-US" smtClean="0"/>
-              <a:t>10</a:t>
+              <a:t>11</a:t>
             </a:fld>
             <a:endParaRPr kumimoji="1" lang="ja-JP" altLang="en-US"/>
           </a:p>
@@ -5511,7 +5209,7 @@
 </p:sld>
 </file>
 
-<file path=ppt/slides/slide11.xml><?xml version="1.0" encoding="utf-8"?>
+<file path=ppt/slides/slide12.xml><?xml version="1.0" encoding="utf-8"?>
 <p:sld xmlns:a="http://schemas.openxmlformats.org/drawingml/2006/main" xmlns:r="http://schemas.openxmlformats.org/officeDocument/2006/relationships" xmlns:p="http://schemas.openxmlformats.org/presentationml/2006/main">
   <p:cSld>
     <p:spTree>
@@ -5576,7 +5274,7 @@
           <a:p>
             <a:fld id="{3AFE6E60-CD60-443C-BB33-38BE591B4EDC}" type="slidenum">
               <a:rPr kumimoji="1" lang="ja-JP" altLang="en-US" smtClean="0"/>
-              <a:t>11</a:t>
+              <a:t>12</a:t>
             </a:fld>
             <a:endParaRPr kumimoji="1" lang="ja-JP" altLang="en-US"/>
           </a:p>
@@ -5625,7 +5323,7 @@
 </p:sld>
 </file>
 
-<file path=ppt/slides/slide12.xml><?xml version="1.0" encoding="utf-8"?>
+<file path=ppt/slides/slide13.xml><?xml version="1.0" encoding="utf-8"?>
 <p:sld xmlns:a="http://schemas.openxmlformats.org/drawingml/2006/main" xmlns:r="http://schemas.openxmlformats.org/officeDocument/2006/relationships" xmlns:p="http://schemas.openxmlformats.org/presentationml/2006/main">
   <p:cSld>
     <p:spTree>
@@ -5690,7 +5388,7 @@
           <a:p>
             <a:fld id="{3AFE6E60-CD60-443C-BB33-38BE591B4EDC}" type="slidenum">
               <a:rPr kumimoji="1" lang="ja-JP" altLang="en-US" smtClean="0"/>
-              <a:t>12</a:t>
+              <a:t>13</a:t>
             </a:fld>
             <a:endParaRPr kumimoji="1" lang="ja-JP" altLang="en-US"/>
           </a:p>
@@ -5739,7 +5437,7 @@
 </p:sld>
 </file>
 
-<file path=ppt/slides/slide13.xml><?xml version="1.0" encoding="utf-8"?>
+<file path=ppt/slides/slide14.xml><?xml version="1.0" encoding="utf-8"?>
 <p:sld xmlns:a="http://schemas.openxmlformats.org/drawingml/2006/main" xmlns:r="http://schemas.openxmlformats.org/officeDocument/2006/relationships" xmlns:p="http://schemas.openxmlformats.org/presentationml/2006/main">
   <p:cSld>
     <p:spTree>
@@ -5804,7 +5502,7 @@
           <a:p>
             <a:fld id="{3AFE6E60-CD60-443C-BB33-38BE591B4EDC}" type="slidenum">
               <a:rPr kumimoji="1" lang="ja-JP" altLang="en-US" smtClean="0"/>
-              <a:t>13</a:t>
+              <a:t>14</a:t>
             </a:fld>
             <a:endParaRPr kumimoji="1" lang="ja-JP" altLang="en-US"/>
           </a:p>
@@ -5853,7 +5551,7 @@
 </p:sld>
 </file>
 
-<file path=ppt/slides/slide14.xml><?xml version="1.0" encoding="utf-8"?>
+<file path=ppt/slides/slide15.xml><?xml version="1.0" encoding="utf-8"?>
 <p:sld xmlns:a="http://schemas.openxmlformats.org/drawingml/2006/main" xmlns:r="http://schemas.openxmlformats.org/officeDocument/2006/relationships" xmlns:p="http://schemas.openxmlformats.org/presentationml/2006/main">
   <p:cSld>
     <p:spTree>
@@ -5918,7 +5616,7 @@
           <a:p>
             <a:fld id="{3AFE6E60-CD60-443C-BB33-38BE591B4EDC}" type="slidenum">
               <a:rPr kumimoji="1" lang="ja-JP" altLang="en-US" smtClean="0"/>
-              <a:t>14</a:t>
+              <a:t>15</a:t>
             </a:fld>
             <a:endParaRPr kumimoji="1" lang="ja-JP" altLang="en-US"/>
           </a:p>
@@ -5967,7 +5665,7 @@
 </p:sld>
 </file>
 
-<file path=ppt/slides/slide15.xml><?xml version="1.0" encoding="utf-8"?>
+<file path=ppt/slides/slide16.xml><?xml version="1.0" encoding="utf-8"?>
 <p:sld xmlns:a="http://schemas.openxmlformats.org/drawingml/2006/main" xmlns:r="http://schemas.openxmlformats.org/officeDocument/2006/relationships" xmlns:p="http://schemas.openxmlformats.org/presentationml/2006/main">
   <p:cSld>
     <p:spTree>
@@ -6032,7 +5730,7 @@
           <a:p>
             <a:fld id="{3AFE6E60-CD60-443C-BB33-38BE591B4EDC}" type="slidenum">
               <a:rPr kumimoji="1" lang="ja-JP" altLang="en-US" smtClean="0"/>
-              <a:t>15</a:t>
+              <a:t>16</a:t>
             </a:fld>
             <a:endParaRPr kumimoji="1" lang="ja-JP" altLang="en-US"/>
           </a:p>
@@ -6081,7 +5779,7 @@
 </p:sld>
 </file>
 
-<file path=ppt/slides/slide16.xml><?xml version="1.0" encoding="utf-8"?>
+<file path=ppt/slides/slide17.xml><?xml version="1.0" encoding="utf-8"?>
 <p:sld xmlns:a="http://schemas.openxmlformats.org/drawingml/2006/main" xmlns:r="http://schemas.openxmlformats.org/officeDocument/2006/relationships" xmlns:p="http://schemas.openxmlformats.org/presentationml/2006/main">
   <p:cSld>
     <p:spTree>
@@ -6146,7 +5844,7 @@
           <a:p>
             <a:fld id="{3AFE6E60-CD60-443C-BB33-38BE591B4EDC}" type="slidenum">
               <a:rPr kumimoji="1" lang="ja-JP" altLang="en-US" smtClean="0"/>
-              <a:t>16</a:t>
+              <a:t>17</a:t>
             </a:fld>
             <a:endParaRPr kumimoji="1" lang="ja-JP" altLang="en-US"/>
           </a:p>
@@ -6341,7 +6039,7 @@
 </p:sld>
 </file>
 
-<file path=ppt/slides/slide17.xml><?xml version="1.0" encoding="utf-8"?>
+<file path=ppt/slides/slide18.xml><?xml version="1.0" encoding="utf-8"?>
 <p:sld xmlns:a="http://schemas.openxmlformats.org/drawingml/2006/main" xmlns:r="http://schemas.openxmlformats.org/officeDocument/2006/relationships" xmlns:p="http://schemas.openxmlformats.org/presentationml/2006/main">
   <p:cSld>
     <p:spTree>
@@ -6406,7 +6104,7 @@
           <a:p>
             <a:fld id="{3AFE6E60-CD60-443C-BB33-38BE591B4EDC}" type="slidenum">
               <a:rPr kumimoji="1" lang="ja-JP" altLang="en-US" smtClean="0"/>
-              <a:t>17</a:t>
+              <a:t>18</a:t>
             </a:fld>
             <a:endParaRPr kumimoji="1" lang="ja-JP" altLang="en-US"/>
           </a:p>
@@ -6576,7 +6274,7 @@
 </p:sld>
 </file>
 
-<file path=ppt/slides/slide18.xml><?xml version="1.0" encoding="utf-8"?>
+<file path=ppt/slides/slide19.xml><?xml version="1.0" encoding="utf-8"?>
 <p:sld xmlns:a="http://schemas.openxmlformats.org/drawingml/2006/main" xmlns:r="http://schemas.openxmlformats.org/officeDocument/2006/relationships" xmlns:p="http://schemas.openxmlformats.org/presentationml/2006/main">
   <p:cSld>
     <p:spTree>
@@ -6641,7 +6339,7 @@
           <a:p>
             <a:fld id="{3AFE6E60-CD60-443C-BB33-38BE591B4EDC}" type="slidenum">
               <a:rPr kumimoji="1" lang="ja-JP" altLang="en-US" smtClean="0"/>
-              <a:t>18</a:t>
+              <a:t>19</a:t>
             </a:fld>
             <a:endParaRPr kumimoji="1" lang="ja-JP" altLang="en-US"/>
           </a:p>
@@ -6690,7 +6388,7 @@
 </p:sld>
 </file>
 
-<file path=ppt/slides/slide19.xml><?xml version="1.0" encoding="utf-8"?>
+<file path=ppt/slides/slide2.xml><?xml version="1.0" encoding="utf-8"?>
 <p:sld xmlns:a="http://schemas.openxmlformats.org/drawingml/2006/main" xmlns:r="http://schemas.openxmlformats.org/officeDocument/2006/relationships" xmlns:p="http://schemas.openxmlformats.org/presentationml/2006/main">
   <p:cSld>
     <p:spTree>
@@ -6712,6 +6410,1614 @@
           <p:cNvPr id="2" name="タイトル 1">
             <a:extLst>
               <a:ext uri="{FF2B5EF4-FFF2-40B4-BE49-F238E27FC236}">
+                <a16:creationId xmlns:a16="http://schemas.microsoft.com/office/drawing/2014/main" id="{C11D935B-1BCE-4F05-BD7B-727BCFAD598A}"/>
+              </a:ext>
+            </a:extLst>
+          </p:cNvPr>
+          <p:cNvSpPr>
+            <a:spLocks noGrp="1"/>
+          </p:cNvSpPr>
+          <p:nvPr>
+            <p:ph type="title"/>
+          </p:nvPr>
+        </p:nvSpPr>
+        <p:spPr>
+          <a:xfrm>
+            <a:off x="681037" y="36307"/>
+            <a:ext cx="8543925" cy="599377"/>
+          </a:xfrm>
+        </p:spPr>
+        <p:txBody>
+          <a:bodyPr>
+            <a:normAutofit/>
+          </a:bodyPr>
+          <a:lstStyle/>
+          <a:p>
+            <a:r>
+              <a:rPr kumimoji="1" lang="ja-JP" altLang="en-US" sz="1500" dirty="0"/>
+              <a:t>森でなく木を見る→具体を想像する</a:t>
+            </a:r>
+            <a:br>
+              <a:rPr kumimoji="1" lang="en-US" altLang="ja-JP" sz="1500" dirty="0"/>
+            </a:br>
+            <a:r>
+              <a:rPr kumimoji="1" lang="en-US" altLang="ja-JP" sz="1500" dirty="0"/>
+              <a:t>MECE</a:t>
+            </a:r>
+            <a:r>
+              <a:rPr kumimoji="1" lang="ja-JP" altLang="en-US" sz="1500" dirty="0"/>
+              <a:t>でなくてよい、想像でよいのでペルソナをいくつか挙げる</a:t>
+            </a:r>
+          </a:p>
+        </p:txBody>
+      </p:sp>
+      <p:sp>
+        <p:nvSpPr>
+          <p:cNvPr id="7" name="正方形/長方形 6">
+            <a:extLst>
+              <a:ext uri="{FF2B5EF4-FFF2-40B4-BE49-F238E27FC236}">
+                <a16:creationId xmlns:a16="http://schemas.microsoft.com/office/drawing/2014/main" id="{1C09920F-08F4-4EE4-B7B7-0DDCE1D992D7}"/>
+              </a:ext>
+            </a:extLst>
+          </p:cNvPr>
+          <p:cNvSpPr/>
+          <p:nvPr/>
+        </p:nvSpPr>
+        <p:spPr>
+          <a:xfrm>
+            <a:off x="1885707" y="1258629"/>
+            <a:ext cx="5909784" cy="2618683"/>
+          </a:xfrm>
+          <a:prstGeom prst="rect">
+            <a:avLst/>
+          </a:prstGeom>
+          <a:noFill/>
+          <a:ln w="19050">
+            <a:solidFill>
+              <a:schemeClr val="tx1"/>
+            </a:solidFill>
+          </a:ln>
+        </p:spPr>
+        <p:style>
+          <a:lnRef idx="2">
+            <a:schemeClr val="accent1">
+              <a:shade val="50000"/>
+            </a:schemeClr>
+          </a:lnRef>
+          <a:fillRef idx="1">
+            <a:schemeClr val="accent1"/>
+          </a:fillRef>
+          <a:effectRef idx="0">
+            <a:schemeClr val="accent1"/>
+          </a:effectRef>
+          <a:fontRef idx="minor">
+            <a:schemeClr val="lt1"/>
+          </a:fontRef>
+        </p:style>
+        <p:txBody>
+          <a:bodyPr rtlCol="0" anchor="ctr"/>
+          <a:lstStyle/>
+          <a:p>
+            <a:pPr marL="171450" indent="-171450">
+              <a:buFont typeface="Arial" panose="020B0604020202020204" pitchFamily="34" charset="0"/>
+              <a:buChar char="•"/>
+            </a:pPr>
+            <a:r>
+              <a:rPr kumimoji="1" lang="ja-JP" altLang="en-US" sz="1000" dirty="0">
+                <a:solidFill>
+                  <a:schemeClr val="tx1"/>
+                </a:solidFill>
+              </a:rPr>
+              <a:t>海外旅行好き</a:t>
+            </a:r>
+            <a:endParaRPr kumimoji="1" lang="en-US" altLang="ja-JP" sz="1000" dirty="0">
+              <a:solidFill>
+                <a:schemeClr val="tx1"/>
+              </a:solidFill>
+            </a:endParaRPr>
+          </a:p>
+          <a:p>
+            <a:pPr marL="171450" indent="-171450">
+              <a:buFont typeface="Arial" panose="020B0604020202020204" pitchFamily="34" charset="0"/>
+              <a:buChar char="•"/>
+            </a:pPr>
+            <a:r>
+              <a:rPr kumimoji="1" lang="ja-JP" altLang="en-US" sz="1000" dirty="0">
+                <a:solidFill>
+                  <a:schemeClr val="tx1"/>
+                </a:solidFill>
+              </a:rPr>
+              <a:t>旅行時に現地人とコミュニケーション取りたい</a:t>
+            </a:r>
+            <a:endParaRPr kumimoji="1" lang="en-US" altLang="ja-JP" sz="1000" dirty="0">
+              <a:solidFill>
+                <a:schemeClr val="tx1"/>
+              </a:solidFill>
+            </a:endParaRPr>
+          </a:p>
+          <a:p>
+            <a:pPr marL="171450" indent="-171450">
+              <a:buFont typeface="Arial" panose="020B0604020202020204" pitchFamily="34" charset="0"/>
+              <a:buChar char="•"/>
+            </a:pPr>
+            <a:r>
+              <a:rPr kumimoji="1" lang="ja-JP" altLang="en-US" sz="1000" dirty="0">
+                <a:solidFill>
+                  <a:schemeClr val="tx1"/>
+                </a:solidFill>
+              </a:rPr>
+              <a:t>英語話せる自分がかっこいい</a:t>
+            </a:r>
+            <a:r>
+              <a:rPr kumimoji="1" lang="en-US" altLang="ja-JP" sz="1000" dirty="0">
+                <a:solidFill>
+                  <a:schemeClr val="tx1"/>
+                </a:solidFill>
+              </a:rPr>
+              <a:t>(</a:t>
+            </a:r>
+            <a:r>
+              <a:rPr kumimoji="1" lang="ja-JP" altLang="en-US" sz="1000" dirty="0">
+                <a:solidFill>
+                  <a:schemeClr val="tx1"/>
+                </a:solidFill>
+              </a:rPr>
+              <a:t>←理想</a:t>
+            </a:r>
+            <a:r>
+              <a:rPr kumimoji="1" lang="en-US" altLang="ja-JP" sz="1000" dirty="0">
+                <a:solidFill>
+                  <a:schemeClr val="tx1"/>
+                </a:solidFill>
+              </a:rPr>
+              <a:t>)</a:t>
+            </a:r>
+          </a:p>
+          <a:p>
+            <a:pPr marL="171450" indent="-171450">
+              <a:buFont typeface="Arial" panose="020B0604020202020204" pitchFamily="34" charset="0"/>
+              <a:buChar char="•"/>
+            </a:pPr>
+            <a:r>
+              <a:rPr kumimoji="1" lang="ja-JP" altLang="en-US" sz="1000" dirty="0">
+                <a:solidFill>
+                  <a:schemeClr val="tx1"/>
+                </a:solidFill>
+              </a:rPr>
+              <a:t>受験勉強はしていたため、聞くのはそこそこ、話すのはあんまり</a:t>
+            </a:r>
+            <a:r>
+              <a:rPr kumimoji="1" lang="en-US" altLang="ja-JP" sz="1000" dirty="0">
+                <a:solidFill>
+                  <a:schemeClr val="tx1"/>
+                </a:solidFill>
+              </a:rPr>
+              <a:t>….</a:t>
+            </a:r>
+          </a:p>
+          <a:p>
+            <a:pPr marL="171450" indent="-171450">
+              <a:buFont typeface="Arial" panose="020B0604020202020204" pitchFamily="34" charset="0"/>
+              <a:buChar char="•"/>
+            </a:pPr>
+            <a:r>
+              <a:rPr kumimoji="1" lang="ja-JP" altLang="en-US" sz="1000" dirty="0">
+                <a:solidFill>
+                  <a:schemeClr val="tx1"/>
+                </a:solidFill>
+              </a:rPr>
+              <a:t>仕事はデスクワーク、残業もそこそこ</a:t>
+            </a:r>
+            <a:r>
+              <a:rPr kumimoji="1" lang="en-US" altLang="ja-JP" sz="1000" dirty="0">
+                <a:solidFill>
+                  <a:schemeClr val="tx1"/>
+                </a:solidFill>
+              </a:rPr>
+              <a:t>(</a:t>
+            </a:r>
+            <a:r>
+              <a:rPr kumimoji="1" lang="ja-JP" altLang="en-US" sz="1000" dirty="0">
+                <a:solidFill>
+                  <a:schemeClr val="tx1"/>
+                </a:solidFill>
+              </a:rPr>
+              <a:t>～</a:t>
+            </a:r>
+            <a:r>
+              <a:rPr kumimoji="1" lang="en-US" altLang="ja-JP" sz="1000" dirty="0">
+                <a:solidFill>
+                  <a:schemeClr val="tx1"/>
+                </a:solidFill>
+              </a:rPr>
+              <a:t>20</a:t>
+            </a:r>
+            <a:r>
+              <a:rPr kumimoji="1" lang="ja-JP" altLang="en-US" sz="1000" dirty="0">
+                <a:solidFill>
+                  <a:schemeClr val="tx1"/>
+                </a:solidFill>
+              </a:rPr>
+              <a:t>時とか</a:t>
+            </a:r>
+            <a:r>
+              <a:rPr kumimoji="1" lang="en-US" altLang="ja-JP" sz="1000" dirty="0">
+                <a:solidFill>
+                  <a:schemeClr val="tx1"/>
+                </a:solidFill>
+              </a:rPr>
+              <a:t>)</a:t>
+            </a:r>
+            <a:r>
+              <a:rPr kumimoji="1" lang="ja-JP" altLang="en-US" sz="1000" dirty="0">
+                <a:solidFill>
+                  <a:schemeClr val="tx1"/>
+                </a:solidFill>
+              </a:rPr>
+              <a:t>、平日家に帰ってから勉強するモチベは</a:t>
+            </a:r>
+            <a:r>
+              <a:rPr kumimoji="1" lang="en-US" altLang="ja-JP" sz="1000" dirty="0">
+                <a:solidFill>
+                  <a:schemeClr val="tx1"/>
+                </a:solidFill>
+              </a:rPr>
+              <a:t>0</a:t>
+            </a:r>
+          </a:p>
+          <a:p>
+            <a:pPr marL="171450" indent="-171450">
+              <a:buFont typeface="Arial" panose="020B0604020202020204" pitchFamily="34" charset="0"/>
+              <a:buChar char="•"/>
+            </a:pPr>
+            <a:r>
+              <a:rPr kumimoji="1" lang="ja-JP" altLang="en-US" sz="1000" dirty="0">
+                <a:solidFill>
+                  <a:schemeClr val="tx1"/>
+                </a:solidFill>
+              </a:rPr>
+              <a:t>ただ基本そんなに忙しくないため、土日とかは割と時間取れる</a:t>
+            </a:r>
+            <a:endParaRPr kumimoji="1" lang="en-US" altLang="ja-JP" sz="1000" dirty="0">
+              <a:solidFill>
+                <a:schemeClr val="tx1"/>
+              </a:solidFill>
+            </a:endParaRPr>
+          </a:p>
+          <a:p>
+            <a:pPr marL="171450" indent="-171450">
+              <a:buFont typeface="Arial" panose="020B0604020202020204" pitchFamily="34" charset="0"/>
+              <a:buChar char="•"/>
+            </a:pPr>
+            <a:r>
+              <a:rPr kumimoji="1" lang="ja-JP" altLang="en-US" sz="1000" dirty="0">
+                <a:solidFill>
+                  <a:schemeClr val="tx1"/>
+                </a:solidFill>
+              </a:rPr>
+              <a:t>若い独身女性</a:t>
+            </a:r>
+            <a:endParaRPr kumimoji="1" lang="en-US" altLang="ja-JP" sz="1000" dirty="0">
+              <a:solidFill>
+                <a:schemeClr val="tx1"/>
+              </a:solidFill>
+            </a:endParaRPr>
+          </a:p>
+          <a:p>
+            <a:pPr marL="171450" indent="-171450">
+              <a:buFont typeface="Arial" panose="020B0604020202020204" pitchFamily="34" charset="0"/>
+              <a:buChar char="•"/>
+            </a:pPr>
+            <a:r>
+              <a:rPr kumimoji="1" lang="ja-JP" altLang="en-US" sz="1000" dirty="0">
+                <a:solidFill>
+                  <a:schemeClr val="tx1"/>
+                </a:solidFill>
+              </a:rPr>
+              <a:t>ライトな旅行好き</a:t>
+            </a:r>
+            <a:r>
+              <a:rPr kumimoji="1" lang="en-US" altLang="ja-JP" sz="1000" dirty="0">
+                <a:solidFill>
+                  <a:schemeClr val="tx1"/>
+                </a:solidFill>
+              </a:rPr>
+              <a:t>(</a:t>
+            </a:r>
+            <a:r>
+              <a:rPr kumimoji="1" lang="ja-JP" altLang="en-US" sz="1000" dirty="0">
+                <a:solidFill>
+                  <a:schemeClr val="tx1"/>
+                </a:solidFill>
+              </a:rPr>
+              <a:t>西・中欧とか</a:t>
+            </a:r>
+            <a:r>
+              <a:rPr kumimoji="1" lang="en-US" altLang="ja-JP" sz="1000" dirty="0">
+                <a:solidFill>
+                  <a:schemeClr val="tx1"/>
+                </a:solidFill>
+              </a:rPr>
+              <a:t>)</a:t>
+            </a:r>
+            <a:r>
+              <a:rPr kumimoji="1" lang="ja-JP" altLang="en-US" sz="1000" dirty="0">
+                <a:solidFill>
+                  <a:schemeClr val="tx1"/>
+                </a:solidFill>
+              </a:rPr>
+              <a:t>、メジャーな場所しか行ってないので英語＝オールマイティの認識</a:t>
+            </a:r>
+            <a:endParaRPr kumimoji="1" lang="en-US" altLang="ja-JP" sz="1000" dirty="0">
+              <a:solidFill>
+                <a:schemeClr val="tx1"/>
+              </a:solidFill>
+            </a:endParaRPr>
+          </a:p>
+          <a:p>
+            <a:pPr marL="171450" indent="-171450">
+              <a:buFont typeface="Arial" panose="020B0604020202020204" pitchFamily="34" charset="0"/>
+              <a:buChar char="•"/>
+            </a:pPr>
+            <a:r>
+              <a:rPr kumimoji="1" lang="ja-JP" altLang="en-US" sz="1000" dirty="0">
+                <a:solidFill>
+                  <a:schemeClr val="tx1"/>
+                </a:solidFill>
+              </a:rPr>
+              <a:t>そもそもあんまり話せていないので、目的の場所で英語が通じるかどうかも知らない</a:t>
+            </a:r>
+            <a:endParaRPr kumimoji="1" lang="en-US" altLang="ja-JP" sz="1000" dirty="0">
+              <a:solidFill>
+                <a:schemeClr val="tx1"/>
+              </a:solidFill>
+            </a:endParaRPr>
+          </a:p>
+          <a:p>
+            <a:pPr marL="171450" indent="-171450">
+              <a:buFont typeface="Arial" panose="020B0604020202020204" pitchFamily="34" charset="0"/>
+              <a:buChar char="•"/>
+            </a:pPr>
+            <a:r>
+              <a:rPr kumimoji="1" lang="ja-JP" altLang="en-US" sz="1000" dirty="0">
+                <a:solidFill>
+                  <a:schemeClr val="tx1"/>
+                </a:solidFill>
+              </a:rPr>
+              <a:t>モチベーションが低いので、オンライン英会話を始めても</a:t>
+            </a:r>
+            <a:r>
+              <a:rPr kumimoji="1" lang="en-US" altLang="ja-JP" sz="1000" dirty="0">
+                <a:solidFill>
+                  <a:schemeClr val="tx1"/>
+                </a:solidFill>
+              </a:rPr>
+              <a:t>5</a:t>
+            </a:r>
+            <a:r>
+              <a:rPr kumimoji="1" lang="ja-JP" altLang="en-US" sz="1000" dirty="0">
+                <a:solidFill>
+                  <a:schemeClr val="tx1"/>
+                </a:solidFill>
+              </a:rPr>
+              <a:t>回に満たずやめる→再開を繰り返している</a:t>
+            </a:r>
+            <a:endParaRPr kumimoji="1" lang="en-US" altLang="ja-JP" sz="1000" dirty="0">
+              <a:solidFill>
+                <a:schemeClr val="tx1"/>
+              </a:solidFill>
+            </a:endParaRPr>
+          </a:p>
+          <a:p>
+            <a:pPr marL="171450" indent="-171450">
+              <a:buFont typeface="Arial" panose="020B0604020202020204" pitchFamily="34" charset="0"/>
+              <a:buChar char="•"/>
+            </a:pPr>
+            <a:r>
+              <a:rPr kumimoji="1" lang="ja-JP" altLang="en-US" sz="1000" dirty="0">
+                <a:solidFill>
+                  <a:schemeClr val="tx1"/>
+                </a:solidFill>
+              </a:rPr>
+              <a:t>基本飽きっぽいが、たまに英語勉強したいなあと思い出す</a:t>
+            </a:r>
+            <a:endParaRPr kumimoji="1" lang="en-US" altLang="ja-JP" sz="1000" dirty="0">
+              <a:solidFill>
+                <a:schemeClr val="tx1"/>
+              </a:solidFill>
+            </a:endParaRPr>
+          </a:p>
+          <a:p>
+            <a:pPr marL="171450" indent="-171450">
+              <a:buFont typeface="Arial" panose="020B0604020202020204" pitchFamily="34" charset="0"/>
+              <a:buChar char="•"/>
+            </a:pPr>
+            <a:r>
+              <a:rPr kumimoji="1" lang="ja-JP" altLang="en-US" sz="1000" dirty="0">
+                <a:solidFill>
+                  <a:schemeClr val="tx1"/>
+                </a:solidFill>
+              </a:rPr>
+              <a:t>勉強代として月に出すのは</a:t>
+            </a:r>
+            <a:r>
+              <a:rPr kumimoji="1" lang="en-US" altLang="ja-JP" sz="1000" dirty="0">
+                <a:solidFill>
+                  <a:schemeClr val="tx1"/>
+                </a:solidFill>
+              </a:rPr>
+              <a:t>5000</a:t>
+            </a:r>
+            <a:r>
+              <a:rPr kumimoji="1" lang="ja-JP" altLang="en-US" sz="1000" dirty="0">
+                <a:solidFill>
+                  <a:schemeClr val="tx1"/>
+                </a:solidFill>
+              </a:rPr>
+              <a:t>円くらいが限度</a:t>
+            </a:r>
+            <a:br>
+              <a:rPr kumimoji="1" lang="en-US" altLang="ja-JP" sz="1000" dirty="0">
+                <a:solidFill>
+                  <a:schemeClr val="tx1"/>
+                </a:solidFill>
+              </a:rPr>
+            </a:br>
+            <a:r>
+              <a:rPr kumimoji="1" lang="en-US" altLang="ja-JP" sz="1000" dirty="0">
+                <a:solidFill>
+                  <a:schemeClr val="tx1"/>
+                </a:solidFill>
+              </a:rPr>
+              <a:t>※</a:t>
+            </a:r>
+            <a:r>
+              <a:rPr kumimoji="1" lang="ja-JP" altLang="en-US" sz="1000" dirty="0">
+                <a:solidFill>
+                  <a:schemeClr val="tx1"/>
+                </a:solidFill>
+              </a:rPr>
+              <a:t>収入はある程度あるため金出すこと自体に拒否反応はないが、自分が熱心に取り組まないことを知っている（対効果が上がらないことを知っている）ため、出せてもこの額</a:t>
+            </a:r>
+            <a:endParaRPr kumimoji="1" lang="en-US" altLang="ja-JP" sz="1000" dirty="0">
+              <a:solidFill>
+                <a:schemeClr val="tx1"/>
+              </a:solidFill>
+            </a:endParaRPr>
+          </a:p>
+        </p:txBody>
+      </p:sp>
+      <p:sp>
+        <p:nvSpPr>
+          <p:cNvPr id="10" name="正方形/長方形 9">
+            <a:extLst>
+              <a:ext uri="{FF2B5EF4-FFF2-40B4-BE49-F238E27FC236}">
+                <a16:creationId xmlns:a16="http://schemas.microsoft.com/office/drawing/2014/main" id="{761A3533-0CDB-44EE-9AA7-78EA260F5B80}"/>
+              </a:ext>
+            </a:extLst>
+          </p:cNvPr>
+          <p:cNvSpPr/>
+          <p:nvPr/>
+        </p:nvSpPr>
+        <p:spPr>
+          <a:xfrm>
+            <a:off x="614919" y="1258629"/>
+            <a:ext cx="1213881" cy="2618683"/>
+          </a:xfrm>
+          <a:prstGeom prst="rect">
+            <a:avLst/>
+          </a:prstGeom>
+          <a:solidFill>
+            <a:schemeClr val="bg1">
+              <a:lumMod val="50000"/>
+            </a:schemeClr>
+          </a:solidFill>
+          <a:ln w="19050">
+            <a:solidFill>
+              <a:schemeClr val="tx1"/>
+            </a:solidFill>
+          </a:ln>
+        </p:spPr>
+        <p:style>
+          <a:lnRef idx="2">
+            <a:schemeClr val="accent1">
+              <a:shade val="50000"/>
+            </a:schemeClr>
+          </a:lnRef>
+          <a:fillRef idx="1">
+            <a:schemeClr val="accent1"/>
+          </a:fillRef>
+          <a:effectRef idx="0">
+            <a:schemeClr val="accent1"/>
+          </a:effectRef>
+          <a:fontRef idx="minor">
+            <a:schemeClr val="lt1"/>
+          </a:fontRef>
+        </p:style>
+        <p:txBody>
+          <a:bodyPr rtlCol="0" anchor="ctr"/>
+          <a:lstStyle/>
+          <a:p>
+            <a:r>
+              <a:rPr kumimoji="1" lang="ja-JP" altLang="en-US" sz="1300" dirty="0">
+                <a:solidFill>
+                  <a:srgbClr val="FFFFFF"/>
+                </a:solidFill>
+              </a:rPr>
+              <a:t>海外旅行好きスイーツ女子</a:t>
+            </a:r>
+          </a:p>
+        </p:txBody>
+      </p:sp>
+      <p:sp>
+        <p:nvSpPr>
+          <p:cNvPr id="12" name="正方形/長方形 6">
+            <a:extLst>
+              <a:ext uri="{FF2B5EF4-FFF2-40B4-BE49-F238E27FC236}">
+                <a16:creationId xmlns:a16="http://schemas.microsoft.com/office/drawing/2014/main" id="{84D925AC-4A80-4CDB-9D69-7935CE64B019}"/>
+              </a:ext>
+            </a:extLst>
+          </p:cNvPr>
+          <p:cNvSpPr/>
+          <p:nvPr/>
+        </p:nvSpPr>
+        <p:spPr>
+          <a:xfrm>
+            <a:off x="1885707" y="3991928"/>
+            <a:ext cx="5909784" cy="1145447"/>
+          </a:xfrm>
+          <a:prstGeom prst="rect">
+            <a:avLst/>
+          </a:prstGeom>
+          <a:noFill/>
+          <a:ln w="19050">
+            <a:solidFill>
+              <a:schemeClr val="tx1"/>
+            </a:solidFill>
+          </a:ln>
+        </p:spPr>
+        <p:style>
+          <a:lnRef idx="2">
+            <a:schemeClr val="accent1">
+              <a:shade val="50000"/>
+            </a:schemeClr>
+          </a:lnRef>
+          <a:fillRef idx="1">
+            <a:schemeClr val="accent1"/>
+          </a:fillRef>
+          <a:effectRef idx="0">
+            <a:schemeClr val="accent1"/>
+          </a:effectRef>
+          <a:fontRef idx="minor">
+            <a:schemeClr val="lt1"/>
+          </a:fontRef>
+        </p:style>
+        <p:txBody>
+          <a:bodyPr rtlCol="0" anchor="ctr"/>
+          <a:lstStyle/>
+          <a:p>
+            <a:pPr marL="171450" indent="-171450">
+              <a:buFont typeface="Arial" panose="020B0604020202020204" pitchFamily="34" charset="0"/>
+              <a:buChar char="•"/>
+            </a:pPr>
+            <a:r>
+              <a:rPr kumimoji="1" lang="ja-JP" altLang="en-US" sz="1000" dirty="0">
+                <a:solidFill>
+                  <a:schemeClr val="tx1"/>
+                </a:solidFill>
+              </a:rPr>
+              <a:t>基本割と時間ある</a:t>
+            </a:r>
+            <a:endParaRPr kumimoji="1" lang="en-US" altLang="ja-JP" sz="1000" dirty="0">
+              <a:solidFill>
+                <a:schemeClr val="tx1"/>
+              </a:solidFill>
+            </a:endParaRPr>
+          </a:p>
+          <a:p>
+            <a:pPr marL="171450" indent="-171450">
+              <a:buFont typeface="Arial" panose="020B0604020202020204" pitchFamily="34" charset="0"/>
+              <a:buChar char="•"/>
+            </a:pPr>
+            <a:r>
+              <a:rPr kumimoji="1" lang="ja-JP" altLang="en-US" sz="1000" dirty="0">
+                <a:solidFill>
+                  <a:schemeClr val="tx1"/>
+                </a:solidFill>
+              </a:rPr>
+              <a:t>趣味を探している</a:t>
+            </a:r>
+            <a:endParaRPr kumimoji="1" lang="en-US" altLang="ja-JP" sz="1000" dirty="0">
+              <a:solidFill>
+                <a:schemeClr val="tx1"/>
+              </a:solidFill>
+            </a:endParaRPr>
+          </a:p>
+          <a:p>
+            <a:pPr marL="171450" indent="-171450">
+              <a:buFont typeface="Arial" panose="020B0604020202020204" pitchFamily="34" charset="0"/>
+              <a:buChar char="•"/>
+            </a:pPr>
+            <a:r>
+              <a:rPr kumimoji="1" lang="ja-JP" altLang="en-US" sz="1000" dirty="0">
+                <a:solidFill>
+                  <a:schemeClr val="tx1"/>
+                </a:solidFill>
+              </a:rPr>
+              <a:t>話したい</a:t>
+            </a:r>
+            <a:r>
+              <a:rPr kumimoji="1" lang="en-US" altLang="ja-JP" sz="1000" dirty="0">
+                <a:solidFill>
+                  <a:schemeClr val="tx1"/>
+                </a:solidFill>
+              </a:rPr>
+              <a:t>(</a:t>
+            </a:r>
+            <a:r>
+              <a:rPr kumimoji="1" lang="ja-JP" altLang="en-US" sz="1000" dirty="0">
+                <a:solidFill>
+                  <a:schemeClr val="tx1"/>
+                </a:solidFill>
+              </a:rPr>
+              <a:t>言語問わず</a:t>
+            </a:r>
+            <a:r>
+              <a:rPr kumimoji="1" lang="en-US" altLang="ja-JP" sz="1000" dirty="0">
+                <a:solidFill>
+                  <a:schemeClr val="tx1"/>
+                </a:solidFill>
+              </a:rPr>
+              <a:t>)</a:t>
+            </a:r>
+          </a:p>
+          <a:p>
+            <a:pPr marL="171450" indent="-171450">
+              <a:buFont typeface="Arial" panose="020B0604020202020204" pitchFamily="34" charset="0"/>
+              <a:buChar char="•"/>
+            </a:pPr>
+            <a:endParaRPr kumimoji="1" lang="en-US" altLang="ja-JP" sz="1000" dirty="0">
+              <a:solidFill>
+                <a:schemeClr val="tx1"/>
+              </a:solidFill>
+            </a:endParaRPr>
+          </a:p>
+        </p:txBody>
+      </p:sp>
+      <p:sp>
+        <p:nvSpPr>
+          <p:cNvPr id="13" name="正方形/長方形 9">
+            <a:extLst>
+              <a:ext uri="{FF2B5EF4-FFF2-40B4-BE49-F238E27FC236}">
+                <a16:creationId xmlns:a16="http://schemas.microsoft.com/office/drawing/2014/main" id="{DA2E60F1-2D54-42AC-9DE2-9D2354F7179E}"/>
+              </a:ext>
+            </a:extLst>
+          </p:cNvPr>
+          <p:cNvSpPr/>
+          <p:nvPr/>
+        </p:nvSpPr>
+        <p:spPr>
+          <a:xfrm>
+            <a:off x="614919" y="3991928"/>
+            <a:ext cx="1213881" cy="1145447"/>
+          </a:xfrm>
+          <a:prstGeom prst="rect">
+            <a:avLst/>
+          </a:prstGeom>
+          <a:solidFill>
+            <a:schemeClr val="bg1">
+              <a:lumMod val="50000"/>
+            </a:schemeClr>
+          </a:solidFill>
+          <a:ln w="19050">
+            <a:solidFill>
+              <a:schemeClr val="tx1"/>
+            </a:solidFill>
+          </a:ln>
+        </p:spPr>
+        <p:style>
+          <a:lnRef idx="2">
+            <a:schemeClr val="accent1">
+              <a:shade val="50000"/>
+            </a:schemeClr>
+          </a:lnRef>
+          <a:fillRef idx="1">
+            <a:schemeClr val="accent1"/>
+          </a:fillRef>
+          <a:effectRef idx="0">
+            <a:schemeClr val="accent1"/>
+          </a:effectRef>
+          <a:fontRef idx="minor">
+            <a:schemeClr val="lt1"/>
+          </a:fontRef>
+        </p:style>
+        <p:txBody>
+          <a:bodyPr rtlCol="0" anchor="ctr"/>
+          <a:lstStyle/>
+          <a:p>
+            <a:r>
+              <a:rPr kumimoji="1" lang="ja-JP" altLang="en-US" sz="1300" dirty="0">
+                <a:solidFill>
+                  <a:srgbClr val="FFFFFF"/>
+                </a:solidFill>
+              </a:rPr>
+              <a:t>暇なおばさん</a:t>
+            </a:r>
+          </a:p>
+        </p:txBody>
+      </p:sp>
+      <p:sp>
+        <p:nvSpPr>
+          <p:cNvPr id="14" name="タイトル 1">
+            <a:extLst>
+              <a:ext uri="{FF2B5EF4-FFF2-40B4-BE49-F238E27FC236}">
+                <a16:creationId xmlns:a16="http://schemas.microsoft.com/office/drawing/2014/main" id="{54308E7F-7380-486F-96A8-50EDE328823D}"/>
+              </a:ext>
+            </a:extLst>
+          </p:cNvPr>
+          <p:cNvSpPr txBox="1">
+            <a:spLocks/>
+          </p:cNvSpPr>
+          <p:nvPr/>
+        </p:nvSpPr>
+        <p:spPr>
+          <a:xfrm>
+            <a:off x="681037" y="557285"/>
+            <a:ext cx="8543925" cy="389871"/>
+          </a:xfrm>
+          <a:prstGeom prst="rect">
+            <a:avLst/>
+          </a:prstGeom>
+        </p:spPr>
+        <p:txBody>
+          <a:bodyPr vert="horz" lIns="91440" tIns="45720" rIns="91440" bIns="45720" rtlCol="0" anchor="ctr">
+            <a:normAutofit/>
+          </a:bodyPr>
+          <a:lstStyle>
+            <a:lvl1pPr algn="l" defTabSz="914400" rtl="0" eaLnBrk="1" latinLnBrk="0" hangingPunct="1">
+              <a:lnSpc>
+                <a:spcPct val="90000"/>
+              </a:lnSpc>
+              <a:spcBef>
+                <a:spcPct val="0"/>
+              </a:spcBef>
+              <a:buNone/>
+              <a:defRPr kumimoji="1" sz="4400" kern="1200">
+                <a:solidFill>
+                  <a:schemeClr val="tx1"/>
+                </a:solidFill>
+                <a:latin typeface="+mj-lt"/>
+                <a:ea typeface="+mj-ea"/>
+                <a:cs typeface="+mj-cs"/>
+              </a:defRPr>
+            </a:lvl1pPr>
+          </a:lstStyle>
+          <a:p>
+            <a:r>
+              <a:rPr lang="ja-JP" altLang="en-US" sz="1500" dirty="0"/>
+              <a:t>少しだけ話せる層のペルソナ（想像で列挙）</a:t>
+            </a:r>
+          </a:p>
+        </p:txBody>
+      </p:sp>
+      <p:sp>
+        <p:nvSpPr>
+          <p:cNvPr id="6" name="Callout: Bent Line 5">
+            <a:extLst>
+              <a:ext uri="{FF2B5EF4-FFF2-40B4-BE49-F238E27FC236}">
+                <a16:creationId xmlns:a16="http://schemas.microsoft.com/office/drawing/2014/main" id="{DDC3E519-E71D-453F-B6BE-0147216726C5}"/>
+              </a:ext>
+            </a:extLst>
+          </p:cNvPr>
+          <p:cNvSpPr/>
+          <p:nvPr/>
+        </p:nvSpPr>
+        <p:spPr>
+          <a:xfrm>
+            <a:off x="9291081" y="4715781"/>
+            <a:ext cx="2706255" cy="1145447"/>
+          </a:xfrm>
+          <a:prstGeom prst="borderCallout2">
+            <a:avLst>
+              <a:gd name="adj1" fmla="val 18750"/>
+              <a:gd name="adj2" fmla="val -8333"/>
+              <a:gd name="adj3" fmla="val 18750"/>
+              <a:gd name="adj4" fmla="val -16667"/>
+              <a:gd name="adj5" fmla="val 177815"/>
+              <a:gd name="adj6" fmla="val -46326"/>
+            </a:avLst>
+          </a:prstGeom>
+        </p:spPr>
+        <p:style>
+          <a:lnRef idx="1">
+            <a:schemeClr val="accent2"/>
+          </a:lnRef>
+          <a:fillRef idx="2">
+            <a:schemeClr val="accent2"/>
+          </a:fillRef>
+          <a:effectRef idx="1">
+            <a:schemeClr val="accent2"/>
+          </a:effectRef>
+          <a:fontRef idx="minor">
+            <a:schemeClr val="dk1"/>
+          </a:fontRef>
+        </p:style>
+        <p:txBody>
+          <a:bodyPr rtlCol="0" anchor="ctr"/>
+          <a:lstStyle/>
+          <a:p>
+            <a:pPr algn="ctr"/>
+            <a:r>
+              <a:rPr kumimoji="1" lang="ja-JP" altLang="en-US" sz="1200" dirty="0"/>
+              <a:t>基本モチベ低い</a:t>
+            </a:r>
+            <a:endParaRPr kumimoji="1" lang="en-US" altLang="ja-JP" sz="1200" dirty="0"/>
+          </a:p>
+          <a:p>
+            <a:pPr algn="ctr"/>
+            <a:r>
+              <a:rPr kumimoji="1" lang="ja-JP" altLang="en-US" sz="1200" dirty="0"/>
+              <a:t>あちらからガンガンプロモーションかける方針なら続くか？</a:t>
+            </a:r>
+            <a:endParaRPr kumimoji="1" lang="en-US" altLang="ja-JP" sz="1200" dirty="0"/>
+          </a:p>
+          <a:p>
+            <a:pPr algn="ctr"/>
+            <a:r>
+              <a:rPr kumimoji="1" lang="ja-JP" altLang="en-US" sz="1200" dirty="0"/>
+              <a:t>楽しめる仕組みが必要？</a:t>
+            </a:r>
+            <a:endParaRPr kumimoji="1" lang="en-US" altLang="ja-JP" sz="1200" dirty="0"/>
+          </a:p>
+          <a:p>
+            <a:pPr algn="ctr"/>
+            <a:r>
+              <a:rPr kumimoji="1" lang="ja-JP" altLang="en-US" sz="1200" dirty="0"/>
+              <a:t>旅行に絡める？</a:t>
+            </a:r>
+          </a:p>
+        </p:txBody>
+      </p:sp>
+      <p:sp>
+        <p:nvSpPr>
+          <p:cNvPr id="9" name="正方形/長方形 6">
+            <a:extLst>
+              <a:ext uri="{FF2B5EF4-FFF2-40B4-BE49-F238E27FC236}">
+                <a16:creationId xmlns:a16="http://schemas.microsoft.com/office/drawing/2014/main" id="{5654C60B-E4A7-41DD-956B-796EB9B6C8DF}"/>
+              </a:ext>
+            </a:extLst>
+          </p:cNvPr>
+          <p:cNvSpPr/>
+          <p:nvPr/>
+        </p:nvSpPr>
+        <p:spPr>
+          <a:xfrm>
+            <a:off x="1885707" y="5985164"/>
+            <a:ext cx="5909784" cy="845010"/>
+          </a:xfrm>
+          <a:prstGeom prst="rect">
+            <a:avLst/>
+          </a:prstGeom>
+          <a:noFill/>
+          <a:ln w="19050">
+            <a:solidFill>
+              <a:schemeClr val="tx1"/>
+            </a:solidFill>
+          </a:ln>
+        </p:spPr>
+        <p:style>
+          <a:lnRef idx="2">
+            <a:schemeClr val="accent1">
+              <a:shade val="50000"/>
+            </a:schemeClr>
+          </a:lnRef>
+          <a:fillRef idx="1">
+            <a:schemeClr val="accent1"/>
+          </a:fillRef>
+          <a:effectRef idx="0">
+            <a:schemeClr val="accent1"/>
+          </a:effectRef>
+          <a:fontRef idx="minor">
+            <a:schemeClr val="lt1"/>
+          </a:fontRef>
+        </p:style>
+        <p:txBody>
+          <a:bodyPr rtlCol="0" anchor="ctr"/>
+          <a:lstStyle/>
+          <a:p>
+            <a:pPr marL="171450" indent="-171450">
+              <a:buFont typeface="Arial" panose="020B0604020202020204" pitchFamily="34" charset="0"/>
+              <a:buChar char="•"/>
+            </a:pPr>
+            <a:endParaRPr kumimoji="1" lang="en-US" altLang="ja-JP" sz="1000" dirty="0">
+              <a:solidFill>
+                <a:schemeClr val="tx1"/>
+              </a:solidFill>
+            </a:endParaRPr>
+          </a:p>
+        </p:txBody>
+      </p:sp>
+      <p:sp>
+        <p:nvSpPr>
+          <p:cNvPr id="11" name="正方形/長方形 9">
+            <a:extLst>
+              <a:ext uri="{FF2B5EF4-FFF2-40B4-BE49-F238E27FC236}">
+                <a16:creationId xmlns:a16="http://schemas.microsoft.com/office/drawing/2014/main" id="{C747EA44-ECBA-4B8B-868E-D94E68A822FB}"/>
+              </a:ext>
+            </a:extLst>
+          </p:cNvPr>
+          <p:cNvSpPr/>
+          <p:nvPr/>
+        </p:nvSpPr>
+        <p:spPr>
+          <a:xfrm>
+            <a:off x="614919" y="5985164"/>
+            <a:ext cx="1213881" cy="845010"/>
+          </a:xfrm>
+          <a:prstGeom prst="rect">
+            <a:avLst/>
+          </a:prstGeom>
+          <a:solidFill>
+            <a:schemeClr val="bg1">
+              <a:lumMod val="50000"/>
+            </a:schemeClr>
+          </a:solidFill>
+          <a:ln w="19050">
+            <a:solidFill>
+              <a:schemeClr val="tx1"/>
+            </a:solidFill>
+          </a:ln>
+        </p:spPr>
+        <p:style>
+          <a:lnRef idx="2">
+            <a:schemeClr val="accent1">
+              <a:shade val="50000"/>
+            </a:schemeClr>
+          </a:lnRef>
+          <a:fillRef idx="1">
+            <a:schemeClr val="accent1"/>
+          </a:fillRef>
+          <a:effectRef idx="0">
+            <a:schemeClr val="accent1"/>
+          </a:effectRef>
+          <a:fontRef idx="minor">
+            <a:schemeClr val="lt1"/>
+          </a:fontRef>
+        </p:style>
+        <p:txBody>
+          <a:bodyPr rtlCol="0" anchor="ctr"/>
+          <a:lstStyle/>
+          <a:p>
+            <a:r>
+              <a:rPr kumimoji="1" lang="ja-JP" altLang="en-US" sz="1300" dirty="0">
+                <a:solidFill>
+                  <a:srgbClr val="FFFFFF"/>
+                </a:solidFill>
+              </a:rPr>
+              <a:t>中途半端ビジネスパーソン</a:t>
+            </a:r>
+          </a:p>
+        </p:txBody>
+      </p:sp>
+      <p:sp>
+        <p:nvSpPr>
+          <p:cNvPr id="15" name="Callout: Bent Line 14">
+            <a:extLst>
+              <a:ext uri="{FF2B5EF4-FFF2-40B4-BE49-F238E27FC236}">
+                <a16:creationId xmlns:a16="http://schemas.microsoft.com/office/drawing/2014/main" id="{32201122-03AD-454C-887E-DACD2EAAA595}"/>
+              </a:ext>
+            </a:extLst>
+          </p:cNvPr>
+          <p:cNvSpPr/>
+          <p:nvPr/>
+        </p:nvSpPr>
+        <p:spPr>
+          <a:xfrm>
+            <a:off x="8827156" y="2960207"/>
+            <a:ext cx="2706255" cy="1145447"/>
+          </a:xfrm>
+          <a:prstGeom prst="borderCallout2">
+            <a:avLst>
+              <a:gd name="adj1" fmla="val 18750"/>
+              <a:gd name="adj2" fmla="val -8333"/>
+              <a:gd name="adj3" fmla="val 18750"/>
+              <a:gd name="adj4" fmla="val -16667"/>
+              <a:gd name="adj5" fmla="val 16544"/>
+              <a:gd name="adj6" fmla="val -4688"/>
+            </a:avLst>
+          </a:prstGeom>
+        </p:spPr>
+        <p:style>
+          <a:lnRef idx="1">
+            <a:schemeClr val="accent2"/>
+          </a:lnRef>
+          <a:fillRef idx="2">
+            <a:schemeClr val="accent2"/>
+          </a:fillRef>
+          <a:effectRef idx="1">
+            <a:schemeClr val="accent2"/>
+          </a:effectRef>
+          <a:fontRef idx="minor">
+            <a:schemeClr val="dk1"/>
+          </a:fontRef>
+        </p:style>
+        <p:txBody>
+          <a:bodyPr rtlCol="0" anchor="ctr"/>
+          <a:lstStyle/>
+          <a:p>
+            <a:pPr algn="ctr"/>
+            <a:r>
+              <a:rPr kumimoji="1" lang="ja-JP" altLang="en-US" sz="1200" dirty="0"/>
+              <a:t>横軸作る</a:t>
+            </a:r>
+            <a:endParaRPr kumimoji="1" lang="en-US" altLang="ja-JP" sz="1200" dirty="0"/>
+          </a:p>
+          <a:p>
+            <a:pPr algn="ctr"/>
+            <a:r>
+              <a:rPr kumimoji="1" lang="ja-JP" altLang="en-US" sz="1200" dirty="0"/>
+              <a:t>→項目のカテゴライズ</a:t>
+            </a:r>
+          </a:p>
+        </p:txBody>
+      </p:sp>
+      <p:sp>
+        <p:nvSpPr>
+          <p:cNvPr id="16" name="正方形/長方形 6">
+            <a:extLst>
+              <a:ext uri="{FF2B5EF4-FFF2-40B4-BE49-F238E27FC236}">
+                <a16:creationId xmlns:a16="http://schemas.microsoft.com/office/drawing/2014/main" id="{539D1068-2A1E-486E-9663-3853188F609B}"/>
+              </a:ext>
+            </a:extLst>
+          </p:cNvPr>
+          <p:cNvSpPr/>
+          <p:nvPr/>
+        </p:nvSpPr>
+        <p:spPr>
+          <a:xfrm>
+            <a:off x="7852397" y="1258629"/>
+            <a:ext cx="1818075" cy="2618683"/>
+          </a:xfrm>
+          <a:prstGeom prst="rect">
+            <a:avLst/>
+          </a:prstGeom>
+          <a:noFill/>
+          <a:ln w="19050">
+            <a:solidFill>
+              <a:schemeClr val="tx1"/>
+            </a:solidFill>
+          </a:ln>
+        </p:spPr>
+        <p:style>
+          <a:lnRef idx="2">
+            <a:schemeClr val="accent1">
+              <a:shade val="50000"/>
+            </a:schemeClr>
+          </a:lnRef>
+          <a:fillRef idx="1">
+            <a:schemeClr val="accent1"/>
+          </a:fillRef>
+          <a:effectRef idx="0">
+            <a:schemeClr val="accent1"/>
+          </a:effectRef>
+          <a:fontRef idx="minor">
+            <a:schemeClr val="lt1"/>
+          </a:fontRef>
+        </p:style>
+        <p:txBody>
+          <a:bodyPr rtlCol="0" anchor="ctr"/>
+          <a:lstStyle/>
+          <a:p>
+            <a:pPr marL="171450" indent="-171450">
+              <a:buFont typeface="Arial" panose="020B0604020202020204" pitchFamily="34" charset="0"/>
+              <a:buChar char="•"/>
+            </a:pPr>
+            <a:endParaRPr kumimoji="1" lang="en-US" altLang="ja-JP" sz="1000" dirty="0">
+              <a:solidFill>
+                <a:schemeClr val="tx1"/>
+              </a:solidFill>
+            </a:endParaRPr>
+          </a:p>
+        </p:txBody>
+      </p:sp>
+      <p:sp>
+        <p:nvSpPr>
+          <p:cNvPr id="17" name="正方形/長方形 6">
+            <a:extLst>
+              <a:ext uri="{FF2B5EF4-FFF2-40B4-BE49-F238E27FC236}">
+                <a16:creationId xmlns:a16="http://schemas.microsoft.com/office/drawing/2014/main" id="{717E9B06-3E16-452A-AE09-BF8F9F637D7D}"/>
+              </a:ext>
+            </a:extLst>
+          </p:cNvPr>
+          <p:cNvSpPr/>
+          <p:nvPr/>
+        </p:nvSpPr>
+        <p:spPr>
+          <a:xfrm>
+            <a:off x="7852397" y="3991928"/>
+            <a:ext cx="1818075" cy="1145447"/>
+          </a:xfrm>
+          <a:prstGeom prst="rect">
+            <a:avLst/>
+          </a:prstGeom>
+          <a:noFill/>
+          <a:ln w="19050">
+            <a:solidFill>
+              <a:schemeClr val="tx1"/>
+            </a:solidFill>
+          </a:ln>
+        </p:spPr>
+        <p:style>
+          <a:lnRef idx="2">
+            <a:schemeClr val="accent1">
+              <a:shade val="50000"/>
+            </a:schemeClr>
+          </a:lnRef>
+          <a:fillRef idx="1">
+            <a:schemeClr val="accent1"/>
+          </a:fillRef>
+          <a:effectRef idx="0">
+            <a:schemeClr val="accent1"/>
+          </a:effectRef>
+          <a:fontRef idx="minor">
+            <a:schemeClr val="lt1"/>
+          </a:fontRef>
+        </p:style>
+        <p:txBody>
+          <a:bodyPr rtlCol="0" anchor="ctr"/>
+          <a:lstStyle/>
+          <a:p>
+            <a:pPr marL="171450" indent="-171450">
+              <a:buFont typeface="Arial" panose="020B0604020202020204" pitchFamily="34" charset="0"/>
+              <a:buChar char="•"/>
+            </a:pPr>
+            <a:endParaRPr kumimoji="1" lang="en-US" altLang="ja-JP" sz="1000" dirty="0">
+              <a:solidFill>
+                <a:schemeClr val="tx1"/>
+              </a:solidFill>
+            </a:endParaRPr>
+          </a:p>
+        </p:txBody>
+      </p:sp>
+      <p:sp>
+        <p:nvSpPr>
+          <p:cNvPr id="18" name="正方形/長方形 6">
+            <a:extLst>
+              <a:ext uri="{FF2B5EF4-FFF2-40B4-BE49-F238E27FC236}">
+                <a16:creationId xmlns:a16="http://schemas.microsoft.com/office/drawing/2014/main" id="{270C8C2F-6CBD-42A8-AE1D-43C5DECACFDC}"/>
+              </a:ext>
+            </a:extLst>
+          </p:cNvPr>
+          <p:cNvSpPr/>
+          <p:nvPr/>
+        </p:nvSpPr>
+        <p:spPr>
+          <a:xfrm>
+            <a:off x="7852397" y="5985164"/>
+            <a:ext cx="1818075" cy="845010"/>
+          </a:xfrm>
+          <a:prstGeom prst="rect">
+            <a:avLst/>
+          </a:prstGeom>
+          <a:noFill/>
+          <a:ln w="19050">
+            <a:solidFill>
+              <a:schemeClr val="tx1"/>
+            </a:solidFill>
+          </a:ln>
+        </p:spPr>
+        <p:style>
+          <a:lnRef idx="2">
+            <a:schemeClr val="accent1">
+              <a:shade val="50000"/>
+            </a:schemeClr>
+          </a:lnRef>
+          <a:fillRef idx="1">
+            <a:schemeClr val="accent1"/>
+          </a:fillRef>
+          <a:effectRef idx="0">
+            <a:schemeClr val="accent1"/>
+          </a:effectRef>
+          <a:fontRef idx="minor">
+            <a:schemeClr val="lt1"/>
+          </a:fontRef>
+        </p:style>
+        <p:txBody>
+          <a:bodyPr rtlCol="0" anchor="ctr"/>
+          <a:lstStyle/>
+          <a:p>
+            <a:pPr marL="171450" indent="-171450">
+              <a:buFont typeface="Arial" panose="020B0604020202020204" pitchFamily="34" charset="0"/>
+              <a:buChar char="•"/>
+            </a:pPr>
+            <a:endParaRPr kumimoji="1" lang="en-US" altLang="ja-JP" sz="1000" dirty="0">
+              <a:solidFill>
+                <a:schemeClr val="tx1"/>
+              </a:solidFill>
+            </a:endParaRPr>
+          </a:p>
+        </p:txBody>
+      </p:sp>
+      <p:sp>
+        <p:nvSpPr>
+          <p:cNvPr id="19" name="タイトル 1">
+            <a:extLst>
+              <a:ext uri="{FF2B5EF4-FFF2-40B4-BE49-F238E27FC236}">
+                <a16:creationId xmlns:a16="http://schemas.microsoft.com/office/drawing/2014/main" id="{B22C5115-4DF1-4ECB-AA89-C67ED18E791B}"/>
+              </a:ext>
+            </a:extLst>
+          </p:cNvPr>
+          <p:cNvSpPr txBox="1">
+            <a:spLocks/>
+          </p:cNvSpPr>
+          <p:nvPr/>
+        </p:nvSpPr>
+        <p:spPr>
+          <a:xfrm>
+            <a:off x="614919" y="947156"/>
+            <a:ext cx="1213881" cy="298264"/>
+          </a:xfrm>
+          <a:prstGeom prst="rect">
+            <a:avLst/>
+          </a:prstGeom>
+        </p:spPr>
+        <p:txBody>
+          <a:bodyPr vert="horz" lIns="91440" tIns="45720" rIns="91440" bIns="45720" rtlCol="0" anchor="ctr">
+            <a:normAutofit lnSpcReduction="10000"/>
+          </a:bodyPr>
+          <a:lstStyle>
+            <a:lvl1pPr algn="l" defTabSz="914400" rtl="0" eaLnBrk="1" latinLnBrk="0" hangingPunct="1">
+              <a:lnSpc>
+                <a:spcPct val="90000"/>
+              </a:lnSpc>
+              <a:spcBef>
+                <a:spcPct val="0"/>
+              </a:spcBef>
+              <a:buNone/>
+              <a:defRPr kumimoji="1" sz="4400" kern="1200">
+                <a:solidFill>
+                  <a:schemeClr val="tx1"/>
+                </a:solidFill>
+                <a:latin typeface="+mj-lt"/>
+                <a:ea typeface="+mj-ea"/>
+                <a:cs typeface="+mj-cs"/>
+              </a:defRPr>
+            </a:lvl1pPr>
+          </a:lstStyle>
+          <a:p>
+            <a:pPr algn="ctr"/>
+            <a:r>
+              <a:rPr lang="ja-JP" altLang="en-US" sz="1500" u="sng" dirty="0"/>
+              <a:t>概要</a:t>
+            </a:r>
+          </a:p>
+        </p:txBody>
+      </p:sp>
+      <p:sp>
+        <p:nvSpPr>
+          <p:cNvPr id="20" name="タイトル 1">
+            <a:extLst>
+              <a:ext uri="{FF2B5EF4-FFF2-40B4-BE49-F238E27FC236}">
+                <a16:creationId xmlns:a16="http://schemas.microsoft.com/office/drawing/2014/main" id="{5C396315-E465-4357-9712-3E12F217F0D4}"/>
+              </a:ext>
+            </a:extLst>
+          </p:cNvPr>
+          <p:cNvSpPr txBox="1">
+            <a:spLocks/>
+          </p:cNvSpPr>
+          <p:nvPr/>
+        </p:nvSpPr>
+        <p:spPr>
+          <a:xfrm>
+            <a:off x="1885707" y="947156"/>
+            <a:ext cx="5909784" cy="298264"/>
+          </a:xfrm>
+          <a:prstGeom prst="rect">
+            <a:avLst/>
+          </a:prstGeom>
+        </p:spPr>
+        <p:txBody>
+          <a:bodyPr vert="horz" lIns="91440" tIns="45720" rIns="91440" bIns="45720" rtlCol="0" anchor="ctr">
+            <a:normAutofit lnSpcReduction="10000"/>
+          </a:bodyPr>
+          <a:lstStyle>
+            <a:lvl1pPr algn="l" defTabSz="914400" rtl="0" eaLnBrk="1" latinLnBrk="0" hangingPunct="1">
+              <a:lnSpc>
+                <a:spcPct val="90000"/>
+              </a:lnSpc>
+              <a:spcBef>
+                <a:spcPct val="0"/>
+              </a:spcBef>
+              <a:buNone/>
+              <a:defRPr kumimoji="1" sz="4400" kern="1200">
+                <a:solidFill>
+                  <a:schemeClr val="tx1"/>
+                </a:solidFill>
+                <a:latin typeface="+mj-lt"/>
+                <a:ea typeface="+mj-ea"/>
+                <a:cs typeface="+mj-cs"/>
+              </a:defRPr>
+            </a:lvl1pPr>
+          </a:lstStyle>
+          <a:p>
+            <a:pPr algn="ctr"/>
+            <a:r>
+              <a:rPr lang="ja-JP" altLang="en-US" sz="1500" u="sng" dirty="0"/>
+              <a:t>パーソナリティ</a:t>
+            </a:r>
+          </a:p>
+        </p:txBody>
+      </p:sp>
+      <p:sp>
+        <p:nvSpPr>
+          <p:cNvPr id="21" name="タイトル 1">
+            <a:extLst>
+              <a:ext uri="{FF2B5EF4-FFF2-40B4-BE49-F238E27FC236}">
+                <a16:creationId xmlns:a16="http://schemas.microsoft.com/office/drawing/2014/main" id="{0315826D-D862-40CA-831B-5B86DD4B3C35}"/>
+              </a:ext>
+            </a:extLst>
+          </p:cNvPr>
+          <p:cNvSpPr txBox="1">
+            <a:spLocks/>
+          </p:cNvSpPr>
+          <p:nvPr/>
+        </p:nvSpPr>
+        <p:spPr>
+          <a:xfrm>
+            <a:off x="7852396" y="947156"/>
+            <a:ext cx="1818076" cy="298264"/>
+          </a:xfrm>
+          <a:prstGeom prst="rect">
+            <a:avLst/>
+          </a:prstGeom>
+        </p:spPr>
+        <p:txBody>
+          <a:bodyPr vert="horz" lIns="91440" tIns="45720" rIns="91440" bIns="45720" rtlCol="0" anchor="ctr">
+            <a:normAutofit fontScale="92500"/>
+          </a:bodyPr>
+          <a:lstStyle>
+            <a:lvl1pPr algn="l" defTabSz="914400" rtl="0" eaLnBrk="1" latinLnBrk="0" hangingPunct="1">
+              <a:lnSpc>
+                <a:spcPct val="90000"/>
+              </a:lnSpc>
+              <a:spcBef>
+                <a:spcPct val="0"/>
+              </a:spcBef>
+              <a:buNone/>
+              <a:defRPr kumimoji="1" sz="4400" kern="1200">
+                <a:solidFill>
+                  <a:schemeClr val="tx1"/>
+                </a:solidFill>
+                <a:latin typeface="+mj-lt"/>
+                <a:ea typeface="+mj-ea"/>
+                <a:cs typeface="+mj-cs"/>
+              </a:defRPr>
+            </a:lvl1pPr>
+          </a:lstStyle>
+          <a:p>
+            <a:pPr algn="ctr"/>
+            <a:r>
+              <a:rPr lang="ja-JP" altLang="en-US" sz="1500" u="sng" dirty="0"/>
+              <a:t>サポートできること</a:t>
+            </a:r>
+          </a:p>
+        </p:txBody>
+      </p:sp>
+      <p:sp>
+        <p:nvSpPr>
+          <p:cNvPr id="22" name="正方形/長方形 6">
+            <a:extLst>
+              <a:ext uri="{FF2B5EF4-FFF2-40B4-BE49-F238E27FC236}">
+                <a16:creationId xmlns:a16="http://schemas.microsoft.com/office/drawing/2014/main" id="{35209100-C5BC-4186-B211-D4D720A5ED9C}"/>
+              </a:ext>
+            </a:extLst>
+          </p:cNvPr>
+          <p:cNvSpPr/>
+          <p:nvPr/>
+        </p:nvSpPr>
+        <p:spPr>
+          <a:xfrm>
+            <a:off x="1885707" y="5251991"/>
+            <a:ext cx="5909784" cy="648139"/>
+          </a:xfrm>
+          <a:prstGeom prst="rect">
+            <a:avLst/>
+          </a:prstGeom>
+          <a:noFill/>
+          <a:ln w="19050">
+            <a:solidFill>
+              <a:schemeClr val="tx1"/>
+            </a:solidFill>
+          </a:ln>
+        </p:spPr>
+        <p:style>
+          <a:lnRef idx="2">
+            <a:schemeClr val="accent1">
+              <a:shade val="50000"/>
+            </a:schemeClr>
+          </a:lnRef>
+          <a:fillRef idx="1">
+            <a:schemeClr val="accent1"/>
+          </a:fillRef>
+          <a:effectRef idx="0">
+            <a:schemeClr val="accent1"/>
+          </a:effectRef>
+          <a:fontRef idx="minor">
+            <a:schemeClr val="lt1"/>
+          </a:fontRef>
+        </p:style>
+        <p:txBody>
+          <a:bodyPr rtlCol="0" anchor="ctr"/>
+          <a:lstStyle/>
+          <a:p>
+            <a:pPr marL="171450" indent="-171450">
+              <a:buFont typeface="Arial" panose="020B0604020202020204" pitchFamily="34" charset="0"/>
+              <a:buChar char="•"/>
+            </a:pPr>
+            <a:endParaRPr kumimoji="1" lang="en-US" altLang="ja-JP" sz="1000" dirty="0">
+              <a:solidFill>
+                <a:schemeClr val="tx1"/>
+              </a:solidFill>
+            </a:endParaRPr>
+          </a:p>
+        </p:txBody>
+      </p:sp>
+      <p:sp>
+        <p:nvSpPr>
+          <p:cNvPr id="23" name="正方形/長方形 9">
+            <a:extLst>
+              <a:ext uri="{FF2B5EF4-FFF2-40B4-BE49-F238E27FC236}">
+                <a16:creationId xmlns:a16="http://schemas.microsoft.com/office/drawing/2014/main" id="{A43FA157-0B4E-4E23-949D-9BCBDFC32857}"/>
+              </a:ext>
+            </a:extLst>
+          </p:cNvPr>
+          <p:cNvSpPr/>
+          <p:nvPr/>
+        </p:nvSpPr>
+        <p:spPr>
+          <a:xfrm>
+            <a:off x="614919" y="5251991"/>
+            <a:ext cx="1213881" cy="648139"/>
+          </a:xfrm>
+          <a:prstGeom prst="rect">
+            <a:avLst/>
+          </a:prstGeom>
+          <a:solidFill>
+            <a:schemeClr val="bg1">
+              <a:lumMod val="50000"/>
+            </a:schemeClr>
+          </a:solidFill>
+          <a:ln w="19050">
+            <a:solidFill>
+              <a:schemeClr val="tx1"/>
+            </a:solidFill>
+          </a:ln>
+        </p:spPr>
+        <p:style>
+          <a:lnRef idx="2">
+            <a:schemeClr val="accent1">
+              <a:shade val="50000"/>
+            </a:schemeClr>
+          </a:lnRef>
+          <a:fillRef idx="1">
+            <a:schemeClr val="accent1"/>
+          </a:fillRef>
+          <a:effectRef idx="0">
+            <a:schemeClr val="accent1"/>
+          </a:effectRef>
+          <a:fontRef idx="minor">
+            <a:schemeClr val="lt1"/>
+          </a:fontRef>
+        </p:style>
+        <p:txBody>
+          <a:bodyPr rtlCol="0" anchor="ctr"/>
+          <a:lstStyle/>
+          <a:p>
+            <a:r>
+              <a:rPr kumimoji="1" lang="ja-JP" altLang="en-US" sz="1300" dirty="0">
+                <a:solidFill>
+                  <a:srgbClr val="FFFFFF"/>
+                </a:solidFill>
+              </a:rPr>
+              <a:t>なんちゃって留学帰り</a:t>
+            </a:r>
+          </a:p>
+        </p:txBody>
+      </p:sp>
+      <p:sp>
+        <p:nvSpPr>
+          <p:cNvPr id="24" name="正方形/長方形 6">
+            <a:extLst>
+              <a:ext uri="{FF2B5EF4-FFF2-40B4-BE49-F238E27FC236}">
+                <a16:creationId xmlns:a16="http://schemas.microsoft.com/office/drawing/2014/main" id="{A3817E02-C708-4CA7-9C11-45ECCA7FF144}"/>
+              </a:ext>
+            </a:extLst>
+          </p:cNvPr>
+          <p:cNvSpPr/>
+          <p:nvPr/>
+        </p:nvSpPr>
+        <p:spPr>
+          <a:xfrm>
+            <a:off x="7852397" y="5251991"/>
+            <a:ext cx="1818075" cy="648139"/>
+          </a:xfrm>
+          <a:prstGeom prst="rect">
+            <a:avLst/>
+          </a:prstGeom>
+          <a:noFill/>
+          <a:ln w="19050">
+            <a:solidFill>
+              <a:schemeClr val="tx1"/>
+            </a:solidFill>
+          </a:ln>
+        </p:spPr>
+        <p:style>
+          <a:lnRef idx="2">
+            <a:schemeClr val="accent1">
+              <a:shade val="50000"/>
+            </a:schemeClr>
+          </a:lnRef>
+          <a:fillRef idx="1">
+            <a:schemeClr val="accent1"/>
+          </a:fillRef>
+          <a:effectRef idx="0">
+            <a:schemeClr val="accent1"/>
+          </a:effectRef>
+          <a:fontRef idx="minor">
+            <a:schemeClr val="lt1"/>
+          </a:fontRef>
+        </p:style>
+        <p:txBody>
+          <a:bodyPr rtlCol="0" anchor="ctr"/>
+          <a:lstStyle/>
+          <a:p>
+            <a:pPr marL="171450" indent="-171450">
+              <a:buFont typeface="Arial" panose="020B0604020202020204" pitchFamily="34" charset="0"/>
+              <a:buChar char="•"/>
+            </a:pPr>
+            <a:endParaRPr kumimoji="1" lang="en-US" altLang="ja-JP" sz="1000" dirty="0">
+              <a:solidFill>
+                <a:schemeClr val="tx1"/>
+              </a:solidFill>
+            </a:endParaRPr>
+          </a:p>
+        </p:txBody>
+      </p:sp>
+    </p:spTree>
+    <p:extLst>
+      <p:ext uri="{BB962C8B-B14F-4D97-AF65-F5344CB8AC3E}">
+        <p14:creationId xmlns:p14="http://schemas.microsoft.com/office/powerpoint/2010/main" val="1438993370"/>
+      </p:ext>
+    </p:extLst>
+  </p:cSld>
+  <p:clrMapOvr>
+    <a:masterClrMapping/>
+  </p:clrMapOvr>
+</p:sld>
+</file>
+
+<file path=ppt/slides/slide20.xml><?xml version="1.0" encoding="utf-8"?>
+<p:sld xmlns:a="http://schemas.openxmlformats.org/drawingml/2006/main" xmlns:r="http://schemas.openxmlformats.org/officeDocument/2006/relationships" xmlns:p="http://schemas.openxmlformats.org/presentationml/2006/main">
+  <p:cSld>
+    <p:spTree>
+      <p:nvGrpSpPr>
+        <p:cNvPr id="1" name=""/>
+        <p:cNvGrpSpPr/>
+        <p:nvPr/>
+      </p:nvGrpSpPr>
+      <p:grpSpPr>
+        <a:xfrm>
+          <a:off x="0" y="0"/>
+          <a:ext cx="0" cy="0"/>
+          <a:chOff x="0" y="0"/>
+          <a:chExt cx="0" cy="0"/>
+        </a:xfrm>
+      </p:grpSpPr>
+      <p:sp>
+        <p:nvSpPr>
+          <p:cNvPr id="2" name="タイトル 1">
+            <a:extLst>
+              <a:ext uri="{FF2B5EF4-FFF2-40B4-BE49-F238E27FC236}">
                 <a16:creationId xmlns:a16="http://schemas.microsoft.com/office/drawing/2014/main" id="{ABF7F9F3-53B8-42C5-9DF4-6147340A652F}"/>
               </a:ext>
             </a:extLst>
@@ -6755,7 +8061,7 @@
           <a:p>
             <a:fld id="{3AFE6E60-CD60-443C-BB33-38BE591B4EDC}" type="slidenum">
               <a:rPr kumimoji="1" lang="ja-JP" altLang="en-US" smtClean="0"/>
-              <a:t>19</a:t>
+              <a:t>20</a:t>
             </a:fld>
             <a:endParaRPr kumimoji="1" lang="ja-JP" altLang="en-US"/>
           </a:p>
@@ -6834,7 +8140,7 @@
 </p:sld>
 </file>
 
-<file path=ppt/slides/slide2.xml><?xml version="1.0" encoding="utf-8"?>
+<file path=ppt/slides/slide21.xml><?xml version="1.0" encoding="utf-8"?>
 <p:sld xmlns:a="http://schemas.openxmlformats.org/drawingml/2006/main" xmlns:r="http://schemas.openxmlformats.org/officeDocument/2006/relationships" xmlns:p="http://schemas.openxmlformats.org/presentationml/2006/main">
   <p:cSld>
     <p:spTree>
@@ -6856,6 +8162,348 @@
           <p:cNvPr id="2" name="タイトル 1">
             <a:extLst>
               <a:ext uri="{FF2B5EF4-FFF2-40B4-BE49-F238E27FC236}">
+                <a16:creationId xmlns:a16="http://schemas.microsoft.com/office/drawing/2014/main" id="{EDC33AFE-27AB-47EB-A4B1-D5EF931884E7}"/>
+              </a:ext>
+            </a:extLst>
+          </p:cNvPr>
+          <p:cNvSpPr>
+            <a:spLocks noGrp="1"/>
+          </p:cNvSpPr>
+          <p:nvPr>
+            <p:ph type="title"/>
+          </p:nvPr>
+        </p:nvSpPr>
+        <p:spPr/>
+        <p:txBody>
+          <a:bodyPr/>
+          <a:lstStyle/>
+          <a:p>
+            <a:endParaRPr kumimoji="1" lang="ja-JP" altLang="en-US"/>
+          </a:p>
+        </p:txBody>
+      </p:sp>
+      <p:sp>
+        <p:nvSpPr>
+          <p:cNvPr id="3" name="スライド番号プレースホルダー 2">
+            <a:extLst>
+              <a:ext uri="{FF2B5EF4-FFF2-40B4-BE49-F238E27FC236}">
+                <a16:creationId xmlns:a16="http://schemas.microsoft.com/office/drawing/2014/main" id="{22DD4425-D1A7-4BA1-B810-13A4ED543E6C}"/>
+              </a:ext>
+            </a:extLst>
+          </p:cNvPr>
+          <p:cNvSpPr>
+            <a:spLocks noGrp="1"/>
+          </p:cNvSpPr>
+          <p:nvPr>
+            <p:ph type="sldNum" sz="quarter" idx="12"/>
+          </p:nvPr>
+        </p:nvSpPr>
+        <p:spPr/>
+        <p:txBody>
+          <a:bodyPr/>
+          <a:lstStyle/>
+          <a:p>
+            <a:fld id="{3AFE6E60-CD60-443C-BB33-38BE591B4EDC}" type="slidenum">
+              <a:rPr kumimoji="1" lang="ja-JP" altLang="en-US" smtClean="0"/>
+              <a:t>21</a:t>
+            </a:fld>
+            <a:endParaRPr kumimoji="1" lang="ja-JP" altLang="en-US"/>
+          </a:p>
+        </p:txBody>
+      </p:sp>
+      <p:pic>
+        <p:nvPicPr>
+          <p:cNvPr id="5" name="図 4">
+            <a:extLst>
+              <a:ext uri="{FF2B5EF4-FFF2-40B4-BE49-F238E27FC236}">
+                <a16:creationId xmlns:a16="http://schemas.microsoft.com/office/drawing/2014/main" id="{B9CF245A-7B62-4209-8490-94BAFF3231A7}"/>
+              </a:ext>
+            </a:extLst>
+          </p:cNvPr>
+          <p:cNvPicPr>
+            <a:picLocks noChangeAspect="1"/>
+          </p:cNvPicPr>
+          <p:nvPr/>
+        </p:nvPicPr>
+        <p:blipFill>
+          <a:blip r:embed="rId2"/>
+          <a:stretch>
+            <a:fillRect/>
+          </a:stretch>
+        </p:blipFill>
+        <p:spPr>
+          <a:xfrm>
+            <a:off x="1385389" y="1437997"/>
+            <a:ext cx="7135221" cy="3982006"/>
+          </a:xfrm>
+          <a:prstGeom prst="rect">
+            <a:avLst/>
+          </a:prstGeom>
+        </p:spPr>
+      </p:pic>
+    </p:spTree>
+    <p:extLst>
+      <p:ext uri="{BB962C8B-B14F-4D97-AF65-F5344CB8AC3E}">
+        <p14:creationId xmlns:p14="http://schemas.microsoft.com/office/powerpoint/2010/main" val="1714064885"/>
+      </p:ext>
+    </p:extLst>
+  </p:cSld>
+  <p:clrMapOvr>
+    <a:masterClrMapping/>
+  </p:clrMapOvr>
+</p:sld>
+</file>
+
+<file path=ppt/slides/slide22.xml><?xml version="1.0" encoding="utf-8"?>
+<p:sld xmlns:a="http://schemas.openxmlformats.org/drawingml/2006/main" xmlns:r="http://schemas.openxmlformats.org/officeDocument/2006/relationships" xmlns:p="http://schemas.openxmlformats.org/presentationml/2006/main">
+  <p:cSld>
+    <p:spTree>
+      <p:nvGrpSpPr>
+        <p:cNvPr id="1" name=""/>
+        <p:cNvGrpSpPr/>
+        <p:nvPr/>
+      </p:nvGrpSpPr>
+      <p:grpSpPr>
+        <a:xfrm>
+          <a:off x="0" y="0"/>
+          <a:ext cx="0" cy="0"/>
+          <a:chOff x="0" y="0"/>
+          <a:chExt cx="0" cy="0"/>
+        </a:xfrm>
+      </p:grpSpPr>
+      <p:sp>
+        <p:nvSpPr>
+          <p:cNvPr id="2" name="タイトル 1">
+            <a:extLst>
+              <a:ext uri="{FF2B5EF4-FFF2-40B4-BE49-F238E27FC236}">
+                <a16:creationId xmlns:a16="http://schemas.microsoft.com/office/drawing/2014/main" id="{B098BF7A-91BE-4E98-9A88-D3EF393C29F5}"/>
+              </a:ext>
+            </a:extLst>
+          </p:cNvPr>
+          <p:cNvSpPr>
+            <a:spLocks noGrp="1"/>
+          </p:cNvSpPr>
+          <p:nvPr>
+            <p:ph type="title"/>
+          </p:nvPr>
+        </p:nvSpPr>
+        <p:spPr/>
+        <p:txBody>
+          <a:bodyPr/>
+          <a:lstStyle/>
+          <a:p>
+            <a:endParaRPr kumimoji="1" lang="ja-JP" altLang="en-US"/>
+          </a:p>
+        </p:txBody>
+      </p:sp>
+      <p:sp>
+        <p:nvSpPr>
+          <p:cNvPr id="3" name="スライド番号プレースホルダー 2">
+            <a:extLst>
+              <a:ext uri="{FF2B5EF4-FFF2-40B4-BE49-F238E27FC236}">
+                <a16:creationId xmlns:a16="http://schemas.microsoft.com/office/drawing/2014/main" id="{30B3CED0-95CD-4AD7-9097-C93825CA68ED}"/>
+              </a:ext>
+            </a:extLst>
+          </p:cNvPr>
+          <p:cNvSpPr>
+            <a:spLocks noGrp="1"/>
+          </p:cNvSpPr>
+          <p:nvPr>
+            <p:ph type="sldNum" sz="quarter" idx="12"/>
+          </p:nvPr>
+        </p:nvSpPr>
+        <p:spPr/>
+        <p:txBody>
+          <a:bodyPr/>
+          <a:lstStyle/>
+          <a:p>
+            <a:fld id="{3AFE6E60-CD60-443C-BB33-38BE591B4EDC}" type="slidenum">
+              <a:rPr kumimoji="1" lang="ja-JP" altLang="en-US" smtClean="0"/>
+              <a:t>22</a:t>
+            </a:fld>
+            <a:endParaRPr kumimoji="1" lang="ja-JP" altLang="en-US"/>
+          </a:p>
+        </p:txBody>
+      </p:sp>
+      <p:pic>
+        <p:nvPicPr>
+          <p:cNvPr id="5" name="図 4">
+            <a:extLst>
+              <a:ext uri="{FF2B5EF4-FFF2-40B4-BE49-F238E27FC236}">
+                <a16:creationId xmlns:a16="http://schemas.microsoft.com/office/drawing/2014/main" id="{430DF9A3-BF15-49A6-A2F7-993FE6EC095B}"/>
+              </a:ext>
+            </a:extLst>
+          </p:cNvPr>
+          <p:cNvPicPr>
+            <a:picLocks noChangeAspect="1"/>
+          </p:cNvPicPr>
+          <p:nvPr/>
+        </p:nvPicPr>
+        <p:blipFill>
+          <a:blip r:embed="rId2"/>
+          <a:stretch>
+            <a:fillRect/>
+          </a:stretch>
+        </p:blipFill>
+        <p:spPr>
+          <a:xfrm>
+            <a:off x="877806" y="241730"/>
+            <a:ext cx="7910095" cy="3998154"/>
+          </a:xfrm>
+          <a:prstGeom prst="rect">
+            <a:avLst/>
+          </a:prstGeom>
+        </p:spPr>
+      </p:pic>
+    </p:spTree>
+    <p:extLst>
+      <p:ext uri="{BB962C8B-B14F-4D97-AF65-F5344CB8AC3E}">
+        <p14:creationId xmlns:p14="http://schemas.microsoft.com/office/powerpoint/2010/main" val="1766045049"/>
+      </p:ext>
+    </p:extLst>
+  </p:cSld>
+  <p:clrMapOvr>
+    <a:masterClrMapping/>
+  </p:clrMapOvr>
+</p:sld>
+</file>
+
+<file path=ppt/slides/slide23.xml><?xml version="1.0" encoding="utf-8"?>
+<p:sld xmlns:a="http://schemas.openxmlformats.org/drawingml/2006/main" xmlns:r="http://schemas.openxmlformats.org/officeDocument/2006/relationships" xmlns:p="http://schemas.openxmlformats.org/presentationml/2006/main">
+  <p:cSld>
+    <p:spTree>
+      <p:nvGrpSpPr>
+        <p:cNvPr id="1" name=""/>
+        <p:cNvGrpSpPr/>
+        <p:nvPr/>
+      </p:nvGrpSpPr>
+      <p:grpSpPr>
+        <a:xfrm>
+          <a:off x="0" y="0"/>
+          <a:ext cx="0" cy="0"/>
+          <a:chOff x="0" y="0"/>
+          <a:chExt cx="0" cy="0"/>
+        </a:xfrm>
+      </p:grpSpPr>
+      <p:sp>
+        <p:nvSpPr>
+          <p:cNvPr id="2" name="タイトル 1">
+            <a:extLst>
+              <a:ext uri="{FF2B5EF4-FFF2-40B4-BE49-F238E27FC236}">
+                <a16:creationId xmlns:a16="http://schemas.microsoft.com/office/drawing/2014/main" id="{5C807DA7-CE8A-47C1-BD1F-01CD303C4713}"/>
+              </a:ext>
+            </a:extLst>
+          </p:cNvPr>
+          <p:cNvSpPr>
+            <a:spLocks noGrp="1"/>
+          </p:cNvSpPr>
+          <p:nvPr>
+            <p:ph type="title"/>
+          </p:nvPr>
+        </p:nvSpPr>
+        <p:spPr/>
+        <p:txBody>
+          <a:bodyPr/>
+          <a:lstStyle/>
+          <a:p>
+            <a:endParaRPr kumimoji="1" lang="ja-JP" altLang="en-US"/>
+          </a:p>
+        </p:txBody>
+      </p:sp>
+      <p:sp>
+        <p:nvSpPr>
+          <p:cNvPr id="3" name="スライド番号プレースホルダー 2">
+            <a:extLst>
+              <a:ext uri="{FF2B5EF4-FFF2-40B4-BE49-F238E27FC236}">
+                <a16:creationId xmlns:a16="http://schemas.microsoft.com/office/drawing/2014/main" id="{9DD3B87D-88CE-4B1E-959A-EFD90E6ABB29}"/>
+              </a:ext>
+            </a:extLst>
+          </p:cNvPr>
+          <p:cNvSpPr>
+            <a:spLocks noGrp="1"/>
+          </p:cNvSpPr>
+          <p:nvPr>
+            <p:ph type="sldNum" sz="quarter" idx="12"/>
+          </p:nvPr>
+        </p:nvSpPr>
+        <p:spPr/>
+        <p:txBody>
+          <a:bodyPr/>
+          <a:lstStyle/>
+          <a:p>
+            <a:fld id="{3AFE6E60-CD60-443C-BB33-38BE591B4EDC}" type="slidenum">
+              <a:rPr kumimoji="1" lang="ja-JP" altLang="en-US" smtClean="0"/>
+              <a:t>23</a:t>
+            </a:fld>
+            <a:endParaRPr kumimoji="1" lang="ja-JP" altLang="en-US"/>
+          </a:p>
+        </p:txBody>
+      </p:sp>
+      <p:pic>
+        <p:nvPicPr>
+          <p:cNvPr id="4" name="図 3">
+            <a:extLst>
+              <a:ext uri="{FF2B5EF4-FFF2-40B4-BE49-F238E27FC236}">
+                <a16:creationId xmlns:a16="http://schemas.microsoft.com/office/drawing/2014/main" id="{D982CB46-AB31-4436-8283-8B3C56974883}"/>
+              </a:ext>
+            </a:extLst>
+          </p:cNvPr>
+          <p:cNvPicPr>
+            <a:picLocks noChangeAspect="1"/>
+          </p:cNvPicPr>
+          <p:nvPr/>
+        </p:nvPicPr>
+        <p:blipFill>
+          <a:blip r:embed="rId2"/>
+          <a:stretch>
+            <a:fillRect/>
+          </a:stretch>
+        </p:blipFill>
+        <p:spPr>
+          <a:xfrm>
+            <a:off x="1329765" y="1077590"/>
+            <a:ext cx="6944694" cy="4629796"/>
+          </a:xfrm>
+          <a:prstGeom prst="rect">
+            <a:avLst/>
+          </a:prstGeom>
+        </p:spPr>
+      </p:pic>
+    </p:spTree>
+    <p:extLst>
+      <p:ext uri="{BB962C8B-B14F-4D97-AF65-F5344CB8AC3E}">
+        <p14:creationId xmlns:p14="http://schemas.microsoft.com/office/powerpoint/2010/main" val="455941886"/>
+      </p:ext>
+    </p:extLst>
+  </p:cSld>
+  <p:clrMapOvr>
+    <a:masterClrMapping/>
+  </p:clrMapOvr>
+</p:sld>
+</file>
+
+<file path=ppt/slides/slide3.xml><?xml version="1.0" encoding="utf-8"?>
+<p:sld xmlns:a="http://schemas.openxmlformats.org/drawingml/2006/main" xmlns:r="http://schemas.openxmlformats.org/officeDocument/2006/relationships" xmlns:p="http://schemas.openxmlformats.org/presentationml/2006/main">
+  <p:cSld>
+    <p:spTree>
+      <p:nvGrpSpPr>
+        <p:cNvPr id="1" name=""/>
+        <p:cNvGrpSpPr/>
+        <p:nvPr/>
+      </p:nvGrpSpPr>
+      <p:grpSpPr>
+        <a:xfrm>
+          <a:off x="0" y="0"/>
+          <a:ext cx="0" cy="0"/>
+          <a:chOff x="0" y="0"/>
+          <a:chExt cx="0" cy="0"/>
+        </a:xfrm>
+      </p:grpSpPr>
+      <p:sp>
+        <p:nvSpPr>
+          <p:cNvPr id="2" name="タイトル 1">
+            <a:extLst>
+              <a:ext uri="{FF2B5EF4-FFF2-40B4-BE49-F238E27FC236}">
                 <a16:creationId xmlns:a16="http://schemas.microsoft.com/office/drawing/2014/main" id="{C11D935B-1BCE-4F05-BD7B-727BCFAD598A}"/>
               </a:ext>
             </a:extLst>
@@ -6909,7 +8557,7 @@
           <a:p>
             <a:fld id="{3AFE6E60-CD60-443C-BB33-38BE591B4EDC}" type="slidenum">
               <a:rPr kumimoji="1" lang="ja-JP" altLang="en-US" smtClean="0"/>
-              <a:t>2</a:t>
+              <a:t>3</a:t>
             </a:fld>
             <a:endParaRPr kumimoji="1" lang="ja-JP" altLang="en-US"/>
           </a:p>
@@ -9965,349 +11613,7 @@
 </p:sld>
 </file>
 
-<file path=ppt/slides/slide20.xml><?xml version="1.0" encoding="utf-8"?>
-<p:sld xmlns:a="http://schemas.openxmlformats.org/drawingml/2006/main" xmlns:r="http://schemas.openxmlformats.org/officeDocument/2006/relationships" xmlns:p="http://schemas.openxmlformats.org/presentationml/2006/main">
-  <p:cSld>
-    <p:spTree>
-      <p:nvGrpSpPr>
-        <p:cNvPr id="1" name=""/>
-        <p:cNvGrpSpPr/>
-        <p:nvPr/>
-      </p:nvGrpSpPr>
-      <p:grpSpPr>
-        <a:xfrm>
-          <a:off x="0" y="0"/>
-          <a:ext cx="0" cy="0"/>
-          <a:chOff x="0" y="0"/>
-          <a:chExt cx="0" cy="0"/>
-        </a:xfrm>
-      </p:grpSpPr>
-      <p:sp>
-        <p:nvSpPr>
-          <p:cNvPr id="2" name="タイトル 1">
-            <a:extLst>
-              <a:ext uri="{FF2B5EF4-FFF2-40B4-BE49-F238E27FC236}">
-                <a16:creationId xmlns:a16="http://schemas.microsoft.com/office/drawing/2014/main" id="{EDC33AFE-27AB-47EB-A4B1-D5EF931884E7}"/>
-              </a:ext>
-            </a:extLst>
-          </p:cNvPr>
-          <p:cNvSpPr>
-            <a:spLocks noGrp="1"/>
-          </p:cNvSpPr>
-          <p:nvPr>
-            <p:ph type="title"/>
-          </p:nvPr>
-        </p:nvSpPr>
-        <p:spPr/>
-        <p:txBody>
-          <a:bodyPr/>
-          <a:lstStyle/>
-          <a:p>
-            <a:endParaRPr kumimoji="1" lang="ja-JP" altLang="en-US"/>
-          </a:p>
-        </p:txBody>
-      </p:sp>
-      <p:sp>
-        <p:nvSpPr>
-          <p:cNvPr id="3" name="スライド番号プレースホルダー 2">
-            <a:extLst>
-              <a:ext uri="{FF2B5EF4-FFF2-40B4-BE49-F238E27FC236}">
-                <a16:creationId xmlns:a16="http://schemas.microsoft.com/office/drawing/2014/main" id="{22DD4425-D1A7-4BA1-B810-13A4ED543E6C}"/>
-              </a:ext>
-            </a:extLst>
-          </p:cNvPr>
-          <p:cNvSpPr>
-            <a:spLocks noGrp="1"/>
-          </p:cNvSpPr>
-          <p:nvPr>
-            <p:ph type="sldNum" sz="quarter" idx="12"/>
-          </p:nvPr>
-        </p:nvSpPr>
-        <p:spPr/>
-        <p:txBody>
-          <a:bodyPr/>
-          <a:lstStyle/>
-          <a:p>
-            <a:fld id="{3AFE6E60-CD60-443C-BB33-38BE591B4EDC}" type="slidenum">
-              <a:rPr kumimoji="1" lang="ja-JP" altLang="en-US" smtClean="0"/>
-              <a:t>20</a:t>
-            </a:fld>
-            <a:endParaRPr kumimoji="1" lang="ja-JP" altLang="en-US"/>
-          </a:p>
-        </p:txBody>
-      </p:sp>
-      <p:pic>
-        <p:nvPicPr>
-          <p:cNvPr id="5" name="図 4">
-            <a:extLst>
-              <a:ext uri="{FF2B5EF4-FFF2-40B4-BE49-F238E27FC236}">
-                <a16:creationId xmlns:a16="http://schemas.microsoft.com/office/drawing/2014/main" id="{B9CF245A-7B62-4209-8490-94BAFF3231A7}"/>
-              </a:ext>
-            </a:extLst>
-          </p:cNvPr>
-          <p:cNvPicPr>
-            <a:picLocks noChangeAspect="1"/>
-          </p:cNvPicPr>
-          <p:nvPr/>
-        </p:nvPicPr>
-        <p:blipFill>
-          <a:blip r:embed="rId2"/>
-          <a:stretch>
-            <a:fillRect/>
-          </a:stretch>
-        </p:blipFill>
-        <p:spPr>
-          <a:xfrm>
-            <a:off x="1385389" y="1437997"/>
-            <a:ext cx="7135221" cy="3982006"/>
-          </a:xfrm>
-          <a:prstGeom prst="rect">
-            <a:avLst/>
-          </a:prstGeom>
-        </p:spPr>
-      </p:pic>
-    </p:spTree>
-    <p:extLst>
-      <p:ext uri="{BB962C8B-B14F-4D97-AF65-F5344CB8AC3E}">
-        <p14:creationId xmlns:p14="http://schemas.microsoft.com/office/powerpoint/2010/main" val="1714064885"/>
-      </p:ext>
-    </p:extLst>
-  </p:cSld>
-  <p:clrMapOvr>
-    <a:masterClrMapping/>
-  </p:clrMapOvr>
-</p:sld>
-</file>
-
-<file path=ppt/slides/slide21.xml><?xml version="1.0" encoding="utf-8"?>
-<p:sld xmlns:a="http://schemas.openxmlformats.org/drawingml/2006/main" xmlns:r="http://schemas.openxmlformats.org/officeDocument/2006/relationships" xmlns:p="http://schemas.openxmlformats.org/presentationml/2006/main">
-  <p:cSld>
-    <p:spTree>
-      <p:nvGrpSpPr>
-        <p:cNvPr id="1" name=""/>
-        <p:cNvGrpSpPr/>
-        <p:nvPr/>
-      </p:nvGrpSpPr>
-      <p:grpSpPr>
-        <a:xfrm>
-          <a:off x="0" y="0"/>
-          <a:ext cx="0" cy="0"/>
-          <a:chOff x="0" y="0"/>
-          <a:chExt cx="0" cy="0"/>
-        </a:xfrm>
-      </p:grpSpPr>
-      <p:sp>
-        <p:nvSpPr>
-          <p:cNvPr id="2" name="タイトル 1">
-            <a:extLst>
-              <a:ext uri="{FF2B5EF4-FFF2-40B4-BE49-F238E27FC236}">
-                <a16:creationId xmlns:a16="http://schemas.microsoft.com/office/drawing/2014/main" id="{B098BF7A-91BE-4E98-9A88-D3EF393C29F5}"/>
-              </a:ext>
-            </a:extLst>
-          </p:cNvPr>
-          <p:cNvSpPr>
-            <a:spLocks noGrp="1"/>
-          </p:cNvSpPr>
-          <p:nvPr>
-            <p:ph type="title"/>
-          </p:nvPr>
-        </p:nvSpPr>
-        <p:spPr/>
-        <p:txBody>
-          <a:bodyPr/>
-          <a:lstStyle/>
-          <a:p>
-            <a:endParaRPr kumimoji="1" lang="ja-JP" altLang="en-US"/>
-          </a:p>
-        </p:txBody>
-      </p:sp>
-      <p:sp>
-        <p:nvSpPr>
-          <p:cNvPr id="3" name="スライド番号プレースホルダー 2">
-            <a:extLst>
-              <a:ext uri="{FF2B5EF4-FFF2-40B4-BE49-F238E27FC236}">
-                <a16:creationId xmlns:a16="http://schemas.microsoft.com/office/drawing/2014/main" id="{30B3CED0-95CD-4AD7-9097-C93825CA68ED}"/>
-              </a:ext>
-            </a:extLst>
-          </p:cNvPr>
-          <p:cNvSpPr>
-            <a:spLocks noGrp="1"/>
-          </p:cNvSpPr>
-          <p:nvPr>
-            <p:ph type="sldNum" sz="quarter" idx="12"/>
-          </p:nvPr>
-        </p:nvSpPr>
-        <p:spPr/>
-        <p:txBody>
-          <a:bodyPr/>
-          <a:lstStyle/>
-          <a:p>
-            <a:fld id="{3AFE6E60-CD60-443C-BB33-38BE591B4EDC}" type="slidenum">
-              <a:rPr kumimoji="1" lang="ja-JP" altLang="en-US" smtClean="0"/>
-              <a:t>21</a:t>
-            </a:fld>
-            <a:endParaRPr kumimoji="1" lang="ja-JP" altLang="en-US"/>
-          </a:p>
-        </p:txBody>
-      </p:sp>
-      <p:pic>
-        <p:nvPicPr>
-          <p:cNvPr id="5" name="図 4">
-            <a:extLst>
-              <a:ext uri="{FF2B5EF4-FFF2-40B4-BE49-F238E27FC236}">
-                <a16:creationId xmlns:a16="http://schemas.microsoft.com/office/drawing/2014/main" id="{430DF9A3-BF15-49A6-A2F7-993FE6EC095B}"/>
-              </a:ext>
-            </a:extLst>
-          </p:cNvPr>
-          <p:cNvPicPr>
-            <a:picLocks noChangeAspect="1"/>
-          </p:cNvPicPr>
-          <p:nvPr/>
-        </p:nvPicPr>
-        <p:blipFill>
-          <a:blip r:embed="rId2"/>
-          <a:stretch>
-            <a:fillRect/>
-          </a:stretch>
-        </p:blipFill>
-        <p:spPr>
-          <a:xfrm>
-            <a:off x="877806" y="241730"/>
-            <a:ext cx="7910095" cy="3998154"/>
-          </a:xfrm>
-          <a:prstGeom prst="rect">
-            <a:avLst/>
-          </a:prstGeom>
-        </p:spPr>
-      </p:pic>
-    </p:spTree>
-    <p:extLst>
-      <p:ext uri="{BB962C8B-B14F-4D97-AF65-F5344CB8AC3E}">
-        <p14:creationId xmlns:p14="http://schemas.microsoft.com/office/powerpoint/2010/main" val="1766045049"/>
-      </p:ext>
-    </p:extLst>
-  </p:cSld>
-  <p:clrMapOvr>
-    <a:masterClrMapping/>
-  </p:clrMapOvr>
-</p:sld>
-</file>
-
-<file path=ppt/slides/slide22.xml><?xml version="1.0" encoding="utf-8"?>
-<p:sld xmlns:a="http://schemas.openxmlformats.org/drawingml/2006/main" xmlns:r="http://schemas.openxmlformats.org/officeDocument/2006/relationships" xmlns:p="http://schemas.openxmlformats.org/presentationml/2006/main">
-  <p:cSld>
-    <p:spTree>
-      <p:nvGrpSpPr>
-        <p:cNvPr id="1" name=""/>
-        <p:cNvGrpSpPr/>
-        <p:nvPr/>
-      </p:nvGrpSpPr>
-      <p:grpSpPr>
-        <a:xfrm>
-          <a:off x="0" y="0"/>
-          <a:ext cx="0" cy="0"/>
-          <a:chOff x="0" y="0"/>
-          <a:chExt cx="0" cy="0"/>
-        </a:xfrm>
-      </p:grpSpPr>
-      <p:sp>
-        <p:nvSpPr>
-          <p:cNvPr id="2" name="タイトル 1">
-            <a:extLst>
-              <a:ext uri="{FF2B5EF4-FFF2-40B4-BE49-F238E27FC236}">
-                <a16:creationId xmlns:a16="http://schemas.microsoft.com/office/drawing/2014/main" id="{5C807DA7-CE8A-47C1-BD1F-01CD303C4713}"/>
-              </a:ext>
-            </a:extLst>
-          </p:cNvPr>
-          <p:cNvSpPr>
-            <a:spLocks noGrp="1"/>
-          </p:cNvSpPr>
-          <p:nvPr>
-            <p:ph type="title"/>
-          </p:nvPr>
-        </p:nvSpPr>
-        <p:spPr/>
-        <p:txBody>
-          <a:bodyPr/>
-          <a:lstStyle/>
-          <a:p>
-            <a:endParaRPr kumimoji="1" lang="ja-JP" altLang="en-US"/>
-          </a:p>
-        </p:txBody>
-      </p:sp>
-      <p:sp>
-        <p:nvSpPr>
-          <p:cNvPr id="3" name="スライド番号プレースホルダー 2">
-            <a:extLst>
-              <a:ext uri="{FF2B5EF4-FFF2-40B4-BE49-F238E27FC236}">
-                <a16:creationId xmlns:a16="http://schemas.microsoft.com/office/drawing/2014/main" id="{9DD3B87D-88CE-4B1E-959A-EFD90E6ABB29}"/>
-              </a:ext>
-            </a:extLst>
-          </p:cNvPr>
-          <p:cNvSpPr>
-            <a:spLocks noGrp="1"/>
-          </p:cNvSpPr>
-          <p:nvPr>
-            <p:ph type="sldNum" sz="quarter" idx="12"/>
-          </p:nvPr>
-        </p:nvSpPr>
-        <p:spPr/>
-        <p:txBody>
-          <a:bodyPr/>
-          <a:lstStyle/>
-          <a:p>
-            <a:fld id="{3AFE6E60-CD60-443C-BB33-38BE591B4EDC}" type="slidenum">
-              <a:rPr kumimoji="1" lang="ja-JP" altLang="en-US" smtClean="0"/>
-              <a:t>22</a:t>
-            </a:fld>
-            <a:endParaRPr kumimoji="1" lang="ja-JP" altLang="en-US"/>
-          </a:p>
-        </p:txBody>
-      </p:sp>
-      <p:pic>
-        <p:nvPicPr>
-          <p:cNvPr id="4" name="図 3">
-            <a:extLst>
-              <a:ext uri="{FF2B5EF4-FFF2-40B4-BE49-F238E27FC236}">
-                <a16:creationId xmlns:a16="http://schemas.microsoft.com/office/drawing/2014/main" id="{D982CB46-AB31-4436-8283-8B3C56974883}"/>
-              </a:ext>
-            </a:extLst>
-          </p:cNvPr>
-          <p:cNvPicPr>
-            <a:picLocks noChangeAspect="1"/>
-          </p:cNvPicPr>
-          <p:nvPr/>
-        </p:nvPicPr>
-        <p:blipFill>
-          <a:blip r:embed="rId2"/>
-          <a:stretch>
-            <a:fillRect/>
-          </a:stretch>
-        </p:blipFill>
-        <p:spPr>
-          <a:xfrm>
-            <a:off x="1329765" y="1077590"/>
-            <a:ext cx="6944694" cy="4629796"/>
-          </a:xfrm>
-          <a:prstGeom prst="rect">
-            <a:avLst/>
-          </a:prstGeom>
-        </p:spPr>
-      </p:pic>
-    </p:spTree>
-    <p:extLst>
-      <p:ext uri="{BB962C8B-B14F-4D97-AF65-F5344CB8AC3E}">
-        <p14:creationId xmlns:p14="http://schemas.microsoft.com/office/powerpoint/2010/main" val="455941886"/>
-      </p:ext>
-    </p:extLst>
-  </p:cSld>
-  <p:clrMapOvr>
-    <a:masterClrMapping/>
-  </p:clrMapOvr>
-</p:sld>
-</file>
-
-<file path=ppt/slides/slide3.xml><?xml version="1.0" encoding="utf-8"?>
+<file path=ppt/slides/slide4.xml><?xml version="1.0" encoding="utf-8"?>
 <p:sld xmlns:a="http://schemas.openxmlformats.org/drawingml/2006/main" xmlns:r="http://schemas.openxmlformats.org/officeDocument/2006/relationships" xmlns:p="http://schemas.openxmlformats.org/presentationml/2006/main">
   <p:cSld>
     <p:spTree>
@@ -11266,7 +12572,7 @@
 </p:sld>
 </file>
 
-<file path=ppt/slides/slide4.xml><?xml version="1.0" encoding="utf-8"?>
+<file path=ppt/slides/slide5.xml><?xml version="1.0" encoding="utf-8"?>
 <p:sld xmlns:a="http://schemas.openxmlformats.org/drawingml/2006/main" xmlns:r="http://schemas.openxmlformats.org/officeDocument/2006/relationships" xmlns:p="http://schemas.openxmlformats.org/presentationml/2006/main">
   <p:cSld>
     <p:spTree>
@@ -11603,7 +12909,7 @@
 </p:sld>
 </file>
 
-<file path=ppt/slides/slide5.xml><?xml version="1.0" encoding="utf-8"?>
+<file path=ppt/slides/slide6.xml><?xml version="1.0" encoding="utf-8"?>
 <p:sld xmlns:a="http://schemas.openxmlformats.org/drawingml/2006/main" xmlns:r="http://schemas.openxmlformats.org/officeDocument/2006/relationships" xmlns:p="http://schemas.openxmlformats.org/presentationml/2006/main">
   <p:cSld>
     <p:spTree>
@@ -11778,203 +13084,6 @@
     <p:extLst>
       <p:ext uri="{BB962C8B-B14F-4D97-AF65-F5344CB8AC3E}">
         <p14:creationId xmlns:p14="http://schemas.microsoft.com/office/powerpoint/2010/main" val="218869737"/>
-      </p:ext>
-    </p:extLst>
-  </p:cSld>
-  <p:clrMapOvr>
-    <a:masterClrMapping/>
-  </p:clrMapOvr>
-</p:sld>
-</file>
-
-<file path=ppt/slides/slide6.xml><?xml version="1.0" encoding="utf-8"?>
-<p:sld xmlns:a="http://schemas.openxmlformats.org/drawingml/2006/main" xmlns:r="http://schemas.openxmlformats.org/officeDocument/2006/relationships" xmlns:p="http://schemas.openxmlformats.org/presentationml/2006/main">
-  <p:cSld>
-    <p:spTree>
-      <p:nvGrpSpPr>
-        <p:cNvPr id="1" name=""/>
-        <p:cNvGrpSpPr/>
-        <p:nvPr/>
-      </p:nvGrpSpPr>
-      <p:grpSpPr>
-        <a:xfrm>
-          <a:off x="0" y="0"/>
-          <a:ext cx="0" cy="0"/>
-          <a:chOff x="0" y="0"/>
-          <a:chExt cx="0" cy="0"/>
-        </a:xfrm>
-      </p:grpSpPr>
-      <p:sp>
-        <p:nvSpPr>
-          <p:cNvPr id="2" name="タイトル 1">
-            <a:extLst>
-              <a:ext uri="{FF2B5EF4-FFF2-40B4-BE49-F238E27FC236}">
-                <a16:creationId xmlns:a16="http://schemas.microsoft.com/office/drawing/2014/main" id="{C11D935B-1BCE-4F05-BD7B-727BCFAD598A}"/>
-              </a:ext>
-            </a:extLst>
-          </p:cNvPr>
-          <p:cNvSpPr>
-            <a:spLocks noGrp="1"/>
-          </p:cNvSpPr>
-          <p:nvPr>
-            <p:ph type="title"/>
-          </p:nvPr>
-        </p:nvSpPr>
-        <p:spPr>
-          <a:xfrm>
-            <a:off x="681037" y="36307"/>
-            <a:ext cx="8543925" cy="599377"/>
-          </a:xfrm>
-        </p:spPr>
-        <p:txBody>
-          <a:bodyPr>
-            <a:normAutofit/>
-          </a:bodyPr>
-          <a:lstStyle/>
-          <a:p>
-            <a:r>
-              <a:rPr lang="ja-JP" altLang="en-US" sz="1500" dirty="0"/>
-              <a:t>学習方法の遷移</a:t>
-            </a:r>
-            <a:endParaRPr kumimoji="1" lang="ja-JP" altLang="en-US" sz="1500" dirty="0"/>
-          </a:p>
-        </p:txBody>
-      </p:sp>
-      <p:sp>
-        <p:nvSpPr>
-          <p:cNvPr id="5" name="正方形/長方形 4">
-            <a:extLst>
-              <a:ext uri="{FF2B5EF4-FFF2-40B4-BE49-F238E27FC236}">
-                <a16:creationId xmlns:a16="http://schemas.microsoft.com/office/drawing/2014/main" id="{9C6E2B66-B228-4C71-A5A5-B250BB750C7E}"/>
-              </a:ext>
-            </a:extLst>
-          </p:cNvPr>
-          <p:cNvSpPr/>
-          <p:nvPr/>
-        </p:nvSpPr>
-        <p:spPr>
-          <a:xfrm>
-            <a:off x="2488556" y="1987952"/>
-            <a:ext cx="5220183" cy="2011101"/>
-          </a:xfrm>
-          <a:prstGeom prst="rect">
-            <a:avLst/>
-          </a:prstGeom>
-        </p:spPr>
-        <p:style>
-          <a:lnRef idx="1">
-            <a:schemeClr val="accent3"/>
-          </a:lnRef>
-          <a:fillRef idx="2">
-            <a:schemeClr val="accent3"/>
-          </a:fillRef>
-          <a:effectRef idx="1">
-            <a:schemeClr val="accent3"/>
-          </a:effectRef>
-          <a:fontRef idx="minor">
-            <a:schemeClr val="dk1"/>
-          </a:fontRef>
-        </p:style>
-        <p:txBody>
-          <a:bodyPr rtlCol="0" anchor="ctr"/>
-          <a:lstStyle/>
-          <a:p>
-            <a:pPr algn="ctr"/>
-            <a:r>
-              <a:rPr kumimoji="1" lang="ja-JP" altLang="en-US" dirty="0"/>
-              <a:t>現レベル中間層に来ている</a:t>
-            </a:r>
-            <a:r>
-              <a:rPr kumimoji="1" lang="en-US" altLang="ja-JP" dirty="0"/>
-              <a:t>&amp;</a:t>
-            </a:r>
-          </a:p>
-          <a:p>
-            <a:pPr algn="ctr"/>
-            <a:r>
-              <a:rPr kumimoji="1" lang="ja-JP" altLang="en-US" dirty="0"/>
-              <a:t>仕事での利用機会がない人の</a:t>
-            </a:r>
-            <a:endParaRPr kumimoji="1" lang="en-US" altLang="ja-JP" dirty="0"/>
-          </a:p>
-          <a:p>
-            <a:pPr algn="ctr"/>
-            <a:r>
-              <a:rPr kumimoji="1" lang="ja-JP" altLang="en-US" dirty="0"/>
-              <a:t>学習モチベーション</a:t>
-            </a:r>
-            <a:endParaRPr kumimoji="1" lang="en-US" altLang="ja-JP" dirty="0"/>
-          </a:p>
-          <a:p>
-            <a:pPr algn="ctr"/>
-            <a:r>
-              <a:rPr kumimoji="1" lang="ja-JP" altLang="en-US" dirty="0"/>
-              <a:t>→本当は機会がほしいが無いのでは</a:t>
-            </a:r>
-            <a:endParaRPr kumimoji="1" lang="en-US" altLang="ja-JP" dirty="0"/>
-          </a:p>
-        </p:txBody>
-      </p:sp>
-      <p:sp>
-        <p:nvSpPr>
-          <p:cNvPr id="6" name="正方形/長方形 5">
-            <a:extLst>
-              <a:ext uri="{FF2B5EF4-FFF2-40B4-BE49-F238E27FC236}">
-                <a16:creationId xmlns:a16="http://schemas.microsoft.com/office/drawing/2014/main" id="{ED272E1A-212A-43DB-A261-5C8EFA2230CA}"/>
-              </a:ext>
-            </a:extLst>
-          </p:cNvPr>
-          <p:cNvSpPr/>
-          <p:nvPr/>
-        </p:nvSpPr>
-        <p:spPr>
-          <a:xfrm>
-            <a:off x="3119376" y="3562109"/>
-            <a:ext cx="5220183" cy="2011101"/>
-          </a:xfrm>
-          <a:prstGeom prst="rect">
-            <a:avLst/>
-          </a:prstGeom>
-        </p:spPr>
-        <p:style>
-          <a:lnRef idx="1">
-            <a:schemeClr val="accent3"/>
-          </a:lnRef>
-          <a:fillRef idx="2">
-            <a:schemeClr val="accent3"/>
-          </a:fillRef>
-          <a:effectRef idx="1">
-            <a:schemeClr val="accent3"/>
-          </a:effectRef>
-          <a:fontRef idx="minor">
-            <a:schemeClr val="dk1"/>
-          </a:fontRef>
-        </p:style>
-        <p:txBody>
-          <a:bodyPr rtlCol="0" anchor="ctr"/>
-          <a:lstStyle/>
-          <a:p>
-            <a:pPr algn="ctr"/>
-            <a:r>
-              <a:rPr kumimoji="1" lang="ja-JP" altLang="en-US" dirty="0"/>
-              <a:t>海外旅行の頻度、</a:t>
-            </a:r>
-            <a:r>
-              <a:rPr kumimoji="1" lang="en-US" altLang="ja-JP" dirty="0" err="1"/>
-              <a:t>Etc</a:t>
-            </a:r>
-            <a:r>
-              <a:rPr kumimoji="1" lang="ja-JP" altLang="en-US" dirty="0"/>
-              <a:t>、、、</a:t>
-            </a:r>
-            <a:endParaRPr kumimoji="1" lang="en-US" altLang="ja-JP" dirty="0"/>
-          </a:p>
-        </p:txBody>
-      </p:sp>
-    </p:spTree>
-    <p:extLst>
-      <p:ext uri="{BB962C8B-B14F-4D97-AF65-F5344CB8AC3E}">
-        <p14:creationId xmlns:p14="http://schemas.microsoft.com/office/powerpoint/2010/main" val="2560492058"/>
       </p:ext>
     </p:extLst>
   </p:cSld>
@@ -12079,6 +13188,203 @@
             <a:pPr algn="ctr"/>
             <a:r>
               <a:rPr kumimoji="1" lang="ja-JP" altLang="en-US" dirty="0"/>
+              <a:t>現レベル中間層に来ている</a:t>
+            </a:r>
+            <a:r>
+              <a:rPr kumimoji="1" lang="en-US" altLang="ja-JP" dirty="0"/>
+              <a:t>&amp;</a:t>
+            </a:r>
+          </a:p>
+          <a:p>
+            <a:pPr algn="ctr"/>
+            <a:r>
+              <a:rPr kumimoji="1" lang="ja-JP" altLang="en-US" dirty="0"/>
+              <a:t>仕事での利用機会がない人の</a:t>
+            </a:r>
+            <a:endParaRPr kumimoji="1" lang="en-US" altLang="ja-JP" dirty="0"/>
+          </a:p>
+          <a:p>
+            <a:pPr algn="ctr"/>
+            <a:r>
+              <a:rPr kumimoji="1" lang="ja-JP" altLang="en-US" dirty="0"/>
+              <a:t>学習モチベーション</a:t>
+            </a:r>
+            <a:endParaRPr kumimoji="1" lang="en-US" altLang="ja-JP" dirty="0"/>
+          </a:p>
+          <a:p>
+            <a:pPr algn="ctr"/>
+            <a:r>
+              <a:rPr kumimoji="1" lang="ja-JP" altLang="en-US" dirty="0"/>
+              <a:t>→本当は機会がほしいが無いのでは</a:t>
+            </a:r>
+            <a:endParaRPr kumimoji="1" lang="en-US" altLang="ja-JP" dirty="0"/>
+          </a:p>
+        </p:txBody>
+      </p:sp>
+      <p:sp>
+        <p:nvSpPr>
+          <p:cNvPr id="6" name="正方形/長方形 5">
+            <a:extLst>
+              <a:ext uri="{FF2B5EF4-FFF2-40B4-BE49-F238E27FC236}">
+                <a16:creationId xmlns:a16="http://schemas.microsoft.com/office/drawing/2014/main" id="{ED272E1A-212A-43DB-A261-5C8EFA2230CA}"/>
+              </a:ext>
+            </a:extLst>
+          </p:cNvPr>
+          <p:cNvSpPr/>
+          <p:nvPr/>
+        </p:nvSpPr>
+        <p:spPr>
+          <a:xfrm>
+            <a:off x="3119376" y="3562109"/>
+            <a:ext cx="5220183" cy="2011101"/>
+          </a:xfrm>
+          <a:prstGeom prst="rect">
+            <a:avLst/>
+          </a:prstGeom>
+        </p:spPr>
+        <p:style>
+          <a:lnRef idx="1">
+            <a:schemeClr val="accent3"/>
+          </a:lnRef>
+          <a:fillRef idx="2">
+            <a:schemeClr val="accent3"/>
+          </a:fillRef>
+          <a:effectRef idx="1">
+            <a:schemeClr val="accent3"/>
+          </a:effectRef>
+          <a:fontRef idx="minor">
+            <a:schemeClr val="dk1"/>
+          </a:fontRef>
+        </p:style>
+        <p:txBody>
+          <a:bodyPr rtlCol="0" anchor="ctr"/>
+          <a:lstStyle/>
+          <a:p>
+            <a:pPr algn="ctr"/>
+            <a:r>
+              <a:rPr kumimoji="1" lang="ja-JP" altLang="en-US" dirty="0"/>
+              <a:t>海外旅行の頻度、</a:t>
+            </a:r>
+            <a:r>
+              <a:rPr kumimoji="1" lang="en-US" altLang="ja-JP" dirty="0" err="1"/>
+              <a:t>Etc</a:t>
+            </a:r>
+            <a:r>
+              <a:rPr kumimoji="1" lang="ja-JP" altLang="en-US" dirty="0"/>
+              <a:t>、、、</a:t>
+            </a:r>
+            <a:endParaRPr kumimoji="1" lang="en-US" altLang="ja-JP" dirty="0"/>
+          </a:p>
+        </p:txBody>
+      </p:sp>
+    </p:spTree>
+    <p:extLst>
+      <p:ext uri="{BB962C8B-B14F-4D97-AF65-F5344CB8AC3E}">
+        <p14:creationId xmlns:p14="http://schemas.microsoft.com/office/powerpoint/2010/main" val="2560492058"/>
+      </p:ext>
+    </p:extLst>
+  </p:cSld>
+  <p:clrMapOvr>
+    <a:masterClrMapping/>
+  </p:clrMapOvr>
+</p:sld>
+</file>
+
+<file path=ppt/slides/slide8.xml><?xml version="1.0" encoding="utf-8"?>
+<p:sld xmlns:a="http://schemas.openxmlformats.org/drawingml/2006/main" xmlns:r="http://schemas.openxmlformats.org/officeDocument/2006/relationships" xmlns:p="http://schemas.openxmlformats.org/presentationml/2006/main">
+  <p:cSld>
+    <p:spTree>
+      <p:nvGrpSpPr>
+        <p:cNvPr id="1" name=""/>
+        <p:cNvGrpSpPr/>
+        <p:nvPr/>
+      </p:nvGrpSpPr>
+      <p:grpSpPr>
+        <a:xfrm>
+          <a:off x="0" y="0"/>
+          <a:ext cx="0" cy="0"/>
+          <a:chOff x="0" y="0"/>
+          <a:chExt cx="0" cy="0"/>
+        </a:xfrm>
+      </p:grpSpPr>
+      <p:sp>
+        <p:nvSpPr>
+          <p:cNvPr id="2" name="タイトル 1">
+            <a:extLst>
+              <a:ext uri="{FF2B5EF4-FFF2-40B4-BE49-F238E27FC236}">
+                <a16:creationId xmlns:a16="http://schemas.microsoft.com/office/drawing/2014/main" id="{C11D935B-1BCE-4F05-BD7B-727BCFAD598A}"/>
+              </a:ext>
+            </a:extLst>
+          </p:cNvPr>
+          <p:cNvSpPr>
+            <a:spLocks noGrp="1"/>
+          </p:cNvSpPr>
+          <p:nvPr>
+            <p:ph type="title"/>
+          </p:nvPr>
+        </p:nvSpPr>
+        <p:spPr>
+          <a:xfrm>
+            <a:off x="681037" y="36307"/>
+            <a:ext cx="8543925" cy="599377"/>
+          </a:xfrm>
+        </p:spPr>
+        <p:txBody>
+          <a:bodyPr>
+            <a:normAutofit/>
+          </a:bodyPr>
+          <a:lstStyle/>
+          <a:p>
+            <a:r>
+              <a:rPr lang="ja-JP" altLang="en-US" sz="1500" dirty="0"/>
+              <a:t>学習方法の遷移</a:t>
+            </a:r>
+            <a:endParaRPr kumimoji="1" lang="ja-JP" altLang="en-US" sz="1500" dirty="0"/>
+          </a:p>
+        </p:txBody>
+      </p:sp>
+      <p:sp>
+        <p:nvSpPr>
+          <p:cNvPr id="5" name="正方形/長方形 4">
+            <a:extLst>
+              <a:ext uri="{FF2B5EF4-FFF2-40B4-BE49-F238E27FC236}">
+                <a16:creationId xmlns:a16="http://schemas.microsoft.com/office/drawing/2014/main" id="{9C6E2B66-B228-4C71-A5A5-B250BB750C7E}"/>
+              </a:ext>
+            </a:extLst>
+          </p:cNvPr>
+          <p:cNvSpPr/>
+          <p:nvPr/>
+        </p:nvSpPr>
+        <p:spPr>
+          <a:xfrm>
+            <a:off x="2488556" y="1987952"/>
+            <a:ext cx="5220183" cy="2011101"/>
+          </a:xfrm>
+          <a:prstGeom prst="rect">
+            <a:avLst/>
+          </a:prstGeom>
+        </p:spPr>
+        <p:style>
+          <a:lnRef idx="1">
+            <a:schemeClr val="accent3"/>
+          </a:lnRef>
+          <a:fillRef idx="2">
+            <a:schemeClr val="accent3"/>
+          </a:fillRef>
+          <a:effectRef idx="1">
+            <a:schemeClr val="accent3"/>
+          </a:effectRef>
+          <a:fontRef idx="minor">
+            <a:schemeClr val="dk1"/>
+          </a:fontRef>
+        </p:style>
+        <p:txBody>
+          <a:bodyPr rtlCol="0" anchor="ctr"/>
+          <a:lstStyle/>
+          <a:p>
+            <a:pPr algn="ctr"/>
+            <a:r>
+              <a:rPr kumimoji="1" lang="ja-JP" altLang="en-US" dirty="0"/>
               <a:t>単に、中間層に来ている人に絞って、</a:t>
             </a:r>
             <a:endParaRPr kumimoji="1" lang="en-US" altLang="ja-JP" dirty="0"/>
@@ -12106,7 +13412,7 @@
 </p:sld>
 </file>
 
-<file path=ppt/slides/slide8.xml><?xml version="1.0" encoding="utf-8"?>
+<file path=ppt/slides/slide9.xml><?xml version="1.0" encoding="utf-8"?>
 <p:sld xmlns:a="http://schemas.openxmlformats.org/drawingml/2006/main" xmlns:r="http://schemas.openxmlformats.org/officeDocument/2006/relationships" xmlns:p="http://schemas.openxmlformats.org/presentationml/2006/main">
   <p:cSld>
     <p:spTree>
@@ -12188,120 +13494,6 @@
     <p:extLst>
       <p:ext uri="{BB962C8B-B14F-4D97-AF65-F5344CB8AC3E}">
         <p14:creationId xmlns:p14="http://schemas.microsoft.com/office/powerpoint/2010/main" val="1458518032"/>
-      </p:ext>
-    </p:extLst>
-  </p:cSld>
-  <p:clrMapOvr>
-    <a:masterClrMapping/>
-  </p:clrMapOvr>
-</p:sld>
-</file>
-
-<file path=ppt/slides/slide9.xml><?xml version="1.0" encoding="utf-8"?>
-<p:sld xmlns:a="http://schemas.openxmlformats.org/drawingml/2006/main" xmlns:r="http://schemas.openxmlformats.org/officeDocument/2006/relationships" xmlns:p="http://schemas.openxmlformats.org/presentationml/2006/main">
-  <p:cSld>
-    <p:spTree>
-      <p:nvGrpSpPr>
-        <p:cNvPr id="1" name=""/>
-        <p:cNvGrpSpPr/>
-        <p:nvPr/>
-      </p:nvGrpSpPr>
-      <p:grpSpPr>
-        <a:xfrm>
-          <a:off x="0" y="0"/>
-          <a:ext cx="0" cy="0"/>
-          <a:chOff x="0" y="0"/>
-          <a:chExt cx="0" cy="0"/>
-        </a:xfrm>
-      </p:grpSpPr>
-      <p:sp>
-        <p:nvSpPr>
-          <p:cNvPr id="2" name="タイトル 1">
-            <a:extLst>
-              <a:ext uri="{FF2B5EF4-FFF2-40B4-BE49-F238E27FC236}">
-                <a16:creationId xmlns:a16="http://schemas.microsoft.com/office/drawing/2014/main" id="{B8CB53AF-73C7-42FD-8451-63A5496E96DD}"/>
-              </a:ext>
-            </a:extLst>
-          </p:cNvPr>
-          <p:cNvSpPr>
-            <a:spLocks noGrp="1"/>
-          </p:cNvSpPr>
-          <p:nvPr>
-            <p:ph type="title"/>
-          </p:nvPr>
-        </p:nvSpPr>
-        <p:spPr/>
-        <p:txBody>
-          <a:bodyPr/>
-          <a:lstStyle/>
-          <a:p>
-            <a:endParaRPr kumimoji="1" lang="ja-JP" altLang="en-US"/>
-          </a:p>
-        </p:txBody>
-      </p:sp>
-      <p:sp>
-        <p:nvSpPr>
-          <p:cNvPr id="3" name="スライド番号プレースホルダー 2">
-            <a:extLst>
-              <a:ext uri="{FF2B5EF4-FFF2-40B4-BE49-F238E27FC236}">
-                <a16:creationId xmlns:a16="http://schemas.microsoft.com/office/drawing/2014/main" id="{30D89710-A07E-4861-AD15-DE5813AD32D2}"/>
-              </a:ext>
-            </a:extLst>
-          </p:cNvPr>
-          <p:cNvSpPr>
-            <a:spLocks noGrp="1"/>
-          </p:cNvSpPr>
-          <p:nvPr>
-            <p:ph type="sldNum" sz="quarter" idx="12"/>
-          </p:nvPr>
-        </p:nvSpPr>
-        <p:spPr/>
-        <p:txBody>
-          <a:bodyPr/>
-          <a:lstStyle/>
-          <a:p>
-            <a:fld id="{3AFE6E60-CD60-443C-BB33-38BE591B4EDC}" type="slidenum">
-              <a:rPr kumimoji="1" lang="ja-JP" altLang="en-US" smtClean="0"/>
-              <a:t>9</a:t>
-            </a:fld>
-            <a:endParaRPr kumimoji="1" lang="ja-JP" altLang="en-US"/>
-          </a:p>
-        </p:txBody>
-      </p:sp>
-      <p:pic>
-        <p:nvPicPr>
-          <p:cNvPr id="5" name="図 4">
-            <a:extLst>
-              <a:ext uri="{FF2B5EF4-FFF2-40B4-BE49-F238E27FC236}">
-                <a16:creationId xmlns:a16="http://schemas.microsoft.com/office/drawing/2014/main" id="{C86E6866-1F3B-473B-BBDA-C6BBAB1730E2}"/>
-              </a:ext>
-            </a:extLst>
-          </p:cNvPr>
-          <p:cNvPicPr>
-            <a:picLocks noChangeAspect="1"/>
-          </p:cNvPicPr>
-          <p:nvPr/>
-        </p:nvPicPr>
-        <p:blipFill>
-          <a:blip r:embed="rId2"/>
-          <a:stretch>
-            <a:fillRect/>
-          </a:stretch>
-        </p:blipFill>
-        <p:spPr>
-          <a:xfrm>
-            <a:off x="1337758" y="999786"/>
-            <a:ext cx="7230484" cy="4858428"/>
-          </a:xfrm>
-          <a:prstGeom prst="rect">
-            <a:avLst/>
-          </a:prstGeom>
-        </p:spPr>
-      </p:pic>
-    </p:spTree>
-    <p:extLst>
-      <p:ext uri="{BB962C8B-B14F-4D97-AF65-F5344CB8AC3E}">
-        <p14:creationId xmlns:p14="http://schemas.microsoft.com/office/powerpoint/2010/main" val="134984950"/>
       </p:ext>
     </p:extLst>
   </p:cSld>

--- a/zz_document/project_Parfait/1_1_ユーザ分析_ver.0.1.pptx
+++ b/zz_document/project_Parfait/1_1_ユーザ分析_ver.0.1.pptx
@@ -277,7 +277,7 @@
           <a:p>
             <a:fld id="{74CD797E-91A6-476A-B9B4-2CC9BB98892C}" type="datetimeFigureOut">
               <a:rPr kumimoji="1" lang="ja-JP" altLang="en-US" smtClean="0"/>
-              <a:t>2022/3/29</a:t>
+              <a:t>2022/4/2</a:t>
             </a:fld>
             <a:endParaRPr kumimoji="1" lang="ja-JP" altLang="en-US"/>
           </a:p>
@@ -875,7 +875,7 @@
           <a:p>
             <a:fld id="{D3FD91DA-464E-41AC-AA10-A6CC6DFC0679}" type="datetime1">
               <a:rPr kumimoji="1" lang="ja-JP" altLang="en-US" smtClean="0"/>
-              <a:t>2022/3/29</a:t>
+              <a:t>2022/4/2</a:t>
             </a:fld>
             <a:endParaRPr kumimoji="1" lang="ja-JP" altLang="en-US"/>
           </a:p>
@@ -1077,7 +1077,7 @@
           <a:p>
             <a:fld id="{571FA43C-A9B9-4DB5-9712-ECC118B6A9E8}" type="datetime1">
               <a:rPr kumimoji="1" lang="ja-JP" altLang="en-US" smtClean="0"/>
-              <a:t>2022/3/29</a:t>
+              <a:t>2022/4/2</a:t>
             </a:fld>
             <a:endParaRPr kumimoji="1" lang="ja-JP" altLang="en-US"/>
           </a:p>
@@ -1289,7 +1289,7 @@
           <a:p>
             <a:fld id="{77C66867-ACD1-4342-AAB6-F21FE0FDA808}" type="datetime1">
               <a:rPr kumimoji="1" lang="ja-JP" altLang="en-US" smtClean="0"/>
-              <a:t>2022/3/29</a:t>
+              <a:t>2022/4/2</a:t>
             </a:fld>
             <a:endParaRPr kumimoji="1" lang="ja-JP" altLang="en-US"/>
           </a:p>
@@ -1491,7 +1491,7 @@
           <a:p>
             <a:fld id="{1062A8DA-0C19-4835-974C-9E03294E09F5}" type="datetime1">
               <a:rPr kumimoji="1" lang="ja-JP" altLang="en-US" smtClean="0"/>
-              <a:t>2022/3/29</a:t>
+              <a:t>2022/4/2</a:t>
             </a:fld>
             <a:endParaRPr kumimoji="1" lang="ja-JP" altLang="en-US"/>
           </a:p>
@@ -1735,7 +1735,7 @@
           <a:p>
             <a:fld id="{36738114-5D0B-4690-928B-E6FB871EB909}" type="datetime1">
               <a:rPr kumimoji="1" lang="ja-JP" altLang="en-US" smtClean="0"/>
-              <a:t>2022/3/29</a:t>
+              <a:t>2022/4/2</a:t>
             </a:fld>
             <a:endParaRPr kumimoji="1" lang="ja-JP" altLang="en-US"/>
           </a:p>
@@ -2031,7 +2031,7 @@
           <a:p>
             <a:fld id="{37032C66-1797-43D7-A77F-B745A1458647}" type="datetime1">
               <a:rPr kumimoji="1" lang="ja-JP" altLang="en-US" smtClean="0"/>
-              <a:t>2022/3/29</a:t>
+              <a:t>2022/4/2</a:t>
             </a:fld>
             <a:endParaRPr kumimoji="1" lang="ja-JP" altLang="en-US"/>
           </a:p>
@@ -2462,7 +2462,7 @@
           <a:p>
             <a:fld id="{3AD76951-0195-4BF2-A848-40F260AABB89}" type="datetime1">
               <a:rPr kumimoji="1" lang="ja-JP" altLang="en-US" smtClean="0"/>
-              <a:t>2022/3/29</a:t>
+              <a:t>2022/4/2</a:t>
             </a:fld>
             <a:endParaRPr kumimoji="1" lang="ja-JP" altLang="en-US"/>
           </a:p>
@@ -2580,7 +2580,7 @@
           <a:p>
             <a:fld id="{83D0591A-F963-4DE3-AF72-4968A1F7D17B}" type="datetime1">
               <a:rPr kumimoji="1" lang="ja-JP" altLang="en-US" smtClean="0"/>
-              <a:t>2022/3/29</a:t>
+              <a:t>2022/4/2</a:t>
             </a:fld>
             <a:endParaRPr kumimoji="1" lang="ja-JP" altLang="en-US"/>
           </a:p>
@@ -2675,7 +2675,7 @@
           <a:p>
             <a:fld id="{11BA0D88-378D-4ECD-BC66-AFAD17A1DBB7}" type="datetime1">
               <a:rPr kumimoji="1" lang="ja-JP" altLang="en-US" smtClean="0"/>
-              <a:t>2022/3/29</a:t>
+              <a:t>2022/4/2</a:t>
             </a:fld>
             <a:endParaRPr kumimoji="1" lang="ja-JP" altLang="en-US"/>
           </a:p>
@@ -2984,7 +2984,7 @@
           <a:p>
             <a:fld id="{09B6A893-2031-4A21-AB22-D251BFEEFADB}" type="datetime1">
               <a:rPr kumimoji="1" lang="ja-JP" altLang="en-US" smtClean="0"/>
-              <a:t>2022/3/29</a:t>
+              <a:t>2022/4/2</a:t>
             </a:fld>
             <a:endParaRPr kumimoji="1" lang="ja-JP" altLang="en-US"/>
           </a:p>
@@ -3241,7 +3241,7 @@
           <a:p>
             <a:fld id="{AF479822-7151-4C93-A7B0-E31BFECD4B49}" type="datetime1">
               <a:rPr kumimoji="1" lang="ja-JP" altLang="en-US" smtClean="0"/>
-              <a:t>2022/3/29</a:t>
+              <a:t>2022/4/2</a:t>
             </a:fld>
             <a:endParaRPr kumimoji="1" lang="ja-JP" altLang="en-US"/>
           </a:p>
@@ -3486,7 +3486,7 @@
           <a:p>
             <a:fld id="{3753EB1F-E888-44F6-9A81-862A0B16A4F7}" type="datetime1">
               <a:rPr kumimoji="1" lang="ja-JP" altLang="en-US" smtClean="0"/>
-              <a:t>2022/3/29</a:t>
+              <a:t>2022/4/2</a:t>
             </a:fld>
             <a:endParaRPr kumimoji="1" lang="ja-JP" altLang="en-US"/>
           </a:p>

--- a/zz_document/project_Parfait/1_1_ユーザ分析_ver.0.1.pptx
+++ b/zz_document/project_Parfait/1_1_ユーザ分析_ver.0.1.pptx
@@ -277,7 +277,7 @@
           <a:p>
             <a:fld id="{74CD797E-91A6-476A-B9B4-2CC9BB98892C}" type="datetimeFigureOut">
               <a:rPr kumimoji="1" lang="ja-JP" altLang="en-US" smtClean="0"/>
-              <a:t>2022/4/2</a:t>
+              <a:t>2022/4/3</a:t>
             </a:fld>
             <a:endParaRPr kumimoji="1" lang="ja-JP" altLang="en-US"/>
           </a:p>
@@ -875,7 +875,7 @@
           <a:p>
             <a:fld id="{D3FD91DA-464E-41AC-AA10-A6CC6DFC0679}" type="datetime1">
               <a:rPr kumimoji="1" lang="ja-JP" altLang="en-US" smtClean="0"/>
-              <a:t>2022/4/2</a:t>
+              <a:t>2022/4/3</a:t>
             </a:fld>
             <a:endParaRPr kumimoji="1" lang="ja-JP" altLang="en-US"/>
           </a:p>
@@ -1077,7 +1077,7 @@
           <a:p>
             <a:fld id="{571FA43C-A9B9-4DB5-9712-ECC118B6A9E8}" type="datetime1">
               <a:rPr kumimoji="1" lang="ja-JP" altLang="en-US" smtClean="0"/>
-              <a:t>2022/4/2</a:t>
+              <a:t>2022/4/3</a:t>
             </a:fld>
             <a:endParaRPr kumimoji="1" lang="ja-JP" altLang="en-US"/>
           </a:p>
@@ -1289,7 +1289,7 @@
           <a:p>
             <a:fld id="{77C66867-ACD1-4342-AAB6-F21FE0FDA808}" type="datetime1">
               <a:rPr kumimoji="1" lang="ja-JP" altLang="en-US" smtClean="0"/>
-              <a:t>2022/4/2</a:t>
+              <a:t>2022/4/3</a:t>
             </a:fld>
             <a:endParaRPr kumimoji="1" lang="ja-JP" altLang="en-US"/>
           </a:p>
@@ -1491,7 +1491,7 @@
           <a:p>
             <a:fld id="{1062A8DA-0C19-4835-974C-9E03294E09F5}" type="datetime1">
               <a:rPr kumimoji="1" lang="ja-JP" altLang="en-US" smtClean="0"/>
-              <a:t>2022/4/2</a:t>
+              <a:t>2022/4/3</a:t>
             </a:fld>
             <a:endParaRPr kumimoji="1" lang="ja-JP" altLang="en-US"/>
           </a:p>
@@ -1735,7 +1735,7 @@
           <a:p>
             <a:fld id="{36738114-5D0B-4690-928B-E6FB871EB909}" type="datetime1">
               <a:rPr kumimoji="1" lang="ja-JP" altLang="en-US" smtClean="0"/>
-              <a:t>2022/4/2</a:t>
+              <a:t>2022/4/3</a:t>
             </a:fld>
             <a:endParaRPr kumimoji="1" lang="ja-JP" altLang="en-US"/>
           </a:p>
@@ -2031,7 +2031,7 @@
           <a:p>
             <a:fld id="{37032C66-1797-43D7-A77F-B745A1458647}" type="datetime1">
               <a:rPr kumimoji="1" lang="ja-JP" altLang="en-US" smtClean="0"/>
-              <a:t>2022/4/2</a:t>
+              <a:t>2022/4/3</a:t>
             </a:fld>
             <a:endParaRPr kumimoji="1" lang="ja-JP" altLang="en-US"/>
           </a:p>
@@ -2462,7 +2462,7 @@
           <a:p>
             <a:fld id="{3AD76951-0195-4BF2-A848-40F260AABB89}" type="datetime1">
               <a:rPr kumimoji="1" lang="ja-JP" altLang="en-US" smtClean="0"/>
-              <a:t>2022/4/2</a:t>
+              <a:t>2022/4/3</a:t>
             </a:fld>
             <a:endParaRPr kumimoji="1" lang="ja-JP" altLang="en-US"/>
           </a:p>
@@ -2580,7 +2580,7 @@
           <a:p>
             <a:fld id="{83D0591A-F963-4DE3-AF72-4968A1F7D17B}" type="datetime1">
               <a:rPr kumimoji="1" lang="ja-JP" altLang="en-US" smtClean="0"/>
-              <a:t>2022/4/2</a:t>
+              <a:t>2022/4/3</a:t>
             </a:fld>
             <a:endParaRPr kumimoji="1" lang="ja-JP" altLang="en-US"/>
           </a:p>
@@ -2675,7 +2675,7 @@
           <a:p>
             <a:fld id="{11BA0D88-378D-4ECD-BC66-AFAD17A1DBB7}" type="datetime1">
               <a:rPr kumimoji="1" lang="ja-JP" altLang="en-US" smtClean="0"/>
-              <a:t>2022/4/2</a:t>
+              <a:t>2022/4/3</a:t>
             </a:fld>
             <a:endParaRPr kumimoji="1" lang="ja-JP" altLang="en-US"/>
           </a:p>
@@ -2984,7 +2984,7 @@
           <a:p>
             <a:fld id="{09B6A893-2031-4A21-AB22-D251BFEEFADB}" type="datetime1">
               <a:rPr kumimoji="1" lang="ja-JP" altLang="en-US" smtClean="0"/>
-              <a:t>2022/4/2</a:t>
+              <a:t>2022/4/3</a:t>
             </a:fld>
             <a:endParaRPr kumimoji="1" lang="ja-JP" altLang="en-US"/>
           </a:p>
@@ -3241,7 +3241,7 @@
           <a:p>
             <a:fld id="{AF479822-7151-4C93-A7B0-E31BFECD4B49}" type="datetime1">
               <a:rPr kumimoji="1" lang="ja-JP" altLang="en-US" smtClean="0"/>
-              <a:t>2022/4/2</a:t>
+              <a:t>2022/4/3</a:t>
             </a:fld>
             <a:endParaRPr kumimoji="1" lang="ja-JP" altLang="en-US"/>
           </a:p>
@@ -3486,7 +3486,7 @@
           <a:p>
             <a:fld id="{3753EB1F-E888-44F6-9A81-862A0B16A4F7}" type="datetime1">
               <a:rPr kumimoji="1" lang="ja-JP" altLang="en-US" smtClean="0"/>
-              <a:t>2022/4/2</a:t>
+              <a:t>2022/4/3</a:t>
             </a:fld>
             <a:endParaRPr kumimoji="1" lang="ja-JP" altLang="en-US"/>
           </a:p>
@@ -4643,8 +4643,8 @@
         </p:nvSpPr>
         <p:spPr>
           <a:xfrm>
-            <a:off x="155993" y="947156"/>
-            <a:ext cx="1213881" cy="298264"/>
+            <a:off x="155994" y="947156"/>
+            <a:ext cx="1056780" cy="298264"/>
           </a:xfrm>
           <a:prstGeom prst="rect">
             <a:avLst/>
